--- a/C-3_配布資料/0630_C3_発表資料.pptx
+++ b/C-3_配布資料/0630_C3_発表資料.pptx
@@ -29,9 +29,9 @@
     <p:sldId id="275" r:id="rId20"/>
     <p:sldId id="276" r:id="rId21"/>
     <p:sldId id="278" r:id="rId22"/>
-    <p:sldId id="279" r:id="rId23"/>
-    <p:sldId id="281" r:id="rId24"/>
-    <p:sldId id="282" r:id="rId25"/>
+    <p:sldId id="281" r:id="rId23"/>
+    <p:sldId id="282" r:id="rId24"/>
+    <p:sldId id="279" r:id="rId25"/>
   </p:sldIdLst>
   <p:sldSz cx="12192000" cy="6858000"/>
   <p:notesSz cx="6858000" cy="9144000"/>
@@ -3531,6 +3531,1595 @@
 </file>
 
 <file path=ppt/diagrams/colors3.xml><?xml version="1.0" encoding="utf-8"?>
+<dgm:colorsDef xmlns:dgm="http://schemas.openxmlformats.org/drawingml/2006/diagram" xmlns:a="http://schemas.openxmlformats.org/drawingml/2006/main" uniqueId="urn:microsoft.com/office/officeart/2005/8/colors/accent0_1">
+  <dgm:title val=""/>
+  <dgm:desc val=""/>
+  <dgm:catLst>
+    <dgm:cat type="mainScheme" pri="10100"/>
+  </dgm:catLst>
+  <dgm:styleLbl name="node0">
+    <dgm:fillClrLst meth="repeat">
+      <a:schemeClr val="lt1"/>
+    </dgm:fillClrLst>
+    <dgm:linClrLst meth="repeat">
+      <a:schemeClr val="dk1">
+        <a:shade val="80000"/>
+      </a:schemeClr>
+    </dgm:linClrLst>
+    <dgm:effectClrLst/>
+    <dgm:txLinClrLst/>
+    <dgm:txFillClrLst meth="repeat">
+      <a:schemeClr val="dk1"/>
+    </dgm:txFillClrLst>
+    <dgm:txEffectClrLst/>
+  </dgm:styleLbl>
+  <dgm:styleLbl name="node1">
+    <dgm:fillClrLst meth="repeat">
+      <a:schemeClr val="lt1"/>
+    </dgm:fillClrLst>
+    <dgm:linClrLst meth="repeat">
+      <a:schemeClr val="dk1">
+        <a:shade val="80000"/>
+      </a:schemeClr>
+    </dgm:linClrLst>
+    <dgm:effectClrLst/>
+    <dgm:txLinClrLst/>
+    <dgm:txFillClrLst meth="repeat">
+      <a:schemeClr val="dk1"/>
+    </dgm:txFillClrLst>
+    <dgm:txEffectClrLst/>
+  </dgm:styleLbl>
+  <dgm:styleLbl name="alignNode1">
+    <dgm:fillClrLst meth="repeat">
+      <a:schemeClr val="lt1"/>
+    </dgm:fillClrLst>
+    <dgm:linClrLst meth="repeat">
+      <a:schemeClr val="dk1">
+        <a:shade val="80000"/>
+      </a:schemeClr>
+    </dgm:linClrLst>
+    <dgm:effectClrLst/>
+    <dgm:txLinClrLst/>
+    <dgm:txFillClrLst meth="repeat">
+      <a:schemeClr val="dk1"/>
+    </dgm:txFillClrLst>
+    <dgm:txEffectClrLst/>
+  </dgm:styleLbl>
+  <dgm:styleLbl name="lnNode1">
+    <dgm:fillClrLst meth="repeat">
+      <a:schemeClr val="lt1"/>
+    </dgm:fillClrLst>
+    <dgm:linClrLst meth="repeat">
+      <a:schemeClr val="dk1">
+        <a:shade val="80000"/>
+      </a:schemeClr>
+    </dgm:linClrLst>
+    <dgm:effectClrLst/>
+    <dgm:txLinClrLst/>
+    <dgm:txFillClrLst meth="repeat">
+      <a:schemeClr val="dk1"/>
+    </dgm:txFillClrLst>
+    <dgm:txEffectClrLst/>
+  </dgm:styleLbl>
+  <dgm:styleLbl name="vennNode1">
+    <dgm:fillClrLst meth="repeat">
+      <a:schemeClr val="lt1">
+        <a:alpha val="50000"/>
+      </a:schemeClr>
+    </dgm:fillClrLst>
+    <dgm:linClrLst meth="repeat">
+      <a:schemeClr val="dk1">
+        <a:shade val="80000"/>
+      </a:schemeClr>
+    </dgm:linClrLst>
+    <dgm:effectClrLst/>
+    <dgm:txLinClrLst/>
+    <dgm:txFillClrLst/>
+    <dgm:txEffectClrLst/>
+  </dgm:styleLbl>
+  <dgm:styleLbl name="node2">
+    <dgm:fillClrLst meth="repeat">
+      <a:schemeClr val="lt1"/>
+    </dgm:fillClrLst>
+    <dgm:linClrLst meth="repeat">
+      <a:schemeClr val="dk1">
+        <a:shade val="80000"/>
+      </a:schemeClr>
+    </dgm:linClrLst>
+    <dgm:effectClrLst/>
+    <dgm:txLinClrLst/>
+    <dgm:txFillClrLst meth="repeat">
+      <a:schemeClr val="dk1"/>
+    </dgm:txFillClrLst>
+    <dgm:txEffectClrLst/>
+  </dgm:styleLbl>
+  <dgm:styleLbl name="node3">
+    <dgm:fillClrLst meth="repeat">
+      <a:schemeClr val="lt1"/>
+    </dgm:fillClrLst>
+    <dgm:linClrLst meth="repeat">
+      <a:schemeClr val="dk1">
+        <a:shade val="80000"/>
+      </a:schemeClr>
+    </dgm:linClrLst>
+    <dgm:effectClrLst/>
+    <dgm:txLinClrLst/>
+    <dgm:txFillClrLst meth="repeat">
+      <a:schemeClr val="dk1"/>
+    </dgm:txFillClrLst>
+    <dgm:txEffectClrLst/>
+  </dgm:styleLbl>
+  <dgm:styleLbl name="node4">
+    <dgm:fillClrLst meth="repeat">
+      <a:schemeClr val="lt1"/>
+    </dgm:fillClrLst>
+    <dgm:linClrLst meth="repeat">
+      <a:schemeClr val="dk1">
+        <a:shade val="80000"/>
+      </a:schemeClr>
+    </dgm:linClrLst>
+    <dgm:effectClrLst/>
+    <dgm:txLinClrLst/>
+    <dgm:txFillClrLst meth="repeat">
+      <a:schemeClr val="dk1"/>
+    </dgm:txFillClrLst>
+    <dgm:txEffectClrLst/>
+  </dgm:styleLbl>
+  <dgm:styleLbl name="fgImgPlace1">
+    <dgm:fillClrLst meth="repeat">
+      <a:schemeClr val="dk1">
+        <a:tint val="40000"/>
+      </a:schemeClr>
+    </dgm:fillClrLst>
+    <dgm:linClrLst meth="repeat">
+      <a:schemeClr val="dk1">
+        <a:shade val="80000"/>
+      </a:schemeClr>
+    </dgm:linClrLst>
+    <dgm:effectClrLst/>
+    <dgm:txLinClrLst/>
+    <dgm:txFillClrLst meth="repeat">
+      <a:schemeClr val="lt1"/>
+    </dgm:txFillClrLst>
+    <dgm:txEffectClrLst/>
+  </dgm:styleLbl>
+  <dgm:styleLbl name="alignImgPlace1">
+    <dgm:fillClrLst meth="repeat">
+      <a:schemeClr val="dk1">
+        <a:tint val="40000"/>
+      </a:schemeClr>
+    </dgm:fillClrLst>
+    <dgm:linClrLst meth="repeat">
+      <a:schemeClr val="dk1">
+        <a:shade val="80000"/>
+      </a:schemeClr>
+    </dgm:linClrLst>
+    <dgm:effectClrLst/>
+    <dgm:txLinClrLst/>
+    <dgm:txFillClrLst meth="repeat">
+      <a:schemeClr val="lt1"/>
+    </dgm:txFillClrLst>
+    <dgm:txEffectClrLst/>
+  </dgm:styleLbl>
+  <dgm:styleLbl name="bgImgPlace1">
+    <dgm:fillClrLst meth="repeat">
+      <a:schemeClr val="dk1">
+        <a:tint val="40000"/>
+      </a:schemeClr>
+    </dgm:fillClrLst>
+    <dgm:linClrLst meth="repeat">
+      <a:schemeClr val="dk1">
+        <a:shade val="80000"/>
+      </a:schemeClr>
+    </dgm:linClrLst>
+    <dgm:effectClrLst/>
+    <dgm:txLinClrLst/>
+    <dgm:txFillClrLst meth="repeat">
+      <a:schemeClr val="lt1"/>
+    </dgm:txFillClrLst>
+    <dgm:txEffectClrLst/>
+  </dgm:styleLbl>
+  <dgm:styleLbl name="sibTrans2D1">
+    <dgm:fillClrLst meth="repeat">
+      <a:schemeClr val="dk1">
+        <a:tint val="60000"/>
+      </a:schemeClr>
+    </dgm:fillClrLst>
+    <dgm:linClrLst meth="repeat">
+      <a:schemeClr val="dk1">
+        <a:tint val="60000"/>
+      </a:schemeClr>
+    </dgm:linClrLst>
+    <dgm:effectClrLst/>
+    <dgm:txLinClrLst/>
+    <dgm:txFillClrLst meth="repeat">
+      <a:schemeClr val="dk1"/>
+    </dgm:txFillClrLst>
+    <dgm:txEffectClrLst/>
+  </dgm:styleLbl>
+  <dgm:styleLbl name="fgSibTrans2D1">
+    <dgm:fillClrLst meth="repeat">
+      <a:schemeClr val="dk1">
+        <a:tint val="60000"/>
+      </a:schemeClr>
+    </dgm:fillClrLst>
+    <dgm:linClrLst meth="repeat">
+      <a:schemeClr val="dk1">
+        <a:tint val="60000"/>
+      </a:schemeClr>
+    </dgm:linClrLst>
+    <dgm:effectClrLst/>
+    <dgm:txLinClrLst/>
+    <dgm:txFillClrLst meth="repeat">
+      <a:schemeClr val="dk1"/>
+    </dgm:txFillClrLst>
+    <dgm:txEffectClrLst/>
+  </dgm:styleLbl>
+  <dgm:styleLbl name="bgSibTrans2D1">
+    <dgm:fillClrLst meth="repeat">
+      <a:schemeClr val="dk1">
+        <a:tint val="60000"/>
+      </a:schemeClr>
+    </dgm:fillClrLst>
+    <dgm:linClrLst meth="repeat">
+      <a:schemeClr val="dk1">
+        <a:tint val="60000"/>
+      </a:schemeClr>
+    </dgm:linClrLst>
+    <dgm:effectClrLst/>
+    <dgm:txLinClrLst/>
+    <dgm:txFillClrLst meth="repeat">
+      <a:schemeClr val="dk1"/>
+    </dgm:txFillClrLst>
+    <dgm:txEffectClrLst/>
+  </dgm:styleLbl>
+  <dgm:styleLbl name="sibTrans1D1">
+    <dgm:fillClrLst meth="repeat">
+      <a:schemeClr val="dk1"/>
+    </dgm:fillClrLst>
+    <dgm:linClrLst meth="repeat">
+      <a:schemeClr val="dk1"/>
+    </dgm:linClrLst>
+    <dgm:effectClrLst/>
+    <dgm:txLinClrLst/>
+    <dgm:txFillClrLst meth="repeat">
+      <a:schemeClr val="tx1"/>
+    </dgm:txFillClrLst>
+    <dgm:txEffectClrLst/>
+  </dgm:styleLbl>
+  <dgm:styleLbl name="callout">
+    <dgm:fillClrLst meth="repeat">
+      <a:schemeClr val="dk1"/>
+    </dgm:fillClrLst>
+    <dgm:linClrLst meth="repeat">
+      <a:schemeClr val="dk1"/>
+    </dgm:linClrLst>
+    <dgm:effectClrLst/>
+    <dgm:txLinClrLst/>
+    <dgm:txFillClrLst meth="repeat">
+      <a:schemeClr val="tx1"/>
+    </dgm:txFillClrLst>
+    <dgm:txEffectClrLst/>
+  </dgm:styleLbl>
+  <dgm:styleLbl name="asst0">
+    <dgm:fillClrLst meth="repeat">
+      <a:schemeClr val="lt1"/>
+    </dgm:fillClrLst>
+    <dgm:linClrLst meth="repeat">
+      <a:schemeClr val="dk1">
+        <a:shade val="80000"/>
+      </a:schemeClr>
+    </dgm:linClrLst>
+    <dgm:effectClrLst/>
+    <dgm:txLinClrLst/>
+    <dgm:txFillClrLst meth="repeat">
+      <a:schemeClr val="dk1"/>
+    </dgm:txFillClrLst>
+    <dgm:txEffectClrLst/>
+  </dgm:styleLbl>
+  <dgm:styleLbl name="asst1">
+    <dgm:fillClrLst meth="repeat">
+      <a:schemeClr val="lt1"/>
+    </dgm:fillClrLst>
+    <dgm:linClrLst meth="repeat">
+      <a:schemeClr val="dk1">
+        <a:shade val="80000"/>
+      </a:schemeClr>
+    </dgm:linClrLst>
+    <dgm:effectClrLst/>
+    <dgm:txLinClrLst/>
+    <dgm:txFillClrLst meth="repeat">
+      <a:schemeClr val="dk1"/>
+    </dgm:txFillClrLst>
+    <dgm:txEffectClrLst/>
+  </dgm:styleLbl>
+  <dgm:styleLbl name="asst2">
+    <dgm:fillClrLst meth="repeat">
+      <a:schemeClr val="lt1"/>
+    </dgm:fillClrLst>
+    <dgm:linClrLst meth="repeat">
+      <a:schemeClr val="dk1">
+        <a:shade val="80000"/>
+      </a:schemeClr>
+    </dgm:linClrLst>
+    <dgm:effectClrLst/>
+    <dgm:txLinClrLst/>
+    <dgm:txFillClrLst meth="repeat">
+      <a:schemeClr val="dk1"/>
+    </dgm:txFillClrLst>
+    <dgm:txEffectClrLst/>
+  </dgm:styleLbl>
+  <dgm:styleLbl name="asst3">
+    <dgm:fillClrLst meth="repeat">
+      <a:schemeClr val="lt1"/>
+    </dgm:fillClrLst>
+    <dgm:linClrLst meth="repeat">
+      <a:schemeClr val="dk1">
+        <a:shade val="80000"/>
+      </a:schemeClr>
+    </dgm:linClrLst>
+    <dgm:effectClrLst/>
+    <dgm:txLinClrLst/>
+    <dgm:txFillClrLst meth="repeat">
+      <a:schemeClr val="dk1"/>
+    </dgm:txFillClrLst>
+    <dgm:txEffectClrLst/>
+  </dgm:styleLbl>
+  <dgm:styleLbl name="asst4">
+    <dgm:fillClrLst meth="repeat">
+      <a:schemeClr val="lt1"/>
+    </dgm:fillClrLst>
+    <dgm:linClrLst meth="repeat">
+      <a:schemeClr val="dk1">
+        <a:shade val="80000"/>
+      </a:schemeClr>
+    </dgm:linClrLst>
+    <dgm:effectClrLst/>
+    <dgm:txLinClrLst/>
+    <dgm:txFillClrLst meth="repeat">
+      <a:schemeClr val="dk1"/>
+    </dgm:txFillClrLst>
+    <dgm:txEffectClrLst/>
+  </dgm:styleLbl>
+  <dgm:styleLbl name="parChTrans2D1">
+    <dgm:fillClrLst meth="repeat">
+      <a:schemeClr val="dk1">
+        <a:tint val="60000"/>
+      </a:schemeClr>
+    </dgm:fillClrLst>
+    <dgm:linClrLst meth="repeat">
+      <a:schemeClr val="dk1">
+        <a:tint val="60000"/>
+      </a:schemeClr>
+    </dgm:linClrLst>
+    <dgm:effectClrLst/>
+    <dgm:txLinClrLst/>
+    <dgm:txFillClrLst/>
+    <dgm:txEffectClrLst/>
+  </dgm:styleLbl>
+  <dgm:styleLbl name="parChTrans2D2">
+    <dgm:fillClrLst meth="repeat">
+      <a:schemeClr val="dk1"/>
+    </dgm:fillClrLst>
+    <dgm:linClrLst meth="repeat">
+      <a:schemeClr val="dk1"/>
+    </dgm:linClrLst>
+    <dgm:effectClrLst/>
+    <dgm:txLinClrLst/>
+    <dgm:txFillClrLst/>
+    <dgm:txEffectClrLst/>
+  </dgm:styleLbl>
+  <dgm:styleLbl name="parChTrans2D3">
+    <dgm:fillClrLst meth="repeat">
+      <a:schemeClr val="dk1"/>
+    </dgm:fillClrLst>
+    <dgm:linClrLst meth="repeat">
+      <a:schemeClr val="dk1"/>
+    </dgm:linClrLst>
+    <dgm:effectClrLst/>
+    <dgm:txLinClrLst/>
+    <dgm:txFillClrLst/>
+    <dgm:txEffectClrLst/>
+  </dgm:styleLbl>
+  <dgm:styleLbl name="parChTrans2D4">
+    <dgm:fillClrLst meth="repeat">
+      <a:schemeClr val="dk1"/>
+    </dgm:fillClrLst>
+    <dgm:linClrLst meth="repeat">
+      <a:schemeClr val="dk1"/>
+    </dgm:linClrLst>
+    <dgm:effectClrLst/>
+    <dgm:txLinClrLst/>
+    <dgm:txFillClrLst meth="repeat">
+      <a:schemeClr val="lt1"/>
+    </dgm:txFillClrLst>
+    <dgm:txEffectClrLst/>
+  </dgm:styleLbl>
+  <dgm:styleLbl name="parChTrans1D1">
+    <dgm:fillClrLst meth="repeat">
+      <a:schemeClr val="dk1"/>
+    </dgm:fillClrLst>
+    <dgm:linClrLst meth="repeat">
+      <a:schemeClr val="dk1">
+        <a:shade val="60000"/>
+      </a:schemeClr>
+    </dgm:linClrLst>
+    <dgm:effectClrLst/>
+    <dgm:txLinClrLst/>
+    <dgm:txFillClrLst meth="repeat">
+      <a:schemeClr val="tx1"/>
+    </dgm:txFillClrLst>
+    <dgm:txEffectClrLst/>
+  </dgm:styleLbl>
+  <dgm:styleLbl name="parChTrans1D2">
+    <dgm:fillClrLst meth="repeat">
+      <a:schemeClr val="dk1"/>
+    </dgm:fillClrLst>
+    <dgm:linClrLst meth="repeat">
+      <a:schemeClr val="dk1">
+        <a:shade val="60000"/>
+      </a:schemeClr>
+    </dgm:linClrLst>
+    <dgm:effectClrLst/>
+    <dgm:txLinClrLst/>
+    <dgm:txFillClrLst meth="repeat">
+      <a:schemeClr val="tx1"/>
+    </dgm:txFillClrLst>
+    <dgm:txEffectClrLst/>
+  </dgm:styleLbl>
+  <dgm:styleLbl name="parChTrans1D3">
+    <dgm:fillClrLst meth="repeat">
+      <a:schemeClr val="dk1"/>
+    </dgm:fillClrLst>
+    <dgm:linClrLst meth="repeat">
+      <a:schemeClr val="dk1">
+        <a:shade val="80000"/>
+      </a:schemeClr>
+    </dgm:linClrLst>
+    <dgm:effectClrLst/>
+    <dgm:txLinClrLst/>
+    <dgm:txFillClrLst meth="repeat">
+      <a:schemeClr val="tx1"/>
+    </dgm:txFillClrLst>
+    <dgm:txEffectClrLst/>
+  </dgm:styleLbl>
+  <dgm:styleLbl name="parChTrans1D4">
+    <dgm:fillClrLst meth="repeat">
+      <a:schemeClr val="dk1"/>
+    </dgm:fillClrLst>
+    <dgm:linClrLst meth="repeat">
+      <a:schemeClr val="dk1">
+        <a:shade val="80000"/>
+      </a:schemeClr>
+    </dgm:linClrLst>
+    <dgm:effectClrLst/>
+    <dgm:txLinClrLst/>
+    <dgm:txFillClrLst meth="repeat">
+      <a:schemeClr val="tx1"/>
+    </dgm:txFillClrLst>
+    <dgm:txEffectClrLst/>
+  </dgm:styleLbl>
+  <dgm:styleLbl name="fgAcc1">
+    <dgm:fillClrLst meth="repeat">
+      <a:schemeClr val="dk1">
+        <a:alpha val="90000"/>
+        <a:tint val="40000"/>
+      </a:schemeClr>
+    </dgm:fillClrLst>
+    <dgm:linClrLst meth="repeat">
+      <a:schemeClr val="dk1"/>
+    </dgm:linClrLst>
+    <dgm:effectClrLst/>
+    <dgm:txLinClrLst/>
+    <dgm:txFillClrLst meth="repeat">
+      <a:schemeClr val="dk1"/>
+    </dgm:txFillClrLst>
+    <dgm:txEffectClrLst/>
+  </dgm:styleLbl>
+  <dgm:styleLbl name="conFgAcc1">
+    <dgm:fillClrLst meth="repeat">
+      <a:schemeClr val="dk1">
+        <a:alpha val="90000"/>
+        <a:tint val="40000"/>
+      </a:schemeClr>
+    </dgm:fillClrLst>
+    <dgm:linClrLst meth="repeat">
+      <a:schemeClr val="dk1"/>
+    </dgm:linClrLst>
+    <dgm:effectClrLst/>
+    <dgm:txLinClrLst/>
+    <dgm:txFillClrLst meth="repeat">
+      <a:schemeClr val="dk1"/>
+    </dgm:txFillClrLst>
+    <dgm:txEffectClrLst/>
+  </dgm:styleLbl>
+  <dgm:styleLbl name="alignAcc1">
+    <dgm:fillClrLst meth="repeat">
+      <a:schemeClr val="dk1">
+        <a:alpha val="90000"/>
+        <a:tint val="40000"/>
+      </a:schemeClr>
+    </dgm:fillClrLst>
+    <dgm:linClrLst meth="repeat">
+      <a:schemeClr val="dk1"/>
+    </dgm:linClrLst>
+    <dgm:effectClrLst/>
+    <dgm:txLinClrLst/>
+    <dgm:txFillClrLst meth="repeat">
+      <a:schemeClr val="dk1"/>
+    </dgm:txFillClrLst>
+    <dgm:txEffectClrLst/>
+  </dgm:styleLbl>
+  <dgm:styleLbl name="trAlignAcc1">
+    <dgm:fillClrLst meth="repeat">
+      <a:schemeClr val="dk1">
+        <a:alpha val="40000"/>
+        <a:tint val="40000"/>
+      </a:schemeClr>
+    </dgm:fillClrLst>
+    <dgm:linClrLst meth="repeat">
+      <a:schemeClr val="dk1"/>
+    </dgm:linClrLst>
+    <dgm:effectClrLst/>
+    <dgm:txLinClrLst/>
+    <dgm:txFillClrLst meth="repeat">
+      <a:schemeClr val="dk1"/>
+    </dgm:txFillClrLst>
+    <dgm:txEffectClrLst/>
+  </dgm:styleLbl>
+  <dgm:styleLbl name="bgAcc1">
+    <dgm:fillClrLst meth="repeat">
+      <a:schemeClr val="dk1">
+        <a:alpha val="90000"/>
+        <a:tint val="40000"/>
+      </a:schemeClr>
+    </dgm:fillClrLst>
+    <dgm:linClrLst meth="repeat">
+      <a:schemeClr val="dk1"/>
+    </dgm:linClrLst>
+    <dgm:effectClrLst/>
+    <dgm:txLinClrLst/>
+    <dgm:txFillClrLst meth="repeat">
+      <a:schemeClr val="dk1"/>
+    </dgm:txFillClrLst>
+    <dgm:txEffectClrLst/>
+  </dgm:styleLbl>
+  <dgm:styleLbl name="solidFgAcc1">
+    <dgm:fillClrLst meth="repeat">
+      <a:schemeClr val="lt1"/>
+    </dgm:fillClrLst>
+    <dgm:linClrLst meth="repeat">
+      <a:schemeClr val="dk1"/>
+    </dgm:linClrLst>
+    <dgm:effectClrLst/>
+    <dgm:txLinClrLst/>
+    <dgm:txFillClrLst meth="repeat">
+      <a:schemeClr val="dk1"/>
+    </dgm:txFillClrLst>
+    <dgm:txEffectClrLst/>
+  </dgm:styleLbl>
+  <dgm:styleLbl name="solidAlignAcc1">
+    <dgm:fillClrLst meth="repeat">
+      <a:schemeClr val="lt1"/>
+    </dgm:fillClrLst>
+    <dgm:linClrLst meth="repeat">
+      <a:schemeClr val="dk1"/>
+    </dgm:linClrLst>
+    <dgm:effectClrLst/>
+    <dgm:txLinClrLst/>
+    <dgm:txFillClrLst meth="repeat">
+      <a:schemeClr val="dk1"/>
+    </dgm:txFillClrLst>
+    <dgm:txEffectClrLst/>
+  </dgm:styleLbl>
+  <dgm:styleLbl name="solidBgAcc1">
+    <dgm:fillClrLst meth="repeat">
+      <a:schemeClr val="lt1"/>
+    </dgm:fillClrLst>
+    <dgm:linClrLst meth="repeat">
+      <a:schemeClr val="dk1"/>
+    </dgm:linClrLst>
+    <dgm:effectClrLst/>
+    <dgm:txLinClrLst/>
+    <dgm:txFillClrLst meth="repeat">
+      <a:schemeClr val="dk1"/>
+    </dgm:txFillClrLst>
+    <dgm:txEffectClrLst/>
+  </dgm:styleLbl>
+  <dgm:styleLbl name="fgAccFollowNode1">
+    <dgm:fillClrLst meth="repeat">
+      <a:schemeClr val="lt1">
+        <a:alpha val="90000"/>
+        <a:tint val="40000"/>
+      </a:schemeClr>
+    </dgm:fillClrLst>
+    <dgm:linClrLst meth="repeat">
+      <a:schemeClr val="dk1">
+        <a:alpha val="90000"/>
+      </a:schemeClr>
+    </dgm:linClrLst>
+    <dgm:effectClrLst/>
+    <dgm:txLinClrLst/>
+    <dgm:txFillClrLst meth="repeat">
+      <a:schemeClr val="dk1"/>
+    </dgm:txFillClrLst>
+    <dgm:txEffectClrLst/>
+  </dgm:styleLbl>
+  <dgm:styleLbl name="alignAccFollowNode1">
+    <dgm:fillClrLst meth="repeat">
+      <a:schemeClr val="lt1">
+        <a:alpha val="90000"/>
+        <a:tint val="40000"/>
+      </a:schemeClr>
+    </dgm:fillClrLst>
+    <dgm:linClrLst meth="repeat">
+      <a:schemeClr val="dk1">
+        <a:alpha val="90000"/>
+      </a:schemeClr>
+    </dgm:linClrLst>
+    <dgm:effectClrLst/>
+    <dgm:txLinClrLst/>
+    <dgm:txFillClrLst meth="repeat">
+      <a:schemeClr val="dk1"/>
+    </dgm:txFillClrLst>
+    <dgm:txEffectClrLst/>
+  </dgm:styleLbl>
+  <dgm:styleLbl name="bgAccFollowNode1">
+    <dgm:fillClrLst meth="repeat">
+      <a:schemeClr val="lt1">
+        <a:alpha val="90000"/>
+        <a:tint val="40000"/>
+      </a:schemeClr>
+    </dgm:fillClrLst>
+    <dgm:linClrLst meth="repeat">
+      <a:schemeClr val="dk1">
+        <a:alpha val="90000"/>
+      </a:schemeClr>
+    </dgm:linClrLst>
+    <dgm:effectClrLst/>
+    <dgm:txLinClrLst/>
+    <dgm:txFillClrLst meth="repeat">
+      <a:schemeClr val="dk1"/>
+    </dgm:txFillClrLst>
+    <dgm:txEffectClrLst/>
+  </dgm:styleLbl>
+  <dgm:styleLbl name="fgAcc0">
+    <dgm:fillClrLst meth="repeat">
+      <a:schemeClr val="dk1">
+        <a:alpha val="90000"/>
+        <a:tint val="40000"/>
+      </a:schemeClr>
+    </dgm:fillClrLst>
+    <dgm:linClrLst meth="repeat">
+      <a:schemeClr val="dk1"/>
+    </dgm:linClrLst>
+    <dgm:effectClrLst/>
+    <dgm:txLinClrLst/>
+    <dgm:txFillClrLst meth="repeat">
+      <a:schemeClr val="dk1"/>
+    </dgm:txFillClrLst>
+    <dgm:txEffectClrLst/>
+  </dgm:styleLbl>
+  <dgm:styleLbl name="fgAcc2">
+    <dgm:fillClrLst meth="repeat">
+      <a:schemeClr val="dk1">
+        <a:alpha val="90000"/>
+        <a:tint val="40000"/>
+      </a:schemeClr>
+    </dgm:fillClrLst>
+    <dgm:linClrLst meth="repeat">
+      <a:schemeClr val="dk1"/>
+    </dgm:linClrLst>
+    <dgm:effectClrLst/>
+    <dgm:txLinClrLst/>
+    <dgm:txFillClrLst meth="repeat">
+      <a:schemeClr val="dk1"/>
+    </dgm:txFillClrLst>
+    <dgm:txEffectClrLst/>
+  </dgm:styleLbl>
+  <dgm:styleLbl name="fgAcc3">
+    <dgm:fillClrLst meth="repeat">
+      <a:schemeClr val="dk1">
+        <a:alpha val="90000"/>
+        <a:tint val="40000"/>
+      </a:schemeClr>
+    </dgm:fillClrLst>
+    <dgm:linClrLst meth="repeat">
+      <a:schemeClr val="dk1"/>
+    </dgm:linClrLst>
+    <dgm:effectClrLst/>
+    <dgm:txLinClrLst/>
+    <dgm:txFillClrLst meth="repeat">
+      <a:schemeClr val="dk1"/>
+    </dgm:txFillClrLst>
+    <dgm:txEffectClrLst/>
+  </dgm:styleLbl>
+  <dgm:styleLbl name="fgAcc4">
+    <dgm:fillClrLst meth="repeat">
+      <a:schemeClr val="dk1">
+        <a:alpha val="90000"/>
+        <a:tint val="40000"/>
+      </a:schemeClr>
+    </dgm:fillClrLst>
+    <dgm:linClrLst meth="repeat">
+      <a:schemeClr val="dk1"/>
+    </dgm:linClrLst>
+    <dgm:effectClrLst/>
+    <dgm:txLinClrLst/>
+    <dgm:txFillClrLst meth="repeat">
+      <a:schemeClr val="dk1"/>
+    </dgm:txFillClrLst>
+    <dgm:txEffectClrLst/>
+  </dgm:styleLbl>
+  <dgm:styleLbl name="bgShp">
+    <dgm:fillClrLst meth="repeat">
+      <a:schemeClr val="dk1">
+        <a:tint val="40000"/>
+      </a:schemeClr>
+    </dgm:fillClrLst>
+    <dgm:linClrLst meth="repeat">
+      <a:schemeClr val="dk1"/>
+    </dgm:linClrLst>
+    <dgm:effectClrLst/>
+    <dgm:txLinClrLst/>
+    <dgm:txFillClrLst meth="repeat">
+      <a:schemeClr val="dk1"/>
+    </dgm:txFillClrLst>
+    <dgm:txEffectClrLst/>
+  </dgm:styleLbl>
+  <dgm:styleLbl name="dkBgShp">
+    <dgm:fillClrLst meth="repeat">
+      <a:schemeClr val="dk1">
+        <a:shade val="80000"/>
+      </a:schemeClr>
+    </dgm:fillClrLst>
+    <dgm:linClrLst meth="repeat">
+      <a:schemeClr val="dk1"/>
+    </dgm:linClrLst>
+    <dgm:effectClrLst/>
+    <dgm:txLinClrLst/>
+    <dgm:txFillClrLst meth="repeat">
+      <a:schemeClr val="lt1"/>
+    </dgm:txFillClrLst>
+    <dgm:txEffectClrLst/>
+  </dgm:styleLbl>
+  <dgm:styleLbl name="trBgShp">
+    <dgm:fillClrLst meth="repeat">
+      <a:schemeClr val="dk1">
+        <a:tint val="50000"/>
+        <a:alpha val="40000"/>
+      </a:schemeClr>
+    </dgm:fillClrLst>
+    <dgm:linClrLst meth="repeat">
+      <a:schemeClr val="dk1"/>
+    </dgm:linClrLst>
+    <dgm:effectClrLst/>
+    <dgm:txLinClrLst/>
+    <dgm:txFillClrLst meth="repeat">
+      <a:schemeClr val="lt1"/>
+    </dgm:txFillClrLst>
+    <dgm:txEffectClrLst/>
+  </dgm:styleLbl>
+  <dgm:styleLbl name="fgShp">
+    <dgm:fillClrLst meth="repeat">
+      <a:schemeClr val="dk1">
+        <a:tint val="60000"/>
+      </a:schemeClr>
+    </dgm:fillClrLst>
+    <dgm:linClrLst meth="repeat">
+      <a:schemeClr val="lt1"/>
+    </dgm:linClrLst>
+    <dgm:effectClrLst/>
+    <dgm:txLinClrLst/>
+    <dgm:txFillClrLst meth="repeat">
+      <a:schemeClr val="dk1"/>
+    </dgm:txFillClrLst>
+    <dgm:txEffectClrLst/>
+  </dgm:styleLbl>
+  <dgm:styleLbl name="revTx">
+    <dgm:fillClrLst meth="repeat">
+      <a:schemeClr val="lt1">
+        <a:alpha val="0"/>
+      </a:schemeClr>
+    </dgm:fillClrLst>
+    <dgm:linClrLst meth="repeat">
+      <a:schemeClr val="dk1">
+        <a:alpha val="0"/>
+      </a:schemeClr>
+    </dgm:linClrLst>
+    <dgm:effectClrLst/>
+    <dgm:txLinClrLst/>
+    <dgm:txFillClrLst meth="repeat">
+      <a:schemeClr val="tx1"/>
+    </dgm:txFillClrLst>
+    <dgm:txEffectClrLst/>
+  </dgm:styleLbl>
+</dgm:colorsDef>
+</file>
+
+<file path=ppt/diagrams/colors4.xml><?xml version="1.0" encoding="utf-8"?>
+<dgm:colorsDef xmlns:dgm="http://schemas.openxmlformats.org/drawingml/2006/diagram" xmlns:a="http://schemas.openxmlformats.org/drawingml/2006/main" uniqueId="urn:microsoft.com/office/officeart/2005/8/colors/colorful5">
+  <dgm:title val=""/>
+  <dgm:desc val=""/>
+  <dgm:catLst>
+    <dgm:cat type="colorful" pri="10500"/>
+  </dgm:catLst>
+  <dgm:styleLbl name="node0">
+    <dgm:fillClrLst meth="repeat">
+      <a:schemeClr val="accent4"/>
+    </dgm:fillClrLst>
+    <dgm:linClrLst meth="repeat">
+      <a:schemeClr val="lt1"/>
+    </dgm:linClrLst>
+    <dgm:effectClrLst/>
+    <dgm:txLinClrLst/>
+    <dgm:txFillClrLst/>
+    <dgm:txEffectClrLst/>
+  </dgm:styleLbl>
+  <dgm:styleLbl name="node1">
+    <dgm:fillClrLst>
+      <a:schemeClr val="accent5"/>
+      <a:schemeClr val="accent6"/>
+    </dgm:fillClrLst>
+    <dgm:linClrLst meth="repeat">
+      <a:schemeClr val="lt1"/>
+    </dgm:linClrLst>
+    <dgm:effectClrLst/>
+    <dgm:txLinClrLst/>
+    <dgm:txFillClrLst/>
+    <dgm:txEffectClrLst/>
+  </dgm:styleLbl>
+  <dgm:styleLbl name="alignNode1">
+    <dgm:fillClrLst>
+      <a:schemeClr val="accent5"/>
+      <a:schemeClr val="accent6"/>
+    </dgm:fillClrLst>
+    <dgm:linClrLst>
+      <a:schemeClr val="accent5"/>
+      <a:schemeClr val="accent6"/>
+    </dgm:linClrLst>
+    <dgm:effectClrLst/>
+    <dgm:txLinClrLst/>
+    <dgm:txFillClrLst/>
+    <dgm:txEffectClrLst/>
+  </dgm:styleLbl>
+  <dgm:styleLbl name="lnNode1">
+    <dgm:fillClrLst>
+      <a:schemeClr val="accent5"/>
+      <a:schemeClr val="accent6"/>
+    </dgm:fillClrLst>
+    <dgm:linClrLst meth="repeat">
+      <a:schemeClr val="lt1"/>
+    </dgm:linClrLst>
+    <dgm:effectClrLst/>
+    <dgm:txLinClrLst/>
+    <dgm:txFillClrLst/>
+    <dgm:txEffectClrLst/>
+  </dgm:styleLbl>
+  <dgm:styleLbl name="vennNode1">
+    <dgm:fillClrLst>
+      <a:schemeClr val="accent5">
+        <a:alpha val="50000"/>
+      </a:schemeClr>
+      <a:schemeClr val="accent6">
+        <a:alpha val="50000"/>
+      </a:schemeClr>
+    </dgm:fillClrLst>
+    <dgm:linClrLst meth="repeat">
+      <a:schemeClr val="lt1"/>
+    </dgm:linClrLst>
+    <dgm:effectClrLst/>
+    <dgm:txLinClrLst/>
+    <dgm:txFillClrLst/>
+    <dgm:txEffectClrLst/>
+  </dgm:styleLbl>
+  <dgm:styleLbl name="node2">
+    <dgm:fillClrLst>
+      <a:schemeClr val="accent6"/>
+    </dgm:fillClrLst>
+    <dgm:linClrLst meth="repeat">
+      <a:schemeClr val="lt1"/>
+    </dgm:linClrLst>
+    <dgm:effectClrLst/>
+    <dgm:txLinClrLst/>
+    <dgm:txFillClrLst/>
+    <dgm:txEffectClrLst/>
+  </dgm:styleLbl>
+  <dgm:styleLbl name="node3">
+    <dgm:fillClrLst>
+      <a:schemeClr val="accent1"/>
+    </dgm:fillClrLst>
+    <dgm:linClrLst meth="repeat">
+      <a:schemeClr val="lt1"/>
+    </dgm:linClrLst>
+    <dgm:effectClrLst/>
+    <dgm:txLinClrLst/>
+    <dgm:txFillClrLst/>
+    <dgm:txEffectClrLst/>
+  </dgm:styleLbl>
+  <dgm:styleLbl name="node4">
+    <dgm:fillClrLst>
+      <a:schemeClr val="accent2"/>
+    </dgm:fillClrLst>
+    <dgm:linClrLst meth="repeat">
+      <a:schemeClr val="lt1"/>
+    </dgm:linClrLst>
+    <dgm:effectClrLst/>
+    <dgm:txLinClrLst/>
+    <dgm:txFillClrLst/>
+    <dgm:txEffectClrLst/>
+  </dgm:styleLbl>
+  <dgm:styleLbl name="fgImgPlace1">
+    <dgm:fillClrLst>
+      <a:schemeClr val="accent5">
+        <a:tint val="50000"/>
+      </a:schemeClr>
+      <a:schemeClr val="accent6">
+        <a:tint val="50000"/>
+      </a:schemeClr>
+    </dgm:fillClrLst>
+    <dgm:linClrLst meth="repeat">
+      <a:schemeClr val="lt1"/>
+    </dgm:linClrLst>
+    <dgm:effectClrLst/>
+    <dgm:txLinClrLst/>
+    <dgm:txFillClrLst meth="repeat">
+      <a:schemeClr val="lt1"/>
+    </dgm:txFillClrLst>
+    <dgm:txEffectClrLst/>
+  </dgm:styleLbl>
+  <dgm:styleLbl name="alignImgPlace1">
+    <dgm:fillClrLst>
+      <a:schemeClr val="accent5">
+        <a:tint val="50000"/>
+      </a:schemeClr>
+      <a:schemeClr val="accent6">
+        <a:tint val="20000"/>
+      </a:schemeClr>
+    </dgm:fillClrLst>
+    <dgm:linClrLst meth="repeat">
+      <a:schemeClr val="lt1"/>
+    </dgm:linClrLst>
+    <dgm:effectClrLst/>
+    <dgm:txLinClrLst/>
+    <dgm:txFillClrLst meth="repeat">
+      <a:schemeClr val="lt1"/>
+    </dgm:txFillClrLst>
+    <dgm:txEffectClrLst/>
+  </dgm:styleLbl>
+  <dgm:styleLbl name="bgImgPlace1">
+    <dgm:fillClrLst>
+      <a:schemeClr val="accent5">
+        <a:tint val="50000"/>
+      </a:schemeClr>
+      <a:schemeClr val="accent6">
+        <a:tint val="20000"/>
+      </a:schemeClr>
+    </dgm:fillClrLst>
+    <dgm:linClrLst meth="repeat">
+      <a:schemeClr val="lt1"/>
+    </dgm:linClrLst>
+    <dgm:effectClrLst/>
+    <dgm:txLinClrLst/>
+    <dgm:txFillClrLst meth="repeat">
+      <a:schemeClr val="lt1"/>
+    </dgm:txFillClrLst>
+    <dgm:txEffectClrLst/>
+  </dgm:styleLbl>
+  <dgm:styleLbl name="sibTrans2D1">
+    <dgm:fillClrLst>
+      <a:schemeClr val="accent5"/>
+      <a:schemeClr val="accent6"/>
+    </dgm:fillClrLst>
+    <dgm:linClrLst meth="repeat">
+      <a:schemeClr val="lt1"/>
+    </dgm:linClrLst>
+    <dgm:effectClrLst/>
+    <dgm:txLinClrLst/>
+    <dgm:txFillClrLst/>
+    <dgm:txEffectClrLst/>
+  </dgm:styleLbl>
+  <dgm:styleLbl name="fgSibTrans2D1">
+    <dgm:fillClrLst>
+      <a:schemeClr val="accent5"/>
+      <a:schemeClr val="accent6"/>
+    </dgm:fillClrLst>
+    <dgm:linClrLst meth="repeat">
+      <a:schemeClr val="lt1"/>
+    </dgm:linClrLst>
+    <dgm:effectClrLst/>
+    <dgm:txLinClrLst/>
+    <dgm:txFillClrLst meth="repeat">
+      <a:schemeClr val="lt1"/>
+    </dgm:txFillClrLst>
+    <dgm:txEffectClrLst/>
+  </dgm:styleLbl>
+  <dgm:styleLbl name="bgSibTrans2D1">
+    <dgm:fillClrLst>
+      <a:schemeClr val="accent5"/>
+      <a:schemeClr val="accent6"/>
+    </dgm:fillClrLst>
+    <dgm:linClrLst meth="repeat">
+      <a:schemeClr val="lt1"/>
+    </dgm:linClrLst>
+    <dgm:effectClrLst/>
+    <dgm:txLinClrLst/>
+    <dgm:txFillClrLst meth="repeat">
+      <a:schemeClr val="lt1"/>
+    </dgm:txFillClrLst>
+    <dgm:txEffectClrLst/>
+  </dgm:styleLbl>
+  <dgm:styleLbl name="sibTrans1D1">
+    <dgm:fillClrLst/>
+    <dgm:linClrLst>
+      <a:schemeClr val="accent5"/>
+      <a:schemeClr val="accent6"/>
+    </dgm:linClrLst>
+    <dgm:effectClrLst/>
+    <dgm:txLinClrLst/>
+    <dgm:txFillClrLst meth="repeat">
+      <a:schemeClr val="tx1"/>
+    </dgm:txFillClrLst>
+    <dgm:txEffectClrLst/>
+  </dgm:styleLbl>
+  <dgm:styleLbl name="callout">
+    <dgm:fillClrLst meth="repeat">
+      <a:schemeClr val="accent5"/>
+    </dgm:fillClrLst>
+    <dgm:linClrLst meth="repeat">
+      <a:schemeClr val="accent5">
+        <a:tint val="50000"/>
+      </a:schemeClr>
+    </dgm:linClrLst>
+    <dgm:effectClrLst/>
+    <dgm:txLinClrLst/>
+    <dgm:txFillClrLst meth="repeat">
+      <a:schemeClr val="tx1"/>
+    </dgm:txFillClrLst>
+    <dgm:txEffectClrLst/>
+  </dgm:styleLbl>
+  <dgm:styleLbl name="asst0">
+    <dgm:fillClrLst meth="repeat">
+      <a:schemeClr val="accent5"/>
+    </dgm:fillClrLst>
+    <dgm:linClrLst meth="repeat">
+      <a:schemeClr val="lt1">
+        <a:shade val="80000"/>
+      </a:schemeClr>
+    </dgm:linClrLst>
+    <dgm:effectClrLst/>
+    <dgm:txLinClrLst/>
+    <dgm:txFillClrLst/>
+    <dgm:txEffectClrLst/>
+  </dgm:styleLbl>
+  <dgm:styleLbl name="asst1">
+    <dgm:fillClrLst meth="repeat">
+      <a:schemeClr val="accent6"/>
+    </dgm:fillClrLst>
+    <dgm:linClrLst meth="repeat">
+      <a:schemeClr val="lt1">
+        <a:shade val="80000"/>
+      </a:schemeClr>
+    </dgm:linClrLst>
+    <dgm:effectClrLst/>
+    <dgm:txLinClrLst/>
+    <dgm:txFillClrLst/>
+    <dgm:txEffectClrLst/>
+  </dgm:styleLbl>
+  <dgm:styleLbl name="asst2">
+    <dgm:fillClrLst>
+      <a:schemeClr val="accent1"/>
+    </dgm:fillClrLst>
+    <dgm:linClrLst meth="repeat">
+      <a:schemeClr val="lt1"/>
+    </dgm:linClrLst>
+    <dgm:effectClrLst/>
+    <dgm:txLinClrLst/>
+    <dgm:txFillClrLst/>
+    <dgm:txEffectClrLst/>
+  </dgm:styleLbl>
+  <dgm:styleLbl name="asst3">
+    <dgm:fillClrLst>
+      <a:schemeClr val="accent2"/>
+    </dgm:fillClrLst>
+    <dgm:linClrLst meth="repeat">
+      <a:schemeClr val="lt1"/>
+    </dgm:linClrLst>
+    <dgm:effectClrLst/>
+    <dgm:txLinClrLst/>
+    <dgm:txFillClrLst/>
+    <dgm:txEffectClrLst/>
+  </dgm:styleLbl>
+  <dgm:styleLbl name="asst4">
+    <dgm:fillClrLst>
+      <a:schemeClr val="accent3"/>
+    </dgm:fillClrLst>
+    <dgm:linClrLst meth="repeat">
+      <a:schemeClr val="lt1"/>
+    </dgm:linClrLst>
+    <dgm:effectClrLst/>
+    <dgm:txLinClrLst/>
+    <dgm:txFillClrLst/>
+    <dgm:txEffectClrLst/>
+  </dgm:styleLbl>
+  <dgm:styleLbl name="parChTrans2D1">
+    <dgm:fillClrLst meth="repeat">
+      <a:schemeClr val="accent5"/>
+    </dgm:fillClrLst>
+    <dgm:linClrLst meth="repeat">
+      <a:schemeClr val="lt1"/>
+    </dgm:linClrLst>
+    <dgm:effectClrLst/>
+    <dgm:txLinClrLst/>
+    <dgm:txFillClrLst meth="repeat">
+      <a:schemeClr val="lt1"/>
+    </dgm:txFillClrLst>
+    <dgm:txEffectClrLst/>
+  </dgm:styleLbl>
+  <dgm:styleLbl name="parChTrans2D2">
+    <dgm:fillClrLst meth="repeat">
+      <a:schemeClr val="accent6"/>
+    </dgm:fillClrLst>
+    <dgm:linClrLst meth="repeat">
+      <a:schemeClr val="lt1"/>
+    </dgm:linClrLst>
+    <dgm:effectClrLst/>
+    <dgm:txLinClrLst/>
+    <dgm:txFillClrLst/>
+    <dgm:txEffectClrLst/>
+  </dgm:styleLbl>
+  <dgm:styleLbl name="parChTrans2D3">
+    <dgm:fillClrLst meth="repeat">
+      <a:schemeClr val="accent6"/>
+    </dgm:fillClrLst>
+    <dgm:linClrLst meth="repeat">
+      <a:schemeClr val="lt1"/>
+    </dgm:linClrLst>
+    <dgm:effectClrLst/>
+    <dgm:txLinClrLst/>
+    <dgm:txFillClrLst/>
+    <dgm:txEffectClrLst/>
+  </dgm:styleLbl>
+  <dgm:styleLbl name="parChTrans2D4">
+    <dgm:fillClrLst meth="repeat">
+      <a:schemeClr val="accent1"/>
+    </dgm:fillClrLst>
+    <dgm:linClrLst meth="repeat">
+      <a:schemeClr val="lt1"/>
+    </dgm:linClrLst>
+    <dgm:effectClrLst/>
+    <dgm:txLinClrLst/>
+    <dgm:txFillClrLst meth="repeat">
+      <a:schemeClr val="lt1"/>
+    </dgm:txFillClrLst>
+    <dgm:txEffectClrLst/>
+  </dgm:styleLbl>
+  <dgm:styleLbl name="parChTrans1D1">
+    <dgm:fillClrLst meth="repeat">
+      <a:schemeClr val="accent5"/>
+    </dgm:fillClrLst>
+    <dgm:linClrLst meth="repeat">
+      <a:schemeClr val="accent5"/>
+    </dgm:linClrLst>
+    <dgm:effectClrLst/>
+    <dgm:txLinClrLst/>
+    <dgm:txFillClrLst meth="repeat">
+      <a:schemeClr val="tx1"/>
+    </dgm:txFillClrLst>
+    <dgm:txEffectClrLst/>
+  </dgm:styleLbl>
+  <dgm:styleLbl name="parChTrans1D2">
+    <dgm:fillClrLst meth="repeat">
+      <a:schemeClr val="accent6">
+        <a:tint val="90000"/>
+      </a:schemeClr>
+    </dgm:fillClrLst>
+    <dgm:linClrLst meth="repeat">
+      <a:schemeClr val="accent6"/>
+    </dgm:linClrLst>
+    <dgm:effectClrLst/>
+    <dgm:txLinClrLst/>
+    <dgm:txFillClrLst meth="repeat">
+      <a:schemeClr val="tx1"/>
+    </dgm:txFillClrLst>
+    <dgm:txEffectClrLst/>
+  </dgm:styleLbl>
+  <dgm:styleLbl name="parChTrans1D3">
+    <dgm:fillClrLst meth="repeat">
+      <a:schemeClr val="accent6">
+        <a:tint val="70000"/>
+      </a:schemeClr>
+    </dgm:fillClrLst>
+    <dgm:linClrLst meth="repeat">
+      <a:schemeClr val="accent1"/>
+    </dgm:linClrLst>
+    <dgm:effectClrLst/>
+    <dgm:txLinClrLst/>
+    <dgm:txFillClrLst meth="repeat">
+      <a:schemeClr val="tx1"/>
+    </dgm:txFillClrLst>
+    <dgm:txEffectClrLst/>
+  </dgm:styleLbl>
+  <dgm:styleLbl name="parChTrans1D4">
+    <dgm:fillClrLst meth="repeat">
+      <a:schemeClr val="accent6">
+        <a:tint val="50000"/>
+      </a:schemeClr>
+    </dgm:fillClrLst>
+    <dgm:linClrLst meth="repeat">
+      <a:schemeClr val="accent2"/>
+    </dgm:linClrLst>
+    <dgm:effectClrLst/>
+    <dgm:txLinClrLst/>
+    <dgm:txFillClrLst meth="repeat">
+      <a:schemeClr val="tx1"/>
+    </dgm:txFillClrLst>
+    <dgm:txEffectClrLst/>
+  </dgm:styleLbl>
+  <dgm:styleLbl name="fgAcc1">
+    <dgm:fillClrLst meth="repeat">
+      <a:schemeClr val="lt1">
+        <a:alpha val="90000"/>
+      </a:schemeClr>
+    </dgm:fillClrLst>
+    <dgm:linClrLst>
+      <a:schemeClr val="accent5"/>
+      <a:schemeClr val="accent6"/>
+    </dgm:linClrLst>
+    <dgm:effectClrLst/>
+    <dgm:txLinClrLst/>
+    <dgm:txFillClrLst meth="repeat">
+      <a:schemeClr val="dk1"/>
+    </dgm:txFillClrLst>
+    <dgm:txEffectClrLst/>
+  </dgm:styleLbl>
+  <dgm:styleLbl name="conFgAcc1">
+    <dgm:fillClrLst meth="repeat">
+      <a:schemeClr val="lt1">
+        <a:alpha val="90000"/>
+      </a:schemeClr>
+    </dgm:fillClrLst>
+    <dgm:linClrLst>
+      <a:schemeClr val="accent5"/>
+      <a:schemeClr val="accent6"/>
+    </dgm:linClrLst>
+    <dgm:effectClrLst/>
+    <dgm:txLinClrLst/>
+    <dgm:txFillClrLst meth="repeat">
+      <a:schemeClr val="dk1"/>
+    </dgm:txFillClrLst>
+    <dgm:txEffectClrLst/>
+  </dgm:styleLbl>
+  <dgm:styleLbl name="alignAcc1">
+    <dgm:fillClrLst meth="repeat">
+      <a:schemeClr val="lt1">
+        <a:alpha val="90000"/>
+      </a:schemeClr>
+    </dgm:fillClrLst>
+    <dgm:linClrLst>
+      <a:schemeClr val="accent5"/>
+      <a:schemeClr val="accent6"/>
+    </dgm:linClrLst>
+    <dgm:effectClrLst/>
+    <dgm:txLinClrLst/>
+    <dgm:txFillClrLst meth="repeat">
+      <a:schemeClr val="dk1"/>
+    </dgm:txFillClrLst>
+    <dgm:txEffectClrLst/>
+  </dgm:styleLbl>
+  <dgm:styleLbl name="trAlignAcc1">
+    <dgm:fillClrLst meth="repeat">
+      <a:schemeClr val="lt1">
+        <a:alpha val="40000"/>
+      </a:schemeClr>
+    </dgm:fillClrLst>
+    <dgm:linClrLst meth="repeat">
+      <a:schemeClr val="accent5"/>
+    </dgm:linClrLst>
+    <dgm:effectClrLst/>
+    <dgm:txLinClrLst/>
+    <dgm:txFillClrLst meth="repeat">
+      <a:schemeClr val="dk1"/>
+    </dgm:txFillClrLst>
+    <dgm:txEffectClrLst/>
+  </dgm:styleLbl>
+  <dgm:styleLbl name="bgAcc1">
+    <dgm:fillClrLst meth="repeat">
+      <a:schemeClr val="lt1">
+        <a:alpha val="90000"/>
+      </a:schemeClr>
+    </dgm:fillClrLst>
+    <dgm:linClrLst>
+      <a:schemeClr val="accent5"/>
+      <a:schemeClr val="accent6"/>
+    </dgm:linClrLst>
+    <dgm:effectClrLst/>
+    <dgm:txLinClrLst/>
+    <dgm:txFillClrLst meth="repeat">
+      <a:schemeClr val="dk1"/>
+    </dgm:txFillClrLst>
+    <dgm:txEffectClrLst/>
+  </dgm:styleLbl>
+  <dgm:styleLbl name="solidFgAcc1">
+    <dgm:fillClrLst meth="repeat">
+      <a:schemeClr val="lt1"/>
+    </dgm:fillClrLst>
+    <dgm:linClrLst>
+      <a:schemeClr val="accent5"/>
+      <a:schemeClr val="accent6"/>
+    </dgm:linClrLst>
+    <dgm:effectClrLst/>
+    <dgm:txLinClrLst/>
+    <dgm:txFillClrLst meth="repeat">
+      <a:schemeClr val="dk1"/>
+    </dgm:txFillClrLst>
+    <dgm:txEffectClrLst/>
+  </dgm:styleLbl>
+  <dgm:styleLbl name="solidAlignAcc1">
+    <dgm:fillClrLst meth="repeat">
+      <a:schemeClr val="lt1"/>
+    </dgm:fillClrLst>
+    <dgm:linClrLst>
+      <a:schemeClr val="accent5"/>
+      <a:schemeClr val="accent6"/>
+    </dgm:linClrLst>
+    <dgm:effectClrLst/>
+    <dgm:txLinClrLst/>
+    <dgm:txFillClrLst meth="repeat">
+      <a:schemeClr val="dk1"/>
+    </dgm:txFillClrLst>
+    <dgm:txEffectClrLst/>
+  </dgm:styleLbl>
+  <dgm:styleLbl name="solidBgAcc1">
+    <dgm:fillClrLst meth="repeat">
+      <a:schemeClr val="lt1"/>
+    </dgm:fillClrLst>
+    <dgm:linClrLst>
+      <a:schemeClr val="accent5"/>
+      <a:schemeClr val="accent6"/>
+    </dgm:linClrLst>
+    <dgm:effectClrLst/>
+    <dgm:txLinClrLst/>
+    <dgm:txFillClrLst meth="repeat">
+      <a:schemeClr val="dk1"/>
+    </dgm:txFillClrLst>
+    <dgm:txEffectClrLst/>
+  </dgm:styleLbl>
+  <dgm:styleLbl name="fgAccFollowNode1">
+    <dgm:fillClrLst>
+      <a:schemeClr val="accent5">
+        <a:tint val="40000"/>
+        <a:alpha val="90000"/>
+      </a:schemeClr>
+      <a:schemeClr val="accent6">
+        <a:tint val="40000"/>
+        <a:alpha val="90000"/>
+      </a:schemeClr>
+    </dgm:fillClrLst>
+    <dgm:linClrLst>
+      <a:schemeClr val="accent5">
+        <a:tint val="40000"/>
+        <a:alpha val="90000"/>
+      </a:schemeClr>
+      <a:schemeClr val="accent5">
+        <a:tint val="40000"/>
+        <a:alpha val="90000"/>
+      </a:schemeClr>
+    </dgm:linClrLst>
+    <dgm:effectClrLst/>
+    <dgm:txLinClrLst/>
+    <dgm:txFillClrLst meth="repeat">
+      <a:schemeClr val="dk1"/>
+    </dgm:txFillClrLst>
+    <dgm:txEffectClrLst/>
+  </dgm:styleLbl>
+  <dgm:styleLbl name="alignAccFollowNode1">
+    <dgm:fillClrLst>
+      <a:schemeClr val="accent5">
+        <a:tint val="40000"/>
+        <a:alpha val="90000"/>
+      </a:schemeClr>
+      <a:schemeClr val="accent6">
+        <a:tint val="40000"/>
+        <a:alpha val="90000"/>
+      </a:schemeClr>
+    </dgm:fillClrLst>
+    <dgm:linClrLst>
+      <a:schemeClr val="accent5">
+        <a:tint val="40000"/>
+        <a:alpha val="90000"/>
+      </a:schemeClr>
+      <a:schemeClr val="accent6">
+        <a:tint val="40000"/>
+        <a:alpha val="90000"/>
+      </a:schemeClr>
+    </dgm:linClrLst>
+    <dgm:effectClrLst/>
+    <dgm:txLinClrLst/>
+    <dgm:txFillClrLst meth="repeat">
+      <a:schemeClr val="dk1"/>
+    </dgm:txFillClrLst>
+    <dgm:txEffectClrLst/>
+  </dgm:styleLbl>
+  <dgm:styleLbl name="bgAccFollowNode1">
+    <dgm:fillClrLst>
+      <a:schemeClr val="accent5">
+        <a:tint val="40000"/>
+        <a:alpha val="90000"/>
+      </a:schemeClr>
+      <a:schemeClr val="accent6">
+        <a:tint val="40000"/>
+        <a:alpha val="90000"/>
+      </a:schemeClr>
+    </dgm:fillClrLst>
+    <dgm:linClrLst>
+      <a:schemeClr val="accent5">
+        <a:tint val="40000"/>
+        <a:alpha val="90000"/>
+      </a:schemeClr>
+      <a:schemeClr val="accent6">
+        <a:tint val="40000"/>
+        <a:alpha val="90000"/>
+      </a:schemeClr>
+    </dgm:linClrLst>
+    <dgm:effectClrLst/>
+    <dgm:txLinClrLst/>
+    <dgm:txFillClrLst meth="repeat">
+      <a:schemeClr val="dk1"/>
+    </dgm:txFillClrLst>
+    <dgm:txEffectClrLst/>
+  </dgm:styleLbl>
+  <dgm:styleLbl name="fgAcc0">
+    <dgm:fillClrLst meth="repeat">
+      <a:schemeClr val="lt1">
+        <a:alpha val="90000"/>
+      </a:schemeClr>
+    </dgm:fillClrLst>
+    <dgm:linClrLst>
+      <a:schemeClr val="accent4"/>
+    </dgm:linClrLst>
+    <dgm:effectClrLst/>
+    <dgm:txLinClrLst/>
+    <dgm:txFillClrLst meth="repeat">
+      <a:schemeClr val="dk1"/>
+    </dgm:txFillClrLst>
+    <dgm:txEffectClrLst/>
+  </dgm:styleLbl>
+  <dgm:styleLbl name="fgAcc2">
+    <dgm:fillClrLst meth="repeat">
+      <a:schemeClr val="lt1">
+        <a:alpha val="90000"/>
+      </a:schemeClr>
+    </dgm:fillClrLst>
+    <dgm:linClrLst>
+      <a:schemeClr val="accent6"/>
+    </dgm:linClrLst>
+    <dgm:effectClrLst/>
+    <dgm:txLinClrLst/>
+    <dgm:txFillClrLst meth="repeat">
+      <a:schemeClr val="dk1"/>
+    </dgm:txFillClrLst>
+    <dgm:txEffectClrLst/>
+  </dgm:styleLbl>
+  <dgm:styleLbl name="fgAcc3">
+    <dgm:fillClrLst meth="repeat">
+      <a:schemeClr val="lt1">
+        <a:alpha val="90000"/>
+      </a:schemeClr>
+    </dgm:fillClrLst>
+    <dgm:linClrLst>
+      <a:schemeClr val="accent1"/>
+    </dgm:linClrLst>
+    <dgm:effectClrLst/>
+    <dgm:txLinClrLst/>
+    <dgm:txFillClrLst meth="repeat">
+      <a:schemeClr val="dk1"/>
+    </dgm:txFillClrLst>
+    <dgm:txEffectClrLst/>
+  </dgm:styleLbl>
+  <dgm:styleLbl name="fgAcc4">
+    <dgm:fillClrLst meth="repeat">
+      <a:schemeClr val="lt1">
+        <a:alpha val="90000"/>
+      </a:schemeClr>
+    </dgm:fillClrLst>
+    <dgm:linClrLst>
+      <a:schemeClr val="accent2"/>
+    </dgm:linClrLst>
+    <dgm:effectClrLst/>
+    <dgm:txLinClrLst/>
+    <dgm:txFillClrLst meth="repeat">
+      <a:schemeClr val="dk1"/>
+    </dgm:txFillClrLst>
+    <dgm:txEffectClrLst/>
+  </dgm:styleLbl>
+  <dgm:styleLbl name="bgShp">
+    <dgm:fillClrLst meth="repeat">
+      <a:schemeClr val="accent5">
+        <a:tint val="40000"/>
+      </a:schemeClr>
+    </dgm:fillClrLst>
+    <dgm:linClrLst meth="repeat">
+      <a:schemeClr val="dk1"/>
+    </dgm:linClrLst>
+    <dgm:effectClrLst/>
+    <dgm:txLinClrLst/>
+    <dgm:txFillClrLst meth="repeat">
+      <a:schemeClr val="dk1"/>
+    </dgm:txFillClrLst>
+    <dgm:txEffectClrLst/>
+  </dgm:styleLbl>
+  <dgm:styleLbl name="dkBgShp">
+    <dgm:fillClrLst meth="repeat">
+      <a:schemeClr val="accent5">
+        <a:shade val="90000"/>
+      </a:schemeClr>
+    </dgm:fillClrLst>
+    <dgm:linClrLst meth="repeat">
+      <a:schemeClr val="dk1"/>
+    </dgm:linClrLst>
+    <dgm:effectClrLst/>
+    <dgm:txLinClrLst/>
+    <dgm:txFillClrLst meth="repeat">
+      <a:schemeClr val="lt1"/>
+    </dgm:txFillClrLst>
+    <dgm:txEffectClrLst/>
+  </dgm:styleLbl>
+  <dgm:styleLbl name="trBgShp">
+    <dgm:fillClrLst meth="repeat">
+      <a:schemeClr val="accent5">
+        <a:tint val="50000"/>
+        <a:alpha val="40000"/>
+      </a:schemeClr>
+    </dgm:fillClrLst>
+    <dgm:linClrLst meth="repeat">
+      <a:schemeClr val="accent5"/>
+    </dgm:linClrLst>
+    <dgm:effectClrLst/>
+    <dgm:txLinClrLst/>
+    <dgm:txFillClrLst meth="repeat">
+      <a:schemeClr val="lt1"/>
+    </dgm:txFillClrLst>
+    <dgm:txEffectClrLst/>
+  </dgm:styleLbl>
+  <dgm:styleLbl name="fgShp">
+    <dgm:fillClrLst meth="repeat">
+      <a:schemeClr val="accent5">
+        <a:tint val="40000"/>
+      </a:schemeClr>
+    </dgm:fillClrLst>
+    <dgm:linClrLst meth="repeat">
+      <a:schemeClr val="lt1"/>
+    </dgm:linClrLst>
+    <dgm:effectClrLst/>
+    <dgm:txLinClrLst/>
+    <dgm:txFillClrLst meth="repeat">
+      <a:schemeClr val="dk1"/>
+    </dgm:txFillClrLst>
+    <dgm:txEffectClrLst/>
+  </dgm:styleLbl>
+  <dgm:styleLbl name="revTx">
+    <dgm:fillClrLst meth="repeat">
+      <a:schemeClr val="lt1">
+        <a:alpha val="0"/>
+      </a:schemeClr>
+    </dgm:fillClrLst>
+    <dgm:linClrLst meth="repeat">
+      <a:schemeClr val="dk1">
+        <a:alpha val="0"/>
+      </a:schemeClr>
+    </dgm:linClrLst>
+    <dgm:effectClrLst/>
+    <dgm:txLinClrLst/>
+    <dgm:txFillClrLst meth="repeat">
+      <a:schemeClr val="tx1"/>
+    </dgm:txFillClrLst>
+    <dgm:txEffectClrLst/>
+  </dgm:styleLbl>
+</dgm:colorsDef>
+</file>
+
+<file path=ppt/diagrams/colors5.xml><?xml version="1.0" encoding="utf-8"?>
 <dgm:colorsDef xmlns:dgm="http://schemas.openxmlformats.org/drawingml/2006/diagram" xmlns:a="http://schemas.openxmlformats.org/drawingml/2006/main" uniqueId="urn:microsoft.com/office/officeart/2005/8/colors/colorful4">
   <dgm:title val=""/>
   <dgm:desc val=""/>
@@ -4278,788 +5867,6 @@
   <dgm:styleLbl name="fgShp">
     <dgm:fillClrLst meth="repeat">
       <a:schemeClr val="accent4">
-        <a:tint val="40000"/>
-      </a:schemeClr>
-    </dgm:fillClrLst>
-    <dgm:linClrLst meth="repeat">
-      <a:schemeClr val="lt1"/>
-    </dgm:linClrLst>
-    <dgm:effectClrLst/>
-    <dgm:txLinClrLst/>
-    <dgm:txFillClrLst meth="repeat">
-      <a:schemeClr val="dk1"/>
-    </dgm:txFillClrLst>
-    <dgm:txEffectClrLst/>
-  </dgm:styleLbl>
-  <dgm:styleLbl name="revTx">
-    <dgm:fillClrLst meth="repeat">
-      <a:schemeClr val="lt1">
-        <a:alpha val="0"/>
-      </a:schemeClr>
-    </dgm:fillClrLst>
-    <dgm:linClrLst meth="repeat">
-      <a:schemeClr val="dk1">
-        <a:alpha val="0"/>
-      </a:schemeClr>
-    </dgm:linClrLst>
-    <dgm:effectClrLst/>
-    <dgm:txLinClrLst/>
-    <dgm:txFillClrLst meth="repeat">
-      <a:schemeClr val="tx1"/>
-    </dgm:txFillClrLst>
-    <dgm:txEffectClrLst/>
-  </dgm:styleLbl>
-</dgm:colorsDef>
-</file>
-
-<file path=ppt/diagrams/colors4.xml><?xml version="1.0" encoding="utf-8"?>
-<dgm:colorsDef xmlns:dgm="http://schemas.openxmlformats.org/drawingml/2006/diagram" xmlns:a="http://schemas.openxmlformats.org/drawingml/2006/main" uniqueId="urn:microsoft.com/office/officeart/2005/8/colors/colorful5">
-  <dgm:title val=""/>
-  <dgm:desc val=""/>
-  <dgm:catLst>
-    <dgm:cat type="colorful" pri="10500"/>
-  </dgm:catLst>
-  <dgm:styleLbl name="node0">
-    <dgm:fillClrLst meth="repeat">
-      <a:schemeClr val="accent4"/>
-    </dgm:fillClrLst>
-    <dgm:linClrLst meth="repeat">
-      <a:schemeClr val="lt1"/>
-    </dgm:linClrLst>
-    <dgm:effectClrLst/>
-    <dgm:txLinClrLst/>
-    <dgm:txFillClrLst/>
-    <dgm:txEffectClrLst/>
-  </dgm:styleLbl>
-  <dgm:styleLbl name="node1">
-    <dgm:fillClrLst>
-      <a:schemeClr val="accent5"/>
-      <a:schemeClr val="accent6"/>
-    </dgm:fillClrLst>
-    <dgm:linClrLst meth="repeat">
-      <a:schemeClr val="lt1"/>
-    </dgm:linClrLst>
-    <dgm:effectClrLst/>
-    <dgm:txLinClrLst/>
-    <dgm:txFillClrLst/>
-    <dgm:txEffectClrLst/>
-  </dgm:styleLbl>
-  <dgm:styleLbl name="alignNode1">
-    <dgm:fillClrLst>
-      <a:schemeClr val="accent5"/>
-      <a:schemeClr val="accent6"/>
-    </dgm:fillClrLst>
-    <dgm:linClrLst>
-      <a:schemeClr val="accent5"/>
-      <a:schemeClr val="accent6"/>
-    </dgm:linClrLst>
-    <dgm:effectClrLst/>
-    <dgm:txLinClrLst/>
-    <dgm:txFillClrLst/>
-    <dgm:txEffectClrLst/>
-  </dgm:styleLbl>
-  <dgm:styleLbl name="lnNode1">
-    <dgm:fillClrLst>
-      <a:schemeClr val="accent5"/>
-      <a:schemeClr val="accent6"/>
-    </dgm:fillClrLst>
-    <dgm:linClrLst meth="repeat">
-      <a:schemeClr val="lt1"/>
-    </dgm:linClrLst>
-    <dgm:effectClrLst/>
-    <dgm:txLinClrLst/>
-    <dgm:txFillClrLst/>
-    <dgm:txEffectClrLst/>
-  </dgm:styleLbl>
-  <dgm:styleLbl name="vennNode1">
-    <dgm:fillClrLst>
-      <a:schemeClr val="accent5">
-        <a:alpha val="50000"/>
-      </a:schemeClr>
-      <a:schemeClr val="accent6">
-        <a:alpha val="50000"/>
-      </a:schemeClr>
-    </dgm:fillClrLst>
-    <dgm:linClrLst meth="repeat">
-      <a:schemeClr val="lt1"/>
-    </dgm:linClrLst>
-    <dgm:effectClrLst/>
-    <dgm:txLinClrLst/>
-    <dgm:txFillClrLst/>
-    <dgm:txEffectClrLst/>
-  </dgm:styleLbl>
-  <dgm:styleLbl name="node2">
-    <dgm:fillClrLst>
-      <a:schemeClr val="accent6"/>
-    </dgm:fillClrLst>
-    <dgm:linClrLst meth="repeat">
-      <a:schemeClr val="lt1"/>
-    </dgm:linClrLst>
-    <dgm:effectClrLst/>
-    <dgm:txLinClrLst/>
-    <dgm:txFillClrLst/>
-    <dgm:txEffectClrLst/>
-  </dgm:styleLbl>
-  <dgm:styleLbl name="node3">
-    <dgm:fillClrLst>
-      <a:schemeClr val="accent1"/>
-    </dgm:fillClrLst>
-    <dgm:linClrLst meth="repeat">
-      <a:schemeClr val="lt1"/>
-    </dgm:linClrLst>
-    <dgm:effectClrLst/>
-    <dgm:txLinClrLst/>
-    <dgm:txFillClrLst/>
-    <dgm:txEffectClrLst/>
-  </dgm:styleLbl>
-  <dgm:styleLbl name="node4">
-    <dgm:fillClrLst>
-      <a:schemeClr val="accent2"/>
-    </dgm:fillClrLst>
-    <dgm:linClrLst meth="repeat">
-      <a:schemeClr val="lt1"/>
-    </dgm:linClrLst>
-    <dgm:effectClrLst/>
-    <dgm:txLinClrLst/>
-    <dgm:txFillClrLst/>
-    <dgm:txEffectClrLst/>
-  </dgm:styleLbl>
-  <dgm:styleLbl name="fgImgPlace1">
-    <dgm:fillClrLst>
-      <a:schemeClr val="accent5">
-        <a:tint val="50000"/>
-      </a:schemeClr>
-      <a:schemeClr val="accent6">
-        <a:tint val="50000"/>
-      </a:schemeClr>
-    </dgm:fillClrLst>
-    <dgm:linClrLst meth="repeat">
-      <a:schemeClr val="lt1"/>
-    </dgm:linClrLst>
-    <dgm:effectClrLst/>
-    <dgm:txLinClrLst/>
-    <dgm:txFillClrLst meth="repeat">
-      <a:schemeClr val="lt1"/>
-    </dgm:txFillClrLst>
-    <dgm:txEffectClrLst/>
-  </dgm:styleLbl>
-  <dgm:styleLbl name="alignImgPlace1">
-    <dgm:fillClrLst>
-      <a:schemeClr val="accent5">
-        <a:tint val="50000"/>
-      </a:schemeClr>
-      <a:schemeClr val="accent6">
-        <a:tint val="20000"/>
-      </a:schemeClr>
-    </dgm:fillClrLst>
-    <dgm:linClrLst meth="repeat">
-      <a:schemeClr val="lt1"/>
-    </dgm:linClrLst>
-    <dgm:effectClrLst/>
-    <dgm:txLinClrLst/>
-    <dgm:txFillClrLst meth="repeat">
-      <a:schemeClr val="lt1"/>
-    </dgm:txFillClrLst>
-    <dgm:txEffectClrLst/>
-  </dgm:styleLbl>
-  <dgm:styleLbl name="bgImgPlace1">
-    <dgm:fillClrLst>
-      <a:schemeClr val="accent5">
-        <a:tint val="50000"/>
-      </a:schemeClr>
-      <a:schemeClr val="accent6">
-        <a:tint val="20000"/>
-      </a:schemeClr>
-    </dgm:fillClrLst>
-    <dgm:linClrLst meth="repeat">
-      <a:schemeClr val="lt1"/>
-    </dgm:linClrLst>
-    <dgm:effectClrLst/>
-    <dgm:txLinClrLst/>
-    <dgm:txFillClrLst meth="repeat">
-      <a:schemeClr val="lt1"/>
-    </dgm:txFillClrLst>
-    <dgm:txEffectClrLst/>
-  </dgm:styleLbl>
-  <dgm:styleLbl name="sibTrans2D1">
-    <dgm:fillClrLst>
-      <a:schemeClr val="accent5"/>
-      <a:schemeClr val="accent6"/>
-    </dgm:fillClrLst>
-    <dgm:linClrLst meth="repeat">
-      <a:schemeClr val="lt1"/>
-    </dgm:linClrLst>
-    <dgm:effectClrLst/>
-    <dgm:txLinClrLst/>
-    <dgm:txFillClrLst/>
-    <dgm:txEffectClrLst/>
-  </dgm:styleLbl>
-  <dgm:styleLbl name="fgSibTrans2D1">
-    <dgm:fillClrLst>
-      <a:schemeClr val="accent5"/>
-      <a:schemeClr val="accent6"/>
-    </dgm:fillClrLst>
-    <dgm:linClrLst meth="repeat">
-      <a:schemeClr val="lt1"/>
-    </dgm:linClrLst>
-    <dgm:effectClrLst/>
-    <dgm:txLinClrLst/>
-    <dgm:txFillClrLst meth="repeat">
-      <a:schemeClr val="lt1"/>
-    </dgm:txFillClrLst>
-    <dgm:txEffectClrLst/>
-  </dgm:styleLbl>
-  <dgm:styleLbl name="bgSibTrans2D1">
-    <dgm:fillClrLst>
-      <a:schemeClr val="accent5"/>
-      <a:schemeClr val="accent6"/>
-    </dgm:fillClrLst>
-    <dgm:linClrLst meth="repeat">
-      <a:schemeClr val="lt1"/>
-    </dgm:linClrLst>
-    <dgm:effectClrLst/>
-    <dgm:txLinClrLst/>
-    <dgm:txFillClrLst meth="repeat">
-      <a:schemeClr val="lt1"/>
-    </dgm:txFillClrLst>
-    <dgm:txEffectClrLst/>
-  </dgm:styleLbl>
-  <dgm:styleLbl name="sibTrans1D1">
-    <dgm:fillClrLst/>
-    <dgm:linClrLst>
-      <a:schemeClr val="accent5"/>
-      <a:schemeClr val="accent6"/>
-    </dgm:linClrLst>
-    <dgm:effectClrLst/>
-    <dgm:txLinClrLst/>
-    <dgm:txFillClrLst meth="repeat">
-      <a:schemeClr val="tx1"/>
-    </dgm:txFillClrLst>
-    <dgm:txEffectClrLst/>
-  </dgm:styleLbl>
-  <dgm:styleLbl name="callout">
-    <dgm:fillClrLst meth="repeat">
-      <a:schemeClr val="accent5"/>
-    </dgm:fillClrLst>
-    <dgm:linClrLst meth="repeat">
-      <a:schemeClr val="accent5">
-        <a:tint val="50000"/>
-      </a:schemeClr>
-    </dgm:linClrLst>
-    <dgm:effectClrLst/>
-    <dgm:txLinClrLst/>
-    <dgm:txFillClrLst meth="repeat">
-      <a:schemeClr val="tx1"/>
-    </dgm:txFillClrLst>
-    <dgm:txEffectClrLst/>
-  </dgm:styleLbl>
-  <dgm:styleLbl name="asst0">
-    <dgm:fillClrLst meth="repeat">
-      <a:schemeClr val="accent5"/>
-    </dgm:fillClrLst>
-    <dgm:linClrLst meth="repeat">
-      <a:schemeClr val="lt1">
-        <a:shade val="80000"/>
-      </a:schemeClr>
-    </dgm:linClrLst>
-    <dgm:effectClrLst/>
-    <dgm:txLinClrLst/>
-    <dgm:txFillClrLst/>
-    <dgm:txEffectClrLst/>
-  </dgm:styleLbl>
-  <dgm:styleLbl name="asst1">
-    <dgm:fillClrLst meth="repeat">
-      <a:schemeClr val="accent6"/>
-    </dgm:fillClrLst>
-    <dgm:linClrLst meth="repeat">
-      <a:schemeClr val="lt1">
-        <a:shade val="80000"/>
-      </a:schemeClr>
-    </dgm:linClrLst>
-    <dgm:effectClrLst/>
-    <dgm:txLinClrLst/>
-    <dgm:txFillClrLst/>
-    <dgm:txEffectClrLst/>
-  </dgm:styleLbl>
-  <dgm:styleLbl name="asst2">
-    <dgm:fillClrLst>
-      <a:schemeClr val="accent1"/>
-    </dgm:fillClrLst>
-    <dgm:linClrLst meth="repeat">
-      <a:schemeClr val="lt1"/>
-    </dgm:linClrLst>
-    <dgm:effectClrLst/>
-    <dgm:txLinClrLst/>
-    <dgm:txFillClrLst/>
-    <dgm:txEffectClrLst/>
-  </dgm:styleLbl>
-  <dgm:styleLbl name="asst3">
-    <dgm:fillClrLst>
-      <a:schemeClr val="accent2"/>
-    </dgm:fillClrLst>
-    <dgm:linClrLst meth="repeat">
-      <a:schemeClr val="lt1"/>
-    </dgm:linClrLst>
-    <dgm:effectClrLst/>
-    <dgm:txLinClrLst/>
-    <dgm:txFillClrLst/>
-    <dgm:txEffectClrLst/>
-  </dgm:styleLbl>
-  <dgm:styleLbl name="asst4">
-    <dgm:fillClrLst>
-      <a:schemeClr val="accent3"/>
-    </dgm:fillClrLst>
-    <dgm:linClrLst meth="repeat">
-      <a:schemeClr val="lt1"/>
-    </dgm:linClrLst>
-    <dgm:effectClrLst/>
-    <dgm:txLinClrLst/>
-    <dgm:txFillClrLst/>
-    <dgm:txEffectClrLst/>
-  </dgm:styleLbl>
-  <dgm:styleLbl name="parChTrans2D1">
-    <dgm:fillClrLst meth="repeat">
-      <a:schemeClr val="accent5"/>
-    </dgm:fillClrLst>
-    <dgm:linClrLst meth="repeat">
-      <a:schemeClr val="lt1"/>
-    </dgm:linClrLst>
-    <dgm:effectClrLst/>
-    <dgm:txLinClrLst/>
-    <dgm:txFillClrLst meth="repeat">
-      <a:schemeClr val="lt1"/>
-    </dgm:txFillClrLst>
-    <dgm:txEffectClrLst/>
-  </dgm:styleLbl>
-  <dgm:styleLbl name="parChTrans2D2">
-    <dgm:fillClrLst meth="repeat">
-      <a:schemeClr val="accent6"/>
-    </dgm:fillClrLst>
-    <dgm:linClrLst meth="repeat">
-      <a:schemeClr val="lt1"/>
-    </dgm:linClrLst>
-    <dgm:effectClrLst/>
-    <dgm:txLinClrLst/>
-    <dgm:txFillClrLst/>
-    <dgm:txEffectClrLst/>
-  </dgm:styleLbl>
-  <dgm:styleLbl name="parChTrans2D3">
-    <dgm:fillClrLst meth="repeat">
-      <a:schemeClr val="accent6"/>
-    </dgm:fillClrLst>
-    <dgm:linClrLst meth="repeat">
-      <a:schemeClr val="lt1"/>
-    </dgm:linClrLst>
-    <dgm:effectClrLst/>
-    <dgm:txLinClrLst/>
-    <dgm:txFillClrLst/>
-    <dgm:txEffectClrLst/>
-  </dgm:styleLbl>
-  <dgm:styleLbl name="parChTrans2D4">
-    <dgm:fillClrLst meth="repeat">
-      <a:schemeClr val="accent1"/>
-    </dgm:fillClrLst>
-    <dgm:linClrLst meth="repeat">
-      <a:schemeClr val="lt1"/>
-    </dgm:linClrLst>
-    <dgm:effectClrLst/>
-    <dgm:txLinClrLst/>
-    <dgm:txFillClrLst meth="repeat">
-      <a:schemeClr val="lt1"/>
-    </dgm:txFillClrLst>
-    <dgm:txEffectClrLst/>
-  </dgm:styleLbl>
-  <dgm:styleLbl name="parChTrans1D1">
-    <dgm:fillClrLst meth="repeat">
-      <a:schemeClr val="accent5"/>
-    </dgm:fillClrLst>
-    <dgm:linClrLst meth="repeat">
-      <a:schemeClr val="accent5"/>
-    </dgm:linClrLst>
-    <dgm:effectClrLst/>
-    <dgm:txLinClrLst/>
-    <dgm:txFillClrLst meth="repeat">
-      <a:schemeClr val="tx1"/>
-    </dgm:txFillClrLst>
-    <dgm:txEffectClrLst/>
-  </dgm:styleLbl>
-  <dgm:styleLbl name="parChTrans1D2">
-    <dgm:fillClrLst meth="repeat">
-      <a:schemeClr val="accent6">
-        <a:tint val="90000"/>
-      </a:schemeClr>
-    </dgm:fillClrLst>
-    <dgm:linClrLst meth="repeat">
-      <a:schemeClr val="accent6"/>
-    </dgm:linClrLst>
-    <dgm:effectClrLst/>
-    <dgm:txLinClrLst/>
-    <dgm:txFillClrLst meth="repeat">
-      <a:schemeClr val="tx1"/>
-    </dgm:txFillClrLst>
-    <dgm:txEffectClrLst/>
-  </dgm:styleLbl>
-  <dgm:styleLbl name="parChTrans1D3">
-    <dgm:fillClrLst meth="repeat">
-      <a:schemeClr val="accent6">
-        <a:tint val="70000"/>
-      </a:schemeClr>
-    </dgm:fillClrLst>
-    <dgm:linClrLst meth="repeat">
-      <a:schemeClr val="accent1"/>
-    </dgm:linClrLst>
-    <dgm:effectClrLst/>
-    <dgm:txLinClrLst/>
-    <dgm:txFillClrLst meth="repeat">
-      <a:schemeClr val="tx1"/>
-    </dgm:txFillClrLst>
-    <dgm:txEffectClrLst/>
-  </dgm:styleLbl>
-  <dgm:styleLbl name="parChTrans1D4">
-    <dgm:fillClrLst meth="repeat">
-      <a:schemeClr val="accent6">
-        <a:tint val="50000"/>
-      </a:schemeClr>
-    </dgm:fillClrLst>
-    <dgm:linClrLst meth="repeat">
-      <a:schemeClr val="accent2"/>
-    </dgm:linClrLst>
-    <dgm:effectClrLst/>
-    <dgm:txLinClrLst/>
-    <dgm:txFillClrLst meth="repeat">
-      <a:schemeClr val="tx1"/>
-    </dgm:txFillClrLst>
-    <dgm:txEffectClrLst/>
-  </dgm:styleLbl>
-  <dgm:styleLbl name="fgAcc1">
-    <dgm:fillClrLst meth="repeat">
-      <a:schemeClr val="lt1">
-        <a:alpha val="90000"/>
-      </a:schemeClr>
-    </dgm:fillClrLst>
-    <dgm:linClrLst>
-      <a:schemeClr val="accent5"/>
-      <a:schemeClr val="accent6"/>
-    </dgm:linClrLst>
-    <dgm:effectClrLst/>
-    <dgm:txLinClrLst/>
-    <dgm:txFillClrLst meth="repeat">
-      <a:schemeClr val="dk1"/>
-    </dgm:txFillClrLst>
-    <dgm:txEffectClrLst/>
-  </dgm:styleLbl>
-  <dgm:styleLbl name="conFgAcc1">
-    <dgm:fillClrLst meth="repeat">
-      <a:schemeClr val="lt1">
-        <a:alpha val="90000"/>
-      </a:schemeClr>
-    </dgm:fillClrLst>
-    <dgm:linClrLst>
-      <a:schemeClr val="accent5"/>
-      <a:schemeClr val="accent6"/>
-    </dgm:linClrLst>
-    <dgm:effectClrLst/>
-    <dgm:txLinClrLst/>
-    <dgm:txFillClrLst meth="repeat">
-      <a:schemeClr val="dk1"/>
-    </dgm:txFillClrLst>
-    <dgm:txEffectClrLst/>
-  </dgm:styleLbl>
-  <dgm:styleLbl name="alignAcc1">
-    <dgm:fillClrLst meth="repeat">
-      <a:schemeClr val="lt1">
-        <a:alpha val="90000"/>
-      </a:schemeClr>
-    </dgm:fillClrLst>
-    <dgm:linClrLst>
-      <a:schemeClr val="accent5"/>
-      <a:schemeClr val="accent6"/>
-    </dgm:linClrLst>
-    <dgm:effectClrLst/>
-    <dgm:txLinClrLst/>
-    <dgm:txFillClrLst meth="repeat">
-      <a:schemeClr val="dk1"/>
-    </dgm:txFillClrLst>
-    <dgm:txEffectClrLst/>
-  </dgm:styleLbl>
-  <dgm:styleLbl name="trAlignAcc1">
-    <dgm:fillClrLst meth="repeat">
-      <a:schemeClr val="lt1">
-        <a:alpha val="40000"/>
-      </a:schemeClr>
-    </dgm:fillClrLst>
-    <dgm:linClrLst meth="repeat">
-      <a:schemeClr val="accent5"/>
-    </dgm:linClrLst>
-    <dgm:effectClrLst/>
-    <dgm:txLinClrLst/>
-    <dgm:txFillClrLst meth="repeat">
-      <a:schemeClr val="dk1"/>
-    </dgm:txFillClrLst>
-    <dgm:txEffectClrLst/>
-  </dgm:styleLbl>
-  <dgm:styleLbl name="bgAcc1">
-    <dgm:fillClrLst meth="repeat">
-      <a:schemeClr val="lt1">
-        <a:alpha val="90000"/>
-      </a:schemeClr>
-    </dgm:fillClrLst>
-    <dgm:linClrLst>
-      <a:schemeClr val="accent5"/>
-      <a:schemeClr val="accent6"/>
-    </dgm:linClrLst>
-    <dgm:effectClrLst/>
-    <dgm:txLinClrLst/>
-    <dgm:txFillClrLst meth="repeat">
-      <a:schemeClr val="dk1"/>
-    </dgm:txFillClrLst>
-    <dgm:txEffectClrLst/>
-  </dgm:styleLbl>
-  <dgm:styleLbl name="solidFgAcc1">
-    <dgm:fillClrLst meth="repeat">
-      <a:schemeClr val="lt1"/>
-    </dgm:fillClrLst>
-    <dgm:linClrLst>
-      <a:schemeClr val="accent5"/>
-      <a:schemeClr val="accent6"/>
-    </dgm:linClrLst>
-    <dgm:effectClrLst/>
-    <dgm:txLinClrLst/>
-    <dgm:txFillClrLst meth="repeat">
-      <a:schemeClr val="dk1"/>
-    </dgm:txFillClrLst>
-    <dgm:txEffectClrLst/>
-  </dgm:styleLbl>
-  <dgm:styleLbl name="solidAlignAcc1">
-    <dgm:fillClrLst meth="repeat">
-      <a:schemeClr val="lt1"/>
-    </dgm:fillClrLst>
-    <dgm:linClrLst>
-      <a:schemeClr val="accent5"/>
-      <a:schemeClr val="accent6"/>
-    </dgm:linClrLst>
-    <dgm:effectClrLst/>
-    <dgm:txLinClrLst/>
-    <dgm:txFillClrLst meth="repeat">
-      <a:schemeClr val="dk1"/>
-    </dgm:txFillClrLst>
-    <dgm:txEffectClrLst/>
-  </dgm:styleLbl>
-  <dgm:styleLbl name="solidBgAcc1">
-    <dgm:fillClrLst meth="repeat">
-      <a:schemeClr val="lt1"/>
-    </dgm:fillClrLst>
-    <dgm:linClrLst>
-      <a:schemeClr val="accent5"/>
-      <a:schemeClr val="accent6"/>
-    </dgm:linClrLst>
-    <dgm:effectClrLst/>
-    <dgm:txLinClrLst/>
-    <dgm:txFillClrLst meth="repeat">
-      <a:schemeClr val="dk1"/>
-    </dgm:txFillClrLst>
-    <dgm:txEffectClrLst/>
-  </dgm:styleLbl>
-  <dgm:styleLbl name="fgAccFollowNode1">
-    <dgm:fillClrLst>
-      <a:schemeClr val="accent5">
-        <a:tint val="40000"/>
-        <a:alpha val="90000"/>
-      </a:schemeClr>
-      <a:schemeClr val="accent6">
-        <a:tint val="40000"/>
-        <a:alpha val="90000"/>
-      </a:schemeClr>
-    </dgm:fillClrLst>
-    <dgm:linClrLst>
-      <a:schemeClr val="accent5">
-        <a:tint val="40000"/>
-        <a:alpha val="90000"/>
-      </a:schemeClr>
-      <a:schemeClr val="accent5">
-        <a:tint val="40000"/>
-        <a:alpha val="90000"/>
-      </a:schemeClr>
-    </dgm:linClrLst>
-    <dgm:effectClrLst/>
-    <dgm:txLinClrLst/>
-    <dgm:txFillClrLst meth="repeat">
-      <a:schemeClr val="dk1"/>
-    </dgm:txFillClrLst>
-    <dgm:txEffectClrLst/>
-  </dgm:styleLbl>
-  <dgm:styleLbl name="alignAccFollowNode1">
-    <dgm:fillClrLst>
-      <a:schemeClr val="accent5">
-        <a:tint val="40000"/>
-        <a:alpha val="90000"/>
-      </a:schemeClr>
-      <a:schemeClr val="accent6">
-        <a:tint val="40000"/>
-        <a:alpha val="90000"/>
-      </a:schemeClr>
-    </dgm:fillClrLst>
-    <dgm:linClrLst>
-      <a:schemeClr val="accent5">
-        <a:tint val="40000"/>
-        <a:alpha val="90000"/>
-      </a:schemeClr>
-      <a:schemeClr val="accent6">
-        <a:tint val="40000"/>
-        <a:alpha val="90000"/>
-      </a:schemeClr>
-    </dgm:linClrLst>
-    <dgm:effectClrLst/>
-    <dgm:txLinClrLst/>
-    <dgm:txFillClrLst meth="repeat">
-      <a:schemeClr val="dk1"/>
-    </dgm:txFillClrLst>
-    <dgm:txEffectClrLst/>
-  </dgm:styleLbl>
-  <dgm:styleLbl name="bgAccFollowNode1">
-    <dgm:fillClrLst>
-      <a:schemeClr val="accent5">
-        <a:tint val="40000"/>
-        <a:alpha val="90000"/>
-      </a:schemeClr>
-      <a:schemeClr val="accent6">
-        <a:tint val="40000"/>
-        <a:alpha val="90000"/>
-      </a:schemeClr>
-    </dgm:fillClrLst>
-    <dgm:linClrLst>
-      <a:schemeClr val="accent5">
-        <a:tint val="40000"/>
-        <a:alpha val="90000"/>
-      </a:schemeClr>
-      <a:schemeClr val="accent6">
-        <a:tint val="40000"/>
-        <a:alpha val="90000"/>
-      </a:schemeClr>
-    </dgm:linClrLst>
-    <dgm:effectClrLst/>
-    <dgm:txLinClrLst/>
-    <dgm:txFillClrLst meth="repeat">
-      <a:schemeClr val="dk1"/>
-    </dgm:txFillClrLst>
-    <dgm:txEffectClrLst/>
-  </dgm:styleLbl>
-  <dgm:styleLbl name="fgAcc0">
-    <dgm:fillClrLst meth="repeat">
-      <a:schemeClr val="lt1">
-        <a:alpha val="90000"/>
-      </a:schemeClr>
-    </dgm:fillClrLst>
-    <dgm:linClrLst>
-      <a:schemeClr val="accent4"/>
-    </dgm:linClrLst>
-    <dgm:effectClrLst/>
-    <dgm:txLinClrLst/>
-    <dgm:txFillClrLst meth="repeat">
-      <a:schemeClr val="dk1"/>
-    </dgm:txFillClrLst>
-    <dgm:txEffectClrLst/>
-  </dgm:styleLbl>
-  <dgm:styleLbl name="fgAcc2">
-    <dgm:fillClrLst meth="repeat">
-      <a:schemeClr val="lt1">
-        <a:alpha val="90000"/>
-      </a:schemeClr>
-    </dgm:fillClrLst>
-    <dgm:linClrLst>
-      <a:schemeClr val="accent6"/>
-    </dgm:linClrLst>
-    <dgm:effectClrLst/>
-    <dgm:txLinClrLst/>
-    <dgm:txFillClrLst meth="repeat">
-      <a:schemeClr val="dk1"/>
-    </dgm:txFillClrLst>
-    <dgm:txEffectClrLst/>
-  </dgm:styleLbl>
-  <dgm:styleLbl name="fgAcc3">
-    <dgm:fillClrLst meth="repeat">
-      <a:schemeClr val="lt1">
-        <a:alpha val="90000"/>
-      </a:schemeClr>
-    </dgm:fillClrLst>
-    <dgm:linClrLst>
-      <a:schemeClr val="accent1"/>
-    </dgm:linClrLst>
-    <dgm:effectClrLst/>
-    <dgm:txLinClrLst/>
-    <dgm:txFillClrLst meth="repeat">
-      <a:schemeClr val="dk1"/>
-    </dgm:txFillClrLst>
-    <dgm:txEffectClrLst/>
-  </dgm:styleLbl>
-  <dgm:styleLbl name="fgAcc4">
-    <dgm:fillClrLst meth="repeat">
-      <a:schemeClr val="lt1">
-        <a:alpha val="90000"/>
-      </a:schemeClr>
-    </dgm:fillClrLst>
-    <dgm:linClrLst>
-      <a:schemeClr val="accent2"/>
-    </dgm:linClrLst>
-    <dgm:effectClrLst/>
-    <dgm:txLinClrLst/>
-    <dgm:txFillClrLst meth="repeat">
-      <a:schemeClr val="dk1"/>
-    </dgm:txFillClrLst>
-    <dgm:txEffectClrLst/>
-  </dgm:styleLbl>
-  <dgm:styleLbl name="bgShp">
-    <dgm:fillClrLst meth="repeat">
-      <a:schemeClr val="accent5">
-        <a:tint val="40000"/>
-      </a:schemeClr>
-    </dgm:fillClrLst>
-    <dgm:linClrLst meth="repeat">
-      <a:schemeClr val="dk1"/>
-    </dgm:linClrLst>
-    <dgm:effectClrLst/>
-    <dgm:txLinClrLst/>
-    <dgm:txFillClrLst meth="repeat">
-      <a:schemeClr val="dk1"/>
-    </dgm:txFillClrLst>
-    <dgm:txEffectClrLst/>
-  </dgm:styleLbl>
-  <dgm:styleLbl name="dkBgShp">
-    <dgm:fillClrLst meth="repeat">
-      <a:schemeClr val="accent5">
-        <a:shade val="90000"/>
-      </a:schemeClr>
-    </dgm:fillClrLst>
-    <dgm:linClrLst meth="repeat">
-      <a:schemeClr val="dk1"/>
-    </dgm:linClrLst>
-    <dgm:effectClrLst/>
-    <dgm:txLinClrLst/>
-    <dgm:txFillClrLst meth="repeat">
-      <a:schemeClr val="lt1"/>
-    </dgm:txFillClrLst>
-    <dgm:txEffectClrLst/>
-  </dgm:styleLbl>
-  <dgm:styleLbl name="trBgShp">
-    <dgm:fillClrLst meth="repeat">
-      <a:schemeClr val="accent5">
-        <a:tint val="50000"/>
-        <a:alpha val="40000"/>
-      </a:schemeClr>
-    </dgm:fillClrLst>
-    <dgm:linClrLst meth="repeat">
-      <a:schemeClr val="accent5"/>
-    </dgm:linClrLst>
-    <dgm:effectClrLst/>
-    <dgm:txLinClrLst/>
-    <dgm:txFillClrLst meth="repeat">
-      <a:schemeClr val="lt1"/>
-    </dgm:txFillClrLst>
-    <dgm:txEffectClrLst/>
-  </dgm:styleLbl>
-  <dgm:styleLbl name="fgShp">
-    <dgm:fillClrLst meth="repeat">
-      <a:schemeClr val="accent5">
         <a:tint val="40000"/>
       </a:schemeClr>
     </dgm:fillClrLst>
@@ -5867,6 +6674,529 @@
 <file path=ppt/diagrams/data3.xml><?xml version="1.0" encoding="utf-8"?>
 <dgm:dataModel xmlns:dgm="http://schemas.openxmlformats.org/drawingml/2006/diagram" xmlns:a="http://schemas.openxmlformats.org/drawingml/2006/main">
   <dgm:ptLst>
+    <dgm:pt modelId="{1899D75C-71C5-4A0E-B523-E627F0449E80}" type="doc">
+      <dgm:prSet loTypeId="urn:microsoft.com/office/officeart/2005/8/layout/process1" loCatId="process" qsTypeId="urn:microsoft.com/office/officeart/2005/8/quickstyle/simple1" qsCatId="simple" csTypeId="urn:microsoft.com/office/officeart/2005/8/colors/accent0_1" csCatId="mainScheme" phldr="1"/>
+      <dgm:spPr/>
+    </dgm:pt>
+    <dgm:pt modelId="{EECA28C3-58FD-456F-B6E3-224ADAD018D6}">
+      <dgm:prSet phldrT="[テキスト]"/>
+      <dgm:spPr/>
+      <dgm:t>
+        <a:bodyPr/>
+        <a:lstStyle/>
+        <a:p>
+          <a:pPr>
+            <a:buNone/>
+          </a:pPr>
+          <a:r>
+            <a:rPr lang="ja-JP" altLang="en-US"/>
+            <a:t>全員</a:t>
+          </a:r>
+          <a:r>
+            <a:rPr lang="ja-JP" altLang="en-US" b="1"/>
+            <a:t>初心者</a:t>
+          </a:r>
+          <a:endParaRPr kumimoji="1" lang="ja-JP" altLang="en-US" dirty="0"/>
+        </a:p>
+      </dgm:t>
+    </dgm:pt>
+    <dgm:pt modelId="{A02DCD68-9E15-4D39-BE27-814CAAA62218}" type="parTrans" cxnId="{FD4153AF-057A-40F9-8EB1-3E695D9395CB}">
+      <dgm:prSet/>
+      <dgm:spPr/>
+      <dgm:t>
+        <a:bodyPr/>
+        <a:lstStyle/>
+        <a:p>
+          <a:endParaRPr kumimoji="1" lang="ja-JP" altLang="en-US"/>
+        </a:p>
+      </dgm:t>
+    </dgm:pt>
+    <dgm:pt modelId="{A16B2B38-E4CA-4B80-BB4D-B45E76E5E07E}" type="sibTrans" cxnId="{FD4153AF-057A-40F9-8EB1-3E695D9395CB}">
+      <dgm:prSet/>
+      <dgm:spPr/>
+      <dgm:t>
+        <a:bodyPr/>
+        <a:lstStyle/>
+        <a:p>
+          <a:endParaRPr kumimoji="1" lang="ja-JP" altLang="en-US"/>
+        </a:p>
+      </dgm:t>
+    </dgm:pt>
+    <dgm:pt modelId="{53E80CBC-9E71-4484-BBF8-74978B382DA0}">
+      <dgm:prSet phldrT="[テキスト]"/>
+      <dgm:spPr/>
+      <dgm:t>
+        <a:bodyPr/>
+        <a:lstStyle/>
+        <a:p>
+          <a:r>
+            <a:rPr kumimoji="1" lang="ja-JP" altLang="en-US" dirty="0"/>
+            <a:t>分からないことが多い</a:t>
+          </a:r>
+        </a:p>
+      </dgm:t>
+    </dgm:pt>
+    <dgm:pt modelId="{FF594E39-8D88-4C65-AC02-D683F2C34759}" type="parTrans" cxnId="{BDDFEFEA-586E-46D3-9D9E-30374B62ABE6}">
+      <dgm:prSet/>
+      <dgm:spPr/>
+      <dgm:t>
+        <a:bodyPr/>
+        <a:lstStyle/>
+        <a:p>
+          <a:endParaRPr kumimoji="1" lang="ja-JP" altLang="en-US"/>
+        </a:p>
+      </dgm:t>
+    </dgm:pt>
+    <dgm:pt modelId="{6907382C-24CC-41E5-A4D0-EE4AC2525611}" type="sibTrans" cxnId="{BDDFEFEA-586E-46D3-9D9E-30374B62ABE6}">
+      <dgm:prSet/>
+      <dgm:spPr/>
+      <dgm:t>
+        <a:bodyPr/>
+        <a:lstStyle/>
+        <a:p>
+          <a:endParaRPr kumimoji="1" lang="ja-JP" altLang="en-US"/>
+        </a:p>
+      </dgm:t>
+    </dgm:pt>
+    <dgm:pt modelId="{25559A21-C250-4D22-A73E-3D1921739F27}">
+      <dgm:prSet phldrT="[テキスト]"/>
+      <dgm:spPr/>
+      <dgm:t>
+        <a:bodyPr/>
+        <a:lstStyle/>
+        <a:p>
+          <a:r>
+            <a:rPr kumimoji="1" lang="ja-JP" altLang="en-US" dirty="0"/>
+            <a:t>技術的不安</a:t>
+          </a:r>
+        </a:p>
+      </dgm:t>
+    </dgm:pt>
+    <dgm:pt modelId="{5B09B0AD-FB3B-40EC-A436-EB2E20D8E04F}" type="parTrans" cxnId="{87645217-BA72-4EEC-ABB9-DD332B8714E0}">
+      <dgm:prSet/>
+      <dgm:spPr/>
+      <dgm:t>
+        <a:bodyPr/>
+        <a:lstStyle/>
+        <a:p>
+          <a:endParaRPr kumimoji="1" lang="ja-JP" altLang="en-US"/>
+        </a:p>
+      </dgm:t>
+    </dgm:pt>
+    <dgm:pt modelId="{EDE3A129-101C-4622-A3E6-42A9D1A52A91}" type="sibTrans" cxnId="{87645217-BA72-4EEC-ABB9-DD332B8714E0}">
+      <dgm:prSet/>
+      <dgm:spPr/>
+      <dgm:t>
+        <a:bodyPr/>
+        <a:lstStyle/>
+        <a:p>
+          <a:endParaRPr kumimoji="1" lang="ja-JP" altLang="en-US"/>
+        </a:p>
+      </dgm:t>
+    </dgm:pt>
+    <dgm:pt modelId="{9940B98C-1AE5-49BA-8562-960C2E7A4920}" type="pres">
+      <dgm:prSet presAssocID="{1899D75C-71C5-4A0E-B523-E627F0449E80}" presName="Name0" presStyleCnt="0">
+        <dgm:presLayoutVars>
+          <dgm:dir/>
+          <dgm:resizeHandles val="exact"/>
+        </dgm:presLayoutVars>
+      </dgm:prSet>
+      <dgm:spPr/>
+    </dgm:pt>
+    <dgm:pt modelId="{B44114D5-6C25-43EC-A3D9-662DB84F157F}" type="pres">
+      <dgm:prSet presAssocID="{EECA28C3-58FD-456F-B6E3-224ADAD018D6}" presName="node" presStyleLbl="node1" presStyleIdx="0" presStyleCnt="3">
+        <dgm:presLayoutVars>
+          <dgm:bulletEnabled val="1"/>
+        </dgm:presLayoutVars>
+      </dgm:prSet>
+      <dgm:spPr/>
+    </dgm:pt>
+    <dgm:pt modelId="{3F12E258-3796-4B32-91E8-483D341F7993}" type="pres">
+      <dgm:prSet presAssocID="{A16B2B38-E4CA-4B80-BB4D-B45E76E5E07E}" presName="sibTrans" presStyleLbl="sibTrans2D1" presStyleIdx="0" presStyleCnt="2"/>
+      <dgm:spPr/>
+    </dgm:pt>
+    <dgm:pt modelId="{9FEB85A6-26EB-417F-8645-E9BA0E4389E9}" type="pres">
+      <dgm:prSet presAssocID="{A16B2B38-E4CA-4B80-BB4D-B45E76E5E07E}" presName="connectorText" presStyleLbl="sibTrans2D1" presStyleIdx="0" presStyleCnt="2"/>
+      <dgm:spPr/>
+    </dgm:pt>
+    <dgm:pt modelId="{E48C98EC-5A1E-43F0-AAE8-4896B9316EB0}" type="pres">
+      <dgm:prSet presAssocID="{53E80CBC-9E71-4484-BBF8-74978B382DA0}" presName="node" presStyleLbl="node1" presStyleIdx="1" presStyleCnt="3">
+        <dgm:presLayoutVars>
+          <dgm:bulletEnabled val="1"/>
+        </dgm:presLayoutVars>
+      </dgm:prSet>
+      <dgm:spPr/>
+    </dgm:pt>
+    <dgm:pt modelId="{11E6E941-A51C-46C6-97C5-E3C9BED6B7FB}" type="pres">
+      <dgm:prSet presAssocID="{6907382C-24CC-41E5-A4D0-EE4AC2525611}" presName="sibTrans" presStyleLbl="sibTrans2D1" presStyleIdx="1" presStyleCnt="2"/>
+      <dgm:spPr/>
+    </dgm:pt>
+    <dgm:pt modelId="{E9191F5B-9CA1-41E4-ACF4-6967D2BEA830}" type="pres">
+      <dgm:prSet presAssocID="{6907382C-24CC-41E5-A4D0-EE4AC2525611}" presName="connectorText" presStyleLbl="sibTrans2D1" presStyleIdx="1" presStyleCnt="2"/>
+      <dgm:spPr/>
+    </dgm:pt>
+    <dgm:pt modelId="{8AC9AF7F-42B7-42C2-9437-8304C04135B0}" type="pres">
+      <dgm:prSet presAssocID="{25559A21-C250-4D22-A73E-3D1921739F27}" presName="node" presStyleLbl="node1" presStyleIdx="2" presStyleCnt="3">
+        <dgm:presLayoutVars>
+          <dgm:bulletEnabled val="1"/>
+        </dgm:presLayoutVars>
+      </dgm:prSet>
+      <dgm:spPr/>
+    </dgm:pt>
+  </dgm:ptLst>
+  <dgm:cxnLst>
+    <dgm:cxn modelId="{87645217-BA72-4EEC-ABB9-DD332B8714E0}" srcId="{1899D75C-71C5-4A0E-B523-E627F0449E80}" destId="{25559A21-C250-4D22-A73E-3D1921739F27}" srcOrd="2" destOrd="0" parTransId="{5B09B0AD-FB3B-40EC-A436-EB2E20D8E04F}" sibTransId="{EDE3A129-101C-4622-A3E6-42A9D1A52A91}"/>
+    <dgm:cxn modelId="{6085DB1A-ED4A-4D82-BD0C-5D96FED046C3}" type="presOf" srcId="{6907382C-24CC-41E5-A4D0-EE4AC2525611}" destId="{E9191F5B-9CA1-41E4-ACF4-6967D2BEA830}" srcOrd="1" destOrd="0" presId="urn:microsoft.com/office/officeart/2005/8/layout/process1"/>
+    <dgm:cxn modelId="{C5B33826-EEDD-4071-863D-0642644E16C3}" type="presOf" srcId="{A16B2B38-E4CA-4B80-BB4D-B45E76E5E07E}" destId="{9FEB85A6-26EB-417F-8645-E9BA0E4389E9}" srcOrd="1" destOrd="0" presId="urn:microsoft.com/office/officeart/2005/8/layout/process1"/>
+    <dgm:cxn modelId="{0860B565-BF62-42D8-92B3-4F78CD69A3E9}" type="presOf" srcId="{A16B2B38-E4CA-4B80-BB4D-B45E76E5E07E}" destId="{3F12E258-3796-4B32-91E8-483D341F7993}" srcOrd="0" destOrd="0" presId="urn:microsoft.com/office/officeart/2005/8/layout/process1"/>
+    <dgm:cxn modelId="{19EEB681-D5F8-4D0E-A5C8-2FB812BE0560}" type="presOf" srcId="{53E80CBC-9E71-4484-BBF8-74978B382DA0}" destId="{E48C98EC-5A1E-43F0-AAE8-4896B9316EB0}" srcOrd="0" destOrd="0" presId="urn:microsoft.com/office/officeart/2005/8/layout/process1"/>
+    <dgm:cxn modelId="{C36BFE8A-100E-4A54-8419-5D3C52AD84C9}" type="presOf" srcId="{6907382C-24CC-41E5-A4D0-EE4AC2525611}" destId="{11E6E941-A51C-46C6-97C5-E3C9BED6B7FB}" srcOrd="0" destOrd="0" presId="urn:microsoft.com/office/officeart/2005/8/layout/process1"/>
+    <dgm:cxn modelId="{BAE69F8C-C6D1-45EF-B2B4-11BC3FD8C1A5}" type="presOf" srcId="{EECA28C3-58FD-456F-B6E3-224ADAD018D6}" destId="{B44114D5-6C25-43EC-A3D9-662DB84F157F}" srcOrd="0" destOrd="0" presId="urn:microsoft.com/office/officeart/2005/8/layout/process1"/>
+    <dgm:cxn modelId="{7C8133A1-1C87-4B70-AC66-45F3FC7D4D12}" type="presOf" srcId="{25559A21-C250-4D22-A73E-3D1921739F27}" destId="{8AC9AF7F-42B7-42C2-9437-8304C04135B0}" srcOrd="0" destOrd="0" presId="urn:microsoft.com/office/officeart/2005/8/layout/process1"/>
+    <dgm:cxn modelId="{FD4153AF-057A-40F9-8EB1-3E695D9395CB}" srcId="{1899D75C-71C5-4A0E-B523-E627F0449E80}" destId="{EECA28C3-58FD-456F-B6E3-224ADAD018D6}" srcOrd="0" destOrd="0" parTransId="{A02DCD68-9E15-4D39-BE27-814CAAA62218}" sibTransId="{A16B2B38-E4CA-4B80-BB4D-B45E76E5E07E}"/>
+    <dgm:cxn modelId="{FCFE40D4-66AC-4F66-8087-619C077763DD}" type="presOf" srcId="{1899D75C-71C5-4A0E-B523-E627F0449E80}" destId="{9940B98C-1AE5-49BA-8562-960C2E7A4920}" srcOrd="0" destOrd="0" presId="urn:microsoft.com/office/officeart/2005/8/layout/process1"/>
+    <dgm:cxn modelId="{BDDFEFEA-586E-46D3-9D9E-30374B62ABE6}" srcId="{1899D75C-71C5-4A0E-B523-E627F0449E80}" destId="{53E80CBC-9E71-4484-BBF8-74978B382DA0}" srcOrd="1" destOrd="0" parTransId="{FF594E39-8D88-4C65-AC02-D683F2C34759}" sibTransId="{6907382C-24CC-41E5-A4D0-EE4AC2525611}"/>
+    <dgm:cxn modelId="{FFBC5783-F427-4038-A75C-916568AADFC0}" type="presParOf" srcId="{9940B98C-1AE5-49BA-8562-960C2E7A4920}" destId="{B44114D5-6C25-43EC-A3D9-662DB84F157F}" srcOrd="0" destOrd="0" presId="urn:microsoft.com/office/officeart/2005/8/layout/process1"/>
+    <dgm:cxn modelId="{B43FF9DC-1FEA-498F-A626-973901F14420}" type="presParOf" srcId="{9940B98C-1AE5-49BA-8562-960C2E7A4920}" destId="{3F12E258-3796-4B32-91E8-483D341F7993}" srcOrd="1" destOrd="0" presId="urn:microsoft.com/office/officeart/2005/8/layout/process1"/>
+    <dgm:cxn modelId="{C7FDA29D-A9D5-4121-8514-D0D3E52A4672}" type="presParOf" srcId="{3F12E258-3796-4B32-91E8-483D341F7993}" destId="{9FEB85A6-26EB-417F-8645-E9BA0E4389E9}" srcOrd="0" destOrd="0" presId="urn:microsoft.com/office/officeart/2005/8/layout/process1"/>
+    <dgm:cxn modelId="{04BF236A-C003-4C36-B1AF-49544513CFEF}" type="presParOf" srcId="{9940B98C-1AE5-49BA-8562-960C2E7A4920}" destId="{E48C98EC-5A1E-43F0-AAE8-4896B9316EB0}" srcOrd="2" destOrd="0" presId="urn:microsoft.com/office/officeart/2005/8/layout/process1"/>
+    <dgm:cxn modelId="{F59BDAE6-3038-44B3-8FE7-0163EBD215CD}" type="presParOf" srcId="{9940B98C-1AE5-49BA-8562-960C2E7A4920}" destId="{11E6E941-A51C-46C6-97C5-E3C9BED6B7FB}" srcOrd="3" destOrd="0" presId="urn:microsoft.com/office/officeart/2005/8/layout/process1"/>
+    <dgm:cxn modelId="{F73EEB20-ABBB-4C39-B3ED-A06CB2445494}" type="presParOf" srcId="{11E6E941-A51C-46C6-97C5-E3C9BED6B7FB}" destId="{E9191F5B-9CA1-41E4-ACF4-6967D2BEA830}" srcOrd="0" destOrd="0" presId="urn:microsoft.com/office/officeart/2005/8/layout/process1"/>
+    <dgm:cxn modelId="{55E52CF3-4924-464E-9D4B-615E8CA4EEEB}" type="presParOf" srcId="{9940B98C-1AE5-49BA-8562-960C2E7A4920}" destId="{8AC9AF7F-42B7-42C2-9437-8304C04135B0}" srcOrd="4" destOrd="0" presId="urn:microsoft.com/office/officeart/2005/8/layout/process1"/>
+  </dgm:cxnLst>
+  <dgm:bg/>
+  <dgm:whole/>
+  <dgm:extLst>
+    <a:ext uri="http://schemas.microsoft.com/office/drawing/2008/diagram">
+      <dsp:dataModelExt xmlns:dsp="http://schemas.microsoft.com/office/drawing/2008/diagram" relId="rId6" minVer="http://schemas.openxmlformats.org/drawingml/2006/diagram"/>
+    </a:ext>
+  </dgm:extLst>
+</dgm:dataModel>
+</file>
+
+<file path=ppt/diagrams/data4.xml><?xml version="1.0" encoding="utf-8"?>
+<dgm:dataModel xmlns:dgm="http://schemas.openxmlformats.org/drawingml/2006/diagram" xmlns:a="http://schemas.openxmlformats.org/drawingml/2006/main">
+  <dgm:ptLst>
+    <dgm:pt modelId="{84502C9C-3600-4654-9373-357AF4B82FC4}" type="doc">
+      <dgm:prSet loTypeId="urn:microsoft.com/office/officeart/2005/8/layout/matrix1" loCatId="matrix" qsTypeId="urn:microsoft.com/office/officeart/2005/8/quickstyle/simple1" qsCatId="simple" csTypeId="urn:microsoft.com/office/officeart/2005/8/colors/colorful5" csCatId="colorful" phldr="1"/>
+      <dgm:spPr/>
+      <dgm:t>
+        <a:bodyPr/>
+        <a:lstStyle/>
+        <a:p>
+          <a:endParaRPr kumimoji="1" lang="ja-JP" altLang="en-US"/>
+        </a:p>
+      </dgm:t>
+    </dgm:pt>
+    <dgm:pt modelId="{6261A3F0-20BD-428F-BE59-3F495EF954AE}">
+      <dgm:prSet phldrT="[テキスト]" custT="1"/>
+      <dgm:spPr/>
+      <dgm:t>
+        <a:bodyPr/>
+        <a:lstStyle/>
+        <a:p>
+          <a:r>
+            <a:rPr kumimoji="1" lang="ja-JP" altLang="en-US" sz="4400" b="1" dirty="0"/>
+            <a:t>コミュニケーション</a:t>
+          </a:r>
+        </a:p>
+      </dgm:t>
+    </dgm:pt>
+    <dgm:pt modelId="{4C90B096-DA08-4415-BD58-A66AABF554B5}" type="parTrans" cxnId="{7982105A-46F1-4C5D-A3F2-B81FE06AF708}">
+      <dgm:prSet/>
+      <dgm:spPr/>
+      <dgm:t>
+        <a:bodyPr/>
+        <a:lstStyle/>
+        <a:p>
+          <a:endParaRPr kumimoji="1" lang="ja-JP" altLang="en-US"/>
+        </a:p>
+      </dgm:t>
+    </dgm:pt>
+    <dgm:pt modelId="{9E9EF7D1-49D7-439C-88E6-D0741C61BE51}" type="sibTrans" cxnId="{7982105A-46F1-4C5D-A3F2-B81FE06AF708}">
+      <dgm:prSet/>
+      <dgm:spPr/>
+      <dgm:t>
+        <a:bodyPr/>
+        <a:lstStyle/>
+        <a:p>
+          <a:endParaRPr kumimoji="1" lang="ja-JP" altLang="en-US"/>
+        </a:p>
+      </dgm:t>
+    </dgm:pt>
+    <dgm:pt modelId="{47365DD6-2FF9-4A35-9BA3-F27415E17E84}">
+      <dgm:prSet phldrT="[テキスト]"/>
+      <dgm:spPr/>
+      <dgm:t>
+        <a:bodyPr/>
+        <a:lstStyle/>
+        <a:p>
+          <a:r>
+            <a:rPr lang="ja" dirty="0"/>
+            <a:t>仕事配分</a:t>
+          </a:r>
+          <a:endParaRPr kumimoji="1" lang="ja-JP" altLang="en-US" dirty="0"/>
+        </a:p>
+      </dgm:t>
+    </dgm:pt>
+    <dgm:pt modelId="{96D97534-8C49-4AD0-887E-5F1069D9A9E9}" type="parTrans" cxnId="{36826617-B810-459A-A353-27EFB15E8D7C}">
+      <dgm:prSet/>
+      <dgm:spPr/>
+      <dgm:t>
+        <a:bodyPr/>
+        <a:lstStyle/>
+        <a:p>
+          <a:endParaRPr kumimoji="1" lang="ja-JP" altLang="en-US"/>
+        </a:p>
+      </dgm:t>
+    </dgm:pt>
+    <dgm:pt modelId="{48419B4F-E4E2-4484-B5A6-650134D2BF56}" type="sibTrans" cxnId="{36826617-B810-459A-A353-27EFB15E8D7C}">
+      <dgm:prSet/>
+      <dgm:spPr/>
+      <dgm:t>
+        <a:bodyPr/>
+        <a:lstStyle/>
+        <a:p>
+          <a:endParaRPr kumimoji="1" lang="ja-JP" altLang="en-US"/>
+        </a:p>
+      </dgm:t>
+    </dgm:pt>
+    <dgm:pt modelId="{06656BC9-100D-4952-879A-FD828DEF5C54}">
+      <dgm:prSet phldrT="[テキスト]"/>
+      <dgm:spPr/>
+      <dgm:t>
+        <a:bodyPr/>
+        <a:lstStyle/>
+        <a:p>
+          <a:r>
+            <a:rPr lang="ja" dirty="0"/>
+            <a:t>時間配分</a:t>
+          </a:r>
+          <a:endParaRPr kumimoji="1" lang="ja-JP" altLang="en-US" dirty="0"/>
+        </a:p>
+      </dgm:t>
+    </dgm:pt>
+    <dgm:pt modelId="{1E0A9431-DF6A-4BDD-90B7-82457939F7A4}" type="parTrans" cxnId="{B0D3E104-F8C6-40A1-89C2-42D77B1DB2A9}">
+      <dgm:prSet/>
+      <dgm:spPr/>
+      <dgm:t>
+        <a:bodyPr/>
+        <a:lstStyle/>
+        <a:p>
+          <a:endParaRPr kumimoji="1" lang="ja-JP" altLang="en-US"/>
+        </a:p>
+      </dgm:t>
+    </dgm:pt>
+    <dgm:pt modelId="{A82C331B-DA0A-4D32-8F7A-7E365CFE8F22}" type="sibTrans" cxnId="{B0D3E104-F8C6-40A1-89C2-42D77B1DB2A9}">
+      <dgm:prSet/>
+      <dgm:spPr/>
+      <dgm:t>
+        <a:bodyPr/>
+        <a:lstStyle/>
+        <a:p>
+          <a:endParaRPr kumimoji="1" lang="ja-JP" altLang="en-US"/>
+        </a:p>
+      </dgm:t>
+    </dgm:pt>
+    <dgm:pt modelId="{D03FB4FE-34B2-41EB-9073-E0DFE7D7AE85}">
+      <dgm:prSet phldrT="[テキスト]"/>
+      <dgm:spPr/>
+      <dgm:t>
+        <a:bodyPr/>
+        <a:lstStyle/>
+        <a:p>
+          <a:r>
+            <a:rPr lang="ja" dirty="0"/>
+            <a:t>役割分担</a:t>
+          </a:r>
+          <a:endParaRPr kumimoji="1" lang="ja-JP" altLang="en-US" dirty="0"/>
+        </a:p>
+      </dgm:t>
+    </dgm:pt>
+    <dgm:pt modelId="{AAD96E03-D30A-49FC-BD50-6336E185EBB5}" type="parTrans" cxnId="{AE0FD8A2-0805-421D-A6DD-C4153A894B62}">
+      <dgm:prSet/>
+      <dgm:spPr/>
+      <dgm:t>
+        <a:bodyPr/>
+        <a:lstStyle/>
+        <a:p>
+          <a:endParaRPr kumimoji="1" lang="ja-JP" altLang="en-US"/>
+        </a:p>
+      </dgm:t>
+    </dgm:pt>
+    <dgm:pt modelId="{88905EF4-8220-4B7E-884C-C6B46AE1123C}" type="sibTrans" cxnId="{AE0FD8A2-0805-421D-A6DD-C4153A894B62}">
+      <dgm:prSet/>
+      <dgm:spPr/>
+      <dgm:t>
+        <a:bodyPr/>
+        <a:lstStyle/>
+        <a:p>
+          <a:endParaRPr kumimoji="1" lang="ja-JP" altLang="en-US"/>
+        </a:p>
+      </dgm:t>
+    </dgm:pt>
+    <dgm:pt modelId="{8DDB9F70-DB1E-4295-9EF7-950D59D382E6}">
+      <dgm:prSet phldrT="[テキスト]"/>
+      <dgm:spPr/>
+      <dgm:t>
+        <a:bodyPr/>
+        <a:lstStyle/>
+        <a:p>
+          <a:r>
+            <a:rPr lang="ja" dirty="0"/>
+            <a:t>作業中</a:t>
+          </a:r>
+          <a:r>
+            <a:rPr lang="ja-JP" altLang="en-US" dirty="0"/>
+            <a:t>の確認</a:t>
+          </a:r>
+          <a:endParaRPr kumimoji="1" lang="ja-JP" altLang="en-US" dirty="0"/>
+        </a:p>
+      </dgm:t>
+    </dgm:pt>
+    <dgm:pt modelId="{EF4EC334-F3BA-4899-8C5F-AB7577973AD9}" type="parTrans" cxnId="{EE5DC01C-DB37-4B2E-A8D1-DAA0822E91F9}">
+      <dgm:prSet/>
+      <dgm:spPr/>
+      <dgm:t>
+        <a:bodyPr/>
+        <a:lstStyle/>
+        <a:p>
+          <a:endParaRPr kumimoji="1" lang="ja-JP" altLang="en-US"/>
+        </a:p>
+      </dgm:t>
+    </dgm:pt>
+    <dgm:pt modelId="{2B61A619-6C8A-4F9B-A9EB-B41177B1D5C8}" type="sibTrans" cxnId="{EE5DC01C-DB37-4B2E-A8D1-DAA0822E91F9}">
+      <dgm:prSet/>
+      <dgm:spPr/>
+      <dgm:t>
+        <a:bodyPr/>
+        <a:lstStyle/>
+        <a:p>
+          <a:endParaRPr kumimoji="1" lang="ja-JP" altLang="en-US"/>
+        </a:p>
+      </dgm:t>
+    </dgm:pt>
+    <dgm:pt modelId="{2518AEE9-41B9-44C0-8575-BD128824BCC4}" type="pres">
+      <dgm:prSet presAssocID="{84502C9C-3600-4654-9373-357AF4B82FC4}" presName="diagram" presStyleCnt="0">
+        <dgm:presLayoutVars>
+          <dgm:chMax val="1"/>
+          <dgm:dir/>
+          <dgm:animLvl val="ctr"/>
+          <dgm:resizeHandles val="exact"/>
+        </dgm:presLayoutVars>
+      </dgm:prSet>
+      <dgm:spPr/>
+    </dgm:pt>
+    <dgm:pt modelId="{59CFDECA-DE3C-42C7-8113-ECB24710258B}" type="pres">
+      <dgm:prSet presAssocID="{84502C9C-3600-4654-9373-357AF4B82FC4}" presName="matrix" presStyleCnt="0"/>
+      <dgm:spPr/>
+    </dgm:pt>
+    <dgm:pt modelId="{C460D436-CE83-4A04-A437-1C77FCF20A72}" type="pres">
+      <dgm:prSet presAssocID="{84502C9C-3600-4654-9373-357AF4B82FC4}" presName="tile1" presStyleLbl="node1" presStyleIdx="0" presStyleCnt="4"/>
+      <dgm:spPr/>
+    </dgm:pt>
+    <dgm:pt modelId="{32A9D0D9-9E9F-4D57-BFEF-76DD8D3097D1}" type="pres">
+      <dgm:prSet presAssocID="{84502C9C-3600-4654-9373-357AF4B82FC4}" presName="tile1text" presStyleLbl="node1" presStyleIdx="0" presStyleCnt="4">
+        <dgm:presLayoutVars>
+          <dgm:chMax val="0"/>
+          <dgm:chPref val="0"/>
+          <dgm:bulletEnabled val="1"/>
+        </dgm:presLayoutVars>
+      </dgm:prSet>
+      <dgm:spPr/>
+    </dgm:pt>
+    <dgm:pt modelId="{0D39C9F9-D252-44C3-BEFB-42CF83B1A631}" type="pres">
+      <dgm:prSet presAssocID="{84502C9C-3600-4654-9373-357AF4B82FC4}" presName="tile2" presStyleLbl="node1" presStyleIdx="1" presStyleCnt="4"/>
+      <dgm:spPr/>
+    </dgm:pt>
+    <dgm:pt modelId="{FF3C4013-592B-4A28-9C39-054514AE291D}" type="pres">
+      <dgm:prSet presAssocID="{84502C9C-3600-4654-9373-357AF4B82FC4}" presName="tile2text" presStyleLbl="node1" presStyleIdx="1" presStyleCnt="4">
+        <dgm:presLayoutVars>
+          <dgm:chMax val="0"/>
+          <dgm:chPref val="0"/>
+          <dgm:bulletEnabled val="1"/>
+        </dgm:presLayoutVars>
+      </dgm:prSet>
+      <dgm:spPr/>
+    </dgm:pt>
+    <dgm:pt modelId="{62E5C738-9EFE-41DA-AA9A-DDE55DF9FB73}" type="pres">
+      <dgm:prSet presAssocID="{84502C9C-3600-4654-9373-357AF4B82FC4}" presName="tile3" presStyleLbl="node1" presStyleIdx="2" presStyleCnt="4"/>
+      <dgm:spPr/>
+    </dgm:pt>
+    <dgm:pt modelId="{EC4BA4CD-5F2D-48FD-B7F7-EB7F406CAB0F}" type="pres">
+      <dgm:prSet presAssocID="{84502C9C-3600-4654-9373-357AF4B82FC4}" presName="tile3text" presStyleLbl="node1" presStyleIdx="2" presStyleCnt="4">
+        <dgm:presLayoutVars>
+          <dgm:chMax val="0"/>
+          <dgm:chPref val="0"/>
+          <dgm:bulletEnabled val="1"/>
+        </dgm:presLayoutVars>
+      </dgm:prSet>
+      <dgm:spPr/>
+    </dgm:pt>
+    <dgm:pt modelId="{B1F360E8-1642-4FDA-8F9E-52743DE5B526}" type="pres">
+      <dgm:prSet presAssocID="{84502C9C-3600-4654-9373-357AF4B82FC4}" presName="tile4" presStyleLbl="node1" presStyleIdx="3" presStyleCnt="4"/>
+      <dgm:spPr/>
+    </dgm:pt>
+    <dgm:pt modelId="{ED0E29D9-B883-48FF-BE14-43823A866F3B}" type="pres">
+      <dgm:prSet presAssocID="{84502C9C-3600-4654-9373-357AF4B82FC4}" presName="tile4text" presStyleLbl="node1" presStyleIdx="3" presStyleCnt="4">
+        <dgm:presLayoutVars>
+          <dgm:chMax val="0"/>
+          <dgm:chPref val="0"/>
+          <dgm:bulletEnabled val="1"/>
+        </dgm:presLayoutVars>
+      </dgm:prSet>
+      <dgm:spPr/>
+    </dgm:pt>
+    <dgm:pt modelId="{66CD01F9-3230-4461-97DD-4B4D49F595D4}" type="pres">
+      <dgm:prSet presAssocID="{84502C9C-3600-4654-9373-357AF4B82FC4}" presName="centerTile" presStyleLbl="fgShp" presStyleIdx="0" presStyleCnt="1" custScaleX="216977" custScaleY="167960">
+        <dgm:presLayoutVars>
+          <dgm:chMax val="0"/>
+          <dgm:chPref val="0"/>
+        </dgm:presLayoutVars>
+      </dgm:prSet>
+      <dgm:spPr/>
+    </dgm:pt>
+  </dgm:ptLst>
+  <dgm:cxnLst>
+    <dgm:cxn modelId="{EDB27200-5548-4441-A4D1-1DD761C4F9C0}" type="presOf" srcId="{06656BC9-100D-4952-879A-FD828DEF5C54}" destId="{0D39C9F9-D252-44C3-BEFB-42CF83B1A631}" srcOrd="0" destOrd="0" presId="urn:microsoft.com/office/officeart/2005/8/layout/matrix1"/>
+    <dgm:cxn modelId="{B0D3E104-F8C6-40A1-89C2-42D77B1DB2A9}" srcId="{6261A3F0-20BD-428F-BE59-3F495EF954AE}" destId="{06656BC9-100D-4952-879A-FD828DEF5C54}" srcOrd="1" destOrd="0" parTransId="{1E0A9431-DF6A-4BDD-90B7-82457939F7A4}" sibTransId="{A82C331B-DA0A-4D32-8F7A-7E365CFE8F22}"/>
+    <dgm:cxn modelId="{36826617-B810-459A-A353-27EFB15E8D7C}" srcId="{6261A3F0-20BD-428F-BE59-3F495EF954AE}" destId="{47365DD6-2FF9-4A35-9BA3-F27415E17E84}" srcOrd="0" destOrd="0" parTransId="{96D97534-8C49-4AD0-887E-5F1069D9A9E9}" sibTransId="{48419B4F-E4E2-4484-B5A6-650134D2BF56}"/>
+    <dgm:cxn modelId="{EE5DC01C-DB37-4B2E-A8D1-DAA0822E91F9}" srcId="{6261A3F0-20BD-428F-BE59-3F495EF954AE}" destId="{8DDB9F70-DB1E-4295-9EF7-950D59D382E6}" srcOrd="3" destOrd="0" parTransId="{EF4EC334-F3BA-4899-8C5F-AB7577973AD9}" sibTransId="{2B61A619-6C8A-4F9B-A9EB-B41177B1D5C8}"/>
+    <dgm:cxn modelId="{6D58D825-8956-42BE-80EA-7ABA4CCF6744}" type="presOf" srcId="{D03FB4FE-34B2-41EB-9073-E0DFE7D7AE85}" destId="{EC4BA4CD-5F2D-48FD-B7F7-EB7F406CAB0F}" srcOrd="1" destOrd="0" presId="urn:microsoft.com/office/officeart/2005/8/layout/matrix1"/>
+    <dgm:cxn modelId="{017EEC40-19C9-4EF4-9EE2-BEDEA1D39F00}" type="presOf" srcId="{8DDB9F70-DB1E-4295-9EF7-950D59D382E6}" destId="{ED0E29D9-B883-48FF-BE14-43823A866F3B}" srcOrd="1" destOrd="0" presId="urn:microsoft.com/office/officeart/2005/8/layout/matrix1"/>
+    <dgm:cxn modelId="{3748D862-0ED3-479C-BE22-E9FD0B9CA1AB}" type="presOf" srcId="{D03FB4FE-34B2-41EB-9073-E0DFE7D7AE85}" destId="{62E5C738-9EFE-41DA-AA9A-DDE55DF9FB73}" srcOrd="0" destOrd="0" presId="urn:microsoft.com/office/officeart/2005/8/layout/matrix1"/>
+    <dgm:cxn modelId="{7982105A-46F1-4C5D-A3F2-B81FE06AF708}" srcId="{84502C9C-3600-4654-9373-357AF4B82FC4}" destId="{6261A3F0-20BD-428F-BE59-3F495EF954AE}" srcOrd="0" destOrd="0" parTransId="{4C90B096-DA08-4415-BD58-A66AABF554B5}" sibTransId="{9E9EF7D1-49D7-439C-88E6-D0741C61BE51}"/>
+    <dgm:cxn modelId="{FA593D81-79F3-4F65-865A-6D2C72A96471}" type="presOf" srcId="{06656BC9-100D-4952-879A-FD828DEF5C54}" destId="{FF3C4013-592B-4A28-9C39-054514AE291D}" srcOrd="1" destOrd="0" presId="urn:microsoft.com/office/officeart/2005/8/layout/matrix1"/>
+    <dgm:cxn modelId="{AE0FD8A2-0805-421D-A6DD-C4153A894B62}" srcId="{6261A3F0-20BD-428F-BE59-3F495EF954AE}" destId="{D03FB4FE-34B2-41EB-9073-E0DFE7D7AE85}" srcOrd="2" destOrd="0" parTransId="{AAD96E03-D30A-49FC-BD50-6336E185EBB5}" sibTransId="{88905EF4-8220-4B7E-884C-C6B46AE1123C}"/>
+    <dgm:cxn modelId="{28019AC2-BD1D-46A3-A23E-C2936EBC54A2}" type="presOf" srcId="{47365DD6-2FF9-4A35-9BA3-F27415E17E84}" destId="{32A9D0D9-9E9F-4D57-BFEF-76DD8D3097D1}" srcOrd="1" destOrd="0" presId="urn:microsoft.com/office/officeart/2005/8/layout/matrix1"/>
+    <dgm:cxn modelId="{5601C5C6-34B1-420B-80BF-9260224D752F}" type="presOf" srcId="{8DDB9F70-DB1E-4295-9EF7-950D59D382E6}" destId="{B1F360E8-1642-4FDA-8F9E-52743DE5B526}" srcOrd="0" destOrd="0" presId="urn:microsoft.com/office/officeart/2005/8/layout/matrix1"/>
+    <dgm:cxn modelId="{4537DBD7-B8AF-4FD8-91C7-DE46EB9E3497}" type="presOf" srcId="{47365DD6-2FF9-4A35-9BA3-F27415E17E84}" destId="{C460D436-CE83-4A04-A437-1C77FCF20A72}" srcOrd="0" destOrd="0" presId="urn:microsoft.com/office/officeart/2005/8/layout/matrix1"/>
+    <dgm:cxn modelId="{0BE9CEE6-6F37-4FD4-BF62-8863A3214573}" type="presOf" srcId="{84502C9C-3600-4654-9373-357AF4B82FC4}" destId="{2518AEE9-41B9-44C0-8575-BD128824BCC4}" srcOrd="0" destOrd="0" presId="urn:microsoft.com/office/officeart/2005/8/layout/matrix1"/>
+    <dgm:cxn modelId="{987E27FA-5A6B-4DC2-9341-6D3FE4DEF4B3}" type="presOf" srcId="{6261A3F0-20BD-428F-BE59-3F495EF954AE}" destId="{66CD01F9-3230-4461-97DD-4B4D49F595D4}" srcOrd="0" destOrd="0" presId="urn:microsoft.com/office/officeart/2005/8/layout/matrix1"/>
+    <dgm:cxn modelId="{1B553B64-EF8C-4E51-8E83-19CA02E66430}" type="presParOf" srcId="{2518AEE9-41B9-44C0-8575-BD128824BCC4}" destId="{59CFDECA-DE3C-42C7-8113-ECB24710258B}" srcOrd="0" destOrd="0" presId="urn:microsoft.com/office/officeart/2005/8/layout/matrix1"/>
+    <dgm:cxn modelId="{2C10D538-DD28-46A8-A0B9-12F7863ACDD5}" type="presParOf" srcId="{59CFDECA-DE3C-42C7-8113-ECB24710258B}" destId="{C460D436-CE83-4A04-A437-1C77FCF20A72}" srcOrd="0" destOrd="0" presId="urn:microsoft.com/office/officeart/2005/8/layout/matrix1"/>
+    <dgm:cxn modelId="{7FB3DECE-22C4-4A03-94CD-8E6D75A6EDB4}" type="presParOf" srcId="{59CFDECA-DE3C-42C7-8113-ECB24710258B}" destId="{32A9D0D9-9E9F-4D57-BFEF-76DD8D3097D1}" srcOrd="1" destOrd="0" presId="urn:microsoft.com/office/officeart/2005/8/layout/matrix1"/>
+    <dgm:cxn modelId="{0FC52B41-F0DE-481D-B192-D5CA8691998D}" type="presParOf" srcId="{59CFDECA-DE3C-42C7-8113-ECB24710258B}" destId="{0D39C9F9-D252-44C3-BEFB-42CF83B1A631}" srcOrd="2" destOrd="0" presId="urn:microsoft.com/office/officeart/2005/8/layout/matrix1"/>
+    <dgm:cxn modelId="{9EBE147E-EC50-4BCD-B463-8A9333309DA6}" type="presParOf" srcId="{59CFDECA-DE3C-42C7-8113-ECB24710258B}" destId="{FF3C4013-592B-4A28-9C39-054514AE291D}" srcOrd="3" destOrd="0" presId="urn:microsoft.com/office/officeart/2005/8/layout/matrix1"/>
+    <dgm:cxn modelId="{C5F2ECBB-C702-4265-848D-E915CF5E3C52}" type="presParOf" srcId="{59CFDECA-DE3C-42C7-8113-ECB24710258B}" destId="{62E5C738-9EFE-41DA-AA9A-DDE55DF9FB73}" srcOrd="4" destOrd="0" presId="urn:microsoft.com/office/officeart/2005/8/layout/matrix1"/>
+    <dgm:cxn modelId="{0015BE1A-2185-4469-BF74-7593A7C11477}" type="presParOf" srcId="{59CFDECA-DE3C-42C7-8113-ECB24710258B}" destId="{EC4BA4CD-5F2D-48FD-B7F7-EB7F406CAB0F}" srcOrd="5" destOrd="0" presId="urn:microsoft.com/office/officeart/2005/8/layout/matrix1"/>
+    <dgm:cxn modelId="{94BB64FB-9BDF-423E-B1D3-D76F23781181}" type="presParOf" srcId="{59CFDECA-DE3C-42C7-8113-ECB24710258B}" destId="{B1F360E8-1642-4FDA-8F9E-52743DE5B526}" srcOrd="6" destOrd="0" presId="urn:microsoft.com/office/officeart/2005/8/layout/matrix1"/>
+    <dgm:cxn modelId="{3CA264EB-6985-40C6-BB66-8C3F40660747}" type="presParOf" srcId="{59CFDECA-DE3C-42C7-8113-ECB24710258B}" destId="{ED0E29D9-B883-48FF-BE14-43823A866F3B}" srcOrd="7" destOrd="0" presId="urn:microsoft.com/office/officeart/2005/8/layout/matrix1"/>
+    <dgm:cxn modelId="{CA42BD40-7A71-4255-AE3F-F1FC4E36B8A8}" type="presParOf" srcId="{2518AEE9-41B9-44C0-8575-BD128824BCC4}" destId="{66CD01F9-3230-4461-97DD-4B4D49F595D4}" srcOrd="1" destOrd="0" presId="urn:microsoft.com/office/officeart/2005/8/layout/matrix1"/>
+  </dgm:cxnLst>
+  <dgm:bg/>
+  <dgm:whole/>
+  <dgm:extLst>
+    <a:ext uri="http://schemas.microsoft.com/office/drawing/2008/diagram">
+      <dsp:dataModelExt xmlns:dsp="http://schemas.microsoft.com/office/drawing/2008/diagram" relId="rId6" minVer="http://schemas.openxmlformats.org/drawingml/2006/diagram"/>
+    </a:ext>
+  </dgm:extLst>
+</dgm:dataModel>
+</file>
+
+<file path=ppt/diagrams/data5.xml><?xml version="1.0" encoding="utf-8"?>
+<dgm:dataModel xmlns:dgm="http://schemas.openxmlformats.org/drawingml/2006/diagram" xmlns:a="http://schemas.openxmlformats.org/drawingml/2006/main">
+  <dgm:ptLst>
     <dgm:pt modelId="{9BEFEAEC-3C28-42DC-A340-E422365710CB}" type="doc">
       <dgm:prSet loTypeId="urn:microsoft.com/office/officeart/2005/8/layout/vList2" loCatId="list" qsTypeId="urn:microsoft.com/office/officeart/2005/8/quickstyle/simple2" qsCatId="simple" csTypeId="urn:microsoft.com/office/officeart/2005/8/colors/colorful4" csCatId="colorful" phldr="1"/>
       <dgm:spPr/>
@@ -6047,306 +7377,6 @@
     <dgm:cxn modelId="{205ED9F0-9981-413F-8256-0582ACD3D7C4}" type="presParOf" srcId="{2885B3A2-864D-4E3C-B0EC-A1AE97421689}" destId="{D7E7FE49-62B5-4032-9B39-801764BA84A5}" srcOrd="1" destOrd="0" presId="urn:microsoft.com/office/officeart/2005/8/layout/vList2"/>
     <dgm:cxn modelId="{AE73AD34-D5B4-4353-917A-499085AA5341}" type="presParOf" srcId="{2885B3A2-864D-4E3C-B0EC-A1AE97421689}" destId="{5A2A4C94-36AE-407D-BC0A-0125F8429CFD}" srcOrd="2" destOrd="0" presId="urn:microsoft.com/office/officeart/2005/8/layout/vList2"/>
     <dgm:cxn modelId="{551EA223-8E71-4D2B-8E15-6293585F42C5}" type="presParOf" srcId="{2885B3A2-864D-4E3C-B0EC-A1AE97421689}" destId="{E08316AC-BF5D-43CA-A1EE-6010DB241022}" srcOrd="3" destOrd="0" presId="urn:microsoft.com/office/officeart/2005/8/layout/vList2"/>
-  </dgm:cxnLst>
-  <dgm:bg/>
-  <dgm:whole/>
-  <dgm:extLst>
-    <a:ext uri="http://schemas.microsoft.com/office/drawing/2008/diagram">
-      <dsp:dataModelExt xmlns:dsp="http://schemas.microsoft.com/office/drawing/2008/diagram" relId="rId6" minVer="http://schemas.openxmlformats.org/drawingml/2006/diagram"/>
-    </a:ext>
-  </dgm:extLst>
-</dgm:dataModel>
-</file>
-
-<file path=ppt/diagrams/data4.xml><?xml version="1.0" encoding="utf-8"?>
-<dgm:dataModel xmlns:dgm="http://schemas.openxmlformats.org/drawingml/2006/diagram" xmlns:a="http://schemas.openxmlformats.org/drawingml/2006/main">
-  <dgm:ptLst>
-    <dgm:pt modelId="{84502C9C-3600-4654-9373-357AF4B82FC4}" type="doc">
-      <dgm:prSet loTypeId="urn:microsoft.com/office/officeart/2005/8/layout/matrix1" loCatId="matrix" qsTypeId="urn:microsoft.com/office/officeart/2005/8/quickstyle/simple1" qsCatId="simple" csTypeId="urn:microsoft.com/office/officeart/2005/8/colors/colorful5" csCatId="colorful" phldr="1"/>
-      <dgm:spPr/>
-      <dgm:t>
-        <a:bodyPr/>
-        <a:lstStyle/>
-        <a:p>
-          <a:endParaRPr kumimoji="1" lang="ja-JP" altLang="en-US"/>
-        </a:p>
-      </dgm:t>
-    </dgm:pt>
-    <dgm:pt modelId="{6261A3F0-20BD-428F-BE59-3F495EF954AE}">
-      <dgm:prSet phldrT="[テキスト]" custT="1"/>
-      <dgm:spPr/>
-      <dgm:t>
-        <a:bodyPr/>
-        <a:lstStyle/>
-        <a:p>
-          <a:r>
-            <a:rPr kumimoji="1" lang="ja-JP" altLang="en-US" sz="2400" b="1" dirty="0"/>
-            <a:t>コミュニケーション</a:t>
-          </a:r>
-        </a:p>
-      </dgm:t>
-    </dgm:pt>
-    <dgm:pt modelId="{4C90B096-DA08-4415-BD58-A66AABF554B5}" type="parTrans" cxnId="{7982105A-46F1-4C5D-A3F2-B81FE06AF708}">
-      <dgm:prSet/>
-      <dgm:spPr/>
-      <dgm:t>
-        <a:bodyPr/>
-        <a:lstStyle/>
-        <a:p>
-          <a:endParaRPr kumimoji="1" lang="ja-JP" altLang="en-US"/>
-        </a:p>
-      </dgm:t>
-    </dgm:pt>
-    <dgm:pt modelId="{9E9EF7D1-49D7-439C-88E6-D0741C61BE51}" type="sibTrans" cxnId="{7982105A-46F1-4C5D-A3F2-B81FE06AF708}">
-      <dgm:prSet/>
-      <dgm:spPr/>
-      <dgm:t>
-        <a:bodyPr/>
-        <a:lstStyle/>
-        <a:p>
-          <a:endParaRPr kumimoji="1" lang="ja-JP" altLang="en-US"/>
-        </a:p>
-      </dgm:t>
-    </dgm:pt>
-    <dgm:pt modelId="{47365DD6-2FF9-4A35-9BA3-F27415E17E84}">
-      <dgm:prSet phldrT="[テキスト]" phldr="1"/>
-      <dgm:spPr/>
-      <dgm:t>
-        <a:bodyPr/>
-        <a:lstStyle/>
-        <a:p>
-          <a:endParaRPr kumimoji="1" lang="ja-JP" altLang="en-US"/>
-        </a:p>
-      </dgm:t>
-    </dgm:pt>
-    <dgm:pt modelId="{96D97534-8C49-4AD0-887E-5F1069D9A9E9}" type="parTrans" cxnId="{36826617-B810-459A-A353-27EFB15E8D7C}">
-      <dgm:prSet/>
-      <dgm:spPr/>
-      <dgm:t>
-        <a:bodyPr/>
-        <a:lstStyle/>
-        <a:p>
-          <a:endParaRPr kumimoji="1" lang="ja-JP" altLang="en-US"/>
-        </a:p>
-      </dgm:t>
-    </dgm:pt>
-    <dgm:pt modelId="{48419B4F-E4E2-4484-B5A6-650134D2BF56}" type="sibTrans" cxnId="{36826617-B810-459A-A353-27EFB15E8D7C}">
-      <dgm:prSet/>
-      <dgm:spPr/>
-      <dgm:t>
-        <a:bodyPr/>
-        <a:lstStyle/>
-        <a:p>
-          <a:endParaRPr kumimoji="1" lang="ja-JP" altLang="en-US"/>
-        </a:p>
-      </dgm:t>
-    </dgm:pt>
-    <dgm:pt modelId="{06656BC9-100D-4952-879A-FD828DEF5C54}">
-      <dgm:prSet phldrT="[テキスト]" phldr="1"/>
-      <dgm:spPr/>
-      <dgm:t>
-        <a:bodyPr/>
-        <a:lstStyle/>
-        <a:p>
-          <a:endParaRPr kumimoji="1" lang="ja-JP" altLang="en-US" dirty="0"/>
-        </a:p>
-      </dgm:t>
-    </dgm:pt>
-    <dgm:pt modelId="{1E0A9431-DF6A-4BDD-90B7-82457939F7A4}" type="parTrans" cxnId="{B0D3E104-F8C6-40A1-89C2-42D77B1DB2A9}">
-      <dgm:prSet/>
-      <dgm:spPr/>
-      <dgm:t>
-        <a:bodyPr/>
-        <a:lstStyle/>
-        <a:p>
-          <a:endParaRPr kumimoji="1" lang="ja-JP" altLang="en-US"/>
-        </a:p>
-      </dgm:t>
-    </dgm:pt>
-    <dgm:pt modelId="{A82C331B-DA0A-4D32-8F7A-7E365CFE8F22}" type="sibTrans" cxnId="{B0D3E104-F8C6-40A1-89C2-42D77B1DB2A9}">
-      <dgm:prSet/>
-      <dgm:spPr/>
-      <dgm:t>
-        <a:bodyPr/>
-        <a:lstStyle/>
-        <a:p>
-          <a:endParaRPr kumimoji="1" lang="ja-JP" altLang="en-US"/>
-        </a:p>
-      </dgm:t>
-    </dgm:pt>
-    <dgm:pt modelId="{D03FB4FE-34B2-41EB-9073-E0DFE7D7AE85}">
-      <dgm:prSet phldrT="[テキスト]" phldr="1"/>
-      <dgm:spPr/>
-      <dgm:t>
-        <a:bodyPr/>
-        <a:lstStyle/>
-        <a:p>
-          <a:endParaRPr kumimoji="1" lang="ja-JP" altLang="en-US"/>
-        </a:p>
-      </dgm:t>
-    </dgm:pt>
-    <dgm:pt modelId="{AAD96E03-D30A-49FC-BD50-6336E185EBB5}" type="parTrans" cxnId="{AE0FD8A2-0805-421D-A6DD-C4153A894B62}">
-      <dgm:prSet/>
-      <dgm:spPr/>
-      <dgm:t>
-        <a:bodyPr/>
-        <a:lstStyle/>
-        <a:p>
-          <a:endParaRPr kumimoji="1" lang="ja-JP" altLang="en-US"/>
-        </a:p>
-      </dgm:t>
-    </dgm:pt>
-    <dgm:pt modelId="{88905EF4-8220-4B7E-884C-C6B46AE1123C}" type="sibTrans" cxnId="{AE0FD8A2-0805-421D-A6DD-C4153A894B62}">
-      <dgm:prSet/>
-      <dgm:spPr/>
-      <dgm:t>
-        <a:bodyPr/>
-        <a:lstStyle/>
-        <a:p>
-          <a:endParaRPr kumimoji="1" lang="ja-JP" altLang="en-US"/>
-        </a:p>
-      </dgm:t>
-    </dgm:pt>
-    <dgm:pt modelId="{8DDB9F70-DB1E-4295-9EF7-950D59D382E6}">
-      <dgm:prSet phldrT="[テキスト]" phldr="1"/>
-      <dgm:spPr/>
-      <dgm:t>
-        <a:bodyPr/>
-        <a:lstStyle/>
-        <a:p>
-          <a:endParaRPr kumimoji="1" lang="ja-JP" altLang="en-US"/>
-        </a:p>
-      </dgm:t>
-    </dgm:pt>
-    <dgm:pt modelId="{EF4EC334-F3BA-4899-8C5F-AB7577973AD9}" type="parTrans" cxnId="{EE5DC01C-DB37-4B2E-A8D1-DAA0822E91F9}">
-      <dgm:prSet/>
-      <dgm:spPr/>
-      <dgm:t>
-        <a:bodyPr/>
-        <a:lstStyle/>
-        <a:p>
-          <a:endParaRPr kumimoji="1" lang="ja-JP" altLang="en-US"/>
-        </a:p>
-      </dgm:t>
-    </dgm:pt>
-    <dgm:pt modelId="{2B61A619-6C8A-4F9B-A9EB-B41177B1D5C8}" type="sibTrans" cxnId="{EE5DC01C-DB37-4B2E-A8D1-DAA0822E91F9}">
-      <dgm:prSet/>
-      <dgm:spPr/>
-      <dgm:t>
-        <a:bodyPr/>
-        <a:lstStyle/>
-        <a:p>
-          <a:endParaRPr kumimoji="1" lang="ja-JP" altLang="en-US"/>
-        </a:p>
-      </dgm:t>
-    </dgm:pt>
-    <dgm:pt modelId="{2518AEE9-41B9-44C0-8575-BD128824BCC4}" type="pres">
-      <dgm:prSet presAssocID="{84502C9C-3600-4654-9373-357AF4B82FC4}" presName="diagram" presStyleCnt="0">
-        <dgm:presLayoutVars>
-          <dgm:chMax val="1"/>
-          <dgm:dir/>
-          <dgm:animLvl val="ctr"/>
-          <dgm:resizeHandles val="exact"/>
-        </dgm:presLayoutVars>
-      </dgm:prSet>
-      <dgm:spPr/>
-    </dgm:pt>
-    <dgm:pt modelId="{59CFDECA-DE3C-42C7-8113-ECB24710258B}" type="pres">
-      <dgm:prSet presAssocID="{84502C9C-3600-4654-9373-357AF4B82FC4}" presName="matrix" presStyleCnt="0"/>
-      <dgm:spPr/>
-    </dgm:pt>
-    <dgm:pt modelId="{C460D436-CE83-4A04-A437-1C77FCF20A72}" type="pres">
-      <dgm:prSet presAssocID="{84502C9C-3600-4654-9373-357AF4B82FC4}" presName="tile1" presStyleLbl="node1" presStyleIdx="0" presStyleCnt="4"/>
-      <dgm:spPr/>
-    </dgm:pt>
-    <dgm:pt modelId="{32A9D0D9-9E9F-4D57-BFEF-76DD8D3097D1}" type="pres">
-      <dgm:prSet presAssocID="{84502C9C-3600-4654-9373-357AF4B82FC4}" presName="tile1text" presStyleLbl="node1" presStyleIdx="0" presStyleCnt="4">
-        <dgm:presLayoutVars>
-          <dgm:chMax val="0"/>
-          <dgm:chPref val="0"/>
-          <dgm:bulletEnabled val="1"/>
-        </dgm:presLayoutVars>
-      </dgm:prSet>
-      <dgm:spPr/>
-    </dgm:pt>
-    <dgm:pt modelId="{0D39C9F9-D252-44C3-BEFB-42CF83B1A631}" type="pres">
-      <dgm:prSet presAssocID="{84502C9C-3600-4654-9373-357AF4B82FC4}" presName="tile2" presStyleLbl="node1" presStyleIdx="1" presStyleCnt="4"/>
-      <dgm:spPr/>
-    </dgm:pt>
-    <dgm:pt modelId="{FF3C4013-592B-4A28-9C39-054514AE291D}" type="pres">
-      <dgm:prSet presAssocID="{84502C9C-3600-4654-9373-357AF4B82FC4}" presName="tile2text" presStyleLbl="node1" presStyleIdx="1" presStyleCnt="4">
-        <dgm:presLayoutVars>
-          <dgm:chMax val="0"/>
-          <dgm:chPref val="0"/>
-          <dgm:bulletEnabled val="1"/>
-        </dgm:presLayoutVars>
-      </dgm:prSet>
-      <dgm:spPr/>
-    </dgm:pt>
-    <dgm:pt modelId="{62E5C738-9EFE-41DA-AA9A-DDE55DF9FB73}" type="pres">
-      <dgm:prSet presAssocID="{84502C9C-3600-4654-9373-357AF4B82FC4}" presName="tile3" presStyleLbl="node1" presStyleIdx="2" presStyleCnt="4"/>
-      <dgm:spPr/>
-    </dgm:pt>
-    <dgm:pt modelId="{EC4BA4CD-5F2D-48FD-B7F7-EB7F406CAB0F}" type="pres">
-      <dgm:prSet presAssocID="{84502C9C-3600-4654-9373-357AF4B82FC4}" presName="tile3text" presStyleLbl="node1" presStyleIdx="2" presStyleCnt="4">
-        <dgm:presLayoutVars>
-          <dgm:chMax val="0"/>
-          <dgm:chPref val="0"/>
-          <dgm:bulletEnabled val="1"/>
-        </dgm:presLayoutVars>
-      </dgm:prSet>
-      <dgm:spPr/>
-    </dgm:pt>
-    <dgm:pt modelId="{B1F360E8-1642-4FDA-8F9E-52743DE5B526}" type="pres">
-      <dgm:prSet presAssocID="{84502C9C-3600-4654-9373-357AF4B82FC4}" presName="tile4" presStyleLbl="node1" presStyleIdx="3" presStyleCnt="4"/>
-      <dgm:spPr/>
-    </dgm:pt>
-    <dgm:pt modelId="{ED0E29D9-B883-48FF-BE14-43823A866F3B}" type="pres">
-      <dgm:prSet presAssocID="{84502C9C-3600-4654-9373-357AF4B82FC4}" presName="tile4text" presStyleLbl="node1" presStyleIdx="3" presStyleCnt="4">
-        <dgm:presLayoutVars>
-          <dgm:chMax val="0"/>
-          <dgm:chPref val="0"/>
-          <dgm:bulletEnabled val="1"/>
-        </dgm:presLayoutVars>
-      </dgm:prSet>
-      <dgm:spPr/>
-    </dgm:pt>
-    <dgm:pt modelId="{66CD01F9-3230-4461-97DD-4B4D49F595D4}" type="pres">
-      <dgm:prSet presAssocID="{84502C9C-3600-4654-9373-357AF4B82FC4}" presName="centerTile" presStyleLbl="fgShp" presStyleIdx="0" presStyleCnt="1">
-        <dgm:presLayoutVars>
-          <dgm:chMax val="0"/>
-          <dgm:chPref val="0"/>
-        </dgm:presLayoutVars>
-      </dgm:prSet>
-      <dgm:spPr/>
-    </dgm:pt>
-  </dgm:ptLst>
-  <dgm:cxnLst>
-    <dgm:cxn modelId="{EDB27200-5548-4441-A4D1-1DD761C4F9C0}" type="presOf" srcId="{06656BC9-100D-4952-879A-FD828DEF5C54}" destId="{0D39C9F9-D252-44C3-BEFB-42CF83B1A631}" srcOrd="0" destOrd="0" presId="urn:microsoft.com/office/officeart/2005/8/layout/matrix1"/>
-    <dgm:cxn modelId="{B0D3E104-F8C6-40A1-89C2-42D77B1DB2A9}" srcId="{6261A3F0-20BD-428F-BE59-3F495EF954AE}" destId="{06656BC9-100D-4952-879A-FD828DEF5C54}" srcOrd="1" destOrd="0" parTransId="{1E0A9431-DF6A-4BDD-90B7-82457939F7A4}" sibTransId="{A82C331B-DA0A-4D32-8F7A-7E365CFE8F22}"/>
-    <dgm:cxn modelId="{36826617-B810-459A-A353-27EFB15E8D7C}" srcId="{6261A3F0-20BD-428F-BE59-3F495EF954AE}" destId="{47365DD6-2FF9-4A35-9BA3-F27415E17E84}" srcOrd="0" destOrd="0" parTransId="{96D97534-8C49-4AD0-887E-5F1069D9A9E9}" sibTransId="{48419B4F-E4E2-4484-B5A6-650134D2BF56}"/>
-    <dgm:cxn modelId="{EE5DC01C-DB37-4B2E-A8D1-DAA0822E91F9}" srcId="{6261A3F0-20BD-428F-BE59-3F495EF954AE}" destId="{8DDB9F70-DB1E-4295-9EF7-950D59D382E6}" srcOrd="3" destOrd="0" parTransId="{EF4EC334-F3BA-4899-8C5F-AB7577973AD9}" sibTransId="{2B61A619-6C8A-4F9B-A9EB-B41177B1D5C8}"/>
-    <dgm:cxn modelId="{6D58D825-8956-42BE-80EA-7ABA4CCF6744}" type="presOf" srcId="{D03FB4FE-34B2-41EB-9073-E0DFE7D7AE85}" destId="{EC4BA4CD-5F2D-48FD-B7F7-EB7F406CAB0F}" srcOrd="1" destOrd="0" presId="urn:microsoft.com/office/officeart/2005/8/layout/matrix1"/>
-    <dgm:cxn modelId="{017EEC40-19C9-4EF4-9EE2-BEDEA1D39F00}" type="presOf" srcId="{8DDB9F70-DB1E-4295-9EF7-950D59D382E6}" destId="{ED0E29D9-B883-48FF-BE14-43823A866F3B}" srcOrd="1" destOrd="0" presId="urn:microsoft.com/office/officeart/2005/8/layout/matrix1"/>
-    <dgm:cxn modelId="{3748D862-0ED3-479C-BE22-E9FD0B9CA1AB}" type="presOf" srcId="{D03FB4FE-34B2-41EB-9073-E0DFE7D7AE85}" destId="{62E5C738-9EFE-41DA-AA9A-DDE55DF9FB73}" srcOrd="0" destOrd="0" presId="urn:microsoft.com/office/officeart/2005/8/layout/matrix1"/>
-    <dgm:cxn modelId="{7982105A-46F1-4C5D-A3F2-B81FE06AF708}" srcId="{84502C9C-3600-4654-9373-357AF4B82FC4}" destId="{6261A3F0-20BD-428F-BE59-3F495EF954AE}" srcOrd="0" destOrd="0" parTransId="{4C90B096-DA08-4415-BD58-A66AABF554B5}" sibTransId="{9E9EF7D1-49D7-439C-88E6-D0741C61BE51}"/>
-    <dgm:cxn modelId="{FA593D81-79F3-4F65-865A-6D2C72A96471}" type="presOf" srcId="{06656BC9-100D-4952-879A-FD828DEF5C54}" destId="{FF3C4013-592B-4A28-9C39-054514AE291D}" srcOrd="1" destOrd="0" presId="urn:microsoft.com/office/officeart/2005/8/layout/matrix1"/>
-    <dgm:cxn modelId="{AE0FD8A2-0805-421D-A6DD-C4153A894B62}" srcId="{6261A3F0-20BD-428F-BE59-3F495EF954AE}" destId="{D03FB4FE-34B2-41EB-9073-E0DFE7D7AE85}" srcOrd="2" destOrd="0" parTransId="{AAD96E03-D30A-49FC-BD50-6336E185EBB5}" sibTransId="{88905EF4-8220-4B7E-884C-C6B46AE1123C}"/>
-    <dgm:cxn modelId="{28019AC2-BD1D-46A3-A23E-C2936EBC54A2}" type="presOf" srcId="{47365DD6-2FF9-4A35-9BA3-F27415E17E84}" destId="{32A9D0D9-9E9F-4D57-BFEF-76DD8D3097D1}" srcOrd="1" destOrd="0" presId="urn:microsoft.com/office/officeart/2005/8/layout/matrix1"/>
-    <dgm:cxn modelId="{5601C5C6-34B1-420B-80BF-9260224D752F}" type="presOf" srcId="{8DDB9F70-DB1E-4295-9EF7-950D59D382E6}" destId="{B1F360E8-1642-4FDA-8F9E-52743DE5B526}" srcOrd="0" destOrd="0" presId="urn:microsoft.com/office/officeart/2005/8/layout/matrix1"/>
-    <dgm:cxn modelId="{4537DBD7-B8AF-4FD8-91C7-DE46EB9E3497}" type="presOf" srcId="{47365DD6-2FF9-4A35-9BA3-F27415E17E84}" destId="{C460D436-CE83-4A04-A437-1C77FCF20A72}" srcOrd="0" destOrd="0" presId="urn:microsoft.com/office/officeart/2005/8/layout/matrix1"/>
-    <dgm:cxn modelId="{0BE9CEE6-6F37-4FD4-BF62-8863A3214573}" type="presOf" srcId="{84502C9C-3600-4654-9373-357AF4B82FC4}" destId="{2518AEE9-41B9-44C0-8575-BD128824BCC4}" srcOrd="0" destOrd="0" presId="urn:microsoft.com/office/officeart/2005/8/layout/matrix1"/>
-    <dgm:cxn modelId="{987E27FA-5A6B-4DC2-9341-6D3FE4DEF4B3}" type="presOf" srcId="{6261A3F0-20BD-428F-BE59-3F495EF954AE}" destId="{66CD01F9-3230-4461-97DD-4B4D49F595D4}" srcOrd="0" destOrd="0" presId="urn:microsoft.com/office/officeart/2005/8/layout/matrix1"/>
-    <dgm:cxn modelId="{1B553B64-EF8C-4E51-8E83-19CA02E66430}" type="presParOf" srcId="{2518AEE9-41B9-44C0-8575-BD128824BCC4}" destId="{59CFDECA-DE3C-42C7-8113-ECB24710258B}" srcOrd="0" destOrd="0" presId="urn:microsoft.com/office/officeart/2005/8/layout/matrix1"/>
-    <dgm:cxn modelId="{2C10D538-DD28-46A8-A0B9-12F7863ACDD5}" type="presParOf" srcId="{59CFDECA-DE3C-42C7-8113-ECB24710258B}" destId="{C460D436-CE83-4A04-A437-1C77FCF20A72}" srcOrd="0" destOrd="0" presId="urn:microsoft.com/office/officeart/2005/8/layout/matrix1"/>
-    <dgm:cxn modelId="{7FB3DECE-22C4-4A03-94CD-8E6D75A6EDB4}" type="presParOf" srcId="{59CFDECA-DE3C-42C7-8113-ECB24710258B}" destId="{32A9D0D9-9E9F-4D57-BFEF-76DD8D3097D1}" srcOrd="1" destOrd="0" presId="urn:microsoft.com/office/officeart/2005/8/layout/matrix1"/>
-    <dgm:cxn modelId="{0FC52B41-F0DE-481D-B192-D5CA8691998D}" type="presParOf" srcId="{59CFDECA-DE3C-42C7-8113-ECB24710258B}" destId="{0D39C9F9-D252-44C3-BEFB-42CF83B1A631}" srcOrd="2" destOrd="0" presId="urn:microsoft.com/office/officeart/2005/8/layout/matrix1"/>
-    <dgm:cxn modelId="{9EBE147E-EC50-4BCD-B463-8A9333309DA6}" type="presParOf" srcId="{59CFDECA-DE3C-42C7-8113-ECB24710258B}" destId="{FF3C4013-592B-4A28-9C39-054514AE291D}" srcOrd="3" destOrd="0" presId="urn:microsoft.com/office/officeart/2005/8/layout/matrix1"/>
-    <dgm:cxn modelId="{C5F2ECBB-C702-4265-848D-E915CF5E3C52}" type="presParOf" srcId="{59CFDECA-DE3C-42C7-8113-ECB24710258B}" destId="{62E5C738-9EFE-41DA-AA9A-DDE55DF9FB73}" srcOrd="4" destOrd="0" presId="urn:microsoft.com/office/officeart/2005/8/layout/matrix1"/>
-    <dgm:cxn modelId="{0015BE1A-2185-4469-BF74-7593A7C11477}" type="presParOf" srcId="{59CFDECA-DE3C-42C7-8113-ECB24710258B}" destId="{EC4BA4CD-5F2D-48FD-B7F7-EB7F406CAB0F}" srcOrd="5" destOrd="0" presId="urn:microsoft.com/office/officeart/2005/8/layout/matrix1"/>
-    <dgm:cxn modelId="{94BB64FB-9BDF-423E-B1D3-D76F23781181}" type="presParOf" srcId="{59CFDECA-DE3C-42C7-8113-ECB24710258B}" destId="{B1F360E8-1642-4FDA-8F9E-52743DE5B526}" srcOrd="6" destOrd="0" presId="urn:microsoft.com/office/officeart/2005/8/layout/matrix1"/>
-    <dgm:cxn modelId="{3CA264EB-6985-40C6-BB66-8C3F40660747}" type="presParOf" srcId="{59CFDECA-DE3C-42C7-8113-ECB24710258B}" destId="{ED0E29D9-B883-48FF-BE14-43823A866F3B}" srcOrd="7" destOrd="0" presId="urn:microsoft.com/office/officeart/2005/8/layout/matrix1"/>
-    <dgm:cxn modelId="{CA42BD40-7A71-4255-AE3F-F1FC4E36B8A8}" type="presParOf" srcId="{2518AEE9-41B9-44C0-8575-BD128824BCC4}" destId="{66CD01F9-3230-4461-97DD-4B4D49F595D4}" srcOrd="1" destOrd="0" presId="urn:microsoft.com/office/officeart/2005/8/layout/matrix1"/>
   </dgm:cxnLst>
   <dgm:bg/>
   <dgm:whole/>
@@ -9049,6 +10079,815 @@
       <dsp:cNvGrpSpPr/>
     </dsp:nvGrpSpPr>
     <dsp:grpSpPr/>
+    <dsp:sp modelId="{B44114D5-6C25-43EC-A3D9-662DB84F157F}">
+      <dsp:nvSpPr>
+        <dsp:cNvPr id="0" name=""/>
+        <dsp:cNvSpPr/>
+      </dsp:nvSpPr>
+      <dsp:spPr>
+        <a:xfrm>
+          <a:off x="9165" y="1677344"/>
+          <a:ext cx="2739579" cy="1643747"/>
+        </a:xfrm>
+        <a:prstGeom prst="roundRect">
+          <a:avLst>
+            <a:gd name="adj" fmla="val 10000"/>
+          </a:avLst>
+        </a:prstGeom>
+        <a:solidFill>
+          <a:schemeClr val="lt1">
+            <a:hueOff val="0"/>
+            <a:satOff val="0"/>
+            <a:lumOff val="0"/>
+            <a:alphaOff val="0"/>
+          </a:schemeClr>
+        </a:solidFill>
+        <a:ln w="12700" cap="flat" cmpd="sng" algn="ctr">
+          <a:solidFill>
+            <a:schemeClr val="dk1">
+              <a:shade val="80000"/>
+              <a:hueOff val="0"/>
+              <a:satOff val="0"/>
+              <a:lumOff val="0"/>
+              <a:alphaOff val="0"/>
+            </a:schemeClr>
+          </a:solidFill>
+          <a:prstDash val="solid"/>
+          <a:miter lim="800000"/>
+        </a:ln>
+        <a:effectLst/>
+      </dsp:spPr>
+      <dsp:style>
+        <a:lnRef idx="2">
+          <a:scrgbClr r="0" g="0" b="0"/>
+        </a:lnRef>
+        <a:fillRef idx="1">
+          <a:scrgbClr r="0" g="0" b="0"/>
+        </a:fillRef>
+        <a:effectRef idx="0">
+          <a:scrgbClr r="0" g="0" b="0"/>
+        </a:effectRef>
+        <a:fontRef idx="minor">
+          <a:schemeClr val="lt1"/>
+        </a:fontRef>
+      </dsp:style>
+      <dsp:txBody>
+        <a:bodyPr spcFirstLastPara="0" vert="horz" wrap="square" lIns="125730" tIns="125730" rIns="125730" bIns="125730" numCol="1" spcCol="1270" anchor="ctr" anchorCtr="0">
+          <a:noAutofit/>
+        </a:bodyPr>
+        <a:lstStyle/>
+        <a:p>
+          <a:pPr marL="0" lvl="0" indent="0" algn="ctr" defTabSz="1466850">
+            <a:lnSpc>
+              <a:spcPct val="90000"/>
+            </a:lnSpc>
+            <a:spcBef>
+              <a:spcPct val="0"/>
+            </a:spcBef>
+            <a:spcAft>
+              <a:spcPct val="35000"/>
+            </a:spcAft>
+            <a:buNone/>
+          </a:pPr>
+          <a:r>
+            <a:rPr lang="ja-JP" altLang="en-US" sz="3300" kern="1200"/>
+            <a:t>全員</a:t>
+          </a:r>
+          <a:r>
+            <a:rPr lang="ja-JP" altLang="en-US" sz="3300" b="1" kern="1200"/>
+            <a:t>初心者</a:t>
+          </a:r>
+          <a:endParaRPr kumimoji="1" lang="ja-JP" altLang="en-US" sz="3300" kern="1200" dirty="0"/>
+        </a:p>
+      </dsp:txBody>
+      <dsp:txXfrm>
+        <a:off x="57309" y="1725488"/>
+        <a:ext cx="2643291" cy="1547459"/>
+      </dsp:txXfrm>
+    </dsp:sp>
+    <dsp:sp modelId="{3F12E258-3796-4B32-91E8-483D341F7993}">
+      <dsp:nvSpPr>
+        <dsp:cNvPr id="0" name=""/>
+        <dsp:cNvSpPr/>
+      </dsp:nvSpPr>
+      <dsp:spPr>
+        <a:xfrm>
+          <a:off x="3022702" y="2159510"/>
+          <a:ext cx="580790" cy="679415"/>
+        </a:xfrm>
+        <a:prstGeom prst="rightArrow">
+          <a:avLst>
+            <a:gd name="adj1" fmla="val 60000"/>
+            <a:gd name="adj2" fmla="val 50000"/>
+          </a:avLst>
+        </a:prstGeom>
+        <a:solidFill>
+          <a:schemeClr val="dk1">
+            <a:tint val="60000"/>
+            <a:hueOff val="0"/>
+            <a:satOff val="0"/>
+            <a:lumOff val="0"/>
+            <a:alphaOff val="0"/>
+          </a:schemeClr>
+        </a:solidFill>
+        <a:ln>
+          <a:noFill/>
+        </a:ln>
+        <a:effectLst/>
+      </dsp:spPr>
+      <dsp:style>
+        <a:lnRef idx="0">
+          <a:scrgbClr r="0" g="0" b="0"/>
+        </a:lnRef>
+        <a:fillRef idx="1">
+          <a:scrgbClr r="0" g="0" b="0"/>
+        </a:fillRef>
+        <a:effectRef idx="0">
+          <a:scrgbClr r="0" g="0" b="0"/>
+        </a:effectRef>
+        <a:fontRef idx="minor">
+          <a:schemeClr val="lt1"/>
+        </a:fontRef>
+      </dsp:style>
+      <dsp:txBody>
+        <a:bodyPr spcFirstLastPara="0" vert="horz" wrap="square" lIns="0" tIns="0" rIns="0" bIns="0" numCol="1" spcCol="1270" anchor="ctr" anchorCtr="0">
+          <a:noAutofit/>
+        </a:bodyPr>
+        <a:lstStyle/>
+        <a:p>
+          <a:pPr marL="0" lvl="0" indent="0" algn="ctr" defTabSz="889000">
+            <a:lnSpc>
+              <a:spcPct val="90000"/>
+            </a:lnSpc>
+            <a:spcBef>
+              <a:spcPct val="0"/>
+            </a:spcBef>
+            <a:spcAft>
+              <a:spcPct val="35000"/>
+            </a:spcAft>
+            <a:buNone/>
+          </a:pPr>
+          <a:endParaRPr kumimoji="1" lang="ja-JP" altLang="en-US" sz="2000" kern="1200"/>
+        </a:p>
+      </dsp:txBody>
+      <dsp:txXfrm>
+        <a:off x="3022702" y="2295393"/>
+        <a:ext cx="406553" cy="407649"/>
+      </dsp:txXfrm>
+    </dsp:sp>
+    <dsp:sp modelId="{E48C98EC-5A1E-43F0-AAE8-4896B9316EB0}">
+      <dsp:nvSpPr>
+        <dsp:cNvPr id="0" name=""/>
+        <dsp:cNvSpPr/>
+      </dsp:nvSpPr>
+      <dsp:spPr>
+        <a:xfrm>
+          <a:off x="3844576" y="1677344"/>
+          <a:ext cx="2739579" cy="1643747"/>
+        </a:xfrm>
+        <a:prstGeom prst="roundRect">
+          <a:avLst>
+            <a:gd name="adj" fmla="val 10000"/>
+          </a:avLst>
+        </a:prstGeom>
+        <a:solidFill>
+          <a:schemeClr val="lt1">
+            <a:hueOff val="0"/>
+            <a:satOff val="0"/>
+            <a:lumOff val="0"/>
+            <a:alphaOff val="0"/>
+          </a:schemeClr>
+        </a:solidFill>
+        <a:ln w="12700" cap="flat" cmpd="sng" algn="ctr">
+          <a:solidFill>
+            <a:schemeClr val="dk1">
+              <a:shade val="80000"/>
+              <a:hueOff val="0"/>
+              <a:satOff val="0"/>
+              <a:lumOff val="0"/>
+              <a:alphaOff val="0"/>
+            </a:schemeClr>
+          </a:solidFill>
+          <a:prstDash val="solid"/>
+          <a:miter lim="800000"/>
+        </a:ln>
+        <a:effectLst/>
+      </dsp:spPr>
+      <dsp:style>
+        <a:lnRef idx="2">
+          <a:scrgbClr r="0" g="0" b="0"/>
+        </a:lnRef>
+        <a:fillRef idx="1">
+          <a:scrgbClr r="0" g="0" b="0"/>
+        </a:fillRef>
+        <a:effectRef idx="0">
+          <a:scrgbClr r="0" g="0" b="0"/>
+        </a:effectRef>
+        <a:fontRef idx="minor">
+          <a:schemeClr val="lt1"/>
+        </a:fontRef>
+      </dsp:style>
+      <dsp:txBody>
+        <a:bodyPr spcFirstLastPara="0" vert="horz" wrap="square" lIns="125730" tIns="125730" rIns="125730" bIns="125730" numCol="1" spcCol="1270" anchor="ctr" anchorCtr="0">
+          <a:noAutofit/>
+        </a:bodyPr>
+        <a:lstStyle/>
+        <a:p>
+          <a:pPr marL="0" lvl="0" indent="0" algn="ctr" defTabSz="1466850">
+            <a:lnSpc>
+              <a:spcPct val="90000"/>
+            </a:lnSpc>
+            <a:spcBef>
+              <a:spcPct val="0"/>
+            </a:spcBef>
+            <a:spcAft>
+              <a:spcPct val="35000"/>
+            </a:spcAft>
+            <a:buNone/>
+          </a:pPr>
+          <a:r>
+            <a:rPr kumimoji="1" lang="ja-JP" altLang="en-US" sz="3300" kern="1200" dirty="0"/>
+            <a:t>分からないことが多い</a:t>
+          </a:r>
+        </a:p>
+      </dsp:txBody>
+      <dsp:txXfrm>
+        <a:off x="3892720" y="1725488"/>
+        <a:ext cx="2643291" cy="1547459"/>
+      </dsp:txXfrm>
+    </dsp:sp>
+    <dsp:sp modelId="{11E6E941-A51C-46C6-97C5-E3C9BED6B7FB}">
+      <dsp:nvSpPr>
+        <dsp:cNvPr id="0" name=""/>
+        <dsp:cNvSpPr/>
+      </dsp:nvSpPr>
+      <dsp:spPr>
+        <a:xfrm>
+          <a:off x="6858113" y="2159510"/>
+          <a:ext cx="580790" cy="679415"/>
+        </a:xfrm>
+        <a:prstGeom prst="rightArrow">
+          <a:avLst>
+            <a:gd name="adj1" fmla="val 60000"/>
+            <a:gd name="adj2" fmla="val 50000"/>
+          </a:avLst>
+        </a:prstGeom>
+        <a:solidFill>
+          <a:schemeClr val="dk1">
+            <a:tint val="60000"/>
+            <a:hueOff val="0"/>
+            <a:satOff val="0"/>
+            <a:lumOff val="0"/>
+            <a:alphaOff val="0"/>
+          </a:schemeClr>
+        </a:solidFill>
+        <a:ln>
+          <a:noFill/>
+        </a:ln>
+        <a:effectLst/>
+      </dsp:spPr>
+      <dsp:style>
+        <a:lnRef idx="0">
+          <a:scrgbClr r="0" g="0" b="0"/>
+        </a:lnRef>
+        <a:fillRef idx="1">
+          <a:scrgbClr r="0" g="0" b="0"/>
+        </a:fillRef>
+        <a:effectRef idx="0">
+          <a:scrgbClr r="0" g="0" b="0"/>
+        </a:effectRef>
+        <a:fontRef idx="minor">
+          <a:schemeClr val="lt1"/>
+        </a:fontRef>
+      </dsp:style>
+      <dsp:txBody>
+        <a:bodyPr spcFirstLastPara="0" vert="horz" wrap="square" lIns="0" tIns="0" rIns="0" bIns="0" numCol="1" spcCol="1270" anchor="ctr" anchorCtr="0">
+          <a:noAutofit/>
+        </a:bodyPr>
+        <a:lstStyle/>
+        <a:p>
+          <a:pPr marL="0" lvl="0" indent="0" algn="ctr" defTabSz="889000">
+            <a:lnSpc>
+              <a:spcPct val="90000"/>
+            </a:lnSpc>
+            <a:spcBef>
+              <a:spcPct val="0"/>
+            </a:spcBef>
+            <a:spcAft>
+              <a:spcPct val="35000"/>
+            </a:spcAft>
+            <a:buNone/>
+          </a:pPr>
+          <a:endParaRPr kumimoji="1" lang="ja-JP" altLang="en-US" sz="2000" kern="1200"/>
+        </a:p>
+      </dsp:txBody>
+      <dsp:txXfrm>
+        <a:off x="6858113" y="2295393"/>
+        <a:ext cx="406553" cy="407649"/>
+      </dsp:txXfrm>
+    </dsp:sp>
+    <dsp:sp modelId="{8AC9AF7F-42B7-42C2-9437-8304C04135B0}">
+      <dsp:nvSpPr>
+        <dsp:cNvPr id="0" name=""/>
+        <dsp:cNvSpPr/>
+      </dsp:nvSpPr>
+      <dsp:spPr>
+        <a:xfrm>
+          <a:off x="7679987" y="1677344"/>
+          <a:ext cx="2739579" cy="1643747"/>
+        </a:xfrm>
+        <a:prstGeom prst="roundRect">
+          <a:avLst>
+            <a:gd name="adj" fmla="val 10000"/>
+          </a:avLst>
+        </a:prstGeom>
+        <a:solidFill>
+          <a:schemeClr val="lt1">
+            <a:hueOff val="0"/>
+            <a:satOff val="0"/>
+            <a:lumOff val="0"/>
+            <a:alphaOff val="0"/>
+          </a:schemeClr>
+        </a:solidFill>
+        <a:ln w="12700" cap="flat" cmpd="sng" algn="ctr">
+          <a:solidFill>
+            <a:schemeClr val="dk1">
+              <a:shade val="80000"/>
+              <a:hueOff val="0"/>
+              <a:satOff val="0"/>
+              <a:lumOff val="0"/>
+              <a:alphaOff val="0"/>
+            </a:schemeClr>
+          </a:solidFill>
+          <a:prstDash val="solid"/>
+          <a:miter lim="800000"/>
+        </a:ln>
+        <a:effectLst/>
+      </dsp:spPr>
+      <dsp:style>
+        <a:lnRef idx="2">
+          <a:scrgbClr r="0" g="0" b="0"/>
+        </a:lnRef>
+        <a:fillRef idx="1">
+          <a:scrgbClr r="0" g="0" b="0"/>
+        </a:fillRef>
+        <a:effectRef idx="0">
+          <a:scrgbClr r="0" g="0" b="0"/>
+        </a:effectRef>
+        <a:fontRef idx="minor">
+          <a:schemeClr val="lt1"/>
+        </a:fontRef>
+      </dsp:style>
+      <dsp:txBody>
+        <a:bodyPr spcFirstLastPara="0" vert="horz" wrap="square" lIns="125730" tIns="125730" rIns="125730" bIns="125730" numCol="1" spcCol="1270" anchor="ctr" anchorCtr="0">
+          <a:noAutofit/>
+        </a:bodyPr>
+        <a:lstStyle/>
+        <a:p>
+          <a:pPr marL="0" lvl="0" indent="0" algn="ctr" defTabSz="1466850">
+            <a:lnSpc>
+              <a:spcPct val="90000"/>
+            </a:lnSpc>
+            <a:spcBef>
+              <a:spcPct val="0"/>
+            </a:spcBef>
+            <a:spcAft>
+              <a:spcPct val="35000"/>
+            </a:spcAft>
+            <a:buNone/>
+          </a:pPr>
+          <a:r>
+            <a:rPr kumimoji="1" lang="ja-JP" altLang="en-US" sz="3300" kern="1200" dirty="0"/>
+            <a:t>技術的不安</a:t>
+          </a:r>
+        </a:p>
+      </dsp:txBody>
+      <dsp:txXfrm>
+        <a:off x="7728131" y="1725488"/>
+        <a:ext cx="2643291" cy="1547459"/>
+      </dsp:txXfrm>
+    </dsp:sp>
+  </dsp:spTree>
+</dsp:drawing>
+</file>
+
+<file path=ppt/diagrams/drawing4.xml><?xml version="1.0" encoding="utf-8"?>
+<dsp:drawing xmlns:dgm="http://schemas.openxmlformats.org/drawingml/2006/diagram" xmlns:dsp="http://schemas.microsoft.com/office/drawing/2008/diagram" xmlns:a="http://schemas.openxmlformats.org/drawingml/2006/main">
+  <dsp:spTree>
+    <dsp:nvGrpSpPr>
+      <dsp:cNvPr id="0" name=""/>
+      <dsp:cNvGrpSpPr/>
+    </dsp:nvGrpSpPr>
+    <dsp:grpSpPr/>
+    <dsp:sp modelId="{C460D436-CE83-4A04-A437-1C77FCF20A72}">
+      <dsp:nvSpPr>
+        <dsp:cNvPr id="0" name=""/>
+        <dsp:cNvSpPr/>
+      </dsp:nvSpPr>
+      <dsp:spPr>
+        <a:xfrm rot="16200000">
+          <a:off x="1112604" y="-1112604"/>
+          <a:ext cx="2035894" cy="4261104"/>
+        </a:xfrm>
+        <a:prstGeom prst="round1Rect">
+          <a:avLst/>
+        </a:prstGeom>
+        <a:solidFill>
+          <a:schemeClr val="accent5">
+            <a:hueOff val="0"/>
+            <a:satOff val="0"/>
+            <a:lumOff val="0"/>
+            <a:alphaOff val="0"/>
+          </a:schemeClr>
+        </a:solidFill>
+        <a:ln w="12700" cap="flat" cmpd="sng" algn="ctr">
+          <a:solidFill>
+            <a:schemeClr val="lt1">
+              <a:hueOff val="0"/>
+              <a:satOff val="0"/>
+              <a:lumOff val="0"/>
+              <a:alphaOff val="0"/>
+            </a:schemeClr>
+          </a:solidFill>
+          <a:prstDash val="solid"/>
+          <a:miter lim="800000"/>
+        </a:ln>
+        <a:effectLst/>
+      </dsp:spPr>
+      <dsp:style>
+        <a:lnRef idx="2">
+          <a:scrgbClr r="0" g="0" b="0"/>
+        </a:lnRef>
+        <a:fillRef idx="1">
+          <a:scrgbClr r="0" g="0" b="0"/>
+        </a:fillRef>
+        <a:effectRef idx="0">
+          <a:scrgbClr r="0" g="0" b="0"/>
+        </a:effectRef>
+        <a:fontRef idx="minor">
+          <a:schemeClr val="lt1"/>
+        </a:fontRef>
+      </dsp:style>
+      <dsp:txBody>
+        <a:bodyPr spcFirstLastPara="0" vert="horz" wrap="square" lIns="320040" tIns="320040" rIns="320040" bIns="320040" numCol="1" spcCol="1270" anchor="ctr" anchorCtr="0">
+          <a:noAutofit/>
+        </a:bodyPr>
+        <a:lstStyle/>
+        <a:p>
+          <a:pPr marL="0" lvl="0" indent="0" algn="ctr" defTabSz="2000250">
+            <a:lnSpc>
+              <a:spcPct val="90000"/>
+            </a:lnSpc>
+            <a:spcBef>
+              <a:spcPct val="0"/>
+            </a:spcBef>
+            <a:spcAft>
+              <a:spcPct val="35000"/>
+            </a:spcAft>
+            <a:buNone/>
+          </a:pPr>
+          <a:r>
+            <a:rPr lang="ja" sz="4500" kern="1200" dirty="0"/>
+            <a:t>仕事配分</a:t>
+          </a:r>
+          <a:endParaRPr kumimoji="1" lang="ja-JP" altLang="en-US" sz="4500" kern="1200" dirty="0"/>
+        </a:p>
+      </dsp:txBody>
+      <dsp:txXfrm rot="5400000">
+        <a:off x="-1" y="1"/>
+        <a:ext cx="4261104" cy="1526920"/>
+      </dsp:txXfrm>
+    </dsp:sp>
+    <dsp:sp modelId="{0D39C9F9-D252-44C3-BEFB-42CF83B1A631}">
+      <dsp:nvSpPr>
+        <dsp:cNvPr id="0" name=""/>
+        <dsp:cNvSpPr/>
+      </dsp:nvSpPr>
+      <dsp:spPr>
+        <a:xfrm>
+          <a:off x="4261104" y="0"/>
+          <a:ext cx="4261104" cy="2035894"/>
+        </a:xfrm>
+        <a:prstGeom prst="round1Rect">
+          <a:avLst/>
+        </a:prstGeom>
+        <a:solidFill>
+          <a:schemeClr val="accent5">
+            <a:hueOff val="527866"/>
+            <a:satOff val="2032"/>
+            <a:lumOff val="-261"/>
+            <a:alphaOff val="0"/>
+          </a:schemeClr>
+        </a:solidFill>
+        <a:ln w="12700" cap="flat" cmpd="sng" algn="ctr">
+          <a:solidFill>
+            <a:schemeClr val="lt1">
+              <a:hueOff val="0"/>
+              <a:satOff val="0"/>
+              <a:lumOff val="0"/>
+              <a:alphaOff val="0"/>
+            </a:schemeClr>
+          </a:solidFill>
+          <a:prstDash val="solid"/>
+          <a:miter lim="800000"/>
+        </a:ln>
+        <a:effectLst/>
+      </dsp:spPr>
+      <dsp:style>
+        <a:lnRef idx="2">
+          <a:scrgbClr r="0" g="0" b="0"/>
+        </a:lnRef>
+        <a:fillRef idx="1">
+          <a:scrgbClr r="0" g="0" b="0"/>
+        </a:fillRef>
+        <a:effectRef idx="0">
+          <a:scrgbClr r="0" g="0" b="0"/>
+        </a:effectRef>
+        <a:fontRef idx="minor">
+          <a:schemeClr val="lt1"/>
+        </a:fontRef>
+      </dsp:style>
+      <dsp:txBody>
+        <a:bodyPr spcFirstLastPara="0" vert="horz" wrap="square" lIns="320040" tIns="320040" rIns="320040" bIns="320040" numCol="1" spcCol="1270" anchor="ctr" anchorCtr="0">
+          <a:noAutofit/>
+        </a:bodyPr>
+        <a:lstStyle/>
+        <a:p>
+          <a:pPr marL="0" lvl="0" indent="0" algn="ctr" defTabSz="2000250">
+            <a:lnSpc>
+              <a:spcPct val="90000"/>
+            </a:lnSpc>
+            <a:spcBef>
+              <a:spcPct val="0"/>
+            </a:spcBef>
+            <a:spcAft>
+              <a:spcPct val="35000"/>
+            </a:spcAft>
+            <a:buNone/>
+          </a:pPr>
+          <a:r>
+            <a:rPr lang="ja" sz="4500" kern="1200" dirty="0"/>
+            <a:t>時間配分</a:t>
+          </a:r>
+          <a:endParaRPr kumimoji="1" lang="ja-JP" altLang="en-US" sz="4500" kern="1200" dirty="0"/>
+        </a:p>
+      </dsp:txBody>
+      <dsp:txXfrm>
+        <a:off x="4261104" y="0"/>
+        <a:ext cx="4261104" cy="1526920"/>
+      </dsp:txXfrm>
+    </dsp:sp>
+    <dsp:sp modelId="{62E5C738-9EFE-41DA-AA9A-DDE55DF9FB73}">
+      <dsp:nvSpPr>
+        <dsp:cNvPr id="0" name=""/>
+        <dsp:cNvSpPr/>
+      </dsp:nvSpPr>
+      <dsp:spPr>
+        <a:xfrm rot="10800000">
+          <a:off x="0" y="2035894"/>
+          <a:ext cx="4261104" cy="2035894"/>
+        </a:xfrm>
+        <a:prstGeom prst="round1Rect">
+          <a:avLst/>
+        </a:prstGeom>
+        <a:solidFill>
+          <a:schemeClr val="accent5">
+            <a:hueOff val="1055731"/>
+            <a:satOff val="4065"/>
+            <a:lumOff val="-523"/>
+            <a:alphaOff val="0"/>
+          </a:schemeClr>
+        </a:solidFill>
+        <a:ln w="12700" cap="flat" cmpd="sng" algn="ctr">
+          <a:solidFill>
+            <a:schemeClr val="lt1">
+              <a:hueOff val="0"/>
+              <a:satOff val="0"/>
+              <a:lumOff val="0"/>
+              <a:alphaOff val="0"/>
+            </a:schemeClr>
+          </a:solidFill>
+          <a:prstDash val="solid"/>
+          <a:miter lim="800000"/>
+        </a:ln>
+        <a:effectLst/>
+      </dsp:spPr>
+      <dsp:style>
+        <a:lnRef idx="2">
+          <a:scrgbClr r="0" g="0" b="0"/>
+        </a:lnRef>
+        <a:fillRef idx="1">
+          <a:scrgbClr r="0" g="0" b="0"/>
+        </a:fillRef>
+        <a:effectRef idx="0">
+          <a:scrgbClr r="0" g="0" b="0"/>
+        </a:effectRef>
+        <a:fontRef idx="minor">
+          <a:schemeClr val="lt1"/>
+        </a:fontRef>
+      </dsp:style>
+      <dsp:txBody>
+        <a:bodyPr spcFirstLastPara="0" vert="horz" wrap="square" lIns="320040" tIns="320040" rIns="320040" bIns="320040" numCol="1" spcCol="1270" anchor="ctr" anchorCtr="0">
+          <a:noAutofit/>
+        </a:bodyPr>
+        <a:lstStyle/>
+        <a:p>
+          <a:pPr marL="0" lvl="0" indent="0" algn="ctr" defTabSz="2000250">
+            <a:lnSpc>
+              <a:spcPct val="90000"/>
+            </a:lnSpc>
+            <a:spcBef>
+              <a:spcPct val="0"/>
+            </a:spcBef>
+            <a:spcAft>
+              <a:spcPct val="35000"/>
+            </a:spcAft>
+            <a:buNone/>
+          </a:pPr>
+          <a:r>
+            <a:rPr lang="ja" sz="4500" kern="1200" dirty="0"/>
+            <a:t>役割分担</a:t>
+          </a:r>
+          <a:endParaRPr kumimoji="1" lang="ja-JP" altLang="en-US" sz="4500" kern="1200" dirty="0"/>
+        </a:p>
+      </dsp:txBody>
+      <dsp:txXfrm rot="10800000">
+        <a:off x="0" y="2544868"/>
+        <a:ext cx="4261104" cy="1526920"/>
+      </dsp:txXfrm>
+    </dsp:sp>
+    <dsp:sp modelId="{B1F360E8-1642-4FDA-8F9E-52743DE5B526}">
+      <dsp:nvSpPr>
+        <dsp:cNvPr id="0" name=""/>
+        <dsp:cNvSpPr/>
+      </dsp:nvSpPr>
+      <dsp:spPr>
+        <a:xfrm rot="5400000">
+          <a:off x="5373708" y="923289"/>
+          <a:ext cx="2035894" cy="4261104"/>
+        </a:xfrm>
+        <a:prstGeom prst="round1Rect">
+          <a:avLst/>
+        </a:prstGeom>
+        <a:solidFill>
+          <a:schemeClr val="accent5">
+            <a:hueOff val="1583597"/>
+            <a:satOff val="6097"/>
+            <a:lumOff val="-784"/>
+            <a:alphaOff val="0"/>
+          </a:schemeClr>
+        </a:solidFill>
+        <a:ln w="12700" cap="flat" cmpd="sng" algn="ctr">
+          <a:solidFill>
+            <a:schemeClr val="lt1">
+              <a:hueOff val="0"/>
+              <a:satOff val="0"/>
+              <a:lumOff val="0"/>
+              <a:alphaOff val="0"/>
+            </a:schemeClr>
+          </a:solidFill>
+          <a:prstDash val="solid"/>
+          <a:miter lim="800000"/>
+        </a:ln>
+        <a:effectLst/>
+      </dsp:spPr>
+      <dsp:style>
+        <a:lnRef idx="2">
+          <a:scrgbClr r="0" g="0" b="0"/>
+        </a:lnRef>
+        <a:fillRef idx="1">
+          <a:scrgbClr r="0" g="0" b="0"/>
+        </a:fillRef>
+        <a:effectRef idx="0">
+          <a:scrgbClr r="0" g="0" b="0"/>
+        </a:effectRef>
+        <a:fontRef idx="minor">
+          <a:schemeClr val="lt1"/>
+        </a:fontRef>
+      </dsp:style>
+      <dsp:txBody>
+        <a:bodyPr spcFirstLastPara="0" vert="horz" wrap="square" lIns="320040" tIns="320040" rIns="320040" bIns="320040" numCol="1" spcCol="1270" anchor="ctr" anchorCtr="0">
+          <a:noAutofit/>
+        </a:bodyPr>
+        <a:lstStyle/>
+        <a:p>
+          <a:pPr marL="0" lvl="0" indent="0" algn="ctr" defTabSz="2000250">
+            <a:lnSpc>
+              <a:spcPct val="90000"/>
+            </a:lnSpc>
+            <a:spcBef>
+              <a:spcPct val="0"/>
+            </a:spcBef>
+            <a:spcAft>
+              <a:spcPct val="35000"/>
+            </a:spcAft>
+            <a:buNone/>
+          </a:pPr>
+          <a:r>
+            <a:rPr lang="ja" sz="4500" kern="1200" dirty="0"/>
+            <a:t>作業中</a:t>
+          </a:r>
+          <a:r>
+            <a:rPr lang="ja-JP" altLang="en-US" sz="4500" kern="1200" dirty="0"/>
+            <a:t>の確認</a:t>
+          </a:r>
+          <a:endParaRPr kumimoji="1" lang="ja-JP" altLang="en-US" sz="4500" kern="1200" dirty="0"/>
+        </a:p>
+      </dsp:txBody>
+      <dsp:txXfrm rot="-5400000">
+        <a:off x="4261103" y="2544868"/>
+        <a:ext cx="4261104" cy="1526920"/>
+      </dsp:txXfrm>
+    </dsp:sp>
+    <dsp:sp modelId="{66CD01F9-3230-4461-97DD-4B4D49F595D4}">
+      <dsp:nvSpPr>
+        <dsp:cNvPr id="0" name=""/>
+        <dsp:cNvSpPr/>
+      </dsp:nvSpPr>
+      <dsp:spPr>
+        <a:xfrm>
+          <a:off x="1487419" y="1181022"/>
+          <a:ext cx="5547369" cy="1709744"/>
+        </a:xfrm>
+        <a:prstGeom prst="roundRect">
+          <a:avLst/>
+        </a:prstGeom>
+        <a:solidFill>
+          <a:schemeClr val="accent5">
+            <a:tint val="40000"/>
+            <a:hueOff val="0"/>
+            <a:satOff val="0"/>
+            <a:lumOff val="0"/>
+            <a:alphaOff val="0"/>
+          </a:schemeClr>
+        </a:solidFill>
+        <a:ln w="12700" cap="flat" cmpd="sng" algn="ctr">
+          <a:solidFill>
+            <a:schemeClr val="lt1">
+              <a:hueOff val="0"/>
+              <a:satOff val="0"/>
+              <a:lumOff val="0"/>
+              <a:alphaOff val="0"/>
+            </a:schemeClr>
+          </a:solidFill>
+          <a:prstDash val="solid"/>
+          <a:miter lim="800000"/>
+        </a:ln>
+        <a:effectLst/>
+      </dsp:spPr>
+      <dsp:style>
+        <a:lnRef idx="2">
+          <a:scrgbClr r="0" g="0" b="0"/>
+        </a:lnRef>
+        <a:fillRef idx="1">
+          <a:scrgbClr r="0" g="0" b="0"/>
+        </a:fillRef>
+        <a:effectRef idx="0">
+          <a:scrgbClr r="0" g="0" b="0"/>
+        </a:effectRef>
+        <a:fontRef idx="minor"/>
+      </dsp:style>
+      <dsp:txBody>
+        <a:bodyPr spcFirstLastPara="0" vert="horz" wrap="square" lIns="167640" tIns="167640" rIns="167640" bIns="167640" numCol="1" spcCol="1270" anchor="ctr" anchorCtr="0">
+          <a:noAutofit/>
+        </a:bodyPr>
+        <a:lstStyle/>
+        <a:p>
+          <a:pPr marL="0" lvl="0" indent="0" algn="ctr" defTabSz="1955800">
+            <a:lnSpc>
+              <a:spcPct val="90000"/>
+            </a:lnSpc>
+            <a:spcBef>
+              <a:spcPct val="0"/>
+            </a:spcBef>
+            <a:spcAft>
+              <a:spcPct val="35000"/>
+            </a:spcAft>
+            <a:buNone/>
+          </a:pPr>
+          <a:r>
+            <a:rPr kumimoji="1" lang="ja-JP" altLang="en-US" sz="4400" b="1" kern="1200" dirty="0"/>
+            <a:t>コミュニケーション</a:t>
+          </a:r>
+        </a:p>
+      </dsp:txBody>
+      <dsp:txXfrm>
+        <a:off x="1570882" y="1264485"/>
+        <a:ext cx="5380443" cy="1542818"/>
+      </dsp:txXfrm>
+    </dsp:sp>
+  </dsp:spTree>
+</dsp:drawing>
+</file>
+
+<file path=ppt/diagrams/drawing5.xml><?xml version="1.0" encoding="utf-8"?>
+<dsp:drawing xmlns:dgm="http://schemas.openxmlformats.org/drawingml/2006/diagram" xmlns:dsp="http://schemas.microsoft.com/office/drawing/2008/diagram" xmlns:a="http://schemas.openxmlformats.org/drawingml/2006/main">
+  <dsp:spTree>
+    <dsp:nvGrpSpPr>
+      <dsp:cNvPr id="0" name=""/>
+      <dsp:cNvGrpSpPr/>
+    </dsp:nvGrpSpPr>
+    <dsp:grpSpPr/>
     <dsp:sp modelId="{D62F911D-547A-453E-82D6-77B96A2B07B7}">
       <dsp:nvSpPr>
         <dsp:cNvPr id="0" name=""/>
@@ -9276,395 +11115,6 @@
       <dsp:txXfrm>
         <a:off x="0" y="3680028"/>
         <a:ext cx="8128000" cy="877680"/>
-      </dsp:txXfrm>
-    </dsp:sp>
-  </dsp:spTree>
-</dsp:drawing>
-</file>
-
-<file path=ppt/diagrams/drawing4.xml><?xml version="1.0" encoding="utf-8"?>
-<dsp:drawing xmlns:dgm="http://schemas.openxmlformats.org/drawingml/2006/diagram" xmlns:dsp="http://schemas.microsoft.com/office/drawing/2008/diagram" xmlns:a="http://schemas.openxmlformats.org/drawingml/2006/main">
-  <dsp:spTree>
-    <dsp:nvGrpSpPr>
-      <dsp:cNvPr id="0" name=""/>
-      <dsp:cNvGrpSpPr/>
-    </dsp:nvGrpSpPr>
-    <dsp:grpSpPr/>
-    <dsp:sp modelId="{C460D436-CE83-4A04-A437-1C77FCF20A72}">
-      <dsp:nvSpPr>
-        <dsp:cNvPr id="0" name=""/>
-        <dsp:cNvSpPr/>
-      </dsp:nvSpPr>
-      <dsp:spPr>
-        <a:xfrm rot="16200000">
-          <a:off x="1118450" y="-1118450"/>
-          <a:ext cx="1922603" cy="4159504"/>
-        </a:xfrm>
-        <a:prstGeom prst="round1Rect">
-          <a:avLst/>
-        </a:prstGeom>
-        <a:solidFill>
-          <a:schemeClr val="accent5">
-            <a:hueOff val="0"/>
-            <a:satOff val="0"/>
-            <a:lumOff val="0"/>
-            <a:alphaOff val="0"/>
-          </a:schemeClr>
-        </a:solidFill>
-        <a:ln w="12700" cap="flat" cmpd="sng" algn="ctr">
-          <a:solidFill>
-            <a:schemeClr val="lt1">
-              <a:hueOff val="0"/>
-              <a:satOff val="0"/>
-              <a:lumOff val="0"/>
-              <a:alphaOff val="0"/>
-            </a:schemeClr>
-          </a:solidFill>
-          <a:prstDash val="solid"/>
-          <a:miter lim="800000"/>
-        </a:ln>
-        <a:effectLst/>
-      </dsp:spPr>
-      <dsp:style>
-        <a:lnRef idx="2">
-          <a:scrgbClr r="0" g="0" b="0"/>
-        </a:lnRef>
-        <a:fillRef idx="1">
-          <a:scrgbClr r="0" g="0" b="0"/>
-        </a:fillRef>
-        <a:effectRef idx="0">
-          <a:scrgbClr r="0" g="0" b="0"/>
-        </a:effectRef>
-        <a:fontRef idx="minor">
-          <a:schemeClr val="lt1"/>
-        </a:fontRef>
-      </dsp:style>
-      <dsp:txBody>
-        <a:bodyPr spcFirstLastPara="0" vert="horz" wrap="square" lIns="298704" tIns="298704" rIns="298704" bIns="298704" numCol="1" spcCol="1270" anchor="ctr" anchorCtr="0">
-          <a:noAutofit/>
-        </a:bodyPr>
-        <a:lstStyle/>
-        <a:p>
-          <a:pPr marL="0" lvl="0" indent="0" algn="ctr" defTabSz="1866900">
-            <a:lnSpc>
-              <a:spcPct val="90000"/>
-            </a:lnSpc>
-            <a:spcBef>
-              <a:spcPct val="0"/>
-            </a:spcBef>
-            <a:spcAft>
-              <a:spcPct val="35000"/>
-            </a:spcAft>
-            <a:buNone/>
-          </a:pPr>
-          <a:endParaRPr kumimoji="1" lang="ja-JP" altLang="en-US" sz="4200" kern="1200"/>
-        </a:p>
-      </dsp:txBody>
-      <dsp:txXfrm rot="5400000">
-        <a:off x="-1" y="1"/>
-        <a:ext cx="4159504" cy="1441952"/>
-      </dsp:txXfrm>
-    </dsp:sp>
-    <dsp:sp modelId="{0D39C9F9-D252-44C3-BEFB-42CF83B1A631}">
-      <dsp:nvSpPr>
-        <dsp:cNvPr id="0" name=""/>
-        <dsp:cNvSpPr/>
-      </dsp:nvSpPr>
-      <dsp:spPr>
-        <a:xfrm>
-          <a:off x="4159504" y="0"/>
-          <a:ext cx="4159504" cy="1922603"/>
-        </a:xfrm>
-        <a:prstGeom prst="round1Rect">
-          <a:avLst/>
-        </a:prstGeom>
-        <a:solidFill>
-          <a:schemeClr val="accent5">
-            <a:hueOff val="527866"/>
-            <a:satOff val="2032"/>
-            <a:lumOff val="-261"/>
-            <a:alphaOff val="0"/>
-          </a:schemeClr>
-        </a:solidFill>
-        <a:ln w="12700" cap="flat" cmpd="sng" algn="ctr">
-          <a:solidFill>
-            <a:schemeClr val="lt1">
-              <a:hueOff val="0"/>
-              <a:satOff val="0"/>
-              <a:lumOff val="0"/>
-              <a:alphaOff val="0"/>
-            </a:schemeClr>
-          </a:solidFill>
-          <a:prstDash val="solid"/>
-          <a:miter lim="800000"/>
-        </a:ln>
-        <a:effectLst/>
-      </dsp:spPr>
-      <dsp:style>
-        <a:lnRef idx="2">
-          <a:scrgbClr r="0" g="0" b="0"/>
-        </a:lnRef>
-        <a:fillRef idx="1">
-          <a:scrgbClr r="0" g="0" b="0"/>
-        </a:fillRef>
-        <a:effectRef idx="0">
-          <a:scrgbClr r="0" g="0" b="0"/>
-        </a:effectRef>
-        <a:fontRef idx="minor">
-          <a:schemeClr val="lt1"/>
-        </a:fontRef>
-      </dsp:style>
-      <dsp:txBody>
-        <a:bodyPr spcFirstLastPara="0" vert="horz" wrap="square" lIns="298704" tIns="298704" rIns="298704" bIns="298704" numCol="1" spcCol="1270" anchor="ctr" anchorCtr="0">
-          <a:noAutofit/>
-        </a:bodyPr>
-        <a:lstStyle/>
-        <a:p>
-          <a:pPr marL="0" lvl="0" indent="0" algn="ctr" defTabSz="1866900">
-            <a:lnSpc>
-              <a:spcPct val="90000"/>
-            </a:lnSpc>
-            <a:spcBef>
-              <a:spcPct val="0"/>
-            </a:spcBef>
-            <a:spcAft>
-              <a:spcPct val="35000"/>
-            </a:spcAft>
-            <a:buNone/>
-          </a:pPr>
-          <a:endParaRPr kumimoji="1" lang="ja-JP" altLang="en-US" sz="4200" kern="1200" dirty="0"/>
-        </a:p>
-      </dsp:txBody>
-      <dsp:txXfrm>
-        <a:off x="4159504" y="0"/>
-        <a:ext cx="4159504" cy="1441952"/>
-      </dsp:txXfrm>
-    </dsp:sp>
-    <dsp:sp modelId="{62E5C738-9EFE-41DA-AA9A-DDE55DF9FB73}">
-      <dsp:nvSpPr>
-        <dsp:cNvPr id="0" name=""/>
-        <dsp:cNvSpPr/>
-      </dsp:nvSpPr>
-      <dsp:spPr>
-        <a:xfrm rot="10800000">
-          <a:off x="0" y="1922603"/>
-          <a:ext cx="4159504" cy="1922603"/>
-        </a:xfrm>
-        <a:prstGeom prst="round1Rect">
-          <a:avLst/>
-        </a:prstGeom>
-        <a:solidFill>
-          <a:schemeClr val="accent5">
-            <a:hueOff val="1055731"/>
-            <a:satOff val="4065"/>
-            <a:lumOff val="-523"/>
-            <a:alphaOff val="0"/>
-          </a:schemeClr>
-        </a:solidFill>
-        <a:ln w="12700" cap="flat" cmpd="sng" algn="ctr">
-          <a:solidFill>
-            <a:schemeClr val="lt1">
-              <a:hueOff val="0"/>
-              <a:satOff val="0"/>
-              <a:lumOff val="0"/>
-              <a:alphaOff val="0"/>
-            </a:schemeClr>
-          </a:solidFill>
-          <a:prstDash val="solid"/>
-          <a:miter lim="800000"/>
-        </a:ln>
-        <a:effectLst/>
-      </dsp:spPr>
-      <dsp:style>
-        <a:lnRef idx="2">
-          <a:scrgbClr r="0" g="0" b="0"/>
-        </a:lnRef>
-        <a:fillRef idx="1">
-          <a:scrgbClr r="0" g="0" b="0"/>
-        </a:fillRef>
-        <a:effectRef idx="0">
-          <a:scrgbClr r="0" g="0" b="0"/>
-        </a:effectRef>
-        <a:fontRef idx="minor">
-          <a:schemeClr val="lt1"/>
-        </a:fontRef>
-      </dsp:style>
-      <dsp:txBody>
-        <a:bodyPr spcFirstLastPara="0" vert="horz" wrap="square" lIns="298704" tIns="298704" rIns="298704" bIns="298704" numCol="1" spcCol="1270" anchor="ctr" anchorCtr="0">
-          <a:noAutofit/>
-        </a:bodyPr>
-        <a:lstStyle/>
-        <a:p>
-          <a:pPr marL="0" lvl="0" indent="0" algn="ctr" defTabSz="1866900">
-            <a:lnSpc>
-              <a:spcPct val="90000"/>
-            </a:lnSpc>
-            <a:spcBef>
-              <a:spcPct val="0"/>
-            </a:spcBef>
-            <a:spcAft>
-              <a:spcPct val="35000"/>
-            </a:spcAft>
-            <a:buNone/>
-          </a:pPr>
-          <a:endParaRPr kumimoji="1" lang="ja-JP" altLang="en-US" sz="4200" kern="1200"/>
-        </a:p>
-      </dsp:txBody>
-      <dsp:txXfrm rot="10800000">
-        <a:off x="0" y="2403254"/>
-        <a:ext cx="4159504" cy="1441952"/>
-      </dsp:txXfrm>
-    </dsp:sp>
-    <dsp:sp modelId="{B1F360E8-1642-4FDA-8F9E-52743DE5B526}">
-      <dsp:nvSpPr>
-        <dsp:cNvPr id="0" name=""/>
-        <dsp:cNvSpPr/>
-      </dsp:nvSpPr>
-      <dsp:spPr>
-        <a:xfrm rot="5400000">
-          <a:off x="5277954" y="804153"/>
-          <a:ext cx="1922603" cy="4159504"/>
-        </a:xfrm>
-        <a:prstGeom prst="round1Rect">
-          <a:avLst/>
-        </a:prstGeom>
-        <a:solidFill>
-          <a:schemeClr val="accent5">
-            <a:hueOff val="1583597"/>
-            <a:satOff val="6097"/>
-            <a:lumOff val="-784"/>
-            <a:alphaOff val="0"/>
-          </a:schemeClr>
-        </a:solidFill>
-        <a:ln w="12700" cap="flat" cmpd="sng" algn="ctr">
-          <a:solidFill>
-            <a:schemeClr val="lt1">
-              <a:hueOff val="0"/>
-              <a:satOff val="0"/>
-              <a:lumOff val="0"/>
-              <a:alphaOff val="0"/>
-            </a:schemeClr>
-          </a:solidFill>
-          <a:prstDash val="solid"/>
-          <a:miter lim="800000"/>
-        </a:ln>
-        <a:effectLst/>
-      </dsp:spPr>
-      <dsp:style>
-        <a:lnRef idx="2">
-          <a:scrgbClr r="0" g="0" b="0"/>
-        </a:lnRef>
-        <a:fillRef idx="1">
-          <a:scrgbClr r="0" g="0" b="0"/>
-        </a:fillRef>
-        <a:effectRef idx="0">
-          <a:scrgbClr r="0" g="0" b="0"/>
-        </a:effectRef>
-        <a:fontRef idx="minor">
-          <a:schemeClr val="lt1"/>
-        </a:fontRef>
-      </dsp:style>
-      <dsp:txBody>
-        <a:bodyPr spcFirstLastPara="0" vert="horz" wrap="square" lIns="298704" tIns="298704" rIns="298704" bIns="298704" numCol="1" spcCol="1270" anchor="ctr" anchorCtr="0">
-          <a:noAutofit/>
-        </a:bodyPr>
-        <a:lstStyle/>
-        <a:p>
-          <a:pPr marL="0" lvl="0" indent="0" algn="ctr" defTabSz="1866900">
-            <a:lnSpc>
-              <a:spcPct val="90000"/>
-            </a:lnSpc>
-            <a:spcBef>
-              <a:spcPct val="0"/>
-            </a:spcBef>
-            <a:spcAft>
-              <a:spcPct val="35000"/>
-            </a:spcAft>
-            <a:buNone/>
-          </a:pPr>
-          <a:endParaRPr kumimoji="1" lang="ja-JP" altLang="en-US" sz="4200" kern="1200"/>
-        </a:p>
-      </dsp:txBody>
-      <dsp:txXfrm rot="-5400000">
-        <a:off x="4159503" y="2403254"/>
-        <a:ext cx="4159504" cy="1441952"/>
-      </dsp:txXfrm>
-    </dsp:sp>
-    <dsp:sp modelId="{66CD01F9-3230-4461-97DD-4B4D49F595D4}">
-      <dsp:nvSpPr>
-        <dsp:cNvPr id="0" name=""/>
-        <dsp:cNvSpPr/>
-      </dsp:nvSpPr>
-      <dsp:spPr>
-        <a:xfrm>
-          <a:off x="2911652" y="1441952"/>
-          <a:ext cx="2495702" cy="961301"/>
-        </a:xfrm>
-        <a:prstGeom prst="roundRect">
-          <a:avLst/>
-        </a:prstGeom>
-        <a:solidFill>
-          <a:schemeClr val="accent5">
-            <a:tint val="40000"/>
-            <a:hueOff val="0"/>
-            <a:satOff val="0"/>
-            <a:lumOff val="0"/>
-            <a:alphaOff val="0"/>
-          </a:schemeClr>
-        </a:solidFill>
-        <a:ln w="12700" cap="flat" cmpd="sng" algn="ctr">
-          <a:solidFill>
-            <a:schemeClr val="lt1">
-              <a:hueOff val="0"/>
-              <a:satOff val="0"/>
-              <a:lumOff val="0"/>
-              <a:alphaOff val="0"/>
-            </a:schemeClr>
-          </a:solidFill>
-          <a:prstDash val="solid"/>
-          <a:miter lim="800000"/>
-        </a:ln>
-        <a:effectLst/>
-      </dsp:spPr>
-      <dsp:style>
-        <a:lnRef idx="2">
-          <a:scrgbClr r="0" g="0" b="0"/>
-        </a:lnRef>
-        <a:fillRef idx="1">
-          <a:scrgbClr r="0" g="0" b="0"/>
-        </a:fillRef>
-        <a:effectRef idx="0">
-          <a:scrgbClr r="0" g="0" b="0"/>
-        </a:effectRef>
-        <a:fontRef idx="minor"/>
-      </dsp:style>
-      <dsp:txBody>
-        <a:bodyPr spcFirstLastPara="0" vert="horz" wrap="square" lIns="91440" tIns="91440" rIns="91440" bIns="91440" numCol="1" spcCol="1270" anchor="ctr" anchorCtr="0">
-          <a:noAutofit/>
-        </a:bodyPr>
-        <a:lstStyle/>
-        <a:p>
-          <a:pPr marL="0" lvl="0" indent="0" algn="ctr" defTabSz="1066800">
-            <a:lnSpc>
-              <a:spcPct val="90000"/>
-            </a:lnSpc>
-            <a:spcBef>
-              <a:spcPct val="0"/>
-            </a:spcBef>
-            <a:spcAft>
-              <a:spcPct val="35000"/>
-            </a:spcAft>
-            <a:buNone/>
-          </a:pPr>
-          <a:r>
-            <a:rPr kumimoji="1" lang="ja-JP" altLang="en-US" sz="2400" b="1" kern="1200" dirty="0"/>
-            <a:t>コミュニケーション</a:t>
-          </a:r>
-        </a:p>
-      </dsp:txBody>
-      <dsp:txXfrm>
-        <a:off x="2958579" y="1488879"/>
-        <a:ext cx="2401848" cy="867447"/>
       </dsp:txXfrm>
     </dsp:sp>
   </dsp:spTree>
@@ -10647,36 +12097,16 @@
 </file>
 
 <file path=ppt/diagrams/layout3.xml><?xml version="1.0" encoding="utf-8"?>
-<dgm:layoutDef xmlns:dgm="http://schemas.openxmlformats.org/drawingml/2006/diagram" xmlns:a="http://schemas.openxmlformats.org/drawingml/2006/main" uniqueId="urn:microsoft.com/office/officeart/2005/8/layout/vList2">
+<dgm:layoutDef xmlns:dgm="http://schemas.openxmlformats.org/drawingml/2006/diagram" xmlns:a="http://schemas.openxmlformats.org/drawingml/2006/main" uniqueId="urn:microsoft.com/office/officeart/2005/8/layout/process1">
   <dgm:title val=""/>
   <dgm:desc val=""/>
   <dgm:catLst>
-    <dgm:cat type="list" pri="3000"/>
-    <dgm:cat type="convert" pri="1000"/>
+    <dgm:cat type="process" pri="1000"/>
+    <dgm:cat type="convert" pri="15000"/>
   </dgm:catLst>
-  <dgm:sampData>
+  <dgm:sampData useDef="1">
     <dgm:dataModel>
-      <dgm:ptLst>
-        <dgm:pt modelId="0" type="doc"/>
-        <dgm:pt modelId="1">
-          <dgm:prSet phldr="1"/>
-        </dgm:pt>
-        <dgm:pt modelId="11">
-          <dgm:prSet phldr="1"/>
-        </dgm:pt>
-        <dgm:pt modelId="2">
-          <dgm:prSet phldr="1"/>
-        </dgm:pt>
-        <dgm:pt modelId="21">
-          <dgm:prSet phldr="1"/>
-        </dgm:pt>
-      </dgm:ptLst>
-      <dgm:cxnLst>
-        <dgm:cxn modelId="4" srcId="0" destId="1" srcOrd="0" destOrd="0"/>
-        <dgm:cxn modelId="5" srcId="0" destId="2" srcOrd="1" destOrd="0"/>
-        <dgm:cxn modelId="12" srcId="1" destId="11" srcOrd="0" destOrd="0"/>
-        <dgm:cxn modelId="23" srcId="2" destId="21" srcOrd="0" destOrd="0"/>
-      </dgm:cxnLst>
+      <dgm:ptLst/>
       <dgm:bg/>
       <dgm:whole/>
     </dgm:dataModel>
@@ -10715,99 +12145,98 @@
       <dgm:whole/>
     </dgm:dataModel>
   </dgm:clrData>
-  <dgm:layoutNode name="linear">
+  <dgm:layoutNode name="Name0">
     <dgm:varLst>
-      <dgm:animLvl val="lvl"/>
+      <dgm:dir/>
       <dgm:resizeHandles val="exact"/>
     </dgm:varLst>
-    <dgm:alg type="lin">
-      <dgm:param type="linDir" val="fromT"/>
-      <dgm:param type="vertAlign" val="mid"/>
-    </dgm:alg>
+    <dgm:choose name="Name1">
+      <dgm:if name="Name2" func="var" arg="dir" op="equ" val="norm">
+        <dgm:alg type="lin"/>
+      </dgm:if>
+      <dgm:else name="Name3">
+        <dgm:alg type="lin">
+          <dgm:param type="linDir" val="fromR"/>
+        </dgm:alg>
+      </dgm:else>
+    </dgm:choose>
     <dgm:shape xmlns:r="http://schemas.openxmlformats.org/officeDocument/2006/relationships" r:blip="">
       <dgm:adjLst/>
     </dgm:shape>
     <dgm:presOf/>
     <dgm:constrLst>
-      <dgm:constr type="w" for="ch" forName="parentText" refType="w"/>
-      <dgm:constr type="h" for="ch" forName="parentText" refType="primFontSz" refFor="ch" refForName="parentText" fact="0.52"/>
-      <dgm:constr type="w" for="ch" forName="childText" refType="w"/>
-      <dgm:constr type="h" for="ch" forName="childText" refType="primFontSz" refFor="ch" refForName="parentText" fact="0.46"/>
-      <dgm:constr type="h" for="ch" forName="parentText" op="equ"/>
-      <dgm:constr type="primFontSz" for="ch" forName="parentText" op="equ" val="65"/>
-      <dgm:constr type="primFontSz" for="ch" forName="childText" refType="primFontSz" refFor="ch" refForName="parentText" op="equ"/>
-      <dgm:constr type="h" for="ch" forName="spacer" refType="primFontSz" refFor="ch" refForName="parentText" fact="0.08"/>
+      <dgm:constr type="w" for="ch" ptType="node" refType="w"/>
+      <dgm:constr type="h" for="ch" ptType="node" op="equ"/>
+      <dgm:constr type="primFontSz" for="ch" ptType="node" op="equ" val="65"/>
+      <dgm:constr type="w" for="ch" ptType="sibTrans" refType="w" refFor="ch" refPtType="node" op="equ" fact="0.4"/>
+      <dgm:constr type="h" for="ch" ptType="sibTrans" op="equ"/>
+      <dgm:constr type="primFontSz" for="des" forName="connectorText" op="equ" val="55"/>
+      <dgm:constr type="primFontSz" for="des" forName="connectorText" refType="primFontSz" refFor="ch" refPtType="node" op="lte" fact="0.8"/>
     </dgm:constrLst>
-    <dgm:ruleLst>
-      <dgm:rule type="primFontSz" for="ch" forName="parentText" val="5" fact="NaN" max="NaN"/>
-    </dgm:ruleLst>
-    <dgm:forEach name="Name0" axis="ch" ptType="node">
-      <dgm:layoutNode name="parentText" styleLbl="node1">
+    <dgm:ruleLst/>
+    <dgm:forEach name="nodesForEach" axis="ch" ptType="node">
+      <dgm:layoutNode name="node">
         <dgm:varLst>
-          <dgm:chMax val="0"/>
           <dgm:bulletEnabled val="1"/>
         </dgm:varLst>
-        <dgm:alg type="tx">
-          <dgm:param type="parTxLTRAlign" val="l"/>
-          <dgm:param type="parTxRTLAlign" val="r"/>
-        </dgm:alg>
+        <dgm:alg type="tx"/>
         <dgm:shape xmlns:r="http://schemas.openxmlformats.org/officeDocument/2006/relationships" type="roundRect" r:blip="">
-          <dgm:adjLst/>
+          <dgm:adjLst>
+            <dgm:adj idx="1" val="0.1"/>
+          </dgm:adjLst>
         </dgm:shape>
-        <dgm:presOf axis="self"/>
+        <dgm:presOf axis="desOrSelf" ptType="node"/>
         <dgm:constrLst>
+          <dgm:constr type="h" refType="w" fact="0.6"/>
           <dgm:constr type="tMarg" refType="primFontSz" fact="0.3"/>
           <dgm:constr type="bMarg" refType="primFontSz" fact="0.3"/>
           <dgm:constr type="lMarg" refType="primFontSz" fact="0.3"/>
           <dgm:constr type="rMarg" refType="primFontSz" fact="0.3"/>
         </dgm:constrLst>
         <dgm:ruleLst>
+          <dgm:rule type="primFontSz" val="18" fact="NaN" max="NaN"/>
+          <dgm:rule type="h" val="NaN" fact="1.5" max="NaN"/>
+          <dgm:rule type="primFontSz" val="5" fact="NaN" max="NaN"/>
           <dgm:rule type="h" val="INF" fact="NaN" max="NaN"/>
         </dgm:ruleLst>
       </dgm:layoutNode>
-      <dgm:choose name="Name1">
-        <dgm:if name="Name2" axis="ch" ptType="node" func="cnt" op="gte" val="1">
-          <dgm:layoutNode name="childText" styleLbl="revTx">
-            <dgm:varLst>
-              <dgm:bulletEnabled val="1"/>
-            </dgm:varLst>
+      <dgm:forEach name="sibTransForEach" axis="followSib" ptType="sibTrans" cnt="1">
+        <dgm:layoutNode name="sibTrans">
+          <dgm:alg type="conn">
+            <dgm:param type="begPts" val="auto"/>
+            <dgm:param type="endPts" val="auto"/>
+          </dgm:alg>
+          <dgm:shape xmlns:r="http://schemas.openxmlformats.org/officeDocument/2006/relationships" type="conn" r:blip="">
+            <dgm:adjLst/>
+          </dgm:shape>
+          <dgm:presOf axis="self"/>
+          <dgm:constrLst>
+            <dgm:constr type="h" refType="w" fact="0.62"/>
+            <dgm:constr type="connDist"/>
+            <dgm:constr type="begPad" refType="connDist" fact="0.25"/>
+            <dgm:constr type="endPad" refType="connDist" fact="0.22"/>
+          </dgm:constrLst>
+          <dgm:ruleLst/>
+          <dgm:layoutNode name="connectorText">
             <dgm:alg type="tx">
-              <dgm:param type="stBulletLvl" val="1"/>
-              <dgm:param type="lnSpAfChP" val="20"/>
+              <dgm:param type="autoTxRot" val="grav"/>
             </dgm:alg>
-            <dgm:shape xmlns:r="http://schemas.openxmlformats.org/officeDocument/2006/relationships" type="rect" r:blip="">
+            <dgm:shape xmlns:r="http://schemas.openxmlformats.org/officeDocument/2006/relationships" type="conn" r:blip="" hideGeom="1">
               <dgm:adjLst/>
             </dgm:shape>
-            <dgm:presOf axis="des" ptType="node"/>
+            <dgm:presOf axis="self"/>
             <dgm:constrLst>
-              <dgm:constr type="tMarg" refType="primFontSz" fact="0.1"/>
-              <dgm:constr type="bMarg" refType="primFontSz" fact="0.1"/>
-              <dgm:constr type="lMarg" refType="w" fact="0.09"/>
+              <dgm:constr type="lMarg"/>
+              <dgm:constr type="rMarg"/>
+              <dgm:constr type="tMarg"/>
+              <dgm:constr type="bMarg"/>
             </dgm:constrLst>
             <dgm:ruleLst>
-              <dgm:rule type="h" val="INF" fact="NaN" max="NaN"/>
+              <dgm:rule type="primFontSz" val="5" fact="NaN" max="NaN"/>
             </dgm:ruleLst>
           </dgm:layoutNode>
-        </dgm:if>
-        <dgm:else name="Name3">
-          <dgm:choose name="Name4">
-            <dgm:if name="Name5" axis="par ch" ptType="doc node" func="cnt" op="gte" val="2">
-              <dgm:forEach name="Name6" axis="followSib" ptType="sibTrans" cnt="1">
-                <dgm:layoutNode name="spacer">
-                  <dgm:alg type="sp"/>
-                  <dgm:shape xmlns:r="http://schemas.openxmlformats.org/officeDocument/2006/relationships" r:blip="">
-                    <dgm:adjLst/>
-                  </dgm:shape>
-                  <dgm:presOf/>
-                  <dgm:constrLst/>
-                  <dgm:ruleLst/>
-                </dgm:layoutNode>
-              </dgm:forEach>
-            </dgm:if>
-            <dgm:else name="Name7"/>
-          </dgm:choose>
-        </dgm:else>
-      </dgm:choose>
+        </dgm:layoutNode>
+      </dgm:forEach>
     </dgm:forEach>
   </dgm:layoutNode>
 </dgm:layoutDef>
@@ -11190,6 +12619,173 @@
 </dgm:layoutDef>
 </file>
 
+<file path=ppt/diagrams/layout5.xml><?xml version="1.0" encoding="utf-8"?>
+<dgm:layoutDef xmlns:dgm="http://schemas.openxmlformats.org/drawingml/2006/diagram" xmlns:a="http://schemas.openxmlformats.org/drawingml/2006/main" uniqueId="urn:microsoft.com/office/officeart/2005/8/layout/vList2">
+  <dgm:title val=""/>
+  <dgm:desc val=""/>
+  <dgm:catLst>
+    <dgm:cat type="list" pri="3000"/>
+    <dgm:cat type="convert" pri="1000"/>
+  </dgm:catLst>
+  <dgm:sampData>
+    <dgm:dataModel>
+      <dgm:ptLst>
+        <dgm:pt modelId="0" type="doc"/>
+        <dgm:pt modelId="1">
+          <dgm:prSet phldr="1"/>
+        </dgm:pt>
+        <dgm:pt modelId="11">
+          <dgm:prSet phldr="1"/>
+        </dgm:pt>
+        <dgm:pt modelId="2">
+          <dgm:prSet phldr="1"/>
+        </dgm:pt>
+        <dgm:pt modelId="21">
+          <dgm:prSet phldr="1"/>
+        </dgm:pt>
+      </dgm:ptLst>
+      <dgm:cxnLst>
+        <dgm:cxn modelId="4" srcId="0" destId="1" srcOrd="0" destOrd="0"/>
+        <dgm:cxn modelId="5" srcId="0" destId="2" srcOrd="1" destOrd="0"/>
+        <dgm:cxn modelId="12" srcId="1" destId="11" srcOrd="0" destOrd="0"/>
+        <dgm:cxn modelId="23" srcId="2" destId="21" srcOrd="0" destOrd="0"/>
+      </dgm:cxnLst>
+      <dgm:bg/>
+      <dgm:whole/>
+    </dgm:dataModel>
+  </dgm:sampData>
+  <dgm:styleData>
+    <dgm:dataModel>
+      <dgm:ptLst>
+        <dgm:pt modelId="0" type="doc"/>
+        <dgm:pt modelId="1"/>
+        <dgm:pt modelId="2"/>
+      </dgm:ptLst>
+      <dgm:cxnLst>
+        <dgm:cxn modelId="3" srcId="0" destId="1" srcOrd="0" destOrd="0"/>
+        <dgm:cxn modelId="4" srcId="0" destId="2" srcOrd="1" destOrd="0"/>
+      </dgm:cxnLst>
+      <dgm:bg/>
+      <dgm:whole/>
+    </dgm:dataModel>
+  </dgm:styleData>
+  <dgm:clrData>
+    <dgm:dataModel>
+      <dgm:ptLst>
+        <dgm:pt modelId="0" type="doc"/>
+        <dgm:pt modelId="1"/>
+        <dgm:pt modelId="2"/>
+        <dgm:pt modelId="3"/>
+        <dgm:pt modelId="4"/>
+      </dgm:ptLst>
+      <dgm:cxnLst>
+        <dgm:cxn modelId="5" srcId="0" destId="1" srcOrd="0" destOrd="0"/>
+        <dgm:cxn modelId="6" srcId="0" destId="2" srcOrd="1" destOrd="0"/>
+        <dgm:cxn modelId="7" srcId="0" destId="3" srcOrd="2" destOrd="0"/>
+        <dgm:cxn modelId="8" srcId="0" destId="4" srcOrd="3" destOrd="0"/>
+      </dgm:cxnLst>
+      <dgm:bg/>
+      <dgm:whole/>
+    </dgm:dataModel>
+  </dgm:clrData>
+  <dgm:layoutNode name="linear">
+    <dgm:varLst>
+      <dgm:animLvl val="lvl"/>
+      <dgm:resizeHandles val="exact"/>
+    </dgm:varLst>
+    <dgm:alg type="lin">
+      <dgm:param type="linDir" val="fromT"/>
+      <dgm:param type="vertAlign" val="mid"/>
+    </dgm:alg>
+    <dgm:shape xmlns:r="http://schemas.openxmlformats.org/officeDocument/2006/relationships" r:blip="">
+      <dgm:adjLst/>
+    </dgm:shape>
+    <dgm:presOf/>
+    <dgm:constrLst>
+      <dgm:constr type="w" for="ch" forName="parentText" refType="w"/>
+      <dgm:constr type="h" for="ch" forName="parentText" refType="primFontSz" refFor="ch" refForName="parentText" fact="0.52"/>
+      <dgm:constr type="w" for="ch" forName="childText" refType="w"/>
+      <dgm:constr type="h" for="ch" forName="childText" refType="primFontSz" refFor="ch" refForName="parentText" fact="0.46"/>
+      <dgm:constr type="h" for="ch" forName="parentText" op="equ"/>
+      <dgm:constr type="primFontSz" for="ch" forName="parentText" op="equ" val="65"/>
+      <dgm:constr type="primFontSz" for="ch" forName="childText" refType="primFontSz" refFor="ch" refForName="parentText" op="equ"/>
+      <dgm:constr type="h" for="ch" forName="spacer" refType="primFontSz" refFor="ch" refForName="parentText" fact="0.08"/>
+    </dgm:constrLst>
+    <dgm:ruleLst>
+      <dgm:rule type="primFontSz" for="ch" forName="parentText" val="5" fact="NaN" max="NaN"/>
+    </dgm:ruleLst>
+    <dgm:forEach name="Name0" axis="ch" ptType="node">
+      <dgm:layoutNode name="parentText" styleLbl="node1">
+        <dgm:varLst>
+          <dgm:chMax val="0"/>
+          <dgm:bulletEnabled val="1"/>
+        </dgm:varLst>
+        <dgm:alg type="tx">
+          <dgm:param type="parTxLTRAlign" val="l"/>
+          <dgm:param type="parTxRTLAlign" val="r"/>
+        </dgm:alg>
+        <dgm:shape xmlns:r="http://schemas.openxmlformats.org/officeDocument/2006/relationships" type="roundRect" r:blip="">
+          <dgm:adjLst/>
+        </dgm:shape>
+        <dgm:presOf axis="self"/>
+        <dgm:constrLst>
+          <dgm:constr type="tMarg" refType="primFontSz" fact="0.3"/>
+          <dgm:constr type="bMarg" refType="primFontSz" fact="0.3"/>
+          <dgm:constr type="lMarg" refType="primFontSz" fact="0.3"/>
+          <dgm:constr type="rMarg" refType="primFontSz" fact="0.3"/>
+        </dgm:constrLst>
+        <dgm:ruleLst>
+          <dgm:rule type="h" val="INF" fact="NaN" max="NaN"/>
+        </dgm:ruleLst>
+      </dgm:layoutNode>
+      <dgm:choose name="Name1">
+        <dgm:if name="Name2" axis="ch" ptType="node" func="cnt" op="gte" val="1">
+          <dgm:layoutNode name="childText" styleLbl="revTx">
+            <dgm:varLst>
+              <dgm:bulletEnabled val="1"/>
+            </dgm:varLst>
+            <dgm:alg type="tx">
+              <dgm:param type="stBulletLvl" val="1"/>
+              <dgm:param type="lnSpAfChP" val="20"/>
+            </dgm:alg>
+            <dgm:shape xmlns:r="http://schemas.openxmlformats.org/officeDocument/2006/relationships" type="rect" r:blip="">
+              <dgm:adjLst/>
+            </dgm:shape>
+            <dgm:presOf axis="des" ptType="node"/>
+            <dgm:constrLst>
+              <dgm:constr type="tMarg" refType="primFontSz" fact="0.1"/>
+              <dgm:constr type="bMarg" refType="primFontSz" fact="0.1"/>
+              <dgm:constr type="lMarg" refType="w" fact="0.09"/>
+            </dgm:constrLst>
+            <dgm:ruleLst>
+              <dgm:rule type="h" val="INF" fact="NaN" max="NaN"/>
+            </dgm:ruleLst>
+          </dgm:layoutNode>
+        </dgm:if>
+        <dgm:else name="Name3">
+          <dgm:choose name="Name4">
+            <dgm:if name="Name5" axis="par ch" ptType="doc node" func="cnt" op="gte" val="2">
+              <dgm:forEach name="Name6" axis="followSib" ptType="sibTrans" cnt="1">
+                <dgm:layoutNode name="spacer">
+                  <dgm:alg type="sp"/>
+                  <dgm:shape xmlns:r="http://schemas.openxmlformats.org/officeDocument/2006/relationships" r:blip="">
+                    <dgm:adjLst/>
+                  </dgm:shape>
+                  <dgm:presOf/>
+                  <dgm:constrLst/>
+                  <dgm:ruleLst/>
+                </dgm:layoutNode>
+              </dgm:forEach>
+            </dgm:if>
+            <dgm:else name="Name7"/>
+          </dgm:choose>
+        </dgm:else>
+      </dgm:choose>
+    </dgm:forEach>
+  </dgm:layoutNode>
+</dgm:layoutDef>
+</file>
+
 <file path=ppt/diagrams/quickStyle1.xml><?xml version="1.0" encoding="utf-8"?>
 <dgm:styleDef xmlns:dgm="http://schemas.openxmlformats.org/drawingml/2006/diagram" xmlns:a="http://schemas.openxmlformats.org/drawingml/2006/main" uniqueId="urn:microsoft.com/office/officeart/2005/8/quickstyle/simple3">
   <dgm:title val=""/>
@@ -13285,11 +14881,11 @@
 </file>
 
 <file path=ppt/diagrams/quickStyle3.xml><?xml version="1.0" encoding="utf-8"?>
-<dgm:styleDef xmlns:dgm="http://schemas.openxmlformats.org/drawingml/2006/diagram" xmlns:a="http://schemas.openxmlformats.org/drawingml/2006/main" uniqueId="urn:microsoft.com/office/officeart/2005/8/quickstyle/simple2">
+<dgm:styleDef xmlns:dgm="http://schemas.openxmlformats.org/drawingml/2006/diagram" xmlns:a="http://schemas.openxmlformats.org/drawingml/2006/main" uniqueId="urn:microsoft.com/office/officeart/2005/8/quickstyle/simple1">
   <dgm:title val=""/>
   <dgm:desc val=""/>
   <dgm:catLst>
-    <dgm:cat type="simple" pri="10200"/>
+    <dgm:cat type="simple" pri="10100"/>
   </dgm:catLst>
   <dgm:scene3d>
     <a:camera prst="orthographicFront"/>
@@ -13303,13 +14899,13 @@
     <dgm:sp3d/>
     <dgm:txPr/>
     <dgm:style>
-      <a:lnRef idx="3">
+      <a:lnRef idx="2">
         <a:scrgbClr r="0" g="0" b="0"/>
       </a:lnRef>
       <a:fillRef idx="1">
         <a:scrgbClr r="0" g="0" b="0"/>
       </a:fillRef>
-      <a:effectRef idx="1">
+      <a:effectRef idx="0">
         <a:scrgbClr r="0" g="0" b="0"/>
       </a:effectRef>
       <a:fontRef idx="minor">
@@ -13325,13 +14921,13 @@
     <dgm:sp3d/>
     <dgm:txPr/>
     <dgm:style>
-      <a:lnRef idx="3">
+      <a:lnRef idx="2">
         <a:scrgbClr r="0" g="0" b="0"/>
       </a:lnRef>
       <a:fillRef idx="1">
         <a:scrgbClr r="0" g="0" b="0"/>
       </a:fillRef>
-      <a:effectRef idx="1">
+      <a:effectRef idx="0">
         <a:scrgbClr r="0" g="0" b="0"/>
       </a:effectRef>
       <a:fontRef idx="minor">
@@ -13347,7 +14943,7 @@
     <dgm:sp3d/>
     <dgm:txPr/>
     <dgm:style>
-      <a:lnRef idx="3">
+      <a:lnRef idx="2">
         <a:scrgbClr r="0" g="0" b="0"/>
       </a:lnRef>
       <a:fillRef idx="1">
@@ -13375,7 +14971,7 @@
       <a:fillRef idx="1">
         <a:scrgbClr r="0" g="0" b="0"/>
       </a:fillRef>
-      <a:effectRef idx="1">
+      <a:effectRef idx="0">
         <a:scrgbClr r="0" g="0" b="0"/>
       </a:effectRef>
       <a:fontRef idx="minor">
@@ -13391,13 +14987,13 @@
     <dgm:sp3d/>
     <dgm:txPr/>
     <dgm:style>
-      <a:lnRef idx="3">
+      <a:lnRef idx="2">
         <a:scrgbClr r="0" g="0" b="0"/>
       </a:lnRef>
       <a:fillRef idx="1">
         <a:scrgbClr r="0" g="0" b="0"/>
       </a:fillRef>
-      <a:effectRef idx="1">
+      <a:effectRef idx="0">
         <a:scrgbClr r="0" g="0" b="0"/>
       </a:effectRef>
       <a:fontRef idx="minor">
@@ -13413,13 +15009,13 @@
     <dgm:sp3d/>
     <dgm:txPr/>
     <dgm:style>
-      <a:lnRef idx="3">
+      <a:lnRef idx="2">
         <a:scrgbClr r="0" g="0" b="0"/>
       </a:lnRef>
       <a:fillRef idx="1">
         <a:scrgbClr r="0" g="0" b="0"/>
       </a:fillRef>
-      <a:effectRef idx="1">
+      <a:effectRef idx="0">
         <a:scrgbClr r="0" g="0" b="0"/>
       </a:effectRef>
       <a:fontRef idx="minor">
@@ -13435,13 +15031,13 @@
     <dgm:sp3d/>
     <dgm:txPr/>
     <dgm:style>
-      <a:lnRef idx="3">
+      <a:lnRef idx="2">
         <a:scrgbClr r="0" g="0" b="0"/>
       </a:lnRef>
       <a:fillRef idx="1">
         <a:scrgbClr r="0" g="0" b="0"/>
       </a:fillRef>
-      <a:effectRef idx="1">
+      <a:effectRef idx="0">
         <a:scrgbClr r="0" g="0" b="0"/>
       </a:effectRef>
       <a:fontRef idx="minor">
@@ -13457,13 +15053,13 @@
     <dgm:sp3d/>
     <dgm:txPr/>
     <dgm:style>
-      <a:lnRef idx="3">
+      <a:lnRef idx="2">
         <a:scrgbClr r="0" g="0" b="0"/>
       </a:lnRef>
       <a:fillRef idx="1">
         <a:scrgbClr r="0" g="0" b="0"/>
       </a:fillRef>
-      <a:effectRef idx="1">
+      <a:effectRef idx="0">
         <a:scrgbClr r="0" g="0" b="0"/>
       </a:effectRef>
       <a:fontRef idx="minor">
@@ -13479,13 +15075,13 @@
     <dgm:sp3d/>
     <dgm:txPr/>
     <dgm:style>
-      <a:lnRef idx="3">
+      <a:lnRef idx="2">
         <a:scrgbClr r="0" g="0" b="0"/>
       </a:lnRef>
       <a:fillRef idx="1">
         <a:scrgbClr r="0" g="0" b="0"/>
       </a:fillRef>
-      <a:effectRef idx="1">
+      <a:effectRef idx="0">
         <a:scrgbClr r="0" g="0" b="0"/>
       </a:effectRef>
       <a:fontRef idx="minor"/>
@@ -13499,13 +15095,13 @@
     <dgm:sp3d/>
     <dgm:txPr/>
     <dgm:style>
-      <a:lnRef idx="3">
+      <a:lnRef idx="2">
         <a:scrgbClr r="0" g="0" b="0"/>
       </a:lnRef>
       <a:fillRef idx="1">
         <a:scrgbClr r="0" g="0" b="0"/>
       </a:fillRef>
-      <a:effectRef idx="1">
+      <a:effectRef idx="0">
         <a:scrgbClr r="0" g="0" b="0"/>
       </a:effectRef>
       <a:fontRef idx="minor"/>
@@ -13519,13 +15115,13 @@
     <dgm:sp3d/>
     <dgm:txPr/>
     <dgm:style>
-      <a:lnRef idx="3">
+      <a:lnRef idx="2">
         <a:scrgbClr r="0" g="0" b="0"/>
       </a:lnRef>
       <a:fillRef idx="1">
         <a:scrgbClr r="0" g="0" b="0"/>
       </a:fillRef>
-      <a:effectRef idx="1">
+      <a:effectRef idx="0">
         <a:scrgbClr r="0" g="0" b="0"/>
       </a:effectRef>
       <a:fontRef idx="minor"/>
@@ -13545,7 +15141,7 @@
       <a:fillRef idx="1">
         <a:scrgbClr r="0" g="0" b="0"/>
       </a:fillRef>
-      <a:effectRef idx="1">
+      <a:effectRef idx="0">
         <a:scrgbClr r="0" g="0" b="0"/>
       </a:effectRef>
       <a:fontRef idx="minor">
@@ -13567,7 +15163,7 @@
       <a:fillRef idx="1">
         <a:scrgbClr r="0" g="0" b="0"/>
       </a:fillRef>
-      <a:effectRef idx="1">
+      <a:effectRef idx="0">
         <a:scrgbClr r="0" g="0" b="0"/>
       </a:effectRef>
       <a:fontRef idx="minor">
@@ -13589,7 +15185,7 @@
       <a:fillRef idx="1">
         <a:scrgbClr r="0" g="0" b="0"/>
       </a:fillRef>
-      <a:effectRef idx="1">
+      <a:effectRef idx="0">
         <a:scrgbClr r="0" g="0" b="0"/>
       </a:effectRef>
       <a:fontRef idx="minor">
@@ -13631,7 +15227,7 @@
       <a:fillRef idx="1">
         <a:scrgbClr r="0" g="0" b="0"/>
       </a:fillRef>
-      <a:effectRef idx="1">
+      <a:effectRef idx="0">
         <a:scrgbClr r="0" g="0" b="0"/>
       </a:effectRef>
       <a:fontRef idx="minor"/>
@@ -13645,13 +15241,13 @@
     <dgm:sp3d/>
     <dgm:txPr/>
     <dgm:style>
-      <a:lnRef idx="3">
+      <a:lnRef idx="2">
         <a:scrgbClr r="0" g="0" b="0"/>
       </a:lnRef>
       <a:fillRef idx="1">
         <a:scrgbClr r="0" g="0" b="0"/>
       </a:fillRef>
-      <a:effectRef idx="1">
+      <a:effectRef idx="0">
         <a:scrgbClr r="0" g="0" b="0"/>
       </a:effectRef>
       <a:fontRef idx="minor">
@@ -13667,13 +15263,13 @@
     <dgm:sp3d/>
     <dgm:txPr/>
     <dgm:style>
-      <a:lnRef idx="3">
+      <a:lnRef idx="2">
         <a:scrgbClr r="0" g="0" b="0"/>
       </a:lnRef>
       <a:fillRef idx="1">
         <a:scrgbClr r="0" g="0" b="0"/>
       </a:fillRef>
-      <a:effectRef idx="1">
+      <a:effectRef idx="0">
         <a:scrgbClr r="0" g="0" b="0"/>
       </a:effectRef>
       <a:fontRef idx="minor">
@@ -13689,13 +15285,13 @@
     <dgm:sp3d/>
     <dgm:txPr/>
     <dgm:style>
-      <a:lnRef idx="3">
+      <a:lnRef idx="2">
         <a:scrgbClr r="0" g="0" b="0"/>
       </a:lnRef>
       <a:fillRef idx="1">
         <a:scrgbClr r="0" g="0" b="0"/>
       </a:fillRef>
-      <a:effectRef idx="1">
+      <a:effectRef idx="0">
         <a:scrgbClr r="0" g="0" b="0"/>
       </a:effectRef>
       <a:fontRef idx="minor">
@@ -13711,13 +15307,13 @@
     <dgm:sp3d/>
     <dgm:txPr/>
     <dgm:style>
-      <a:lnRef idx="3">
+      <a:lnRef idx="2">
         <a:scrgbClr r="0" g="0" b="0"/>
       </a:lnRef>
       <a:fillRef idx="1">
         <a:scrgbClr r="0" g="0" b="0"/>
       </a:fillRef>
-      <a:effectRef idx="1">
+      <a:effectRef idx="0">
         <a:scrgbClr r="0" g="0" b="0"/>
       </a:effectRef>
       <a:fontRef idx="minor">
@@ -13733,13 +15329,13 @@
     <dgm:sp3d/>
     <dgm:txPr/>
     <dgm:style>
-      <a:lnRef idx="3">
+      <a:lnRef idx="2">
         <a:scrgbClr r="0" g="0" b="0"/>
       </a:lnRef>
       <a:fillRef idx="1">
         <a:scrgbClr r="0" g="0" b="0"/>
       </a:fillRef>
-      <a:effectRef idx="1">
+      <a:effectRef idx="0">
         <a:scrgbClr r="0" g="0" b="0"/>
       </a:effectRef>
       <a:fontRef idx="minor">
@@ -13755,13 +15351,13 @@
     <dgm:sp3d/>
     <dgm:txPr/>
     <dgm:style>
-      <a:lnRef idx="3">
+      <a:lnRef idx="2">
         <a:scrgbClr r="0" g="0" b="0"/>
       </a:lnRef>
       <a:fillRef idx="1">
         <a:scrgbClr r="0" g="0" b="0"/>
       </a:fillRef>
-      <a:effectRef idx="1">
+      <a:effectRef idx="0">
         <a:scrgbClr r="0" g="0" b="0"/>
       </a:effectRef>
       <a:fontRef idx="minor">
@@ -13777,13 +15373,13 @@
     <dgm:sp3d/>
     <dgm:txPr/>
     <dgm:style>
-      <a:lnRef idx="3">
+      <a:lnRef idx="2">
         <a:scrgbClr r="0" g="0" b="0"/>
       </a:lnRef>
       <a:fillRef idx="1">
         <a:scrgbClr r="0" g="0" b="0"/>
       </a:fillRef>
-      <a:effectRef idx="1">
+      <a:effectRef idx="0">
         <a:scrgbClr r="0" g="0" b="0"/>
       </a:effectRef>
       <a:fontRef idx="minor">
@@ -13799,13 +15395,13 @@
     <dgm:sp3d/>
     <dgm:txPr/>
     <dgm:style>
-      <a:lnRef idx="3">
+      <a:lnRef idx="2">
         <a:scrgbClr r="0" g="0" b="0"/>
       </a:lnRef>
       <a:fillRef idx="1">
         <a:scrgbClr r="0" g="0" b="0"/>
       </a:fillRef>
-      <a:effectRef idx="1">
+      <a:effectRef idx="0">
         <a:scrgbClr r="0" g="0" b="0"/>
       </a:effectRef>
       <a:fontRef idx="minor">
@@ -13821,13 +15417,13 @@
     <dgm:sp3d/>
     <dgm:txPr/>
     <dgm:style>
-      <a:lnRef idx="3">
+      <a:lnRef idx="2">
         <a:scrgbClr r="0" g="0" b="0"/>
       </a:lnRef>
       <a:fillRef idx="1">
         <a:scrgbClr r="0" g="0" b="0"/>
       </a:fillRef>
-      <a:effectRef idx="1">
+      <a:effectRef idx="0">
         <a:scrgbClr r="0" g="0" b="0"/>
       </a:effectRef>
       <a:fontRef idx="minor">
@@ -14283,13 +15879,13 @@
     <dgm:sp3d/>
     <dgm:txPr/>
     <dgm:style>
-      <a:lnRef idx="3">
+      <a:lnRef idx="2">
         <a:scrgbClr r="0" g="0" b="0"/>
       </a:lnRef>
       <a:fillRef idx="1">
         <a:scrgbClr r="0" g="0" b="0"/>
       </a:fillRef>
-      <a:effectRef idx="1">
+      <a:effectRef idx="0">
         <a:scrgbClr r="0" g="0" b="0"/>
       </a:effectRef>
       <a:fontRef idx="minor"/>
@@ -15324,6 +16920,1040 @@
         <a:scrgbClr r="0" g="0" b="0"/>
       </a:fillRef>
       <a:effectRef idx="0">
+        <a:scrgbClr r="0" g="0" b="0"/>
+      </a:effectRef>
+      <a:fontRef idx="minor"/>
+    </dgm:style>
+  </dgm:styleLbl>
+  <dgm:styleLbl name="revTx">
+    <dgm:scene3d>
+      <a:camera prst="orthographicFront"/>
+      <a:lightRig rig="threePt" dir="t"/>
+    </dgm:scene3d>
+    <dgm:sp3d/>
+    <dgm:txPr/>
+    <dgm:style>
+      <a:lnRef idx="0">
+        <a:scrgbClr r="0" g="0" b="0"/>
+      </a:lnRef>
+      <a:fillRef idx="0">
+        <a:scrgbClr r="0" g="0" b="0"/>
+      </a:fillRef>
+      <a:effectRef idx="0">
+        <a:scrgbClr r="0" g="0" b="0"/>
+      </a:effectRef>
+      <a:fontRef idx="minor"/>
+    </dgm:style>
+  </dgm:styleLbl>
+</dgm:styleDef>
+</file>
+
+<file path=ppt/diagrams/quickStyle5.xml><?xml version="1.0" encoding="utf-8"?>
+<dgm:styleDef xmlns:dgm="http://schemas.openxmlformats.org/drawingml/2006/diagram" xmlns:a="http://schemas.openxmlformats.org/drawingml/2006/main" uniqueId="urn:microsoft.com/office/officeart/2005/8/quickstyle/simple2">
+  <dgm:title val=""/>
+  <dgm:desc val=""/>
+  <dgm:catLst>
+    <dgm:cat type="simple" pri="10200"/>
+  </dgm:catLst>
+  <dgm:scene3d>
+    <a:camera prst="orthographicFront"/>
+    <a:lightRig rig="threePt" dir="t"/>
+  </dgm:scene3d>
+  <dgm:styleLbl name="node0">
+    <dgm:scene3d>
+      <a:camera prst="orthographicFront"/>
+      <a:lightRig rig="threePt" dir="t"/>
+    </dgm:scene3d>
+    <dgm:sp3d/>
+    <dgm:txPr/>
+    <dgm:style>
+      <a:lnRef idx="3">
+        <a:scrgbClr r="0" g="0" b="0"/>
+      </a:lnRef>
+      <a:fillRef idx="1">
+        <a:scrgbClr r="0" g="0" b="0"/>
+      </a:fillRef>
+      <a:effectRef idx="1">
+        <a:scrgbClr r="0" g="0" b="0"/>
+      </a:effectRef>
+      <a:fontRef idx="minor">
+        <a:schemeClr val="lt1"/>
+      </a:fontRef>
+    </dgm:style>
+  </dgm:styleLbl>
+  <dgm:styleLbl name="lnNode1">
+    <dgm:scene3d>
+      <a:camera prst="orthographicFront"/>
+      <a:lightRig rig="threePt" dir="t"/>
+    </dgm:scene3d>
+    <dgm:sp3d/>
+    <dgm:txPr/>
+    <dgm:style>
+      <a:lnRef idx="3">
+        <a:scrgbClr r="0" g="0" b="0"/>
+      </a:lnRef>
+      <a:fillRef idx="1">
+        <a:scrgbClr r="0" g="0" b="0"/>
+      </a:fillRef>
+      <a:effectRef idx="1">
+        <a:scrgbClr r="0" g="0" b="0"/>
+      </a:effectRef>
+      <a:fontRef idx="minor">
+        <a:schemeClr val="lt1"/>
+      </a:fontRef>
+    </dgm:style>
+  </dgm:styleLbl>
+  <dgm:styleLbl name="vennNode1">
+    <dgm:scene3d>
+      <a:camera prst="orthographicFront"/>
+      <a:lightRig rig="threePt" dir="t"/>
+    </dgm:scene3d>
+    <dgm:sp3d/>
+    <dgm:txPr/>
+    <dgm:style>
+      <a:lnRef idx="3">
+        <a:scrgbClr r="0" g="0" b="0"/>
+      </a:lnRef>
+      <a:fillRef idx="1">
+        <a:scrgbClr r="0" g="0" b="0"/>
+      </a:fillRef>
+      <a:effectRef idx="0">
+        <a:scrgbClr r="0" g="0" b="0"/>
+      </a:effectRef>
+      <a:fontRef idx="minor">
+        <a:schemeClr val="tx1"/>
+      </a:fontRef>
+    </dgm:style>
+  </dgm:styleLbl>
+  <dgm:styleLbl name="alignNode1">
+    <dgm:scene3d>
+      <a:camera prst="orthographicFront"/>
+      <a:lightRig rig="threePt" dir="t"/>
+    </dgm:scene3d>
+    <dgm:sp3d/>
+    <dgm:txPr/>
+    <dgm:style>
+      <a:lnRef idx="2">
+        <a:scrgbClr r="0" g="0" b="0"/>
+      </a:lnRef>
+      <a:fillRef idx="1">
+        <a:scrgbClr r="0" g="0" b="0"/>
+      </a:fillRef>
+      <a:effectRef idx="1">
+        <a:scrgbClr r="0" g="0" b="0"/>
+      </a:effectRef>
+      <a:fontRef idx="minor">
+        <a:schemeClr val="lt1"/>
+      </a:fontRef>
+    </dgm:style>
+  </dgm:styleLbl>
+  <dgm:styleLbl name="node1">
+    <dgm:scene3d>
+      <a:camera prst="orthographicFront"/>
+      <a:lightRig rig="threePt" dir="t"/>
+    </dgm:scene3d>
+    <dgm:sp3d/>
+    <dgm:txPr/>
+    <dgm:style>
+      <a:lnRef idx="3">
+        <a:scrgbClr r="0" g="0" b="0"/>
+      </a:lnRef>
+      <a:fillRef idx="1">
+        <a:scrgbClr r="0" g="0" b="0"/>
+      </a:fillRef>
+      <a:effectRef idx="1">
+        <a:scrgbClr r="0" g="0" b="0"/>
+      </a:effectRef>
+      <a:fontRef idx="minor">
+        <a:schemeClr val="lt1"/>
+      </a:fontRef>
+    </dgm:style>
+  </dgm:styleLbl>
+  <dgm:styleLbl name="node2">
+    <dgm:scene3d>
+      <a:camera prst="orthographicFront"/>
+      <a:lightRig rig="threePt" dir="t"/>
+    </dgm:scene3d>
+    <dgm:sp3d/>
+    <dgm:txPr/>
+    <dgm:style>
+      <a:lnRef idx="3">
+        <a:scrgbClr r="0" g="0" b="0"/>
+      </a:lnRef>
+      <a:fillRef idx="1">
+        <a:scrgbClr r="0" g="0" b="0"/>
+      </a:fillRef>
+      <a:effectRef idx="1">
+        <a:scrgbClr r="0" g="0" b="0"/>
+      </a:effectRef>
+      <a:fontRef idx="minor">
+        <a:schemeClr val="lt1"/>
+      </a:fontRef>
+    </dgm:style>
+  </dgm:styleLbl>
+  <dgm:styleLbl name="node3">
+    <dgm:scene3d>
+      <a:camera prst="orthographicFront"/>
+      <a:lightRig rig="threePt" dir="t"/>
+    </dgm:scene3d>
+    <dgm:sp3d/>
+    <dgm:txPr/>
+    <dgm:style>
+      <a:lnRef idx="3">
+        <a:scrgbClr r="0" g="0" b="0"/>
+      </a:lnRef>
+      <a:fillRef idx="1">
+        <a:scrgbClr r="0" g="0" b="0"/>
+      </a:fillRef>
+      <a:effectRef idx="1">
+        <a:scrgbClr r="0" g="0" b="0"/>
+      </a:effectRef>
+      <a:fontRef idx="minor">
+        <a:schemeClr val="lt1"/>
+      </a:fontRef>
+    </dgm:style>
+  </dgm:styleLbl>
+  <dgm:styleLbl name="node4">
+    <dgm:scene3d>
+      <a:camera prst="orthographicFront"/>
+      <a:lightRig rig="threePt" dir="t"/>
+    </dgm:scene3d>
+    <dgm:sp3d/>
+    <dgm:txPr/>
+    <dgm:style>
+      <a:lnRef idx="3">
+        <a:scrgbClr r="0" g="0" b="0"/>
+      </a:lnRef>
+      <a:fillRef idx="1">
+        <a:scrgbClr r="0" g="0" b="0"/>
+      </a:fillRef>
+      <a:effectRef idx="1">
+        <a:scrgbClr r="0" g="0" b="0"/>
+      </a:effectRef>
+      <a:fontRef idx="minor">
+        <a:schemeClr val="lt1"/>
+      </a:fontRef>
+    </dgm:style>
+  </dgm:styleLbl>
+  <dgm:styleLbl name="fgImgPlace1">
+    <dgm:scene3d>
+      <a:camera prst="orthographicFront"/>
+      <a:lightRig rig="threePt" dir="t"/>
+    </dgm:scene3d>
+    <dgm:sp3d/>
+    <dgm:txPr/>
+    <dgm:style>
+      <a:lnRef idx="3">
+        <a:scrgbClr r="0" g="0" b="0"/>
+      </a:lnRef>
+      <a:fillRef idx="1">
+        <a:scrgbClr r="0" g="0" b="0"/>
+      </a:fillRef>
+      <a:effectRef idx="1">
+        <a:scrgbClr r="0" g="0" b="0"/>
+      </a:effectRef>
+      <a:fontRef idx="minor"/>
+    </dgm:style>
+  </dgm:styleLbl>
+  <dgm:styleLbl name="alignImgPlace1">
+    <dgm:scene3d>
+      <a:camera prst="orthographicFront"/>
+      <a:lightRig rig="threePt" dir="t"/>
+    </dgm:scene3d>
+    <dgm:sp3d/>
+    <dgm:txPr/>
+    <dgm:style>
+      <a:lnRef idx="3">
+        <a:scrgbClr r="0" g="0" b="0"/>
+      </a:lnRef>
+      <a:fillRef idx="1">
+        <a:scrgbClr r="0" g="0" b="0"/>
+      </a:fillRef>
+      <a:effectRef idx="1">
+        <a:scrgbClr r="0" g="0" b="0"/>
+      </a:effectRef>
+      <a:fontRef idx="minor"/>
+    </dgm:style>
+  </dgm:styleLbl>
+  <dgm:styleLbl name="bgImgPlace1">
+    <dgm:scene3d>
+      <a:camera prst="orthographicFront"/>
+      <a:lightRig rig="threePt" dir="t"/>
+    </dgm:scene3d>
+    <dgm:sp3d/>
+    <dgm:txPr/>
+    <dgm:style>
+      <a:lnRef idx="3">
+        <a:scrgbClr r="0" g="0" b="0"/>
+      </a:lnRef>
+      <a:fillRef idx="1">
+        <a:scrgbClr r="0" g="0" b="0"/>
+      </a:fillRef>
+      <a:effectRef idx="1">
+        <a:scrgbClr r="0" g="0" b="0"/>
+      </a:effectRef>
+      <a:fontRef idx="minor"/>
+    </dgm:style>
+  </dgm:styleLbl>
+  <dgm:styleLbl name="sibTrans2D1">
+    <dgm:scene3d>
+      <a:camera prst="orthographicFront"/>
+      <a:lightRig rig="threePt" dir="t"/>
+    </dgm:scene3d>
+    <dgm:sp3d/>
+    <dgm:txPr/>
+    <dgm:style>
+      <a:lnRef idx="0">
+        <a:scrgbClr r="0" g="0" b="0"/>
+      </a:lnRef>
+      <a:fillRef idx="1">
+        <a:scrgbClr r="0" g="0" b="0"/>
+      </a:fillRef>
+      <a:effectRef idx="1">
+        <a:scrgbClr r="0" g="0" b="0"/>
+      </a:effectRef>
+      <a:fontRef idx="minor">
+        <a:schemeClr val="lt1"/>
+      </a:fontRef>
+    </dgm:style>
+  </dgm:styleLbl>
+  <dgm:styleLbl name="fgSibTrans2D1">
+    <dgm:scene3d>
+      <a:camera prst="orthographicFront"/>
+      <a:lightRig rig="threePt" dir="t"/>
+    </dgm:scene3d>
+    <dgm:sp3d/>
+    <dgm:txPr/>
+    <dgm:style>
+      <a:lnRef idx="0">
+        <a:scrgbClr r="0" g="0" b="0"/>
+      </a:lnRef>
+      <a:fillRef idx="1">
+        <a:scrgbClr r="0" g="0" b="0"/>
+      </a:fillRef>
+      <a:effectRef idx="1">
+        <a:scrgbClr r="0" g="0" b="0"/>
+      </a:effectRef>
+      <a:fontRef idx="minor">
+        <a:schemeClr val="lt1"/>
+      </a:fontRef>
+    </dgm:style>
+  </dgm:styleLbl>
+  <dgm:styleLbl name="bgSibTrans2D1">
+    <dgm:scene3d>
+      <a:camera prst="orthographicFront"/>
+      <a:lightRig rig="threePt" dir="t"/>
+    </dgm:scene3d>
+    <dgm:sp3d/>
+    <dgm:txPr/>
+    <dgm:style>
+      <a:lnRef idx="0">
+        <a:scrgbClr r="0" g="0" b="0"/>
+      </a:lnRef>
+      <a:fillRef idx="1">
+        <a:scrgbClr r="0" g="0" b="0"/>
+      </a:fillRef>
+      <a:effectRef idx="1">
+        <a:scrgbClr r="0" g="0" b="0"/>
+      </a:effectRef>
+      <a:fontRef idx="minor">
+        <a:schemeClr val="lt1"/>
+      </a:fontRef>
+    </dgm:style>
+  </dgm:styleLbl>
+  <dgm:styleLbl name="sibTrans1D1">
+    <dgm:scene3d>
+      <a:camera prst="orthographicFront"/>
+      <a:lightRig rig="threePt" dir="t"/>
+    </dgm:scene3d>
+    <dgm:sp3d/>
+    <dgm:txPr/>
+    <dgm:style>
+      <a:lnRef idx="1">
+        <a:scrgbClr r="0" g="0" b="0"/>
+      </a:lnRef>
+      <a:fillRef idx="0">
+        <a:scrgbClr r="0" g="0" b="0"/>
+      </a:fillRef>
+      <a:effectRef idx="0">
+        <a:scrgbClr r="0" g="0" b="0"/>
+      </a:effectRef>
+      <a:fontRef idx="minor"/>
+    </dgm:style>
+  </dgm:styleLbl>
+  <dgm:styleLbl name="callout">
+    <dgm:scene3d>
+      <a:camera prst="orthographicFront"/>
+      <a:lightRig rig="threePt" dir="t"/>
+    </dgm:scene3d>
+    <dgm:sp3d/>
+    <dgm:txPr/>
+    <dgm:style>
+      <a:lnRef idx="2">
+        <a:scrgbClr r="0" g="0" b="0"/>
+      </a:lnRef>
+      <a:fillRef idx="1">
+        <a:scrgbClr r="0" g="0" b="0"/>
+      </a:fillRef>
+      <a:effectRef idx="1">
+        <a:scrgbClr r="0" g="0" b="0"/>
+      </a:effectRef>
+      <a:fontRef idx="minor"/>
+    </dgm:style>
+  </dgm:styleLbl>
+  <dgm:styleLbl name="asst0">
+    <dgm:scene3d>
+      <a:camera prst="orthographicFront"/>
+      <a:lightRig rig="threePt" dir="t"/>
+    </dgm:scene3d>
+    <dgm:sp3d/>
+    <dgm:txPr/>
+    <dgm:style>
+      <a:lnRef idx="3">
+        <a:scrgbClr r="0" g="0" b="0"/>
+      </a:lnRef>
+      <a:fillRef idx="1">
+        <a:scrgbClr r="0" g="0" b="0"/>
+      </a:fillRef>
+      <a:effectRef idx="1">
+        <a:scrgbClr r="0" g="0" b="0"/>
+      </a:effectRef>
+      <a:fontRef idx="minor">
+        <a:schemeClr val="lt1"/>
+      </a:fontRef>
+    </dgm:style>
+  </dgm:styleLbl>
+  <dgm:styleLbl name="asst1">
+    <dgm:scene3d>
+      <a:camera prst="orthographicFront"/>
+      <a:lightRig rig="threePt" dir="t"/>
+    </dgm:scene3d>
+    <dgm:sp3d/>
+    <dgm:txPr/>
+    <dgm:style>
+      <a:lnRef idx="3">
+        <a:scrgbClr r="0" g="0" b="0"/>
+      </a:lnRef>
+      <a:fillRef idx="1">
+        <a:scrgbClr r="0" g="0" b="0"/>
+      </a:fillRef>
+      <a:effectRef idx="1">
+        <a:scrgbClr r="0" g="0" b="0"/>
+      </a:effectRef>
+      <a:fontRef idx="minor">
+        <a:schemeClr val="lt1"/>
+      </a:fontRef>
+    </dgm:style>
+  </dgm:styleLbl>
+  <dgm:styleLbl name="asst2">
+    <dgm:scene3d>
+      <a:camera prst="orthographicFront"/>
+      <a:lightRig rig="threePt" dir="t"/>
+    </dgm:scene3d>
+    <dgm:sp3d/>
+    <dgm:txPr/>
+    <dgm:style>
+      <a:lnRef idx="3">
+        <a:scrgbClr r="0" g="0" b="0"/>
+      </a:lnRef>
+      <a:fillRef idx="1">
+        <a:scrgbClr r="0" g="0" b="0"/>
+      </a:fillRef>
+      <a:effectRef idx="1">
+        <a:scrgbClr r="0" g="0" b="0"/>
+      </a:effectRef>
+      <a:fontRef idx="minor">
+        <a:schemeClr val="lt1"/>
+      </a:fontRef>
+    </dgm:style>
+  </dgm:styleLbl>
+  <dgm:styleLbl name="asst3">
+    <dgm:scene3d>
+      <a:camera prst="orthographicFront"/>
+      <a:lightRig rig="threePt" dir="t"/>
+    </dgm:scene3d>
+    <dgm:sp3d/>
+    <dgm:txPr/>
+    <dgm:style>
+      <a:lnRef idx="3">
+        <a:scrgbClr r="0" g="0" b="0"/>
+      </a:lnRef>
+      <a:fillRef idx="1">
+        <a:scrgbClr r="0" g="0" b="0"/>
+      </a:fillRef>
+      <a:effectRef idx="1">
+        <a:scrgbClr r="0" g="0" b="0"/>
+      </a:effectRef>
+      <a:fontRef idx="minor">
+        <a:schemeClr val="lt1"/>
+      </a:fontRef>
+    </dgm:style>
+  </dgm:styleLbl>
+  <dgm:styleLbl name="asst4">
+    <dgm:scene3d>
+      <a:camera prst="orthographicFront"/>
+      <a:lightRig rig="threePt" dir="t"/>
+    </dgm:scene3d>
+    <dgm:sp3d/>
+    <dgm:txPr/>
+    <dgm:style>
+      <a:lnRef idx="3">
+        <a:scrgbClr r="0" g="0" b="0"/>
+      </a:lnRef>
+      <a:fillRef idx="1">
+        <a:scrgbClr r="0" g="0" b="0"/>
+      </a:fillRef>
+      <a:effectRef idx="1">
+        <a:scrgbClr r="0" g="0" b="0"/>
+      </a:effectRef>
+      <a:fontRef idx="minor">
+        <a:schemeClr val="lt1"/>
+      </a:fontRef>
+    </dgm:style>
+  </dgm:styleLbl>
+  <dgm:styleLbl name="parChTrans2D1">
+    <dgm:scene3d>
+      <a:camera prst="orthographicFront"/>
+      <a:lightRig rig="threePt" dir="t"/>
+    </dgm:scene3d>
+    <dgm:sp3d/>
+    <dgm:txPr/>
+    <dgm:style>
+      <a:lnRef idx="3">
+        <a:scrgbClr r="0" g="0" b="0"/>
+      </a:lnRef>
+      <a:fillRef idx="1">
+        <a:scrgbClr r="0" g="0" b="0"/>
+      </a:fillRef>
+      <a:effectRef idx="1">
+        <a:scrgbClr r="0" g="0" b="0"/>
+      </a:effectRef>
+      <a:fontRef idx="minor">
+        <a:schemeClr val="lt1"/>
+      </a:fontRef>
+    </dgm:style>
+  </dgm:styleLbl>
+  <dgm:styleLbl name="parChTrans2D2">
+    <dgm:scene3d>
+      <a:camera prst="orthographicFront"/>
+      <a:lightRig rig="threePt" dir="t"/>
+    </dgm:scene3d>
+    <dgm:sp3d/>
+    <dgm:txPr/>
+    <dgm:style>
+      <a:lnRef idx="3">
+        <a:scrgbClr r="0" g="0" b="0"/>
+      </a:lnRef>
+      <a:fillRef idx="1">
+        <a:scrgbClr r="0" g="0" b="0"/>
+      </a:fillRef>
+      <a:effectRef idx="1">
+        <a:scrgbClr r="0" g="0" b="0"/>
+      </a:effectRef>
+      <a:fontRef idx="minor">
+        <a:schemeClr val="lt1"/>
+      </a:fontRef>
+    </dgm:style>
+  </dgm:styleLbl>
+  <dgm:styleLbl name="parChTrans2D3">
+    <dgm:scene3d>
+      <a:camera prst="orthographicFront"/>
+      <a:lightRig rig="threePt" dir="t"/>
+    </dgm:scene3d>
+    <dgm:sp3d/>
+    <dgm:txPr/>
+    <dgm:style>
+      <a:lnRef idx="3">
+        <a:scrgbClr r="0" g="0" b="0"/>
+      </a:lnRef>
+      <a:fillRef idx="1">
+        <a:scrgbClr r="0" g="0" b="0"/>
+      </a:fillRef>
+      <a:effectRef idx="1">
+        <a:scrgbClr r="0" g="0" b="0"/>
+      </a:effectRef>
+      <a:fontRef idx="minor">
+        <a:schemeClr val="lt1"/>
+      </a:fontRef>
+    </dgm:style>
+  </dgm:styleLbl>
+  <dgm:styleLbl name="parChTrans2D4">
+    <dgm:scene3d>
+      <a:camera prst="orthographicFront"/>
+      <a:lightRig rig="threePt" dir="t"/>
+    </dgm:scene3d>
+    <dgm:sp3d/>
+    <dgm:txPr/>
+    <dgm:style>
+      <a:lnRef idx="3">
+        <a:scrgbClr r="0" g="0" b="0"/>
+      </a:lnRef>
+      <a:fillRef idx="1">
+        <a:scrgbClr r="0" g="0" b="0"/>
+      </a:fillRef>
+      <a:effectRef idx="1">
+        <a:scrgbClr r="0" g="0" b="0"/>
+      </a:effectRef>
+      <a:fontRef idx="minor">
+        <a:schemeClr val="lt1"/>
+      </a:fontRef>
+    </dgm:style>
+  </dgm:styleLbl>
+  <dgm:styleLbl name="parChTrans1D1">
+    <dgm:scene3d>
+      <a:camera prst="orthographicFront"/>
+      <a:lightRig rig="threePt" dir="t"/>
+    </dgm:scene3d>
+    <dgm:sp3d/>
+    <dgm:txPr/>
+    <dgm:style>
+      <a:lnRef idx="2">
+        <a:scrgbClr r="0" g="0" b="0"/>
+      </a:lnRef>
+      <a:fillRef idx="0">
+        <a:scrgbClr r="0" g="0" b="0"/>
+      </a:fillRef>
+      <a:effectRef idx="0">
+        <a:scrgbClr r="0" g="0" b="0"/>
+      </a:effectRef>
+      <a:fontRef idx="minor"/>
+    </dgm:style>
+  </dgm:styleLbl>
+  <dgm:styleLbl name="parChTrans1D2">
+    <dgm:scene3d>
+      <a:camera prst="orthographicFront"/>
+      <a:lightRig rig="threePt" dir="t"/>
+    </dgm:scene3d>
+    <dgm:sp3d/>
+    <dgm:txPr/>
+    <dgm:style>
+      <a:lnRef idx="2">
+        <a:scrgbClr r="0" g="0" b="0"/>
+      </a:lnRef>
+      <a:fillRef idx="0">
+        <a:scrgbClr r="0" g="0" b="0"/>
+      </a:fillRef>
+      <a:effectRef idx="0">
+        <a:scrgbClr r="0" g="0" b="0"/>
+      </a:effectRef>
+      <a:fontRef idx="minor"/>
+    </dgm:style>
+  </dgm:styleLbl>
+  <dgm:styleLbl name="parChTrans1D3">
+    <dgm:scene3d>
+      <a:camera prst="orthographicFront"/>
+      <a:lightRig rig="threePt" dir="t"/>
+    </dgm:scene3d>
+    <dgm:sp3d/>
+    <dgm:txPr/>
+    <dgm:style>
+      <a:lnRef idx="2">
+        <a:scrgbClr r="0" g="0" b="0"/>
+      </a:lnRef>
+      <a:fillRef idx="0">
+        <a:scrgbClr r="0" g="0" b="0"/>
+      </a:fillRef>
+      <a:effectRef idx="0">
+        <a:scrgbClr r="0" g="0" b="0"/>
+      </a:effectRef>
+      <a:fontRef idx="minor"/>
+    </dgm:style>
+  </dgm:styleLbl>
+  <dgm:styleLbl name="parChTrans1D4">
+    <dgm:scene3d>
+      <a:camera prst="orthographicFront"/>
+      <a:lightRig rig="threePt" dir="t"/>
+    </dgm:scene3d>
+    <dgm:sp3d/>
+    <dgm:txPr/>
+    <dgm:style>
+      <a:lnRef idx="2">
+        <a:scrgbClr r="0" g="0" b="0"/>
+      </a:lnRef>
+      <a:fillRef idx="0">
+        <a:scrgbClr r="0" g="0" b="0"/>
+      </a:fillRef>
+      <a:effectRef idx="0">
+        <a:scrgbClr r="0" g="0" b="0"/>
+      </a:effectRef>
+      <a:fontRef idx="minor"/>
+    </dgm:style>
+  </dgm:styleLbl>
+  <dgm:styleLbl name="fgAcc1">
+    <dgm:scene3d>
+      <a:camera prst="orthographicFront"/>
+      <a:lightRig rig="threePt" dir="t"/>
+    </dgm:scene3d>
+    <dgm:sp3d/>
+    <dgm:txPr/>
+    <dgm:style>
+      <a:lnRef idx="2">
+        <a:scrgbClr r="0" g="0" b="0"/>
+      </a:lnRef>
+      <a:fillRef idx="1">
+        <a:scrgbClr r="0" g="0" b="0"/>
+      </a:fillRef>
+      <a:effectRef idx="0">
+        <a:scrgbClr r="0" g="0" b="0"/>
+      </a:effectRef>
+      <a:fontRef idx="minor"/>
+    </dgm:style>
+  </dgm:styleLbl>
+  <dgm:styleLbl name="conFgAcc1">
+    <dgm:scene3d>
+      <a:camera prst="orthographicFront"/>
+      <a:lightRig rig="threePt" dir="t"/>
+    </dgm:scene3d>
+    <dgm:sp3d/>
+    <dgm:txPr/>
+    <dgm:style>
+      <a:lnRef idx="2">
+        <a:scrgbClr r="0" g="0" b="0"/>
+      </a:lnRef>
+      <a:fillRef idx="1">
+        <a:scrgbClr r="0" g="0" b="0"/>
+      </a:fillRef>
+      <a:effectRef idx="0">
+        <a:scrgbClr r="0" g="0" b="0"/>
+      </a:effectRef>
+      <a:fontRef idx="minor"/>
+    </dgm:style>
+  </dgm:styleLbl>
+  <dgm:styleLbl name="alignAcc1">
+    <dgm:scene3d>
+      <a:camera prst="orthographicFront"/>
+      <a:lightRig rig="threePt" dir="t"/>
+    </dgm:scene3d>
+    <dgm:sp3d/>
+    <dgm:txPr/>
+    <dgm:style>
+      <a:lnRef idx="2">
+        <a:scrgbClr r="0" g="0" b="0"/>
+      </a:lnRef>
+      <a:fillRef idx="1">
+        <a:scrgbClr r="0" g="0" b="0"/>
+      </a:fillRef>
+      <a:effectRef idx="0">
+        <a:scrgbClr r="0" g="0" b="0"/>
+      </a:effectRef>
+      <a:fontRef idx="minor"/>
+    </dgm:style>
+  </dgm:styleLbl>
+  <dgm:styleLbl name="trAlignAcc1">
+    <dgm:scene3d>
+      <a:camera prst="orthographicFront"/>
+      <a:lightRig rig="threePt" dir="t"/>
+    </dgm:scene3d>
+    <dgm:sp3d/>
+    <dgm:txPr/>
+    <dgm:style>
+      <a:lnRef idx="1">
+        <a:scrgbClr r="0" g="0" b="0"/>
+      </a:lnRef>
+      <a:fillRef idx="1">
+        <a:scrgbClr r="0" g="0" b="0"/>
+      </a:fillRef>
+      <a:effectRef idx="0">
+        <a:scrgbClr r="0" g="0" b="0"/>
+      </a:effectRef>
+      <a:fontRef idx="minor"/>
+    </dgm:style>
+  </dgm:styleLbl>
+  <dgm:styleLbl name="bgAcc1">
+    <dgm:scene3d>
+      <a:camera prst="orthographicFront"/>
+      <a:lightRig rig="threePt" dir="t"/>
+    </dgm:scene3d>
+    <dgm:sp3d/>
+    <dgm:txPr/>
+    <dgm:style>
+      <a:lnRef idx="2">
+        <a:scrgbClr r="0" g="0" b="0"/>
+      </a:lnRef>
+      <a:fillRef idx="1">
+        <a:scrgbClr r="0" g="0" b="0"/>
+      </a:fillRef>
+      <a:effectRef idx="0">
+        <a:scrgbClr r="0" g="0" b="0"/>
+      </a:effectRef>
+      <a:fontRef idx="minor"/>
+    </dgm:style>
+  </dgm:styleLbl>
+  <dgm:styleLbl name="solidFgAcc1">
+    <dgm:scene3d>
+      <a:camera prst="orthographicFront"/>
+      <a:lightRig rig="threePt" dir="t"/>
+    </dgm:scene3d>
+    <dgm:sp3d/>
+    <dgm:txPr/>
+    <dgm:style>
+      <a:lnRef idx="2">
+        <a:scrgbClr r="0" g="0" b="0"/>
+      </a:lnRef>
+      <a:fillRef idx="1">
+        <a:scrgbClr r="0" g="0" b="0"/>
+      </a:fillRef>
+      <a:effectRef idx="0">
+        <a:scrgbClr r="0" g="0" b="0"/>
+      </a:effectRef>
+      <a:fontRef idx="minor"/>
+    </dgm:style>
+  </dgm:styleLbl>
+  <dgm:styleLbl name="solidAlignAcc1">
+    <dgm:scene3d>
+      <a:camera prst="orthographicFront"/>
+      <a:lightRig rig="threePt" dir="t"/>
+    </dgm:scene3d>
+    <dgm:sp3d/>
+    <dgm:txPr/>
+    <dgm:style>
+      <a:lnRef idx="2">
+        <a:scrgbClr r="0" g="0" b="0"/>
+      </a:lnRef>
+      <a:fillRef idx="1">
+        <a:scrgbClr r="0" g="0" b="0"/>
+      </a:fillRef>
+      <a:effectRef idx="0">
+        <a:scrgbClr r="0" g="0" b="0"/>
+      </a:effectRef>
+      <a:fontRef idx="minor"/>
+    </dgm:style>
+  </dgm:styleLbl>
+  <dgm:styleLbl name="solidBgAcc1">
+    <dgm:scene3d>
+      <a:camera prst="orthographicFront"/>
+      <a:lightRig rig="threePt" dir="t"/>
+    </dgm:scene3d>
+    <dgm:sp3d/>
+    <dgm:txPr/>
+    <dgm:style>
+      <a:lnRef idx="2">
+        <a:scrgbClr r="0" g="0" b="0"/>
+      </a:lnRef>
+      <a:fillRef idx="1">
+        <a:scrgbClr r="0" g="0" b="0"/>
+      </a:fillRef>
+      <a:effectRef idx="0">
+        <a:scrgbClr r="0" g="0" b="0"/>
+      </a:effectRef>
+      <a:fontRef idx="minor"/>
+    </dgm:style>
+  </dgm:styleLbl>
+  <dgm:styleLbl name="fgAccFollowNode1">
+    <dgm:scene3d>
+      <a:camera prst="orthographicFront"/>
+      <a:lightRig rig="threePt" dir="t"/>
+    </dgm:scene3d>
+    <dgm:sp3d/>
+    <dgm:txPr/>
+    <dgm:style>
+      <a:lnRef idx="2">
+        <a:scrgbClr r="0" g="0" b="0"/>
+      </a:lnRef>
+      <a:fillRef idx="1">
+        <a:scrgbClr r="0" g="0" b="0"/>
+      </a:fillRef>
+      <a:effectRef idx="0">
+        <a:scrgbClr r="0" g="0" b="0"/>
+      </a:effectRef>
+      <a:fontRef idx="minor"/>
+    </dgm:style>
+  </dgm:styleLbl>
+  <dgm:styleLbl name="alignAccFollowNode1">
+    <dgm:scene3d>
+      <a:camera prst="orthographicFront"/>
+      <a:lightRig rig="threePt" dir="t"/>
+    </dgm:scene3d>
+    <dgm:sp3d/>
+    <dgm:txPr/>
+    <dgm:style>
+      <a:lnRef idx="2">
+        <a:scrgbClr r="0" g="0" b="0"/>
+      </a:lnRef>
+      <a:fillRef idx="1">
+        <a:scrgbClr r="0" g="0" b="0"/>
+      </a:fillRef>
+      <a:effectRef idx="0">
+        <a:scrgbClr r="0" g="0" b="0"/>
+      </a:effectRef>
+      <a:fontRef idx="minor"/>
+    </dgm:style>
+  </dgm:styleLbl>
+  <dgm:styleLbl name="bgAccFollowNode1">
+    <dgm:scene3d>
+      <a:camera prst="orthographicFront"/>
+      <a:lightRig rig="threePt" dir="t"/>
+    </dgm:scene3d>
+    <dgm:sp3d/>
+    <dgm:txPr/>
+    <dgm:style>
+      <a:lnRef idx="2">
+        <a:scrgbClr r="0" g="0" b="0"/>
+      </a:lnRef>
+      <a:fillRef idx="1">
+        <a:scrgbClr r="0" g="0" b="0"/>
+      </a:fillRef>
+      <a:effectRef idx="0">
+        <a:scrgbClr r="0" g="0" b="0"/>
+      </a:effectRef>
+      <a:fontRef idx="minor"/>
+    </dgm:style>
+  </dgm:styleLbl>
+  <dgm:styleLbl name="fgAcc0">
+    <dgm:scene3d>
+      <a:camera prst="orthographicFront"/>
+      <a:lightRig rig="threePt" dir="t"/>
+    </dgm:scene3d>
+    <dgm:sp3d/>
+    <dgm:txPr/>
+    <dgm:style>
+      <a:lnRef idx="2">
+        <a:scrgbClr r="0" g="0" b="0"/>
+      </a:lnRef>
+      <a:fillRef idx="1">
+        <a:scrgbClr r="0" g="0" b="0"/>
+      </a:fillRef>
+      <a:effectRef idx="0">
+        <a:scrgbClr r="0" g="0" b="0"/>
+      </a:effectRef>
+      <a:fontRef idx="minor"/>
+    </dgm:style>
+  </dgm:styleLbl>
+  <dgm:styleLbl name="fgAcc2">
+    <dgm:scene3d>
+      <a:camera prst="orthographicFront"/>
+      <a:lightRig rig="threePt" dir="t"/>
+    </dgm:scene3d>
+    <dgm:sp3d/>
+    <dgm:txPr/>
+    <dgm:style>
+      <a:lnRef idx="2">
+        <a:scrgbClr r="0" g="0" b="0"/>
+      </a:lnRef>
+      <a:fillRef idx="1">
+        <a:scrgbClr r="0" g="0" b="0"/>
+      </a:fillRef>
+      <a:effectRef idx="0">
+        <a:scrgbClr r="0" g="0" b="0"/>
+      </a:effectRef>
+      <a:fontRef idx="minor"/>
+    </dgm:style>
+  </dgm:styleLbl>
+  <dgm:styleLbl name="fgAcc3">
+    <dgm:scene3d>
+      <a:camera prst="orthographicFront"/>
+      <a:lightRig rig="threePt" dir="t"/>
+    </dgm:scene3d>
+    <dgm:sp3d/>
+    <dgm:txPr/>
+    <dgm:style>
+      <a:lnRef idx="2">
+        <a:scrgbClr r="0" g="0" b="0"/>
+      </a:lnRef>
+      <a:fillRef idx="1">
+        <a:scrgbClr r="0" g="0" b="0"/>
+      </a:fillRef>
+      <a:effectRef idx="0">
+        <a:scrgbClr r="0" g="0" b="0"/>
+      </a:effectRef>
+      <a:fontRef idx="minor"/>
+    </dgm:style>
+  </dgm:styleLbl>
+  <dgm:styleLbl name="fgAcc4">
+    <dgm:scene3d>
+      <a:camera prst="orthographicFront"/>
+      <a:lightRig rig="threePt" dir="t"/>
+    </dgm:scene3d>
+    <dgm:sp3d/>
+    <dgm:txPr/>
+    <dgm:style>
+      <a:lnRef idx="2">
+        <a:scrgbClr r="0" g="0" b="0"/>
+      </a:lnRef>
+      <a:fillRef idx="1">
+        <a:scrgbClr r="0" g="0" b="0"/>
+      </a:fillRef>
+      <a:effectRef idx="0">
+        <a:scrgbClr r="0" g="0" b="0"/>
+      </a:effectRef>
+      <a:fontRef idx="minor"/>
+    </dgm:style>
+  </dgm:styleLbl>
+  <dgm:styleLbl name="bgShp">
+    <dgm:scene3d>
+      <a:camera prst="orthographicFront"/>
+      <a:lightRig rig="threePt" dir="t"/>
+    </dgm:scene3d>
+    <dgm:sp3d/>
+    <dgm:txPr/>
+    <dgm:style>
+      <a:lnRef idx="0">
+        <a:scrgbClr r="0" g="0" b="0"/>
+      </a:lnRef>
+      <a:fillRef idx="1">
+        <a:scrgbClr r="0" g="0" b="0"/>
+      </a:fillRef>
+      <a:effectRef idx="0">
+        <a:scrgbClr r="0" g="0" b="0"/>
+      </a:effectRef>
+      <a:fontRef idx="minor"/>
+    </dgm:style>
+  </dgm:styleLbl>
+  <dgm:styleLbl name="dkBgShp">
+    <dgm:scene3d>
+      <a:camera prst="orthographicFront"/>
+      <a:lightRig rig="threePt" dir="t"/>
+    </dgm:scene3d>
+    <dgm:sp3d/>
+    <dgm:txPr/>
+    <dgm:style>
+      <a:lnRef idx="0">
+        <a:scrgbClr r="0" g="0" b="0"/>
+      </a:lnRef>
+      <a:fillRef idx="1">
+        <a:scrgbClr r="0" g="0" b="0"/>
+      </a:fillRef>
+      <a:effectRef idx="0">
+        <a:scrgbClr r="0" g="0" b="0"/>
+      </a:effectRef>
+      <a:fontRef idx="minor"/>
+    </dgm:style>
+  </dgm:styleLbl>
+  <dgm:styleLbl name="trBgShp">
+    <dgm:scene3d>
+      <a:camera prst="orthographicFront"/>
+      <a:lightRig rig="threePt" dir="t"/>
+    </dgm:scene3d>
+    <dgm:sp3d/>
+    <dgm:txPr/>
+    <dgm:style>
+      <a:lnRef idx="0">
+        <a:scrgbClr r="0" g="0" b="0"/>
+      </a:lnRef>
+      <a:fillRef idx="1">
+        <a:scrgbClr r="0" g="0" b="0"/>
+      </a:fillRef>
+      <a:effectRef idx="0">
+        <a:scrgbClr r="0" g="0" b="0"/>
+      </a:effectRef>
+      <a:fontRef idx="minor"/>
+    </dgm:style>
+  </dgm:styleLbl>
+  <dgm:styleLbl name="fgShp">
+    <dgm:scene3d>
+      <a:camera prst="orthographicFront"/>
+      <a:lightRig rig="threePt" dir="t"/>
+    </dgm:scene3d>
+    <dgm:sp3d/>
+    <dgm:txPr/>
+    <dgm:style>
+      <a:lnRef idx="3">
+        <a:scrgbClr r="0" g="0" b="0"/>
+      </a:lnRef>
+      <a:fillRef idx="1">
+        <a:scrgbClr r="0" g="0" b="0"/>
+      </a:fillRef>
+      <a:effectRef idx="1">
         <a:scrgbClr r="0" g="0" b="0"/>
       </a:effectRef>
       <a:fontRef idx="minor"/>
@@ -28858,101 +31488,6 @@
 <file path=ppt/slides/slide21.xml><?xml version="1.0" encoding="utf-8"?>
 <p:sld xmlns:a="http://schemas.openxmlformats.org/drawingml/2006/main" xmlns:r="http://schemas.openxmlformats.org/officeDocument/2006/relationships" xmlns:p="http://schemas.openxmlformats.org/presentationml/2006/main">
   <p:cSld>
-    <p:spTree>
-      <p:nvGrpSpPr>
-        <p:cNvPr id="1" name=""/>
-        <p:cNvGrpSpPr/>
-        <p:nvPr/>
-      </p:nvGrpSpPr>
-      <p:grpSpPr>
-        <a:xfrm>
-          <a:off x="0" y="0"/>
-          <a:ext cx="0" cy="0"/>
-          <a:chOff x="0" y="0"/>
-          <a:chExt cx="0" cy="0"/>
-        </a:xfrm>
-      </p:grpSpPr>
-      <p:sp>
-        <p:nvSpPr>
-          <p:cNvPr id="2" name="タイトル 1">
-            <a:extLst>
-              <a:ext uri="{FF2B5EF4-FFF2-40B4-BE49-F238E27FC236}">
-                <a16:creationId xmlns:a16="http://schemas.microsoft.com/office/drawing/2014/main" id="{B5637CD5-5008-948F-B897-C8385FFE4E10}"/>
-              </a:ext>
-            </a:extLst>
-          </p:cNvPr>
-          <p:cNvSpPr>
-            <a:spLocks noGrp="1"/>
-          </p:cNvSpPr>
-          <p:nvPr>
-            <p:ph type="title"/>
-          </p:nvPr>
-        </p:nvSpPr>
-        <p:spPr>
-          <a:xfrm>
-            <a:off x="415600" y="586533"/>
-            <a:ext cx="11360800" cy="852800"/>
-          </a:xfrm>
-        </p:spPr>
-        <p:txBody>
-          <a:bodyPr/>
-          <a:lstStyle/>
-          <a:p>
-            <a:r>
-              <a:rPr kumimoji="1" lang="en-US" altLang="ja-JP" dirty="0"/>
-              <a:t>6</a:t>
-            </a:r>
-            <a:r>
-              <a:rPr kumimoji="1" lang="ja-JP" altLang="en-US" dirty="0"/>
-              <a:t>月を経て成長したこと</a:t>
-            </a:r>
-          </a:p>
-        </p:txBody>
-      </p:sp>
-      <p:graphicFrame>
-        <p:nvGraphicFramePr>
-          <p:cNvPr id="3" name="図表 2">
-            <a:extLst>
-              <a:ext uri="{FF2B5EF4-FFF2-40B4-BE49-F238E27FC236}">
-                <a16:creationId xmlns:a16="http://schemas.microsoft.com/office/drawing/2014/main" id="{2D207DBD-641E-4E73-168C-926BFEFF95A4}"/>
-              </a:ext>
-            </a:extLst>
-          </p:cNvPr>
-          <p:cNvGraphicFramePr/>
-          <p:nvPr>
-            <p:extLst>
-              <p:ext uri="{D42A27DB-BD31-4B8C-83A1-F6EECF244321}">
-                <p14:modId xmlns:p14="http://schemas.microsoft.com/office/powerpoint/2010/main" val="2701079794"/>
-              </p:ext>
-            </p:extLst>
-          </p:nvPr>
-        </p:nvGraphicFramePr>
-        <p:xfrm>
-          <a:off x="1785816" y="1439333"/>
-          <a:ext cx="8128000" cy="5418667"/>
-        </p:xfrm>
-        <a:graphic>
-          <a:graphicData uri="http://schemas.openxmlformats.org/drawingml/2006/diagram">
-            <dgm:relIds xmlns:dgm="http://schemas.openxmlformats.org/drawingml/2006/diagram" xmlns:r="http://schemas.openxmlformats.org/officeDocument/2006/relationships" r:dm="rId2" r:lo="rId3" r:qs="rId4" r:cs="rId5"/>
-          </a:graphicData>
-        </a:graphic>
-      </p:graphicFrame>
-    </p:spTree>
-    <p:extLst>
-      <p:ext uri="{BB962C8B-B14F-4D97-AF65-F5344CB8AC3E}">
-        <p14:creationId xmlns:p14="http://schemas.microsoft.com/office/powerpoint/2010/main" val="282120791"/>
-      </p:ext>
-    </p:extLst>
-  </p:cSld>
-  <p:clrMapOvr>
-    <a:masterClrMapping/>
-  </p:clrMapOvr>
-</p:sld>
-</file>
-
-<file path=ppt/slides/slide22.xml><?xml version="1.0" encoding="utf-8"?>
-<p:sld xmlns:a="http://schemas.openxmlformats.org/drawingml/2006/main" xmlns:r="http://schemas.openxmlformats.org/officeDocument/2006/relationships" xmlns:p="http://schemas.openxmlformats.org/presentationml/2006/main">
-  <p:cSld>
     <p:bg>
       <p:bgPr>
         <a:solidFill>
@@ -29333,36 +31868,6 @@
               <a:spcAft>
                 <a:spcPts val="0"/>
               </a:spcAft>
-              <a:buNone/>
-            </a:pPr>
-            <a:r>
-              <a:rPr lang="ja-JP" altLang="en-US" sz="3200" dirty="0">
-                <a:solidFill>
-                  <a:schemeClr val="dk1"/>
-                </a:solidFill>
-              </a:rPr>
-              <a:t>全員</a:t>
-            </a:r>
-            <a:r>
-              <a:rPr lang="ja-JP" altLang="en-US" sz="3200" b="1" dirty="0">
-                <a:solidFill>
-                  <a:schemeClr val="dk1"/>
-                </a:solidFill>
-              </a:rPr>
-              <a:t>初心者</a:t>
-            </a:r>
-          </a:p>
-          <a:p>
-            <a:pPr marL="0" lvl="0" indent="0" algn="l" rtl="0">
-              <a:lnSpc>
-                <a:spcPct val="100000"/>
-              </a:lnSpc>
-              <a:spcBef>
-                <a:spcPts val="0"/>
-              </a:spcBef>
-              <a:spcAft>
-                <a:spcPts val="0"/>
-              </a:spcAft>
               <a:buClr>
                 <a:schemeClr val="dk1"/>
               </a:buClr>
@@ -29375,37 +31880,6 @@
                 <a:schemeClr val="dk1"/>
               </a:solidFill>
             </a:endParaRPr>
-          </a:p>
-          <a:p>
-            <a:pPr marL="0" lvl="0" indent="0" algn="l" rtl="0">
-              <a:spcBef>
-                <a:spcPts val="0"/>
-              </a:spcBef>
-              <a:spcAft>
-                <a:spcPts val="1200"/>
-              </a:spcAft>
-              <a:buNone/>
-            </a:pPr>
-            <a:r>
-              <a:rPr lang="ja-JP" altLang="en-US" dirty="0"/>
-              <a:t>経験者がいない</a:t>
-            </a:r>
-            <a:endParaRPr lang="en-US" altLang="ja-JP" dirty="0"/>
-          </a:p>
-          <a:p>
-            <a:pPr marL="0" lvl="0" indent="0" algn="l" rtl="0">
-              <a:spcBef>
-                <a:spcPts val="0"/>
-              </a:spcBef>
-              <a:spcAft>
-                <a:spcPts val="1200"/>
-              </a:spcAft>
-              <a:buNone/>
-            </a:pPr>
-            <a:r>
-              <a:rPr lang="ja-JP" altLang="en-US" dirty="0"/>
-              <a:t>分かっていないことが多い</a:t>
-            </a:r>
           </a:p>
           <a:p>
             <a:endParaRPr lang="en-US" altLang="ja-JP" dirty="0"/>
@@ -29464,6 +31938,34 @@
           </a:fontRef>
         </p:style>
       </p:cxnSp>
+      <p:graphicFrame>
+        <p:nvGraphicFramePr>
+          <p:cNvPr id="5" name="図表 4">
+            <a:extLst>
+              <a:ext uri="{FF2B5EF4-FFF2-40B4-BE49-F238E27FC236}">
+                <a16:creationId xmlns:a16="http://schemas.microsoft.com/office/drawing/2014/main" id="{99FF326B-0F92-7EC0-36C2-5114C7CA1D38}"/>
+              </a:ext>
+            </a:extLst>
+          </p:cNvPr>
+          <p:cNvGraphicFramePr/>
+          <p:nvPr>
+            <p:extLst>
+              <p:ext uri="{D42A27DB-BD31-4B8C-83A1-F6EECF244321}">
+                <p14:modId xmlns:p14="http://schemas.microsoft.com/office/powerpoint/2010/main" val="954574751"/>
+              </p:ext>
+            </p:extLst>
+          </p:nvPr>
+        </p:nvGraphicFramePr>
+        <p:xfrm>
+          <a:off x="800100" y="937469"/>
+          <a:ext cx="10428732" cy="4998436"/>
+        </p:xfrm>
+        <a:graphic>
+          <a:graphicData uri="http://schemas.openxmlformats.org/drawingml/2006/diagram">
+            <dgm:relIds xmlns:dgm="http://schemas.openxmlformats.org/drawingml/2006/diagram" xmlns:r="http://schemas.openxmlformats.org/officeDocument/2006/relationships" r:dm="rId2" r:lo="rId3" r:qs="rId4" r:cs="rId5"/>
+          </a:graphicData>
+        </a:graphic>
+      </p:graphicFrame>
     </p:spTree>
     <p:extLst>
       <p:ext uri="{BB962C8B-B14F-4D97-AF65-F5344CB8AC3E}">
@@ -29477,7 +31979,7 @@
 </p:sld>
 </file>
 
-<file path=ppt/slides/slide23.xml><?xml version="1.0" encoding="utf-8"?>
+<file path=ppt/slides/slide22.xml><?xml version="1.0" encoding="utf-8"?>
 <p:sld xmlns:a="http://schemas.openxmlformats.org/drawingml/2006/main" xmlns:r="http://schemas.openxmlformats.org/officeDocument/2006/relationships" xmlns:p="http://schemas.openxmlformats.org/presentationml/2006/main">
   <p:cSld>
     <p:spTree>
@@ -29654,14 +32156,14 @@
           <p:nvPr>
             <p:extLst>
               <p:ext uri="{D42A27DB-BD31-4B8C-83A1-F6EECF244321}">
-                <p14:modId xmlns:p14="http://schemas.microsoft.com/office/powerpoint/2010/main" val="29353920"/>
+                <p14:modId xmlns:p14="http://schemas.microsoft.com/office/powerpoint/2010/main" val="2362123026"/>
               </p:ext>
             </p:extLst>
           </p:nvPr>
         </p:nvGraphicFramePr>
         <p:xfrm>
-          <a:off x="2032000" y="2293126"/>
-          <a:ext cx="8319008" cy="3845207"/>
+          <a:off x="1834896" y="1864115"/>
+          <a:ext cx="8522208" cy="4071789"/>
         </p:xfrm>
         <a:graphic>
           <a:graphicData uri="http://schemas.openxmlformats.org/drawingml/2006/diagram">
@@ -29673,6 +32175,101 @@
     <p:extLst>
       <p:ext uri="{BB962C8B-B14F-4D97-AF65-F5344CB8AC3E}">
         <p14:creationId xmlns:p14="http://schemas.microsoft.com/office/powerpoint/2010/main" val="2830289494"/>
+      </p:ext>
+    </p:extLst>
+  </p:cSld>
+  <p:clrMapOvr>
+    <a:masterClrMapping/>
+  </p:clrMapOvr>
+</p:sld>
+</file>
+
+<file path=ppt/slides/slide23.xml><?xml version="1.0" encoding="utf-8"?>
+<p:sld xmlns:a="http://schemas.openxmlformats.org/drawingml/2006/main" xmlns:r="http://schemas.openxmlformats.org/officeDocument/2006/relationships" xmlns:p="http://schemas.openxmlformats.org/presentationml/2006/main">
+  <p:cSld>
+    <p:spTree>
+      <p:nvGrpSpPr>
+        <p:cNvPr id="1" name=""/>
+        <p:cNvGrpSpPr/>
+        <p:nvPr/>
+      </p:nvGrpSpPr>
+      <p:grpSpPr>
+        <a:xfrm>
+          <a:off x="0" y="0"/>
+          <a:ext cx="0" cy="0"/>
+          <a:chOff x="0" y="0"/>
+          <a:chExt cx="0" cy="0"/>
+        </a:xfrm>
+      </p:grpSpPr>
+      <p:sp>
+        <p:nvSpPr>
+          <p:cNvPr id="2" name="タイトル 1">
+            <a:extLst>
+              <a:ext uri="{FF2B5EF4-FFF2-40B4-BE49-F238E27FC236}">
+                <a16:creationId xmlns:a16="http://schemas.microsoft.com/office/drawing/2014/main" id="{B5637CD5-5008-948F-B897-C8385FFE4E10}"/>
+              </a:ext>
+            </a:extLst>
+          </p:cNvPr>
+          <p:cNvSpPr>
+            <a:spLocks noGrp="1"/>
+          </p:cNvSpPr>
+          <p:nvPr>
+            <p:ph type="title"/>
+          </p:nvPr>
+        </p:nvSpPr>
+        <p:spPr>
+          <a:xfrm>
+            <a:off x="415600" y="586533"/>
+            <a:ext cx="11360800" cy="852800"/>
+          </a:xfrm>
+        </p:spPr>
+        <p:txBody>
+          <a:bodyPr/>
+          <a:lstStyle/>
+          <a:p>
+            <a:r>
+              <a:rPr kumimoji="1" lang="en-US" altLang="ja-JP" dirty="0"/>
+              <a:t>6</a:t>
+            </a:r>
+            <a:r>
+              <a:rPr kumimoji="1" lang="ja-JP" altLang="en-US" dirty="0"/>
+              <a:t>月を経て成長したこと</a:t>
+            </a:r>
+          </a:p>
+        </p:txBody>
+      </p:sp>
+      <p:graphicFrame>
+        <p:nvGraphicFramePr>
+          <p:cNvPr id="3" name="図表 2">
+            <a:extLst>
+              <a:ext uri="{FF2B5EF4-FFF2-40B4-BE49-F238E27FC236}">
+                <a16:creationId xmlns:a16="http://schemas.microsoft.com/office/drawing/2014/main" id="{2D207DBD-641E-4E73-168C-926BFEFF95A4}"/>
+              </a:ext>
+            </a:extLst>
+          </p:cNvPr>
+          <p:cNvGraphicFramePr/>
+          <p:nvPr>
+            <p:extLst>
+              <p:ext uri="{D42A27DB-BD31-4B8C-83A1-F6EECF244321}">
+                <p14:modId xmlns:p14="http://schemas.microsoft.com/office/powerpoint/2010/main" val="2701079794"/>
+              </p:ext>
+            </p:extLst>
+          </p:nvPr>
+        </p:nvGraphicFramePr>
+        <p:xfrm>
+          <a:off x="1785816" y="1439333"/>
+          <a:ext cx="8128000" cy="5418667"/>
+        </p:xfrm>
+        <a:graphic>
+          <a:graphicData uri="http://schemas.openxmlformats.org/drawingml/2006/diagram">
+            <dgm:relIds xmlns:dgm="http://schemas.openxmlformats.org/drawingml/2006/diagram" xmlns:r="http://schemas.openxmlformats.org/officeDocument/2006/relationships" r:dm="rId2" r:lo="rId3" r:qs="rId4" r:cs="rId5"/>
+          </a:graphicData>
+        </a:graphic>
+      </p:graphicFrame>
+    </p:spTree>
+    <p:extLst>
+      <p:ext uri="{BB962C8B-B14F-4D97-AF65-F5344CB8AC3E}">
+        <p14:creationId xmlns:p14="http://schemas.microsoft.com/office/powerpoint/2010/main" val="282120791"/>
       </p:ext>
     </p:extLst>
   </p:cSld>

--- a/C-3_配布資料/0630_C3_発表資料.pptx
+++ b/C-3_配布資料/0630_C3_発表資料.pptx
@@ -6,7 +6,7 @@
     <p:sldMasterId id="2147483701" r:id="rId2"/>
   </p:sldMasterIdLst>
   <p:notesMasterIdLst>
-    <p:notesMasterId r:id="rId26"/>
+    <p:notesMasterId r:id="rId32"/>
   </p:notesMasterIdLst>
   <p:sldIdLst>
     <p:sldId id="256" r:id="rId3"/>
@@ -32,6 +32,12 @@
     <p:sldId id="281" r:id="rId23"/>
     <p:sldId id="282" r:id="rId24"/>
     <p:sldId id="279" r:id="rId25"/>
+    <p:sldId id="283" r:id="rId26"/>
+    <p:sldId id="285" r:id="rId27"/>
+    <p:sldId id="288" r:id="rId28"/>
+    <p:sldId id="286" r:id="rId29"/>
+    <p:sldId id="287" r:id="rId30"/>
+    <p:sldId id="284" r:id="rId31"/>
   </p:sldIdLst>
   <p:sldSz cx="12192000" cy="6858000"/>
   <p:notesSz cx="6858000" cy="9144000"/>
@@ -32279,6 +32285,1118 @@
 </p:sld>
 </file>
 
+<file path=ppt/slides/slide24.xml><?xml version="1.0" encoding="utf-8"?>
+<p:sld xmlns:a="http://schemas.openxmlformats.org/drawingml/2006/main" xmlns:r="http://schemas.openxmlformats.org/officeDocument/2006/relationships" xmlns:p="http://schemas.openxmlformats.org/presentationml/2006/main">
+  <p:cSld>
+    <p:spTree>
+      <p:nvGrpSpPr>
+        <p:cNvPr id="1" name=""/>
+        <p:cNvGrpSpPr/>
+        <p:nvPr/>
+      </p:nvGrpSpPr>
+      <p:grpSpPr>
+        <a:xfrm>
+          <a:off x="0" y="0"/>
+          <a:ext cx="0" cy="0"/>
+          <a:chOff x="0" y="0"/>
+          <a:chExt cx="0" cy="0"/>
+        </a:xfrm>
+      </p:grpSpPr>
+      <p:sp>
+        <p:nvSpPr>
+          <p:cNvPr id="2" name="タイトル 1">
+            <a:extLst>
+              <a:ext uri="{FF2B5EF4-FFF2-40B4-BE49-F238E27FC236}">
+                <a16:creationId xmlns:a16="http://schemas.microsoft.com/office/drawing/2014/main" id="{978929CC-976C-9650-9E5F-5F98C884B91D}"/>
+              </a:ext>
+            </a:extLst>
+          </p:cNvPr>
+          <p:cNvSpPr>
+            <a:spLocks noGrp="1"/>
+          </p:cNvSpPr>
+          <p:nvPr>
+            <p:ph type="title"/>
+          </p:nvPr>
+        </p:nvSpPr>
+        <p:spPr/>
+        <p:txBody>
+          <a:bodyPr/>
+          <a:lstStyle/>
+          <a:p>
+            <a:r>
+              <a:rPr kumimoji="1" lang="ja-JP" altLang="en-US" dirty="0"/>
+              <a:t>プログラミング</a:t>
+            </a:r>
+          </a:p>
+        </p:txBody>
+      </p:sp>
+      <p:sp>
+        <p:nvSpPr>
+          <p:cNvPr id="3" name="テキスト プレースホルダー 2">
+            <a:extLst>
+              <a:ext uri="{FF2B5EF4-FFF2-40B4-BE49-F238E27FC236}">
+                <a16:creationId xmlns:a16="http://schemas.microsoft.com/office/drawing/2014/main" id="{BE9A0FF8-3D80-EA53-0CC6-00A8D18F8CD9}"/>
+              </a:ext>
+            </a:extLst>
+          </p:cNvPr>
+          <p:cNvSpPr>
+            <a:spLocks noGrp="1"/>
+          </p:cNvSpPr>
+          <p:nvPr>
+            <p:ph type="body" idx="1"/>
+          </p:nvPr>
+        </p:nvSpPr>
+        <p:spPr/>
+        <p:txBody>
+          <a:bodyPr/>
+          <a:lstStyle/>
+          <a:p>
+            <a:endParaRPr kumimoji="1" lang="ja-JP" altLang="en-US"/>
+          </a:p>
+        </p:txBody>
+      </p:sp>
+    </p:spTree>
+    <p:extLst>
+      <p:ext uri="{BB962C8B-B14F-4D97-AF65-F5344CB8AC3E}">
+        <p14:creationId xmlns:p14="http://schemas.microsoft.com/office/powerpoint/2010/main" val="1745063888"/>
+      </p:ext>
+    </p:extLst>
+  </p:cSld>
+  <p:clrMapOvr>
+    <a:masterClrMapping/>
+  </p:clrMapOvr>
+</p:sld>
+</file>
+
+<file path=ppt/slides/slide25.xml><?xml version="1.0" encoding="utf-8"?>
+<p:sld xmlns:a="http://schemas.openxmlformats.org/drawingml/2006/main" xmlns:r="http://schemas.openxmlformats.org/officeDocument/2006/relationships" xmlns:p="http://schemas.openxmlformats.org/presentationml/2006/main">
+  <p:cSld>
+    <p:spTree>
+      <p:nvGrpSpPr>
+        <p:cNvPr id="1" name=""/>
+        <p:cNvGrpSpPr/>
+        <p:nvPr/>
+      </p:nvGrpSpPr>
+      <p:grpSpPr>
+        <a:xfrm>
+          <a:off x="0" y="0"/>
+          <a:ext cx="0" cy="0"/>
+          <a:chOff x="0" y="0"/>
+          <a:chExt cx="0" cy="0"/>
+        </a:xfrm>
+      </p:grpSpPr>
+      <p:sp>
+        <p:nvSpPr>
+          <p:cNvPr id="2" name="タイトル 1">
+            <a:extLst>
+              <a:ext uri="{FF2B5EF4-FFF2-40B4-BE49-F238E27FC236}">
+                <a16:creationId xmlns:a16="http://schemas.microsoft.com/office/drawing/2014/main" id="{EBEB22DE-EFEA-99AC-9131-D36A0681CDFC}"/>
+              </a:ext>
+            </a:extLst>
+          </p:cNvPr>
+          <p:cNvSpPr>
+            <a:spLocks noGrp="1"/>
+          </p:cNvSpPr>
+          <p:nvPr>
+            <p:ph type="title"/>
+          </p:nvPr>
+        </p:nvSpPr>
+        <p:spPr/>
+        <p:txBody>
+          <a:bodyPr/>
+          <a:lstStyle/>
+          <a:p>
+            <a:r>
+              <a:rPr kumimoji="1" lang="ja-JP" altLang="en-US" dirty="0"/>
+              <a:t>問題</a:t>
+            </a:r>
+          </a:p>
+        </p:txBody>
+      </p:sp>
+      <p:sp>
+        <p:nvSpPr>
+          <p:cNvPr id="3" name="テキスト プレースホルダー 2">
+            <a:extLst>
+              <a:ext uri="{FF2B5EF4-FFF2-40B4-BE49-F238E27FC236}">
+                <a16:creationId xmlns:a16="http://schemas.microsoft.com/office/drawing/2014/main" id="{66ABF322-DB14-65C8-02AC-D8A7295C01DF}"/>
+              </a:ext>
+            </a:extLst>
+          </p:cNvPr>
+          <p:cNvSpPr>
+            <a:spLocks noGrp="1"/>
+          </p:cNvSpPr>
+          <p:nvPr>
+            <p:ph type="body" idx="1"/>
+          </p:nvPr>
+        </p:nvSpPr>
+        <p:spPr/>
+        <p:txBody>
+          <a:bodyPr/>
+          <a:lstStyle/>
+          <a:p>
+            <a:r>
+              <a:rPr lang="ja-JP" altLang="en-US" sz="1800" b="1" i="0" u="none" strike="noStrike" dirty="0">
+                <a:solidFill>
+                  <a:srgbClr val="000000"/>
+                </a:solidFill>
+                <a:effectLst/>
+                <a:latin typeface="Arial" panose="020B0604020202020204" pitchFamily="34" charset="0"/>
+              </a:rPr>
+              <a:t>やりたいことを実装できない</a:t>
+            </a:r>
+            <a:endParaRPr kumimoji="1" lang="ja-JP" altLang="en-US" dirty="0"/>
+          </a:p>
+        </p:txBody>
+      </p:sp>
+      <p:sp>
+        <p:nvSpPr>
+          <p:cNvPr id="4" name="コンテンツ プレースホルダー 3">
+            <a:extLst>
+              <a:ext uri="{FF2B5EF4-FFF2-40B4-BE49-F238E27FC236}">
+                <a16:creationId xmlns:a16="http://schemas.microsoft.com/office/drawing/2014/main" id="{F467A54D-D7CF-D6E3-49BD-81B0D7558A07}"/>
+              </a:ext>
+            </a:extLst>
+          </p:cNvPr>
+          <p:cNvSpPr>
+            <a:spLocks noGrp="1"/>
+          </p:cNvSpPr>
+          <p:nvPr>
+            <p:ph sz="half" idx="2"/>
+          </p:nvPr>
+        </p:nvSpPr>
+        <p:spPr/>
+        <p:txBody>
+          <a:bodyPr/>
+          <a:lstStyle/>
+          <a:p>
+            <a:pPr marL="457200" rtl="0">
+              <a:spcBef>
+                <a:spcPts val="0"/>
+              </a:spcBef>
+              <a:spcAft>
+                <a:spcPts val="0"/>
+              </a:spcAft>
+            </a:pPr>
+            <a:r>
+              <a:rPr lang="ja-JP" altLang="en-US" sz="1800" b="1" i="0" u="none" strike="noStrike" dirty="0">
+                <a:solidFill>
+                  <a:srgbClr val="000000"/>
+                </a:solidFill>
+                <a:effectLst/>
+                <a:latin typeface="Arial" panose="020B0604020202020204" pitchFamily="34" charset="0"/>
+              </a:rPr>
+              <a:t>構文の意味を理解していない</a:t>
+            </a:r>
+            <a:endParaRPr lang="en-US" altLang="ja-JP" sz="1800" b="1" i="0" u="none" strike="noStrike" dirty="0">
+              <a:solidFill>
+                <a:srgbClr val="000000"/>
+              </a:solidFill>
+              <a:effectLst/>
+              <a:latin typeface="Arial" panose="020B0604020202020204" pitchFamily="34" charset="0"/>
+            </a:endParaRPr>
+          </a:p>
+          <a:p>
+            <a:pPr marL="457200" rtl="0">
+              <a:spcBef>
+                <a:spcPts val="0"/>
+              </a:spcBef>
+              <a:spcAft>
+                <a:spcPts val="0"/>
+              </a:spcAft>
+            </a:pPr>
+            <a:r>
+              <a:rPr lang="ja-JP" altLang="en-US" sz="1800" b="1" i="0" u="none" strike="noStrike" dirty="0">
+                <a:solidFill>
+                  <a:srgbClr val="000000"/>
+                </a:solidFill>
+                <a:effectLst/>
+                <a:latin typeface="Arial" panose="020B0604020202020204" pitchFamily="34" charset="0"/>
+              </a:rPr>
+              <a:t>エラーの発生原因が分からない</a:t>
+            </a:r>
+            <a:endParaRPr lang="ja-JP" altLang="en-US" b="0" dirty="0">
+              <a:effectLst/>
+            </a:endParaRPr>
+          </a:p>
+          <a:p>
+            <a:pPr marL="0" indent="0">
+              <a:buNone/>
+            </a:pPr>
+            <a:br>
+              <a:rPr lang="ja-JP" altLang="en-US" dirty="0"/>
+            </a:br>
+            <a:endParaRPr kumimoji="1" lang="ja-JP" altLang="en-US" dirty="0"/>
+          </a:p>
+        </p:txBody>
+      </p:sp>
+      <p:sp>
+        <p:nvSpPr>
+          <p:cNvPr id="5" name="テキスト プレースホルダー 4">
+            <a:extLst>
+              <a:ext uri="{FF2B5EF4-FFF2-40B4-BE49-F238E27FC236}">
+                <a16:creationId xmlns:a16="http://schemas.microsoft.com/office/drawing/2014/main" id="{BC934BB8-7F9C-CF57-D83A-17992C515415}"/>
+              </a:ext>
+            </a:extLst>
+          </p:cNvPr>
+          <p:cNvSpPr>
+            <a:spLocks noGrp="1"/>
+          </p:cNvSpPr>
+          <p:nvPr>
+            <p:ph type="body" sz="quarter" idx="3"/>
+          </p:nvPr>
+        </p:nvSpPr>
+        <p:spPr/>
+        <p:txBody>
+          <a:bodyPr/>
+          <a:lstStyle/>
+          <a:p>
+            <a:endParaRPr kumimoji="1" lang="ja-JP" altLang="en-US" dirty="0"/>
+          </a:p>
+        </p:txBody>
+      </p:sp>
+      <p:sp>
+        <p:nvSpPr>
+          <p:cNvPr id="6" name="コンテンツ プレースホルダー 5">
+            <a:extLst>
+              <a:ext uri="{FF2B5EF4-FFF2-40B4-BE49-F238E27FC236}">
+                <a16:creationId xmlns:a16="http://schemas.microsoft.com/office/drawing/2014/main" id="{B57410F4-590B-1857-A50E-46D4DAF736FE}"/>
+              </a:ext>
+            </a:extLst>
+          </p:cNvPr>
+          <p:cNvSpPr>
+            <a:spLocks noGrp="1"/>
+          </p:cNvSpPr>
+          <p:nvPr>
+            <p:ph sz="quarter" idx="4"/>
+          </p:nvPr>
+        </p:nvSpPr>
+        <p:spPr/>
+        <p:txBody>
+          <a:bodyPr/>
+          <a:lstStyle/>
+          <a:p>
+            <a:r>
+              <a:rPr lang="ja-JP" altLang="en-US" sz="1800" b="1" i="0" u="none" strike="noStrike" dirty="0">
+                <a:solidFill>
+                  <a:srgbClr val="000000"/>
+                </a:solidFill>
+                <a:effectLst/>
+                <a:latin typeface="Arial" panose="020B0604020202020204" pitchFamily="34" charset="0"/>
+              </a:rPr>
+              <a:t>名刺管理アプリでは引数を変えるだけで済んでいたので深く理解しないまま放置してしまった。名刺管理アプリのコピペで動作しないものに出会ったとき、構文の意味を理解していなかったためどの部分を書き直せば良いのか分からなかった。</a:t>
+            </a:r>
+            <a:endParaRPr kumimoji="1" lang="ja-JP" altLang="en-US" dirty="0"/>
+          </a:p>
+        </p:txBody>
+      </p:sp>
+    </p:spTree>
+    <p:extLst>
+      <p:ext uri="{BB962C8B-B14F-4D97-AF65-F5344CB8AC3E}">
+        <p14:creationId xmlns:p14="http://schemas.microsoft.com/office/powerpoint/2010/main" val="423638058"/>
+      </p:ext>
+    </p:extLst>
+  </p:cSld>
+  <p:clrMapOvr>
+    <a:masterClrMapping/>
+  </p:clrMapOvr>
+</p:sld>
+</file>
+
+<file path=ppt/slides/slide26.xml><?xml version="1.0" encoding="utf-8"?>
+<p:sld xmlns:a="http://schemas.openxmlformats.org/drawingml/2006/main" xmlns:r="http://schemas.openxmlformats.org/officeDocument/2006/relationships" xmlns:p="http://schemas.openxmlformats.org/presentationml/2006/main">
+  <p:cSld>
+    <p:spTree>
+      <p:nvGrpSpPr>
+        <p:cNvPr id="1" name=""/>
+        <p:cNvGrpSpPr/>
+        <p:nvPr/>
+      </p:nvGrpSpPr>
+      <p:grpSpPr>
+        <a:xfrm>
+          <a:off x="0" y="0"/>
+          <a:ext cx="0" cy="0"/>
+          <a:chOff x="0" y="0"/>
+          <a:chExt cx="0" cy="0"/>
+        </a:xfrm>
+      </p:grpSpPr>
+      <p:sp>
+        <p:nvSpPr>
+          <p:cNvPr id="2" name="タイトル 1">
+            <a:extLst>
+              <a:ext uri="{FF2B5EF4-FFF2-40B4-BE49-F238E27FC236}">
+                <a16:creationId xmlns:a16="http://schemas.microsoft.com/office/drawing/2014/main" id="{EBEB22DE-EFEA-99AC-9131-D36A0681CDFC}"/>
+              </a:ext>
+            </a:extLst>
+          </p:cNvPr>
+          <p:cNvSpPr>
+            <a:spLocks noGrp="1"/>
+          </p:cNvSpPr>
+          <p:nvPr>
+            <p:ph type="title"/>
+          </p:nvPr>
+        </p:nvSpPr>
+        <p:spPr/>
+        <p:txBody>
+          <a:bodyPr/>
+          <a:lstStyle/>
+          <a:p>
+            <a:r>
+              <a:rPr kumimoji="1" lang="ja-JP" altLang="en-US" dirty="0"/>
+              <a:t>解決</a:t>
+            </a:r>
+          </a:p>
+        </p:txBody>
+      </p:sp>
+      <p:sp>
+        <p:nvSpPr>
+          <p:cNvPr id="3" name="テキスト プレースホルダー 2">
+            <a:extLst>
+              <a:ext uri="{FF2B5EF4-FFF2-40B4-BE49-F238E27FC236}">
+                <a16:creationId xmlns:a16="http://schemas.microsoft.com/office/drawing/2014/main" id="{66ABF322-DB14-65C8-02AC-D8A7295C01DF}"/>
+              </a:ext>
+            </a:extLst>
+          </p:cNvPr>
+          <p:cNvSpPr>
+            <a:spLocks noGrp="1"/>
+          </p:cNvSpPr>
+          <p:nvPr>
+            <p:ph type="body" idx="1"/>
+          </p:nvPr>
+        </p:nvSpPr>
+        <p:spPr/>
+        <p:txBody>
+          <a:bodyPr/>
+          <a:lstStyle/>
+          <a:p>
+            <a:r>
+              <a:rPr lang="ja-JP" altLang="en-US" sz="1800" b="1" i="0" u="none" strike="noStrike" dirty="0">
+                <a:solidFill>
+                  <a:srgbClr val="000000"/>
+                </a:solidFill>
+                <a:effectLst/>
+                <a:latin typeface="Arial" panose="020B0604020202020204" pitchFamily="34" charset="0"/>
+              </a:rPr>
+              <a:t>人に頼る</a:t>
+            </a:r>
+          </a:p>
+        </p:txBody>
+      </p:sp>
+      <p:sp>
+        <p:nvSpPr>
+          <p:cNvPr id="4" name="コンテンツ プレースホルダー 3">
+            <a:extLst>
+              <a:ext uri="{FF2B5EF4-FFF2-40B4-BE49-F238E27FC236}">
+                <a16:creationId xmlns:a16="http://schemas.microsoft.com/office/drawing/2014/main" id="{F467A54D-D7CF-D6E3-49BD-81B0D7558A07}"/>
+              </a:ext>
+            </a:extLst>
+          </p:cNvPr>
+          <p:cNvSpPr>
+            <a:spLocks noGrp="1"/>
+          </p:cNvSpPr>
+          <p:nvPr>
+            <p:ph sz="half" idx="2"/>
+          </p:nvPr>
+        </p:nvSpPr>
+        <p:spPr/>
+        <p:txBody>
+          <a:bodyPr/>
+          <a:lstStyle/>
+          <a:p>
+            <a:pPr indent="0" rtl="0">
+              <a:spcBef>
+                <a:spcPts val="0"/>
+              </a:spcBef>
+              <a:spcAft>
+                <a:spcPts val="0"/>
+              </a:spcAft>
+              <a:buNone/>
+            </a:pPr>
+            <a:br>
+              <a:rPr lang="ja-JP" altLang="en-US" dirty="0"/>
+            </a:br>
+            <a:endParaRPr kumimoji="1" lang="ja-JP" altLang="en-US" dirty="0"/>
+          </a:p>
+        </p:txBody>
+      </p:sp>
+      <p:sp>
+        <p:nvSpPr>
+          <p:cNvPr id="5" name="テキスト プレースホルダー 4">
+            <a:extLst>
+              <a:ext uri="{FF2B5EF4-FFF2-40B4-BE49-F238E27FC236}">
+                <a16:creationId xmlns:a16="http://schemas.microsoft.com/office/drawing/2014/main" id="{BC934BB8-7F9C-CF57-D83A-17992C515415}"/>
+              </a:ext>
+            </a:extLst>
+          </p:cNvPr>
+          <p:cNvSpPr>
+            <a:spLocks noGrp="1"/>
+          </p:cNvSpPr>
+          <p:nvPr>
+            <p:ph type="body" sz="quarter" idx="3"/>
+          </p:nvPr>
+        </p:nvSpPr>
+        <p:spPr/>
+        <p:txBody>
+          <a:bodyPr/>
+          <a:lstStyle/>
+          <a:p>
+            <a:endParaRPr kumimoji="1" lang="ja-JP" altLang="en-US" dirty="0"/>
+          </a:p>
+        </p:txBody>
+      </p:sp>
+      <p:sp>
+        <p:nvSpPr>
+          <p:cNvPr id="6" name="コンテンツ プレースホルダー 5">
+            <a:extLst>
+              <a:ext uri="{FF2B5EF4-FFF2-40B4-BE49-F238E27FC236}">
+                <a16:creationId xmlns:a16="http://schemas.microsoft.com/office/drawing/2014/main" id="{B57410F4-590B-1857-A50E-46D4DAF736FE}"/>
+              </a:ext>
+            </a:extLst>
+          </p:cNvPr>
+          <p:cNvSpPr>
+            <a:spLocks noGrp="1"/>
+          </p:cNvSpPr>
+          <p:nvPr>
+            <p:ph sz="quarter" idx="4"/>
+          </p:nvPr>
+        </p:nvSpPr>
+        <p:spPr/>
+        <p:txBody>
+          <a:bodyPr/>
+          <a:lstStyle/>
+          <a:p>
+            <a:pPr marL="457200" rtl="0">
+              <a:spcBef>
+                <a:spcPts val="0"/>
+              </a:spcBef>
+              <a:spcAft>
+                <a:spcPts val="0"/>
+              </a:spcAft>
+            </a:pPr>
+            <a:r>
+              <a:rPr lang="ja-JP" altLang="en-US" sz="1800" b="1" i="0" u="none" strike="noStrike" dirty="0">
+                <a:solidFill>
+                  <a:srgbClr val="000000"/>
+                </a:solidFill>
+                <a:effectLst/>
+                <a:latin typeface="Arial" panose="020B0604020202020204" pitchFamily="34" charset="0"/>
+              </a:rPr>
+              <a:t>実装方法が分からず時間を食ってしまうことも問題だったので自力解決のために悩める時間を決めて、時間内での解決が難しければすぐにメンバー、講師に質問する。</a:t>
+            </a:r>
+            <a:endParaRPr lang="ja-JP" altLang="en-US" sz="1600" b="0" dirty="0">
+              <a:effectLst/>
+            </a:endParaRPr>
+          </a:p>
+          <a:p>
+            <a:pPr marL="0" indent="0">
+              <a:buNone/>
+            </a:pPr>
+            <a:endParaRPr kumimoji="1" lang="ja-JP" altLang="en-US" dirty="0"/>
+          </a:p>
+        </p:txBody>
+      </p:sp>
+    </p:spTree>
+    <p:extLst>
+      <p:ext uri="{BB962C8B-B14F-4D97-AF65-F5344CB8AC3E}">
+        <p14:creationId xmlns:p14="http://schemas.microsoft.com/office/powerpoint/2010/main" val="1333111167"/>
+      </p:ext>
+    </p:extLst>
+  </p:cSld>
+  <p:clrMapOvr>
+    <a:masterClrMapping/>
+  </p:clrMapOvr>
+</p:sld>
+</file>
+
+<file path=ppt/slides/slide27.xml><?xml version="1.0" encoding="utf-8"?>
+<p:sld xmlns:a="http://schemas.openxmlformats.org/drawingml/2006/main" xmlns:r="http://schemas.openxmlformats.org/officeDocument/2006/relationships" xmlns:p="http://schemas.openxmlformats.org/presentationml/2006/main">
+  <p:cSld>
+    <p:spTree>
+      <p:nvGrpSpPr>
+        <p:cNvPr id="1" name=""/>
+        <p:cNvGrpSpPr/>
+        <p:nvPr/>
+      </p:nvGrpSpPr>
+      <p:grpSpPr>
+        <a:xfrm>
+          <a:off x="0" y="0"/>
+          <a:ext cx="0" cy="0"/>
+          <a:chOff x="0" y="0"/>
+          <a:chExt cx="0" cy="0"/>
+        </a:xfrm>
+      </p:grpSpPr>
+      <p:sp>
+        <p:nvSpPr>
+          <p:cNvPr id="2" name="タイトル 1">
+            <a:extLst>
+              <a:ext uri="{FF2B5EF4-FFF2-40B4-BE49-F238E27FC236}">
+                <a16:creationId xmlns:a16="http://schemas.microsoft.com/office/drawing/2014/main" id="{EBEB22DE-EFEA-99AC-9131-D36A0681CDFC}"/>
+              </a:ext>
+            </a:extLst>
+          </p:cNvPr>
+          <p:cNvSpPr>
+            <a:spLocks noGrp="1"/>
+          </p:cNvSpPr>
+          <p:nvPr>
+            <p:ph type="title"/>
+          </p:nvPr>
+        </p:nvSpPr>
+        <p:spPr/>
+        <p:txBody>
+          <a:bodyPr/>
+          <a:lstStyle/>
+          <a:p>
+            <a:r>
+              <a:rPr kumimoji="1" lang="ja-JP" altLang="en-US" dirty="0"/>
+              <a:t>問題</a:t>
+            </a:r>
+          </a:p>
+        </p:txBody>
+      </p:sp>
+      <p:sp>
+        <p:nvSpPr>
+          <p:cNvPr id="3" name="テキスト プレースホルダー 2">
+            <a:extLst>
+              <a:ext uri="{FF2B5EF4-FFF2-40B4-BE49-F238E27FC236}">
+                <a16:creationId xmlns:a16="http://schemas.microsoft.com/office/drawing/2014/main" id="{66ABF322-DB14-65C8-02AC-D8A7295C01DF}"/>
+              </a:ext>
+            </a:extLst>
+          </p:cNvPr>
+          <p:cNvSpPr>
+            <a:spLocks noGrp="1"/>
+          </p:cNvSpPr>
+          <p:nvPr>
+            <p:ph type="body" idx="1"/>
+          </p:nvPr>
+        </p:nvSpPr>
+        <p:spPr/>
+        <p:txBody>
+          <a:bodyPr/>
+          <a:lstStyle/>
+          <a:p>
+            <a:r>
+              <a:rPr lang="ja-JP" altLang="en-US" sz="1800" b="1" i="0" u="none" strike="noStrike" dirty="0">
+                <a:solidFill>
+                  <a:srgbClr val="000000"/>
+                </a:solidFill>
+                <a:effectLst/>
+                <a:latin typeface="Arial" panose="020B0604020202020204" pitchFamily="34" charset="0"/>
+              </a:rPr>
+              <a:t>やりたいことを実装できない</a:t>
+            </a:r>
+            <a:endParaRPr kumimoji="1" lang="ja-JP" altLang="en-US" dirty="0"/>
+          </a:p>
+        </p:txBody>
+      </p:sp>
+      <p:sp>
+        <p:nvSpPr>
+          <p:cNvPr id="4" name="コンテンツ プレースホルダー 3">
+            <a:extLst>
+              <a:ext uri="{FF2B5EF4-FFF2-40B4-BE49-F238E27FC236}">
+                <a16:creationId xmlns:a16="http://schemas.microsoft.com/office/drawing/2014/main" id="{F467A54D-D7CF-D6E3-49BD-81B0D7558A07}"/>
+              </a:ext>
+            </a:extLst>
+          </p:cNvPr>
+          <p:cNvSpPr>
+            <a:spLocks noGrp="1"/>
+          </p:cNvSpPr>
+          <p:nvPr>
+            <p:ph sz="half" idx="2"/>
+          </p:nvPr>
+        </p:nvSpPr>
+        <p:spPr/>
+        <p:txBody>
+          <a:bodyPr/>
+          <a:lstStyle/>
+          <a:p>
+            <a:pPr indent="0" rtl="0">
+              <a:spcBef>
+                <a:spcPts val="0"/>
+              </a:spcBef>
+              <a:spcAft>
+                <a:spcPts val="0"/>
+              </a:spcAft>
+              <a:buNone/>
+            </a:pPr>
+            <a:r>
+              <a:rPr lang="ja-JP" altLang="en-US" sz="1800" b="1" i="0" u="none" strike="noStrike" dirty="0">
+                <a:solidFill>
+                  <a:srgbClr val="000000"/>
+                </a:solidFill>
+                <a:effectLst/>
+                <a:latin typeface="Arial" panose="020B0604020202020204" pitchFamily="34" charset="0"/>
+              </a:rPr>
+              <a:t>エラーの発生原因が分からない</a:t>
+            </a:r>
+            <a:endParaRPr lang="ja-JP" altLang="en-US" b="0" dirty="0">
+              <a:effectLst/>
+            </a:endParaRPr>
+          </a:p>
+          <a:p>
+            <a:pPr marL="0" indent="0">
+              <a:buNone/>
+            </a:pPr>
+            <a:br>
+              <a:rPr lang="ja-JP" altLang="en-US" dirty="0"/>
+            </a:br>
+            <a:endParaRPr kumimoji="1" lang="ja-JP" altLang="en-US" dirty="0"/>
+          </a:p>
+        </p:txBody>
+      </p:sp>
+      <p:sp>
+        <p:nvSpPr>
+          <p:cNvPr id="5" name="テキスト プレースホルダー 4">
+            <a:extLst>
+              <a:ext uri="{FF2B5EF4-FFF2-40B4-BE49-F238E27FC236}">
+                <a16:creationId xmlns:a16="http://schemas.microsoft.com/office/drawing/2014/main" id="{BC934BB8-7F9C-CF57-D83A-17992C515415}"/>
+              </a:ext>
+            </a:extLst>
+          </p:cNvPr>
+          <p:cNvSpPr>
+            <a:spLocks noGrp="1"/>
+          </p:cNvSpPr>
+          <p:nvPr>
+            <p:ph type="body" sz="quarter" idx="3"/>
+          </p:nvPr>
+        </p:nvSpPr>
+        <p:spPr/>
+        <p:txBody>
+          <a:bodyPr/>
+          <a:lstStyle/>
+          <a:p>
+            <a:endParaRPr kumimoji="1" lang="ja-JP" altLang="en-US" dirty="0"/>
+          </a:p>
+        </p:txBody>
+      </p:sp>
+      <p:sp>
+        <p:nvSpPr>
+          <p:cNvPr id="6" name="コンテンツ プレースホルダー 5">
+            <a:extLst>
+              <a:ext uri="{FF2B5EF4-FFF2-40B4-BE49-F238E27FC236}">
+                <a16:creationId xmlns:a16="http://schemas.microsoft.com/office/drawing/2014/main" id="{B57410F4-590B-1857-A50E-46D4DAF736FE}"/>
+              </a:ext>
+            </a:extLst>
+          </p:cNvPr>
+          <p:cNvSpPr>
+            <a:spLocks noGrp="1"/>
+          </p:cNvSpPr>
+          <p:nvPr>
+            <p:ph sz="quarter" idx="4"/>
+          </p:nvPr>
+        </p:nvSpPr>
+        <p:spPr/>
+        <p:txBody>
+          <a:bodyPr/>
+          <a:lstStyle/>
+          <a:p>
+            <a:pPr marL="457200" rtl="0">
+              <a:spcBef>
+                <a:spcPts val="0"/>
+              </a:spcBef>
+              <a:spcAft>
+                <a:spcPts val="0"/>
+              </a:spcAft>
+            </a:pPr>
+            <a:r>
+              <a:rPr lang="ja-JP" altLang="en-US" sz="1800" b="1" i="0" u="none" strike="noStrike" dirty="0">
+                <a:solidFill>
+                  <a:srgbClr val="000000"/>
+                </a:solidFill>
+                <a:effectLst/>
+                <a:latin typeface="Arial" panose="020B0604020202020204" pitchFamily="34" charset="0"/>
+              </a:rPr>
+              <a:t>各ファイルの役割を理解しきれていないことから起きた。例えばサーブレットでエラーが発生し「コンストラクタが未定義です」と表示された場合、コンストラクタはビーンズで定義されてるんだ！という知識がなければ解決できない。</a:t>
+            </a:r>
+            <a:endParaRPr lang="ja-JP" altLang="en-US" sz="1600" b="0" dirty="0">
+              <a:effectLst/>
+            </a:endParaRPr>
+          </a:p>
+          <a:p>
+            <a:pPr marL="0" indent="0">
+              <a:buNone/>
+            </a:pPr>
+            <a:endParaRPr kumimoji="1" lang="ja-JP" altLang="en-US" dirty="0"/>
+          </a:p>
+        </p:txBody>
+      </p:sp>
+    </p:spTree>
+    <p:extLst>
+      <p:ext uri="{BB962C8B-B14F-4D97-AF65-F5344CB8AC3E}">
+        <p14:creationId xmlns:p14="http://schemas.microsoft.com/office/powerpoint/2010/main" val="4034633558"/>
+      </p:ext>
+    </p:extLst>
+  </p:cSld>
+  <p:clrMapOvr>
+    <a:masterClrMapping/>
+  </p:clrMapOvr>
+</p:sld>
+</file>
+
+<file path=ppt/slides/slide28.xml><?xml version="1.0" encoding="utf-8"?>
+<p:sld xmlns:a="http://schemas.openxmlformats.org/drawingml/2006/main" xmlns:r="http://schemas.openxmlformats.org/officeDocument/2006/relationships" xmlns:p="http://schemas.openxmlformats.org/presentationml/2006/main">
+  <p:cSld>
+    <p:spTree>
+      <p:nvGrpSpPr>
+        <p:cNvPr id="1" name=""/>
+        <p:cNvGrpSpPr/>
+        <p:nvPr/>
+      </p:nvGrpSpPr>
+      <p:grpSpPr>
+        <a:xfrm>
+          <a:off x="0" y="0"/>
+          <a:ext cx="0" cy="0"/>
+          <a:chOff x="0" y="0"/>
+          <a:chExt cx="0" cy="0"/>
+        </a:xfrm>
+      </p:grpSpPr>
+      <p:sp>
+        <p:nvSpPr>
+          <p:cNvPr id="2" name="タイトル 1">
+            <a:extLst>
+              <a:ext uri="{FF2B5EF4-FFF2-40B4-BE49-F238E27FC236}">
+                <a16:creationId xmlns:a16="http://schemas.microsoft.com/office/drawing/2014/main" id="{EBEB22DE-EFEA-99AC-9131-D36A0681CDFC}"/>
+              </a:ext>
+            </a:extLst>
+          </p:cNvPr>
+          <p:cNvSpPr>
+            <a:spLocks noGrp="1"/>
+          </p:cNvSpPr>
+          <p:nvPr>
+            <p:ph type="title"/>
+          </p:nvPr>
+        </p:nvSpPr>
+        <p:spPr/>
+        <p:txBody>
+          <a:bodyPr/>
+          <a:lstStyle/>
+          <a:p>
+            <a:r>
+              <a:rPr kumimoji="1" lang="ja-JP" altLang="en-US" dirty="0"/>
+              <a:t>問題</a:t>
+            </a:r>
+          </a:p>
+        </p:txBody>
+      </p:sp>
+      <p:sp>
+        <p:nvSpPr>
+          <p:cNvPr id="3" name="テキスト プレースホルダー 2">
+            <a:extLst>
+              <a:ext uri="{FF2B5EF4-FFF2-40B4-BE49-F238E27FC236}">
+                <a16:creationId xmlns:a16="http://schemas.microsoft.com/office/drawing/2014/main" id="{66ABF322-DB14-65C8-02AC-D8A7295C01DF}"/>
+              </a:ext>
+            </a:extLst>
+          </p:cNvPr>
+          <p:cNvSpPr>
+            <a:spLocks noGrp="1"/>
+          </p:cNvSpPr>
+          <p:nvPr>
+            <p:ph type="body" idx="1"/>
+          </p:nvPr>
+        </p:nvSpPr>
+        <p:spPr/>
+        <p:txBody>
+          <a:bodyPr/>
+          <a:lstStyle/>
+          <a:p>
+            <a:r>
+              <a:rPr lang="ja-JP" altLang="en-US" sz="1800" b="1" i="0" u="none" strike="noStrike" dirty="0">
+                <a:solidFill>
+                  <a:srgbClr val="000000"/>
+                </a:solidFill>
+                <a:effectLst/>
+                <a:latin typeface="Arial" panose="020B0604020202020204" pitchFamily="34" charset="0"/>
+              </a:rPr>
+              <a:t>やりたいことを実装できない</a:t>
+            </a:r>
+            <a:endParaRPr kumimoji="1" lang="ja-JP" altLang="en-US" dirty="0"/>
+          </a:p>
+        </p:txBody>
+      </p:sp>
+      <p:sp>
+        <p:nvSpPr>
+          <p:cNvPr id="4" name="コンテンツ プレースホルダー 3">
+            <a:extLst>
+              <a:ext uri="{FF2B5EF4-FFF2-40B4-BE49-F238E27FC236}">
+                <a16:creationId xmlns:a16="http://schemas.microsoft.com/office/drawing/2014/main" id="{F467A54D-D7CF-D6E3-49BD-81B0D7558A07}"/>
+              </a:ext>
+            </a:extLst>
+          </p:cNvPr>
+          <p:cNvSpPr>
+            <a:spLocks noGrp="1"/>
+          </p:cNvSpPr>
+          <p:nvPr>
+            <p:ph sz="half" idx="2"/>
+          </p:nvPr>
+        </p:nvSpPr>
+        <p:spPr/>
+        <p:txBody>
+          <a:bodyPr/>
+          <a:lstStyle/>
+          <a:p>
+            <a:pPr marL="457200" rtl="0">
+              <a:spcBef>
+                <a:spcPts val="0"/>
+              </a:spcBef>
+              <a:spcAft>
+                <a:spcPts val="0"/>
+              </a:spcAft>
+            </a:pPr>
+            <a:r>
+              <a:rPr lang="ja-JP" altLang="en-US" sz="1800" b="1" i="0" u="none" strike="noStrike" dirty="0">
+                <a:solidFill>
+                  <a:srgbClr val="000000"/>
+                </a:solidFill>
+                <a:effectLst/>
+                <a:latin typeface="Arial" panose="020B0604020202020204" pitchFamily="34" charset="0"/>
+              </a:rPr>
+              <a:t>デバックで確認する箇所が分からない</a:t>
+            </a:r>
+            <a:endParaRPr lang="ja-JP" altLang="en-US" b="0" dirty="0">
+              <a:effectLst/>
+            </a:endParaRPr>
+          </a:p>
+          <a:p>
+            <a:pPr marL="0" indent="0">
+              <a:buNone/>
+            </a:pPr>
+            <a:br>
+              <a:rPr lang="ja-JP" altLang="en-US" dirty="0"/>
+            </a:br>
+            <a:endParaRPr kumimoji="1" lang="ja-JP" altLang="en-US" dirty="0"/>
+          </a:p>
+        </p:txBody>
+      </p:sp>
+      <p:sp>
+        <p:nvSpPr>
+          <p:cNvPr id="5" name="テキスト プレースホルダー 4">
+            <a:extLst>
+              <a:ext uri="{FF2B5EF4-FFF2-40B4-BE49-F238E27FC236}">
+                <a16:creationId xmlns:a16="http://schemas.microsoft.com/office/drawing/2014/main" id="{BC934BB8-7F9C-CF57-D83A-17992C515415}"/>
+              </a:ext>
+            </a:extLst>
+          </p:cNvPr>
+          <p:cNvSpPr>
+            <a:spLocks noGrp="1"/>
+          </p:cNvSpPr>
+          <p:nvPr>
+            <p:ph type="body" sz="quarter" idx="3"/>
+          </p:nvPr>
+        </p:nvSpPr>
+        <p:spPr/>
+        <p:txBody>
+          <a:bodyPr/>
+          <a:lstStyle/>
+          <a:p>
+            <a:endParaRPr kumimoji="1" lang="ja-JP" altLang="en-US" dirty="0"/>
+          </a:p>
+        </p:txBody>
+      </p:sp>
+      <p:sp>
+        <p:nvSpPr>
+          <p:cNvPr id="6" name="コンテンツ プレースホルダー 5">
+            <a:extLst>
+              <a:ext uri="{FF2B5EF4-FFF2-40B4-BE49-F238E27FC236}">
+                <a16:creationId xmlns:a16="http://schemas.microsoft.com/office/drawing/2014/main" id="{B57410F4-590B-1857-A50E-46D4DAF736FE}"/>
+              </a:ext>
+            </a:extLst>
+          </p:cNvPr>
+          <p:cNvSpPr>
+            <a:spLocks noGrp="1"/>
+          </p:cNvSpPr>
+          <p:nvPr>
+            <p:ph sz="quarter" idx="4"/>
+          </p:nvPr>
+        </p:nvSpPr>
+        <p:spPr/>
+        <p:txBody>
+          <a:bodyPr/>
+          <a:lstStyle/>
+          <a:p>
+            <a:pPr marL="457200" rtl="0">
+              <a:spcBef>
+                <a:spcPts val="0"/>
+              </a:spcBef>
+              <a:spcAft>
+                <a:spcPts val="0"/>
+              </a:spcAft>
+            </a:pPr>
+            <a:r>
+              <a:rPr lang="ja-JP" altLang="en-US" sz="1800" b="1" i="0" u="none" strike="noStrike" dirty="0">
+                <a:solidFill>
+                  <a:srgbClr val="000000"/>
+                </a:solidFill>
+                <a:effectLst/>
+                <a:latin typeface="Arial" panose="020B0604020202020204" pitchFamily="34" charset="0"/>
+              </a:rPr>
+              <a:t>デバックに関しては特にデータのやり取り、スコープを扱う際に苦労した。例えば、サーブレットで</a:t>
+            </a:r>
+            <a:r>
+              <a:rPr lang="en-US" altLang="ja-JP" sz="1800" b="1" i="0" u="none" strike="noStrike" dirty="0">
+                <a:solidFill>
+                  <a:srgbClr val="000000"/>
+                </a:solidFill>
+                <a:effectLst/>
+                <a:latin typeface="Arial" panose="020B0604020202020204" pitchFamily="34" charset="0"/>
+              </a:rPr>
+              <a:t>Dao</a:t>
+            </a:r>
+            <a:r>
+              <a:rPr lang="ja-JP" altLang="en-US" sz="1800" b="1" i="0" u="none" strike="noStrike" dirty="0">
+                <a:solidFill>
+                  <a:srgbClr val="000000"/>
+                </a:solidFill>
+                <a:effectLst/>
+                <a:latin typeface="Arial" panose="020B0604020202020204" pitchFamily="34" charset="0"/>
+              </a:rPr>
+              <a:t>から取ってきたデータをスコープに格納し</a:t>
+            </a:r>
+            <a:r>
+              <a:rPr lang="en-US" altLang="ja-JP" sz="1800" b="1" i="0" u="none" strike="noStrike" dirty="0">
+                <a:solidFill>
+                  <a:srgbClr val="000000"/>
+                </a:solidFill>
+                <a:effectLst/>
+                <a:latin typeface="Arial" panose="020B0604020202020204" pitchFamily="34" charset="0"/>
+              </a:rPr>
+              <a:t>JSP</a:t>
+            </a:r>
+            <a:r>
+              <a:rPr lang="ja-JP" altLang="en-US" sz="1800" b="1" i="0" u="none" strike="noStrike" dirty="0">
+                <a:solidFill>
+                  <a:srgbClr val="000000"/>
+                </a:solidFill>
+                <a:effectLst/>
+                <a:latin typeface="Arial" panose="020B0604020202020204" pitchFamily="34" charset="0"/>
+              </a:rPr>
+              <a:t>にフォワードするとき、</a:t>
+            </a:r>
+            <a:r>
+              <a:rPr lang="en-US" altLang="ja-JP" sz="1800" b="1" i="0" u="none" strike="noStrike" dirty="0">
+                <a:solidFill>
+                  <a:srgbClr val="000000"/>
+                </a:solidFill>
+                <a:effectLst/>
+                <a:latin typeface="Arial" panose="020B0604020202020204" pitchFamily="34" charset="0"/>
+              </a:rPr>
+              <a:t>Dao</a:t>
+            </a:r>
+            <a:r>
+              <a:rPr lang="ja-JP" altLang="en-US" sz="1800" b="1" i="0" u="none" strike="noStrike" dirty="0">
+                <a:solidFill>
+                  <a:srgbClr val="000000"/>
+                </a:solidFill>
+                <a:effectLst/>
+                <a:latin typeface="Arial" panose="020B0604020202020204" pitchFamily="34" charset="0"/>
+              </a:rPr>
+              <a:t>から得たデータをスコープに格納する処理の後には、スコープにデータが入ってないといけない、などの判断ができないまま単に形だけのデバッグを行ってしまった。</a:t>
+            </a:r>
+            <a:endParaRPr lang="ja-JP" altLang="en-US" sz="1600" b="0" dirty="0">
+              <a:effectLst/>
+            </a:endParaRPr>
+          </a:p>
+          <a:p>
+            <a:br>
+              <a:rPr lang="ja-JP" altLang="en-US" sz="1600" dirty="0"/>
+            </a:br>
+            <a:endParaRPr kumimoji="1" lang="ja-JP" altLang="en-US" dirty="0"/>
+          </a:p>
+        </p:txBody>
+      </p:sp>
+    </p:spTree>
+    <p:extLst>
+      <p:ext uri="{BB962C8B-B14F-4D97-AF65-F5344CB8AC3E}">
+        <p14:creationId xmlns:p14="http://schemas.microsoft.com/office/powerpoint/2010/main" val="3299395962"/>
+      </p:ext>
+    </p:extLst>
+  </p:cSld>
+  <p:clrMapOvr>
+    <a:masterClrMapping/>
+  </p:clrMapOvr>
+</p:sld>
+</file>
+
+<file path=ppt/slides/slide29.xml><?xml version="1.0" encoding="utf-8"?>
+<p:sld xmlns:a="http://schemas.openxmlformats.org/drawingml/2006/main" xmlns:r="http://schemas.openxmlformats.org/officeDocument/2006/relationships" xmlns:p="http://schemas.openxmlformats.org/presentationml/2006/main">
+  <p:cSld>
+    <p:spTree>
+      <p:nvGrpSpPr>
+        <p:cNvPr id="1" name=""/>
+        <p:cNvGrpSpPr/>
+        <p:nvPr/>
+      </p:nvGrpSpPr>
+      <p:grpSpPr>
+        <a:xfrm>
+          <a:off x="0" y="0"/>
+          <a:ext cx="0" cy="0"/>
+          <a:chOff x="0" y="0"/>
+          <a:chExt cx="0" cy="0"/>
+        </a:xfrm>
+      </p:grpSpPr>
+      <p:sp>
+        <p:nvSpPr>
+          <p:cNvPr id="2" name="タイトル 1">
+            <a:extLst>
+              <a:ext uri="{FF2B5EF4-FFF2-40B4-BE49-F238E27FC236}">
+                <a16:creationId xmlns:a16="http://schemas.microsoft.com/office/drawing/2014/main" id="{978929CC-976C-9650-9E5F-5F98C884B91D}"/>
+              </a:ext>
+            </a:extLst>
+          </p:cNvPr>
+          <p:cNvSpPr>
+            <a:spLocks noGrp="1"/>
+          </p:cNvSpPr>
+          <p:nvPr>
+            <p:ph type="title"/>
+          </p:nvPr>
+        </p:nvSpPr>
+        <p:spPr/>
+        <p:txBody>
+          <a:bodyPr/>
+          <a:lstStyle/>
+          <a:p>
+            <a:r>
+              <a:rPr kumimoji="1" lang="ja-JP" altLang="en-US" dirty="0"/>
+              <a:t>コミュニケーション</a:t>
+            </a:r>
+          </a:p>
+        </p:txBody>
+      </p:sp>
+      <p:sp>
+        <p:nvSpPr>
+          <p:cNvPr id="3" name="テキスト プレースホルダー 2">
+            <a:extLst>
+              <a:ext uri="{FF2B5EF4-FFF2-40B4-BE49-F238E27FC236}">
+                <a16:creationId xmlns:a16="http://schemas.microsoft.com/office/drawing/2014/main" id="{BE9A0FF8-3D80-EA53-0CC6-00A8D18F8CD9}"/>
+              </a:ext>
+            </a:extLst>
+          </p:cNvPr>
+          <p:cNvSpPr>
+            <a:spLocks noGrp="1"/>
+          </p:cNvSpPr>
+          <p:nvPr>
+            <p:ph type="body" idx="1"/>
+          </p:nvPr>
+        </p:nvSpPr>
+        <p:spPr/>
+        <p:txBody>
+          <a:bodyPr/>
+          <a:lstStyle/>
+          <a:p>
+            <a:endParaRPr kumimoji="1" lang="ja-JP" altLang="en-US"/>
+          </a:p>
+        </p:txBody>
+      </p:sp>
+    </p:spTree>
+    <p:extLst>
+      <p:ext uri="{BB962C8B-B14F-4D97-AF65-F5344CB8AC3E}">
+        <p14:creationId xmlns:p14="http://schemas.microsoft.com/office/powerpoint/2010/main" val="3752325654"/>
+      </p:ext>
+    </p:extLst>
+  </p:cSld>
+  <p:clrMapOvr>
+    <a:masterClrMapping/>
+  </p:clrMapOvr>
+</p:sld>
+</file>
+
 <file path=ppt/slides/slide3.xml><?xml version="1.0" encoding="utf-8"?>
 <p:sld xmlns:a="http://schemas.openxmlformats.org/drawingml/2006/main" xmlns:r="http://schemas.openxmlformats.org/officeDocument/2006/relationships" xmlns:p="http://schemas.openxmlformats.org/presentationml/2006/main">
   <p:cSld>

--- a/C-3_配布資料/0630_C3_発表資料.pptx
+++ b/C-3_配布資料/0630_C3_発表資料.pptx
@@ -6,7 +6,7 @@
     <p:sldMasterId id="2147483701" r:id="rId2"/>
   </p:sldMasterIdLst>
   <p:notesMasterIdLst>
-    <p:notesMasterId r:id="rId32"/>
+    <p:notesMasterId r:id="rId38"/>
   </p:notesMasterIdLst>
   <p:sldIdLst>
     <p:sldId id="256" r:id="rId3"/>
@@ -33,11 +33,17 @@
     <p:sldId id="282" r:id="rId24"/>
     <p:sldId id="279" r:id="rId25"/>
     <p:sldId id="283" r:id="rId26"/>
-    <p:sldId id="285" r:id="rId27"/>
-    <p:sldId id="288" r:id="rId28"/>
-    <p:sldId id="286" r:id="rId29"/>
+    <p:sldId id="290" r:id="rId27"/>
+    <p:sldId id="285" r:id="rId28"/>
+    <p:sldId id="289" r:id="rId29"/>
     <p:sldId id="287" r:id="rId30"/>
     <p:sldId id="284" r:id="rId31"/>
+    <p:sldId id="291" r:id="rId32"/>
+    <p:sldId id="293" r:id="rId33"/>
+    <p:sldId id="292" r:id="rId34"/>
+    <p:sldId id="294" r:id="rId35"/>
+    <p:sldId id="295" r:id="rId36"/>
+    <p:sldId id="296" r:id="rId37"/>
   </p:sldIdLst>
   <p:sldSz cx="12192000" cy="6858000"/>
   <p:notesSz cx="6858000" cy="9144000"/>
@@ -5907,6 +5913,753 @@
 </dgm:colorsDef>
 </file>
 
+<file path=ppt/diagrams/colors6.xml><?xml version="1.0" encoding="utf-8"?>
+<dgm:colorsDef xmlns:dgm="http://schemas.openxmlformats.org/drawingml/2006/diagram" xmlns:a="http://schemas.openxmlformats.org/drawingml/2006/main" uniqueId="urn:microsoft.com/office/officeart/2005/8/colors/accent2_2">
+  <dgm:title val=""/>
+  <dgm:desc val=""/>
+  <dgm:catLst>
+    <dgm:cat type="accent2" pri="11200"/>
+  </dgm:catLst>
+  <dgm:styleLbl name="node0">
+    <dgm:fillClrLst meth="repeat">
+      <a:schemeClr val="accent2"/>
+    </dgm:fillClrLst>
+    <dgm:linClrLst meth="repeat">
+      <a:schemeClr val="lt1"/>
+    </dgm:linClrLst>
+    <dgm:effectClrLst/>
+    <dgm:txLinClrLst/>
+    <dgm:txFillClrLst/>
+    <dgm:txEffectClrLst/>
+  </dgm:styleLbl>
+  <dgm:styleLbl name="node1">
+    <dgm:fillClrLst meth="repeat">
+      <a:schemeClr val="accent2"/>
+    </dgm:fillClrLst>
+    <dgm:linClrLst meth="repeat">
+      <a:schemeClr val="lt1"/>
+    </dgm:linClrLst>
+    <dgm:effectClrLst/>
+    <dgm:txLinClrLst/>
+    <dgm:txFillClrLst/>
+    <dgm:txEffectClrLst/>
+  </dgm:styleLbl>
+  <dgm:styleLbl name="alignNode1">
+    <dgm:fillClrLst meth="repeat">
+      <a:schemeClr val="accent2"/>
+    </dgm:fillClrLst>
+    <dgm:linClrLst meth="repeat">
+      <a:schemeClr val="accent2"/>
+    </dgm:linClrLst>
+    <dgm:effectClrLst/>
+    <dgm:txLinClrLst/>
+    <dgm:txFillClrLst/>
+    <dgm:txEffectClrLst/>
+  </dgm:styleLbl>
+  <dgm:styleLbl name="lnNode1">
+    <dgm:fillClrLst meth="repeat">
+      <a:schemeClr val="accent2"/>
+    </dgm:fillClrLst>
+    <dgm:linClrLst meth="repeat">
+      <a:schemeClr val="lt1"/>
+    </dgm:linClrLst>
+    <dgm:effectClrLst/>
+    <dgm:txLinClrLst/>
+    <dgm:txFillClrLst/>
+    <dgm:txEffectClrLst/>
+  </dgm:styleLbl>
+  <dgm:styleLbl name="vennNode1">
+    <dgm:fillClrLst meth="repeat">
+      <a:schemeClr val="accent2">
+        <a:alpha val="50000"/>
+      </a:schemeClr>
+    </dgm:fillClrLst>
+    <dgm:linClrLst meth="repeat">
+      <a:schemeClr val="lt1"/>
+    </dgm:linClrLst>
+    <dgm:effectClrLst/>
+    <dgm:txLinClrLst/>
+    <dgm:txFillClrLst/>
+    <dgm:txEffectClrLst/>
+  </dgm:styleLbl>
+  <dgm:styleLbl name="node2">
+    <dgm:fillClrLst meth="repeat">
+      <a:schemeClr val="accent2"/>
+    </dgm:fillClrLst>
+    <dgm:linClrLst meth="repeat">
+      <a:schemeClr val="lt1"/>
+    </dgm:linClrLst>
+    <dgm:effectClrLst/>
+    <dgm:txLinClrLst/>
+    <dgm:txFillClrLst/>
+    <dgm:txEffectClrLst/>
+  </dgm:styleLbl>
+  <dgm:styleLbl name="node3">
+    <dgm:fillClrLst meth="repeat">
+      <a:schemeClr val="accent2"/>
+    </dgm:fillClrLst>
+    <dgm:linClrLst meth="repeat">
+      <a:schemeClr val="lt1"/>
+    </dgm:linClrLst>
+    <dgm:effectClrLst/>
+    <dgm:txLinClrLst/>
+    <dgm:txFillClrLst/>
+    <dgm:txEffectClrLst/>
+  </dgm:styleLbl>
+  <dgm:styleLbl name="node4">
+    <dgm:fillClrLst meth="repeat">
+      <a:schemeClr val="accent2"/>
+    </dgm:fillClrLst>
+    <dgm:linClrLst meth="repeat">
+      <a:schemeClr val="lt1"/>
+    </dgm:linClrLst>
+    <dgm:effectClrLst/>
+    <dgm:txLinClrLst/>
+    <dgm:txFillClrLst/>
+    <dgm:txEffectClrLst/>
+  </dgm:styleLbl>
+  <dgm:styleLbl name="fgImgPlace1">
+    <dgm:fillClrLst meth="repeat">
+      <a:schemeClr val="accent2">
+        <a:tint val="50000"/>
+      </a:schemeClr>
+    </dgm:fillClrLst>
+    <dgm:linClrLst meth="repeat">
+      <a:schemeClr val="lt1"/>
+    </dgm:linClrLst>
+    <dgm:effectClrLst/>
+    <dgm:txLinClrLst/>
+    <dgm:txFillClrLst meth="repeat">
+      <a:schemeClr val="lt1"/>
+    </dgm:txFillClrLst>
+    <dgm:txEffectClrLst/>
+  </dgm:styleLbl>
+  <dgm:styleLbl name="alignImgPlace1">
+    <dgm:fillClrLst meth="repeat">
+      <a:schemeClr val="accent2">
+        <a:tint val="50000"/>
+      </a:schemeClr>
+    </dgm:fillClrLst>
+    <dgm:linClrLst meth="repeat">
+      <a:schemeClr val="lt1"/>
+    </dgm:linClrLst>
+    <dgm:effectClrLst/>
+    <dgm:txLinClrLst/>
+    <dgm:txFillClrLst meth="repeat">
+      <a:schemeClr val="lt1"/>
+    </dgm:txFillClrLst>
+    <dgm:txEffectClrLst/>
+  </dgm:styleLbl>
+  <dgm:styleLbl name="bgImgPlace1">
+    <dgm:fillClrLst meth="repeat">
+      <a:schemeClr val="accent2">
+        <a:tint val="50000"/>
+      </a:schemeClr>
+    </dgm:fillClrLst>
+    <dgm:linClrLst meth="repeat">
+      <a:schemeClr val="lt1"/>
+    </dgm:linClrLst>
+    <dgm:effectClrLst/>
+    <dgm:txLinClrLst/>
+    <dgm:txFillClrLst meth="repeat">
+      <a:schemeClr val="lt1"/>
+    </dgm:txFillClrLst>
+    <dgm:txEffectClrLst/>
+  </dgm:styleLbl>
+  <dgm:styleLbl name="sibTrans2D1">
+    <dgm:fillClrLst meth="repeat">
+      <a:schemeClr val="accent2">
+        <a:tint val="60000"/>
+      </a:schemeClr>
+    </dgm:fillClrLst>
+    <dgm:linClrLst meth="repeat">
+      <a:schemeClr val="accent2">
+        <a:tint val="60000"/>
+      </a:schemeClr>
+    </dgm:linClrLst>
+    <dgm:effectClrLst/>
+    <dgm:txLinClrLst/>
+    <dgm:txFillClrLst/>
+    <dgm:txEffectClrLst/>
+  </dgm:styleLbl>
+  <dgm:styleLbl name="fgSibTrans2D1">
+    <dgm:fillClrLst meth="repeat">
+      <a:schemeClr val="accent2">
+        <a:tint val="60000"/>
+      </a:schemeClr>
+    </dgm:fillClrLst>
+    <dgm:linClrLst meth="repeat">
+      <a:schemeClr val="accent2">
+        <a:tint val="60000"/>
+      </a:schemeClr>
+    </dgm:linClrLst>
+    <dgm:effectClrLst/>
+    <dgm:txLinClrLst/>
+    <dgm:txFillClrLst/>
+    <dgm:txEffectClrLst/>
+  </dgm:styleLbl>
+  <dgm:styleLbl name="bgSibTrans2D1">
+    <dgm:fillClrLst meth="repeat">
+      <a:schemeClr val="accent2">
+        <a:tint val="60000"/>
+      </a:schemeClr>
+    </dgm:fillClrLst>
+    <dgm:linClrLst meth="repeat">
+      <a:schemeClr val="accent2">
+        <a:tint val="60000"/>
+      </a:schemeClr>
+    </dgm:linClrLst>
+    <dgm:effectClrLst/>
+    <dgm:txLinClrLst/>
+    <dgm:txFillClrLst/>
+    <dgm:txEffectClrLst/>
+  </dgm:styleLbl>
+  <dgm:styleLbl name="sibTrans1D1">
+    <dgm:fillClrLst meth="repeat">
+      <a:schemeClr val="accent2"/>
+    </dgm:fillClrLst>
+    <dgm:linClrLst meth="repeat">
+      <a:schemeClr val="accent2"/>
+    </dgm:linClrLst>
+    <dgm:effectClrLst/>
+    <dgm:txLinClrLst/>
+    <dgm:txFillClrLst meth="repeat">
+      <a:schemeClr val="tx1"/>
+    </dgm:txFillClrLst>
+    <dgm:txEffectClrLst/>
+  </dgm:styleLbl>
+  <dgm:styleLbl name="callout">
+    <dgm:fillClrLst meth="repeat">
+      <a:schemeClr val="accent2"/>
+    </dgm:fillClrLst>
+    <dgm:linClrLst meth="repeat">
+      <a:schemeClr val="accent2">
+        <a:tint val="50000"/>
+      </a:schemeClr>
+    </dgm:linClrLst>
+    <dgm:effectClrLst/>
+    <dgm:txLinClrLst/>
+    <dgm:txFillClrLst meth="repeat">
+      <a:schemeClr val="tx1"/>
+    </dgm:txFillClrLst>
+    <dgm:txEffectClrLst/>
+  </dgm:styleLbl>
+  <dgm:styleLbl name="asst0">
+    <dgm:fillClrLst meth="repeat">
+      <a:schemeClr val="accent2"/>
+    </dgm:fillClrLst>
+    <dgm:linClrLst meth="repeat">
+      <a:schemeClr val="lt1"/>
+    </dgm:linClrLst>
+    <dgm:effectClrLst/>
+    <dgm:txLinClrLst/>
+    <dgm:txFillClrLst/>
+    <dgm:txEffectClrLst/>
+  </dgm:styleLbl>
+  <dgm:styleLbl name="asst1">
+    <dgm:fillClrLst meth="repeat">
+      <a:schemeClr val="accent2"/>
+    </dgm:fillClrLst>
+    <dgm:linClrLst meth="repeat">
+      <a:schemeClr val="lt1"/>
+    </dgm:linClrLst>
+    <dgm:effectClrLst/>
+    <dgm:txLinClrLst/>
+    <dgm:txFillClrLst/>
+    <dgm:txEffectClrLst/>
+  </dgm:styleLbl>
+  <dgm:styleLbl name="asst2">
+    <dgm:fillClrLst meth="repeat">
+      <a:schemeClr val="accent2"/>
+    </dgm:fillClrLst>
+    <dgm:linClrLst meth="repeat">
+      <a:schemeClr val="lt1"/>
+    </dgm:linClrLst>
+    <dgm:effectClrLst/>
+    <dgm:txLinClrLst/>
+    <dgm:txFillClrLst/>
+    <dgm:txEffectClrLst/>
+  </dgm:styleLbl>
+  <dgm:styleLbl name="asst3">
+    <dgm:fillClrLst meth="repeat">
+      <a:schemeClr val="accent2"/>
+    </dgm:fillClrLst>
+    <dgm:linClrLst meth="repeat">
+      <a:schemeClr val="lt1"/>
+    </dgm:linClrLst>
+    <dgm:effectClrLst/>
+    <dgm:txLinClrLst/>
+    <dgm:txFillClrLst/>
+    <dgm:txEffectClrLst/>
+  </dgm:styleLbl>
+  <dgm:styleLbl name="asst4">
+    <dgm:fillClrLst meth="repeat">
+      <a:schemeClr val="accent2"/>
+    </dgm:fillClrLst>
+    <dgm:linClrLst meth="repeat">
+      <a:schemeClr val="lt1"/>
+    </dgm:linClrLst>
+    <dgm:effectClrLst/>
+    <dgm:txLinClrLst/>
+    <dgm:txFillClrLst/>
+    <dgm:txEffectClrLst/>
+  </dgm:styleLbl>
+  <dgm:styleLbl name="parChTrans2D1">
+    <dgm:fillClrLst meth="repeat">
+      <a:schemeClr val="accent2">
+        <a:tint val="60000"/>
+      </a:schemeClr>
+    </dgm:fillClrLst>
+    <dgm:linClrLst meth="repeat">
+      <a:schemeClr val="accent2">
+        <a:tint val="60000"/>
+      </a:schemeClr>
+    </dgm:linClrLst>
+    <dgm:effectClrLst/>
+    <dgm:txLinClrLst/>
+    <dgm:txFillClrLst meth="repeat">
+      <a:schemeClr val="lt1"/>
+    </dgm:txFillClrLst>
+    <dgm:txEffectClrLst/>
+  </dgm:styleLbl>
+  <dgm:styleLbl name="parChTrans2D2">
+    <dgm:fillClrLst meth="repeat">
+      <a:schemeClr val="accent2"/>
+    </dgm:fillClrLst>
+    <dgm:linClrLst meth="repeat">
+      <a:schemeClr val="accent2"/>
+    </dgm:linClrLst>
+    <dgm:effectClrLst/>
+    <dgm:txLinClrLst/>
+    <dgm:txFillClrLst meth="repeat">
+      <a:schemeClr val="lt1"/>
+    </dgm:txFillClrLst>
+    <dgm:txEffectClrLst/>
+  </dgm:styleLbl>
+  <dgm:styleLbl name="parChTrans2D3">
+    <dgm:fillClrLst meth="repeat">
+      <a:schemeClr val="accent2"/>
+    </dgm:fillClrLst>
+    <dgm:linClrLst meth="repeat">
+      <a:schemeClr val="accent2"/>
+    </dgm:linClrLst>
+    <dgm:effectClrLst/>
+    <dgm:txLinClrLst/>
+    <dgm:txFillClrLst meth="repeat">
+      <a:schemeClr val="lt1"/>
+    </dgm:txFillClrLst>
+    <dgm:txEffectClrLst/>
+  </dgm:styleLbl>
+  <dgm:styleLbl name="parChTrans2D4">
+    <dgm:fillClrLst meth="repeat">
+      <a:schemeClr val="accent2"/>
+    </dgm:fillClrLst>
+    <dgm:linClrLst meth="repeat">
+      <a:schemeClr val="accent2"/>
+    </dgm:linClrLst>
+    <dgm:effectClrLst/>
+    <dgm:txLinClrLst/>
+    <dgm:txFillClrLst meth="repeat">
+      <a:schemeClr val="lt1"/>
+    </dgm:txFillClrLst>
+    <dgm:txEffectClrLst/>
+  </dgm:styleLbl>
+  <dgm:styleLbl name="parChTrans1D1">
+    <dgm:fillClrLst meth="repeat">
+      <a:schemeClr val="accent2"/>
+    </dgm:fillClrLst>
+    <dgm:linClrLst meth="repeat">
+      <a:schemeClr val="accent2">
+        <a:shade val="60000"/>
+      </a:schemeClr>
+    </dgm:linClrLst>
+    <dgm:effectClrLst/>
+    <dgm:txLinClrLst/>
+    <dgm:txFillClrLst meth="repeat">
+      <a:schemeClr val="tx1"/>
+    </dgm:txFillClrLst>
+    <dgm:txEffectClrLst/>
+  </dgm:styleLbl>
+  <dgm:styleLbl name="parChTrans1D2">
+    <dgm:fillClrLst meth="repeat">
+      <a:schemeClr val="accent2"/>
+    </dgm:fillClrLst>
+    <dgm:linClrLst meth="repeat">
+      <a:schemeClr val="accent2">
+        <a:shade val="60000"/>
+      </a:schemeClr>
+    </dgm:linClrLst>
+    <dgm:effectClrLst/>
+    <dgm:txLinClrLst/>
+    <dgm:txFillClrLst meth="repeat">
+      <a:schemeClr val="tx1"/>
+    </dgm:txFillClrLst>
+    <dgm:txEffectClrLst/>
+  </dgm:styleLbl>
+  <dgm:styleLbl name="parChTrans1D3">
+    <dgm:fillClrLst meth="repeat">
+      <a:schemeClr val="accent2"/>
+    </dgm:fillClrLst>
+    <dgm:linClrLst meth="repeat">
+      <a:schemeClr val="accent2">
+        <a:shade val="80000"/>
+      </a:schemeClr>
+    </dgm:linClrLst>
+    <dgm:effectClrLst/>
+    <dgm:txLinClrLst/>
+    <dgm:txFillClrLst meth="repeat">
+      <a:schemeClr val="tx1"/>
+    </dgm:txFillClrLst>
+    <dgm:txEffectClrLst/>
+  </dgm:styleLbl>
+  <dgm:styleLbl name="parChTrans1D4">
+    <dgm:fillClrLst meth="repeat">
+      <a:schemeClr val="accent2"/>
+    </dgm:fillClrLst>
+    <dgm:linClrLst meth="repeat">
+      <a:schemeClr val="accent2">
+        <a:shade val="80000"/>
+      </a:schemeClr>
+    </dgm:linClrLst>
+    <dgm:effectClrLst/>
+    <dgm:txLinClrLst/>
+    <dgm:txFillClrLst meth="repeat">
+      <a:schemeClr val="tx1"/>
+    </dgm:txFillClrLst>
+    <dgm:txEffectClrLst/>
+  </dgm:styleLbl>
+  <dgm:styleLbl name="fgAcc1">
+    <dgm:fillClrLst meth="repeat">
+      <a:schemeClr val="lt1">
+        <a:alpha val="90000"/>
+      </a:schemeClr>
+    </dgm:fillClrLst>
+    <dgm:linClrLst meth="repeat">
+      <a:schemeClr val="accent2"/>
+    </dgm:linClrLst>
+    <dgm:effectClrLst/>
+    <dgm:txLinClrLst/>
+    <dgm:txFillClrLst meth="repeat">
+      <a:schemeClr val="dk1"/>
+    </dgm:txFillClrLst>
+    <dgm:txEffectClrLst/>
+  </dgm:styleLbl>
+  <dgm:styleLbl name="conFgAcc1">
+    <dgm:fillClrLst meth="repeat">
+      <a:schemeClr val="lt1">
+        <a:alpha val="90000"/>
+      </a:schemeClr>
+    </dgm:fillClrLst>
+    <dgm:linClrLst meth="repeat">
+      <a:schemeClr val="accent2"/>
+    </dgm:linClrLst>
+    <dgm:effectClrLst/>
+    <dgm:txLinClrLst/>
+    <dgm:txFillClrLst meth="repeat">
+      <a:schemeClr val="dk1"/>
+    </dgm:txFillClrLst>
+    <dgm:txEffectClrLst/>
+  </dgm:styleLbl>
+  <dgm:styleLbl name="alignAcc1">
+    <dgm:fillClrLst meth="repeat">
+      <a:schemeClr val="lt1">
+        <a:alpha val="90000"/>
+      </a:schemeClr>
+    </dgm:fillClrLst>
+    <dgm:linClrLst meth="repeat">
+      <a:schemeClr val="accent2"/>
+    </dgm:linClrLst>
+    <dgm:effectClrLst/>
+    <dgm:txLinClrLst/>
+    <dgm:txFillClrLst meth="repeat">
+      <a:schemeClr val="dk1"/>
+    </dgm:txFillClrLst>
+    <dgm:txEffectClrLst/>
+  </dgm:styleLbl>
+  <dgm:styleLbl name="trAlignAcc1">
+    <dgm:fillClrLst meth="repeat">
+      <a:schemeClr val="lt1">
+        <a:alpha val="40000"/>
+      </a:schemeClr>
+    </dgm:fillClrLst>
+    <dgm:linClrLst meth="repeat">
+      <a:schemeClr val="accent2"/>
+    </dgm:linClrLst>
+    <dgm:effectClrLst/>
+    <dgm:txLinClrLst/>
+    <dgm:txFillClrLst meth="repeat">
+      <a:schemeClr val="dk1"/>
+    </dgm:txFillClrLst>
+    <dgm:txEffectClrLst/>
+  </dgm:styleLbl>
+  <dgm:styleLbl name="bgAcc1">
+    <dgm:fillClrLst meth="repeat">
+      <a:schemeClr val="lt1">
+        <a:alpha val="90000"/>
+      </a:schemeClr>
+    </dgm:fillClrLst>
+    <dgm:linClrLst meth="repeat">
+      <a:schemeClr val="accent2"/>
+    </dgm:linClrLst>
+    <dgm:effectClrLst/>
+    <dgm:txLinClrLst/>
+    <dgm:txFillClrLst meth="repeat">
+      <a:schemeClr val="dk1"/>
+    </dgm:txFillClrLst>
+    <dgm:txEffectClrLst/>
+  </dgm:styleLbl>
+  <dgm:styleLbl name="solidFgAcc1">
+    <dgm:fillClrLst meth="repeat">
+      <a:schemeClr val="lt1"/>
+    </dgm:fillClrLst>
+    <dgm:linClrLst meth="repeat">
+      <a:schemeClr val="accent2"/>
+    </dgm:linClrLst>
+    <dgm:effectClrLst/>
+    <dgm:txLinClrLst/>
+    <dgm:txFillClrLst meth="repeat">
+      <a:schemeClr val="dk1"/>
+    </dgm:txFillClrLst>
+    <dgm:txEffectClrLst/>
+  </dgm:styleLbl>
+  <dgm:styleLbl name="solidAlignAcc1">
+    <dgm:fillClrLst meth="repeat">
+      <a:schemeClr val="lt1"/>
+    </dgm:fillClrLst>
+    <dgm:linClrLst meth="repeat">
+      <a:schemeClr val="accent2"/>
+    </dgm:linClrLst>
+    <dgm:effectClrLst/>
+    <dgm:txLinClrLst/>
+    <dgm:txFillClrLst meth="repeat">
+      <a:schemeClr val="dk1"/>
+    </dgm:txFillClrLst>
+    <dgm:txEffectClrLst/>
+  </dgm:styleLbl>
+  <dgm:styleLbl name="solidBgAcc1">
+    <dgm:fillClrLst meth="repeat">
+      <a:schemeClr val="lt1"/>
+    </dgm:fillClrLst>
+    <dgm:linClrLst meth="repeat">
+      <a:schemeClr val="accent2"/>
+    </dgm:linClrLst>
+    <dgm:effectClrLst/>
+    <dgm:txLinClrLst/>
+    <dgm:txFillClrLst meth="repeat">
+      <a:schemeClr val="dk1"/>
+    </dgm:txFillClrLst>
+    <dgm:txEffectClrLst/>
+  </dgm:styleLbl>
+  <dgm:styleLbl name="fgAccFollowNode1">
+    <dgm:fillClrLst meth="repeat">
+      <a:schemeClr val="accent2">
+        <a:alpha val="90000"/>
+        <a:tint val="40000"/>
+      </a:schemeClr>
+    </dgm:fillClrLst>
+    <dgm:linClrLst meth="repeat">
+      <a:schemeClr val="accent2">
+        <a:alpha val="90000"/>
+        <a:tint val="40000"/>
+      </a:schemeClr>
+    </dgm:linClrLst>
+    <dgm:effectClrLst/>
+    <dgm:txLinClrLst/>
+    <dgm:txFillClrLst meth="repeat">
+      <a:schemeClr val="dk1"/>
+    </dgm:txFillClrLst>
+    <dgm:txEffectClrLst/>
+  </dgm:styleLbl>
+  <dgm:styleLbl name="alignAccFollowNode1">
+    <dgm:fillClrLst meth="repeat">
+      <a:schemeClr val="accent2">
+        <a:alpha val="90000"/>
+        <a:tint val="40000"/>
+      </a:schemeClr>
+    </dgm:fillClrLst>
+    <dgm:linClrLst meth="repeat">
+      <a:schemeClr val="accent2">
+        <a:alpha val="90000"/>
+        <a:tint val="40000"/>
+      </a:schemeClr>
+    </dgm:linClrLst>
+    <dgm:effectClrLst/>
+    <dgm:txLinClrLst/>
+    <dgm:txFillClrLst meth="repeat">
+      <a:schemeClr val="dk1"/>
+    </dgm:txFillClrLst>
+    <dgm:txEffectClrLst/>
+  </dgm:styleLbl>
+  <dgm:styleLbl name="bgAccFollowNode1">
+    <dgm:fillClrLst meth="repeat">
+      <a:schemeClr val="accent2">
+        <a:alpha val="90000"/>
+        <a:tint val="40000"/>
+      </a:schemeClr>
+    </dgm:fillClrLst>
+    <dgm:linClrLst meth="repeat">
+      <a:schemeClr val="accent2">
+        <a:alpha val="90000"/>
+        <a:tint val="40000"/>
+      </a:schemeClr>
+    </dgm:linClrLst>
+    <dgm:effectClrLst/>
+    <dgm:txLinClrLst/>
+    <dgm:txFillClrLst meth="repeat">
+      <a:schemeClr val="dk1"/>
+    </dgm:txFillClrLst>
+    <dgm:txEffectClrLst/>
+  </dgm:styleLbl>
+  <dgm:styleLbl name="fgAcc0">
+    <dgm:fillClrLst meth="repeat">
+      <a:schemeClr val="lt1">
+        <a:alpha val="90000"/>
+      </a:schemeClr>
+    </dgm:fillClrLst>
+    <dgm:linClrLst meth="repeat">
+      <a:schemeClr val="accent2"/>
+    </dgm:linClrLst>
+    <dgm:effectClrLst/>
+    <dgm:txLinClrLst/>
+    <dgm:txFillClrLst meth="repeat">
+      <a:schemeClr val="dk1"/>
+    </dgm:txFillClrLst>
+    <dgm:txEffectClrLst/>
+  </dgm:styleLbl>
+  <dgm:styleLbl name="fgAcc2">
+    <dgm:fillClrLst meth="repeat">
+      <a:schemeClr val="lt1">
+        <a:alpha val="90000"/>
+      </a:schemeClr>
+    </dgm:fillClrLst>
+    <dgm:linClrLst meth="repeat">
+      <a:schemeClr val="accent2"/>
+    </dgm:linClrLst>
+    <dgm:effectClrLst/>
+    <dgm:txLinClrLst/>
+    <dgm:txFillClrLst meth="repeat">
+      <a:schemeClr val="dk1"/>
+    </dgm:txFillClrLst>
+    <dgm:txEffectClrLst/>
+  </dgm:styleLbl>
+  <dgm:styleLbl name="fgAcc3">
+    <dgm:fillClrLst meth="repeat">
+      <a:schemeClr val="lt1">
+        <a:alpha val="90000"/>
+      </a:schemeClr>
+    </dgm:fillClrLst>
+    <dgm:linClrLst meth="repeat">
+      <a:schemeClr val="accent2"/>
+    </dgm:linClrLst>
+    <dgm:effectClrLst/>
+    <dgm:txLinClrLst/>
+    <dgm:txFillClrLst meth="repeat">
+      <a:schemeClr val="dk1"/>
+    </dgm:txFillClrLst>
+    <dgm:txEffectClrLst/>
+  </dgm:styleLbl>
+  <dgm:styleLbl name="fgAcc4">
+    <dgm:fillClrLst meth="repeat">
+      <a:schemeClr val="lt1">
+        <a:alpha val="90000"/>
+      </a:schemeClr>
+    </dgm:fillClrLst>
+    <dgm:linClrLst meth="repeat">
+      <a:schemeClr val="accent2"/>
+    </dgm:linClrLst>
+    <dgm:effectClrLst/>
+    <dgm:txLinClrLst/>
+    <dgm:txFillClrLst meth="repeat">
+      <a:schemeClr val="dk1"/>
+    </dgm:txFillClrLst>
+    <dgm:txEffectClrLst/>
+  </dgm:styleLbl>
+  <dgm:styleLbl name="bgShp">
+    <dgm:fillClrLst meth="repeat">
+      <a:schemeClr val="accent2">
+        <a:tint val="40000"/>
+      </a:schemeClr>
+    </dgm:fillClrLst>
+    <dgm:linClrLst meth="repeat">
+      <a:schemeClr val="accent2"/>
+    </dgm:linClrLst>
+    <dgm:effectClrLst/>
+    <dgm:txLinClrLst/>
+    <dgm:txFillClrLst meth="repeat">
+      <a:schemeClr val="dk1"/>
+    </dgm:txFillClrLst>
+    <dgm:txEffectClrLst/>
+  </dgm:styleLbl>
+  <dgm:styleLbl name="dkBgShp">
+    <dgm:fillClrLst meth="repeat">
+      <a:schemeClr val="accent2">
+        <a:shade val="80000"/>
+      </a:schemeClr>
+    </dgm:fillClrLst>
+    <dgm:linClrLst meth="repeat">
+      <a:schemeClr val="accent2"/>
+    </dgm:linClrLst>
+    <dgm:effectClrLst/>
+    <dgm:txLinClrLst/>
+    <dgm:txFillClrLst meth="repeat">
+      <a:schemeClr val="lt1"/>
+    </dgm:txFillClrLst>
+    <dgm:txEffectClrLst/>
+  </dgm:styleLbl>
+  <dgm:styleLbl name="trBgShp">
+    <dgm:fillClrLst meth="repeat">
+      <a:schemeClr val="accent2">
+        <a:tint val="50000"/>
+        <a:alpha val="40000"/>
+      </a:schemeClr>
+    </dgm:fillClrLst>
+    <dgm:linClrLst meth="repeat">
+      <a:schemeClr val="accent2"/>
+    </dgm:linClrLst>
+    <dgm:effectClrLst/>
+    <dgm:txLinClrLst/>
+    <dgm:txFillClrLst meth="repeat">
+      <a:schemeClr val="lt1"/>
+    </dgm:txFillClrLst>
+    <dgm:txEffectClrLst/>
+  </dgm:styleLbl>
+  <dgm:styleLbl name="fgShp">
+    <dgm:fillClrLst meth="repeat">
+      <a:schemeClr val="accent2">
+        <a:tint val="60000"/>
+      </a:schemeClr>
+    </dgm:fillClrLst>
+    <dgm:linClrLst meth="repeat">
+      <a:schemeClr val="lt1"/>
+    </dgm:linClrLst>
+    <dgm:effectClrLst/>
+    <dgm:txLinClrLst/>
+    <dgm:txFillClrLst meth="repeat">
+      <a:schemeClr val="dk1"/>
+    </dgm:txFillClrLst>
+    <dgm:txEffectClrLst/>
+  </dgm:styleLbl>
+  <dgm:styleLbl name="revTx">
+    <dgm:fillClrLst meth="repeat">
+      <a:schemeClr val="lt1">
+        <a:alpha val="0"/>
+      </a:schemeClr>
+    </dgm:fillClrLst>
+    <dgm:linClrLst meth="repeat">
+      <a:schemeClr val="dk1">
+        <a:alpha val="0"/>
+      </a:schemeClr>
+    </dgm:linClrLst>
+    <dgm:effectClrLst/>
+    <dgm:txLinClrLst/>
+    <dgm:txFillClrLst meth="repeat">
+      <a:schemeClr val="tx1"/>
+    </dgm:txFillClrLst>
+    <dgm:txEffectClrLst/>
+  </dgm:styleLbl>
+</dgm:colorsDef>
+</file>
+
 <file path=ppt/diagrams/data1.xml><?xml version="1.0" encoding="utf-8"?>
 <dgm:dataModel xmlns:dgm="http://schemas.openxmlformats.org/drawingml/2006/diagram" xmlns:a="http://schemas.openxmlformats.org/drawingml/2006/main">
   <dgm:ptLst>
@@ -7383,6 +8136,200 @@
     <dgm:cxn modelId="{205ED9F0-9981-413F-8256-0582ACD3D7C4}" type="presParOf" srcId="{2885B3A2-864D-4E3C-B0EC-A1AE97421689}" destId="{D7E7FE49-62B5-4032-9B39-801764BA84A5}" srcOrd="1" destOrd="0" presId="urn:microsoft.com/office/officeart/2005/8/layout/vList2"/>
     <dgm:cxn modelId="{AE73AD34-D5B4-4353-917A-499085AA5341}" type="presParOf" srcId="{2885B3A2-864D-4E3C-B0EC-A1AE97421689}" destId="{5A2A4C94-36AE-407D-BC0A-0125F8429CFD}" srcOrd="2" destOrd="0" presId="urn:microsoft.com/office/officeart/2005/8/layout/vList2"/>
     <dgm:cxn modelId="{551EA223-8E71-4D2B-8E15-6293585F42C5}" type="presParOf" srcId="{2885B3A2-864D-4E3C-B0EC-A1AE97421689}" destId="{E08316AC-BF5D-43CA-A1EE-6010DB241022}" srcOrd="3" destOrd="0" presId="urn:microsoft.com/office/officeart/2005/8/layout/vList2"/>
+  </dgm:cxnLst>
+  <dgm:bg/>
+  <dgm:whole/>
+  <dgm:extLst>
+    <a:ext uri="http://schemas.microsoft.com/office/drawing/2008/diagram">
+      <dsp:dataModelExt xmlns:dsp="http://schemas.microsoft.com/office/drawing/2008/diagram" relId="rId6" minVer="http://schemas.openxmlformats.org/drawingml/2006/diagram"/>
+    </a:ext>
+  </dgm:extLst>
+</dgm:dataModel>
+</file>
+
+<file path=ppt/diagrams/data6.xml><?xml version="1.0" encoding="utf-8"?>
+<dgm:dataModel xmlns:dgm="http://schemas.openxmlformats.org/drawingml/2006/diagram" xmlns:a="http://schemas.openxmlformats.org/drawingml/2006/main">
+  <dgm:ptLst>
+    <dgm:pt modelId="{2949E408-FFD0-4C95-AE32-6A7E4C4CAD5F}" type="doc">
+      <dgm:prSet loTypeId="urn:microsoft.com/office/officeart/2005/8/layout/hProcess9" loCatId="process" qsTypeId="urn:microsoft.com/office/officeart/2005/8/quickstyle/simple1" qsCatId="simple" csTypeId="urn:microsoft.com/office/officeart/2005/8/colors/accent2_2" csCatId="accent2" phldr="1"/>
+      <dgm:spPr/>
+    </dgm:pt>
+    <dgm:pt modelId="{F35E2F03-93F3-447A-ADEA-7430097CB9C7}">
+      <dgm:prSet phldrT="[テキスト]"/>
+      <dgm:spPr/>
+      <dgm:t>
+        <a:bodyPr/>
+        <a:lstStyle/>
+        <a:p>
+          <a:r>
+            <a:rPr lang="ja-JP" altLang="en-US" b="1" i="0" u="none" dirty="0"/>
+            <a:t>自力解決</a:t>
+          </a:r>
+          <a:endParaRPr kumimoji="1" lang="ja-JP" altLang="en-US" dirty="0"/>
+        </a:p>
+      </dgm:t>
+    </dgm:pt>
+    <dgm:pt modelId="{18DD2047-A075-4D87-87EB-75A5007DD85A}" type="parTrans" cxnId="{B8C529CC-7E6A-4CFC-A463-77F98401471D}">
+      <dgm:prSet/>
+      <dgm:spPr/>
+      <dgm:t>
+        <a:bodyPr/>
+        <a:lstStyle/>
+        <a:p>
+          <a:endParaRPr kumimoji="1" lang="ja-JP" altLang="en-US"/>
+        </a:p>
+      </dgm:t>
+    </dgm:pt>
+    <dgm:pt modelId="{DFF068AA-0BA9-4A49-9933-AB5D5C9026CA}" type="sibTrans" cxnId="{B8C529CC-7E6A-4CFC-A463-77F98401471D}">
+      <dgm:prSet/>
+      <dgm:spPr/>
+      <dgm:t>
+        <a:bodyPr/>
+        <a:lstStyle/>
+        <a:p>
+          <a:endParaRPr kumimoji="1" lang="ja-JP" altLang="en-US"/>
+        </a:p>
+      </dgm:t>
+    </dgm:pt>
+    <dgm:pt modelId="{9078B131-986C-45B4-9797-657FAA875390}">
+      <dgm:prSet phldrT="[テキスト]"/>
+      <dgm:spPr/>
+      <dgm:t>
+        <a:bodyPr/>
+        <a:lstStyle/>
+        <a:p>
+          <a:r>
+            <a:rPr lang="ja-JP" altLang="en-US" b="1" i="0" u="none" dirty="0"/>
+            <a:t>チームメンバー</a:t>
+          </a:r>
+          <a:endParaRPr kumimoji="1" lang="ja-JP" altLang="en-US" dirty="0"/>
+        </a:p>
+      </dgm:t>
+    </dgm:pt>
+    <dgm:pt modelId="{44F4B707-33FE-465D-B1D9-7742139D4E0B}" type="parTrans" cxnId="{BD857166-408E-486A-8932-48067D0A299D}">
+      <dgm:prSet/>
+      <dgm:spPr/>
+      <dgm:t>
+        <a:bodyPr/>
+        <a:lstStyle/>
+        <a:p>
+          <a:endParaRPr kumimoji="1" lang="ja-JP" altLang="en-US"/>
+        </a:p>
+      </dgm:t>
+    </dgm:pt>
+    <dgm:pt modelId="{54166F57-B537-4E9F-9BCC-29CEC095191A}" type="sibTrans" cxnId="{BD857166-408E-486A-8932-48067D0A299D}">
+      <dgm:prSet/>
+      <dgm:spPr/>
+      <dgm:t>
+        <a:bodyPr/>
+        <a:lstStyle/>
+        <a:p>
+          <a:endParaRPr kumimoji="1" lang="ja-JP" altLang="en-US"/>
+        </a:p>
+      </dgm:t>
+    </dgm:pt>
+    <dgm:pt modelId="{31261E57-4C8F-4143-B08F-A0123EFB9282}">
+      <dgm:prSet phldrT="[テキスト]"/>
+      <dgm:spPr/>
+      <dgm:t>
+        <a:bodyPr/>
+        <a:lstStyle/>
+        <a:p>
+          <a:r>
+            <a:rPr lang="ja-JP" altLang="en-US" b="1" i="0" u="none" dirty="0"/>
+            <a:t>東講師</a:t>
+          </a:r>
+          <a:endParaRPr kumimoji="1" lang="ja-JP" altLang="en-US" dirty="0"/>
+        </a:p>
+      </dgm:t>
+    </dgm:pt>
+    <dgm:pt modelId="{7D738261-45C9-4DDE-A271-D0F30EBF3325}" type="parTrans" cxnId="{FA50A7D6-957B-43A0-98CA-3DFBA36518F4}">
+      <dgm:prSet/>
+      <dgm:spPr/>
+      <dgm:t>
+        <a:bodyPr/>
+        <a:lstStyle/>
+        <a:p>
+          <a:endParaRPr kumimoji="1" lang="ja-JP" altLang="en-US"/>
+        </a:p>
+      </dgm:t>
+    </dgm:pt>
+    <dgm:pt modelId="{451AAB3F-F35E-4563-9AFE-D77A2F4A596D}" type="sibTrans" cxnId="{FA50A7D6-957B-43A0-98CA-3DFBA36518F4}">
+      <dgm:prSet/>
+      <dgm:spPr/>
+      <dgm:t>
+        <a:bodyPr/>
+        <a:lstStyle/>
+        <a:p>
+          <a:endParaRPr kumimoji="1" lang="ja-JP" altLang="en-US"/>
+        </a:p>
+      </dgm:t>
+    </dgm:pt>
+    <dgm:pt modelId="{D07D4747-3726-4D92-805A-CBF0344805A6}" type="pres">
+      <dgm:prSet presAssocID="{2949E408-FFD0-4C95-AE32-6A7E4C4CAD5F}" presName="CompostProcess" presStyleCnt="0">
+        <dgm:presLayoutVars>
+          <dgm:dir/>
+          <dgm:resizeHandles val="exact"/>
+        </dgm:presLayoutVars>
+      </dgm:prSet>
+      <dgm:spPr/>
+    </dgm:pt>
+    <dgm:pt modelId="{1A904CA8-B1F9-4723-B4FE-E08D5D73B06D}" type="pres">
+      <dgm:prSet presAssocID="{2949E408-FFD0-4C95-AE32-6A7E4C4CAD5F}" presName="arrow" presStyleLbl="bgShp" presStyleIdx="0" presStyleCnt="1"/>
+      <dgm:spPr/>
+    </dgm:pt>
+    <dgm:pt modelId="{A1F1B5C0-E292-45A9-A5A5-993CA8940EEA}" type="pres">
+      <dgm:prSet presAssocID="{2949E408-FFD0-4C95-AE32-6A7E4C4CAD5F}" presName="linearProcess" presStyleCnt="0"/>
+      <dgm:spPr/>
+    </dgm:pt>
+    <dgm:pt modelId="{AE4F4F66-7E1E-475B-9129-7AA802A9DAAB}" type="pres">
+      <dgm:prSet presAssocID="{F35E2F03-93F3-447A-ADEA-7430097CB9C7}" presName="textNode" presStyleLbl="node1" presStyleIdx="0" presStyleCnt="3">
+        <dgm:presLayoutVars>
+          <dgm:bulletEnabled val="1"/>
+        </dgm:presLayoutVars>
+      </dgm:prSet>
+      <dgm:spPr/>
+    </dgm:pt>
+    <dgm:pt modelId="{3B3A6CC0-E81A-4065-A6BA-0A6B9EBDDED4}" type="pres">
+      <dgm:prSet presAssocID="{DFF068AA-0BA9-4A49-9933-AB5D5C9026CA}" presName="sibTrans" presStyleCnt="0"/>
+      <dgm:spPr/>
+    </dgm:pt>
+    <dgm:pt modelId="{89D05253-DBB1-49CD-BC49-7C0C2FFE348F}" type="pres">
+      <dgm:prSet presAssocID="{9078B131-986C-45B4-9797-657FAA875390}" presName="textNode" presStyleLbl="node1" presStyleIdx="1" presStyleCnt="3">
+        <dgm:presLayoutVars>
+          <dgm:bulletEnabled val="1"/>
+        </dgm:presLayoutVars>
+      </dgm:prSet>
+      <dgm:spPr/>
+    </dgm:pt>
+    <dgm:pt modelId="{FB9C56C6-BACF-485B-BB55-E98A21E86CF3}" type="pres">
+      <dgm:prSet presAssocID="{54166F57-B537-4E9F-9BCC-29CEC095191A}" presName="sibTrans" presStyleCnt="0"/>
+      <dgm:spPr/>
+    </dgm:pt>
+    <dgm:pt modelId="{67D6D8A1-AC98-42BE-9231-4CEF7C6AFB6E}" type="pres">
+      <dgm:prSet presAssocID="{31261E57-4C8F-4143-B08F-A0123EFB9282}" presName="textNode" presStyleLbl="node1" presStyleIdx="2" presStyleCnt="3">
+        <dgm:presLayoutVars>
+          <dgm:bulletEnabled val="1"/>
+        </dgm:presLayoutVars>
+      </dgm:prSet>
+      <dgm:spPr/>
+    </dgm:pt>
+  </dgm:ptLst>
+  <dgm:cxnLst>
+    <dgm:cxn modelId="{D79BA00A-8F7E-4523-83B7-4E6BF8172DCF}" type="presOf" srcId="{31261E57-4C8F-4143-B08F-A0123EFB9282}" destId="{67D6D8A1-AC98-42BE-9231-4CEF7C6AFB6E}" srcOrd="0" destOrd="0" presId="urn:microsoft.com/office/officeart/2005/8/layout/hProcess9"/>
+    <dgm:cxn modelId="{6C93C60B-06C6-4FEF-AF9D-33B67F7E80F2}" type="presOf" srcId="{2949E408-FFD0-4C95-AE32-6A7E4C4CAD5F}" destId="{D07D4747-3726-4D92-805A-CBF0344805A6}" srcOrd="0" destOrd="0" presId="urn:microsoft.com/office/officeart/2005/8/layout/hProcess9"/>
+    <dgm:cxn modelId="{BD857166-408E-486A-8932-48067D0A299D}" srcId="{2949E408-FFD0-4C95-AE32-6A7E4C4CAD5F}" destId="{9078B131-986C-45B4-9797-657FAA875390}" srcOrd="1" destOrd="0" parTransId="{44F4B707-33FE-465D-B1D9-7742139D4E0B}" sibTransId="{54166F57-B537-4E9F-9BCC-29CEC095191A}"/>
+    <dgm:cxn modelId="{1274DE57-05BF-43AE-9647-A0C5E2709E29}" type="presOf" srcId="{9078B131-986C-45B4-9797-657FAA875390}" destId="{89D05253-DBB1-49CD-BC49-7C0C2FFE348F}" srcOrd="0" destOrd="0" presId="urn:microsoft.com/office/officeart/2005/8/layout/hProcess9"/>
+    <dgm:cxn modelId="{CBC58258-F1EA-479E-B9B0-F1A446ABCC34}" type="presOf" srcId="{F35E2F03-93F3-447A-ADEA-7430097CB9C7}" destId="{AE4F4F66-7E1E-475B-9129-7AA802A9DAAB}" srcOrd="0" destOrd="0" presId="urn:microsoft.com/office/officeart/2005/8/layout/hProcess9"/>
+    <dgm:cxn modelId="{B8C529CC-7E6A-4CFC-A463-77F98401471D}" srcId="{2949E408-FFD0-4C95-AE32-6A7E4C4CAD5F}" destId="{F35E2F03-93F3-447A-ADEA-7430097CB9C7}" srcOrd="0" destOrd="0" parTransId="{18DD2047-A075-4D87-87EB-75A5007DD85A}" sibTransId="{DFF068AA-0BA9-4A49-9933-AB5D5C9026CA}"/>
+    <dgm:cxn modelId="{FA50A7D6-957B-43A0-98CA-3DFBA36518F4}" srcId="{2949E408-FFD0-4C95-AE32-6A7E4C4CAD5F}" destId="{31261E57-4C8F-4143-B08F-A0123EFB9282}" srcOrd="2" destOrd="0" parTransId="{7D738261-45C9-4DDE-A271-D0F30EBF3325}" sibTransId="{451AAB3F-F35E-4563-9AFE-D77A2F4A596D}"/>
+    <dgm:cxn modelId="{A8530EE7-D75A-4417-A639-86E2B3C5CECC}" type="presParOf" srcId="{D07D4747-3726-4D92-805A-CBF0344805A6}" destId="{1A904CA8-B1F9-4723-B4FE-E08D5D73B06D}" srcOrd="0" destOrd="0" presId="urn:microsoft.com/office/officeart/2005/8/layout/hProcess9"/>
+    <dgm:cxn modelId="{1C042D9B-84D1-4DBC-A5CE-D1BE0F04B634}" type="presParOf" srcId="{D07D4747-3726-4D92-805A-CBF0344805A6}" destId="{A1F1B5C0-E292-45A9-A5A5-993CA8940EEA}" srcOrd="1" destOrd="0" presId="urn:microsoft.com/office/officeart/2005/8/layout/hProcess9"/>
+    <dgm:cxn modelId="{B29762BF-02D0-4727-ADF6-560DF728B4DA}" type="presParOf" srcId="{A1F1B5C0-E292-45A9-A5A5-993CA8940EEA}" destId="{AE4F4F66-7E1E-475B-9129-7AA802A9DAAB}" srcOrd="0" destOrd="0" presId="urn:microsoft.com/office/officeart/2005/8/layout/hProcess9"/>
+    <dgm:cxn modelId="{073A412C-091B-4849-A660-BDAF7E07424C}" type="presParOf" srcId="{A1F1B5C0-E292-45A9-A5A5-993CA8940EEA}" destId="{3B3A6CC0-E81A-4065-A6BA-0A6B9EBDDED4}" srcOrd="1" destOrd="0" presId="urn:microsoft.com/office/officeart/2005/8/layout/hProcess9"/>
+    <dgm:cxn modelId="{4CAE5B42-C677-40B4-9986-649866E81DA0}" type="presParOf" srcId="{A1F1B5C0-E292-45A9-A5A5-993CA8940EEA}" destId="{89D05253-DBB1-49CD-BC49-7C0C2FFE348F}" srcOrd="2" destOrd="0" presId="urn:microsoft.com/office/officeart/2005/8/layout/hProcess9"/>
+    <dgm:cxn modelId="{CB38C32C-5CCF-4790-BF8E-D4049005546A}" type="presParOf" srcId="{A1F1B5C0-E292-45A9-A5A5-993CA8940EEA}" destId="{FB9C56C6-BACF-485B-BB55-E98A21E86CF3}" srcOrd="3" destOrd="0" presId="urn:microsoft.com/office/officeart/2005/8/layout/hProcess9"/>
+    <dgm:cxn modelId="{9CD0954A-C422-4D8A-AE1F-AEBAFC23EBFF}" type="presParOf" srcId="{A1F1B5C0-E292-45A9-A5A5-993CA8940EEA}" destId="{67D6D8A1-AC98-42BE-9231-4CEF7C6AFB6E}" srcOrd="4" destOrd="0" presId="urn:microsoft.com/office/officeart/2005/8/layout/hProcess9"/>
   </dgm:cxnLst>
   <dgm:bg/>
   <dgm:whole/>
@@ -11127,6 +12074,295 @@
 </dsp:drawing>
 </file>
 
+<file path=ppt/diagrams/drawing6.xml><?xml version="1.0" encoding="utf-8"?>
+<dsp:drawing xmlns:dgm="http://schemas.openxmlformats.org/drawingml/2006/diagram" xmlns:dsp="http://schemas.microsoft.com/office/drawing/2008/diagram" xmlns:a="http://schemas.openxmlformats.org/drawingml/2006/main">
+  <dsp:spTree>
+    <dsp:nvGrpSpPr>
+      <dsp:cNvPr id="0" name=""/>
+      <dsp:cNvGrpSpPr/>
+    </dsp:nvGrpSpPr>
+    <dsp:grpSpPr/>
+    <dsp:sp modelId="{1A904CA8-B1F9-4723-B4FE-E08D5D73B06D}">
+      <dsp:nvSpPr>
+        <dsp:cNvPr id="0" name=""/>
+        <dsp:cNvSpPr/>
+      </dsp:nvSpPr>
+      <dsp:spPr>
+        <a:xfrm>
+          <a:off x="797242" y="0"/>
+          <a:ext cx="9035415" cy="3857626"/>
+        </a:xfrm>
+        <a:prstGeom prst="rightArrow">
+          <a:avLst/>
+        </a:prstGeom>
+        <a:solidFill>
+          <a:schemeClr val="accent2">
+            <a:tint val="40000"/>
+            <a:hueOff val="0"/>
+            <a:satOff val="0"/>
+            <a:lumOff val="0"/>
+            <a:alphaOff val="0"/>
+          </a:schemeClr>
+        </a:solidFill>
+        <a:ln>
+          <a:noFill/>
+        </a:ln>
+        <a:effectLst/>
+      </dsp:spPr>
+      <dsp:style>
+        <a:lnRef idx="0">
+          <a:scrgbClr r="0" g="0" b="0"/>
+        </a:lnRef>
+        <a:fillRef idx="1">
+          <a:scrgbClr r="0" g="0" b="0"/>
+        </a:fillRef>
+        <a:effectRef idx="0">
+          <a:scrgbClr r="0" g="0" b="0"/>
+        </a:effectRef>
+        <a:fontRef idx="minor"/>
+      </dsp:style>
+    </dsp:sp>
+    <dsp:sp modelId="{AE4F4F66-7E1E-475B-9129-7AA802A9DAAB}">
+      <dsp:nvSpPr>
+        <dsp:cNvPr id="0" name=""/>
+        <dsp:cNvSpPr/>
+      </dsp:nvSpPr>
+      <dsp:spPr>
+        <a:xfrm>
+          <a:off x="542" y="1157287"/>
+          <a:ext cx="3314907" cy="1543050"/>
+        </a:xfrm>
+        <a:prstGeom prst="roundRect">
+          <a:avLst/>
+        </a:prstGeom>
+        <a:solidFill>
+          <a:schemeClr val="accent2">
+            <a:hueOff val="0"/>
+            <a:satOff val="0"/>
+            <a:lumOff val="0"/>
+            <a:alphaOff val="0"/>
+          </a:schemeClr>
+        </a:solidFill>
+        <a:ln w="12700" cap="flat" cmpd="sng" algn="ctr">
+          <a:solidFill>
+            <a:schemeClr val="lt1">
+              <a:hueOff val="0"/>
+              <a:satOff val="0"/>
+              <a:lumOff val="0"/>
+              <a:alphaOff val="0"/>
+            </a:schemeClr>
+          </a:solidFill>
+          <a:prstDash val="solid"/>
+          <a:miter lim="800000"/>
+        </a:ln>
+        <a:effectLst/>
+      </dsp:spPr>
+      <dsp:style>
+        <a:lnRef idx="2">
+          <a:scrgbClr r="0" g="0" b="0"/>
+        </a:lnRef>
+        <a:fillRef idx="1">
+          <a:scrgbClr r="0" g="0" b="0"/>
+        </a:fillRef>
+        <a:effectRef idx="0">
+          <a:scrgbClr r="0" g="0" b="0"/>
+        </a:effectRef>
+        <a:fontRef idx="minor">
+          <a:schemeClr val="lt1"/>
+        </a:fontRef>
+      </dsp:style>
+      <dsp:txBody>
+        <a:bodyPr spcFirstLastPara="0" vert="horz" wrap="square" lIns="125730" tIns="125730" rIns="125730" bIns="125730" numCol="1" spcCol="1270" anchor="ctr" anchorCtr="0">
+          <a:noAutofit/>
+        </a:bodyPr>
+        <a:lstStyle/>
+        <a:p>
+          <a:pPr marL="0" lvl="0" indent="0" algn="ctr" defTabSz="1466850">
+            <a:lnSpc>
+              <a:spcPct val="90000"/>
+            </a:lnSpc>
+            <a:spcBef>
+              <a:spcPct val="0"/>
+            </a:spcBef>
+            <a:spcAft>
+              <a:spcPct val="35000"/>
+            </a:spcAft>
+            <a:buNone/>
+          </a:pPr>
+          <a:r>
+            <a:rPr lang="ja-JP" altLang="en-US" sz="3300" b="1" i="0" u="none" kern="1200" dirty="0"/>
+            <a:t>自力解決</a:t>
+          </a:r>
+          <a:endParaRPr kumimoji="1" lang="ja-JP" altLang="en-US" sz="3300" kern="1200" dirty="0"/>
+        </a:p>
+      </dsp:txBody>
+      <dsp:txXfrm>
+        <a:off x="75867" y="1232612"/>
+        <a:ext cx="3164257" cy="1392400"/>
+      </dsp:txXfrm>
+    </dsp:sp>
+    <dsp:sp modelId="{89D05253-DBB1-49CD-BC49-7C0C2FFE348F}">
+      <dsp:nvSpPr>
+        <dsp:cNvPr id="0" name=""/>
+        <dsp:cNvSpPr/>
+      </dsp:nvSpPr>
+      <dsp:spPr>
+        <a:xfrm>
+          <a:off x="3657496" y="1157287"/>
+          <a:ext cx="3314907" cy="1543050"/>
+        </a:xfrm>
+        <a:prstGeom prst="roundRect">
+          <a:avLst/>
+        </a:prstGeom>
+        <a:solidFill>
+          <a:schemeClr val="accent2">
+            <a:hueOff val="0"/>
+            <a:satOff val="0"/>
+            <a:lumOff val="0"/>
+            <a:alphaOff val="0"/>
+          </a:schemeClr>
+        </a:solidFill>
+        <a:ln w="12700" cap="flat" cmpd="sng" algn="ctr">
+          <a:solidFill>
+            <a:schemeClr val="lt1">
+              <a:hueOff val="0"/>
+              <a:satOff val="0"/>
+              <a:lumOff val="0"/>
+              <a:alphaOff val="0"/>
+            </a:schemeClr>
+          </a:solidFill>
+          <a:prstDash val="solid"/>
+          <a:miter lim="800000"/>
+        </a:ln>
+        <a:effectLst/>
+      </dsp:spPr>
+      <dsp:style>
+        <a:lnRef idx="2">
+          <a:scrgbClr r="0" g="0" b="0"/>
+        </a:lnRef>
+        <a:fillRef idx="1">
+          <a:scrgbClr r="0" g="0" b="0"/>
+        </a:fillRef>
+        <a:effectRef idx="0">
+          <a:scrgbClr r="0" g="0" b="0"/>
+        </a:effectRef>
+        <a:fontRef idx="minor">
+          <a:schemeClr val="lt1"/>
+        </a:fontRef>
+      </dsp:style>
+      <dsp:txBody>
+        <a:bodyPr spcFirstLastPara="0" vert="horz" wrap="square" lIns="125730" tIns="125730" rIns="125730" bIns="125730" numCol="1" spcCol="1270" anchor="ctr" anchorCtr="0">
+          <a:noAutofit/>
+        </a:bodyPr>
+        <a:lstStyle/>
+        <a:p>
+          <a:pPr marL="0" lvl="0" indent="0" algn="ctr" defTabSz="1466850">
+            <a:lnSpc>
+              <a:spcPct val="90000"/>
+            </a:lnSpc>
+            <a:spcBef>
+              <a:spcPct val="0"/>
+            </a:spcBef>
+            <a:spcAft>
+              <a:spcPct val="35000"/>
+            </a:spcAft>
+            <a:buNone/>
+          </a:pPr>
+          <a:r>
+            <a:rPr lang="ja-JP" altLang="en-US" sz="3300" b="1" i="0" u="none" kern="1200" dirty="0"/>
+            <a:t>チームメンバー</a:t>
+          </a:r>
+          <a:endParaRPr kumimoji="1" lang="ja-JP" altLang="en-US" sz="3300" kern="1200" dirty="0"/>
+        </a:p>
+      </dsp:txBody>
+      <dsp:txXfrm>
+        <a:off x="3732821" y="1232612"/>
+        <a:ext cx="3164257" cy="1392400"/>
+      </dsp:txXfrm>
+    </dsp:sp>
+    <dsp:sp modelId="{67D6D8A1-AC98-42BE-9231-4CEF7C6AFB6E}">
+      <dsp:nvSpPr>
+        <dsp:cNvPr id="0" name=""/>
+        <dsp:cNvSpPr/>
+      </dsp:nvSpPr>
+      <dsp:spPr>
+        <a:xfrm>
+          <a:off x="7314449" y="1157287"/>
+          <a:ext cx="3314907" cy="1543050"/>
+        </a:xfrm>
+        <a:prstGeom prst="roundRect">
+          <a:avLst/>
+        </a:prstGeom>
+        <a:solidFill>
+          <a:schemeClr val="accent2">
+            <a:hueOff val="0"/>
+            <a:satOff val="0"/>
+            <a:lumOff val="0"/>
+            <a:alphaOff val="0"/>
+          </a:schemeClr>
+        </a:solidFill>
+        <a:ln w="12700" cap="flat" cmpd="sng" algn="ctr">
+          <a:solidFill>
+            <a:schemeClr val="lt1">
+              <a:hueOff val="0"/>
+              <a:satOff val="0"/>
+              <a:lumOff val="0"/>
+              <a:alphaOff val="0"/>
+            </a:schemeClr>
+          </a:solidFill>
+          <a:prstDash val="solid"/>
+          <a:miter lim="800000"/>
+        </a:ln>
+        <a:effectLst/>
+      </dsp:spPr>
+      <dsp:style>
+        <a:lnRef idx="2">
+          <a:scrgbClr r="0" g="0" b="0"/>
+        </a:lnRef>
+        <a:fillRef idx="1">
+          <a:scrgbClr r="0" g="0" b="0"/>
+        </a:fillRef>
+        <a:effectRef idx="0">
+          <a:scrgbClr r="0" g="0" b="0"/>
+        </a:effectRef>
+        <a:fontRef idx="minor">
+          <a:schemeClr val="lt1"/>
+        </a:fontRef>
+      </dsp:style>
+      <dsp:txBody>
+        <a:bodyPr spcFirstLastPara="0" vert="horz" wrap="square" lIns="125730" tIns="125730" rIns="125730" bIns="125730" numCol="1" spcCol="1270" anchor="ctr" anchorCtr="0">
+          <a:noAutofit/>
+        </a:bodyPr>
+        <a:lstStyle/>
+        <a:p>
+          <a:pPr marL="0" lvl="0" indent="0" algn="ctr" defTabSz="1466850">
+            <a:lnSpc>
+              <a:spcPct val="90000"/>
+            </a:lnSpc>
+            <a:spcBef>
+              <a:spcPct val="0"/>
+            </a:spcBef>
+            <a:spcAft>
+              <a:spcPct val="35000"/>
+            </a:spcAft>
+            <a:buNone/>
+          </a:pPr>
+          <a:r>
+            <a:rPr lang="ja-JP" altLang="en-US" sz="3300" b="1" i="0" u="none" kern="1200" dirty="0"/>
+            <a:t>東講師</a:t>
+          </a:r>
+          <a:endParaRPr kumimoji="1" lang="ja-JP" altLang="en-US" sz="3300" kern="1200" dirty="0"/>
+        </a:p>
+      </dsp:txBody>
+      <dsp:txXfrm>
+        <a:off x="7389774" y="1232612"/>
+        <a:ext cx="3164257" cy="1392400"/>
+      </dsp:txXfrm>
+    </dsp:sp>
+  </dsp:spTree>
+</dsp:drawing>
+</file>
+
 <file path=ppt/diagrams/layout1.xml><?xml version="1.0" encoding="utf-8"?>
 <dgm:layoutDef xmlns:dgm="http://schemas.openxmlformats.org/drawingml/2006/diagram" xmlns:a="http://schemas.openxmlformats.org/drawingml/2006/main" uniqueId="urn:microsoft.com/office/officeart/2008/layout/VerticalAccentList">
   <dgm:title val=""/>
@@ -12792,6 +14028,160 @@
 </dgm:layoutDef>
 </file>
 
+<file path=ppt/diagrams/layout6.xml><?xml version="1.0" encoding="utf-8"?>
+<dgm:layoutDef xmlns:dgm="http://schemas.openxmlformats.org/drawingml/2006/diagram" xmlns:a="http://schemas.openxmlformats.org/drawingml/2006/main" uniqueId="urn:microsoft.com/office/officeart/2005/8/layout/hProcess9">
+  <dgm:title val=""/>
+  <dgm:desc val=""/>
+  <dgm:catLst>
+    <dgm:cat type="process" pri="5000"/>
+    <dgm:cat type="convert" pri="13000"/>
+  </dgm:catLst>
+  <dgm:sampData useDef="1">
+    <dgm:dataModel>
+      <dgm:ptLst/>
+      <dgm:bg/>
+      <dgm:whole/>
+    </dgm:dataModel>
+  </dgm:sampData>
+  <dgm:styleData>
+    <dgm:dataModel>
+      <dgm:ptLst>
+        <dgm:pt modelId="0" type="doc"/>
+        <dgm:pt modelId="1"/>
+        <dgm:pt modelId="2"/>
+      </dgm:ptLst>
+      <dgm:cxnLst>
+        <dgm:cxn modelId="3" srcId="0" destId="1" srcOrd="0" destOrd="0"/>
+        <dgm:cxn modelId="4" srcId="0" destId="2" srcOrd="1" destOrd="0"/>
+      </dgm:cxnLst>
+      <dgm:bg/>
+      <dgm:whole/>
+    </dgm:dataModel>
+  </dgm:styleData>
+  <dgm:clrData>
+    <dgm:dataModel>
+      <dgm:ptLst>
+        <dgm:pt modelId="0" type="doc"/>
+        <dgm:pt modelId="1"/>
+        <dgm:pt modelId="2"/>
+        <dgm:pt modelId="3"/>
+        <dgm:pt modelId="4"/>
+      </dgm:ptLst>
+      <dgm:cxnLst>
+        <dgm:cxn modelId="5" srcId="0" destId="1" srcOrd="0" destOrd="0"/>
+        <dgm:cxn modelId="6" srcId="0" destId="2" srcOrd="1" destOrd="0"/>
+        <dgm:cxn modelId="7" srcId="0" destId="3" srcOrd="2" destOrd="0"/>
+        <dgm:cxn modelId="8" srcId="0" destId="4" srcOrd="3" destOrd="0"/>
+      </dgm:cxnLst>
+      <dgm:bg/>
+      <dgm:whole/>
+    </dgm:dataModel>
+  </dgm:clrData>
+  <dgm:layoutNode name="CompostProcess">
+    <dgm:varLst>
+      <dgm:dir/>
+      <dgm:resizeHandles val="exact"/>
+    </dgm:varLst>
+    <dgm:alg type="composite">
+      <dgm:param type="horzAlign" val="ctr"/>
+      <dgm:param type="vertAlign" val="mid"/>
+    </dgm:alg>
+    <dgm:shape xmlns:r="http://schemas.openxmlformats.org/officeDocument/2006/relationships" r:blip="">
+      <dgm:adjLst/>
+    </dgm:shape>
+    <dgm:presOf/>
+    <dgm:constrLst>
+      <dgm:constr type="w" for="ch" forName="arrow" refType="w" fact="0.85"/>
+      <dgm:constr type="h" for="ch" forName="arrow" refType="h"/>
+      <dgm:constr type="ctrX" for="ch" forName="arrow" refType="w" fact="0.5"/>
+      <dgm:constr type="ctrY" for="ch" forName="arrow" refType="h" fact="0.5"/>
+      <dgm:constr type="w" for="ch" forName="linearProcess" refType="w"/>
+      <dgm:constr type="h" for="ch" forName="linearProcess" refType="h" fact="0.4"/>
+      <dgm:constr type="ctrX" for="ch" forName="linearProcess" refType="w" fact="0.5"/>
+      <dgm:constr type="ctrY" for="ch" forName="linearProcess" refType="h" fact="0.5"/>
+    </dgm:constrLst>
+    <dgm:ruleLst/>
+    <dgm:layoutNode name="arrow" styleLbl="bgShp">
+      <dgm:alg type="sp"/>
+      <dgm:choose name="Name0">
+        <dgm:if name="Name1" func="var" arg="dir" op="equ" val="norm">
+          <dgm:shape xmlns:r="http://schemas.openxmlformats.org/officeDocument/2006/relationships" type="rightArrow" r:blip="">
+            <dgm:adjLst/>
+          </dgm:shape>
+        </dgm:if>
+        <dgm:else name="Name2">
+          <dgm:shape xmlns:r="http://schemas.openxmlformats.org/officeDocument/2006/relationships" type="leftArrow" r:blip="">
+            <dgm:adjLst/>
+          </dgm:shape>
+        </dgm:else>
+      </dgm:choose>
+      <dgm:presOf/>
+      <dgm:constrLst/>
+      <dgm:ruleLst/>
+    </dgm:layoutNode>
+    <dgm:layoutNode name="linearProcess">
+      <dgm:choose name="Name3">
+        <dgm:if name="Name4" func="var" arg="dir" op="equ" val="norm">
+          <dgm:alg type="lin"/>
+        </dgm:if>
+        <dgm:else name="Name5">
+          <dgm:alg type="lin">
+            <dgm:param type="linDir" val="fromR"/>
+          </dgm:alg>
+        </dgm:else>
+      </dgm:choose>
+      <dgm:shape xmlns:r="http://schemas.openxmlformats.org/officeDocument/2006/relationships" r:blip="">
+        <dgm:adjLst/>
+      </dgm:shape>
+      <dgm:presOf/>
+      <dgm:constrLst>
+        <dgm:constr type="userA" for="ch" ptType="node" refType="w"/>
+        <dgm:constr type="h" for="ch" ptType="node" refType="h"/>
+        <dgm:constr type="w" for="ch" ptType="node" op="equ"/>
+        <dgm:constr type="w" for="ch" forName="sibTrans" refType="w" fact="0.05"/>
+        <dgm:constr type="primFontSz" for="ch" ptType="node" op="equ" val="65"/>
+      </dgm:constrLst>
+      <dgm:ruleLst/>
+      <dgm:forEach name="Name6" axis="ch" ptType="node">
+        <dgm:layoutNode name="textNode" styleLbl="node1">
+          <dgm:varLst>
+            <dgm:bulletEnabled val="1"/>
+          </dgm:varLst>
+          <dgm:alg type="tx"/>
+          <dgm:shape xmlns:r="http://schemas.openxmlformats.org/officeDocument/2006/relationships" type="roundRect" r:blip="">
+            <dgm:adjLst/>
+          </dgm:shape>
+          <dgm:presOf axis="desOrSelf" ptType="node"/>
+          <dgm:constrLst>
+            <dgm:constr type="userA"/>
+            <dgm:constr type="w" refType="userA" fact="0.3"/>
+            <dgm:constr type="tMarg" refType="primFontSz" fact="0.3"/>
+            <dgm:constr type="bMarg" refType="primFontSz" fact="0.3"/>
+            <dgm:constr type="lMarg" refType="primFontSz" fact="0.3"/>
+            <dgm:constr type="rMarg" refType="primFontSz" fact="0.3"/>
+          </dgm:constrLst>
+          <dgm:ruleLst>
+            <dgm:rule type="w" val="NaN" fact="1" max="NaN"/>
+            <dgm:rule type="primFontSz" val="5" fact="NaN" max="NaN"/>
+          </dgm:ruleLst>
+        </dgm:layoutNode>
+        <dgm:forEach name="Name7" axis="followSib" ptType="sibTrans" cnt="1">
+          <dgm:layoutNode name="sibTrans">
+            <dgm:alg type="sp"/>
+            <dgm:shape xmlns:r="http://schemas.openxmlformats.org/officeDocument/2006/relationships" r:blip="">
+              <dgm:adjLst/>
+            </dgm:shape>
+            <dgm:presOf/>
+            <dgm:constrLst/>
+            <dgm:ruleLst/>
+          </dgm:layoutNode>
+        </dgm:forEach>
+      </dgm:forEach>
+    </dgm:layoutNode>
+  </dgm:layoutNode>
+</dgm:layoutDef>
+</file>
+
 <file path=ppt/diagrams/quickStyle1.xml><?xml version="1.0" encoding="utf-8"?>
 <dgm:styleDef xmlns:dgm="http://schemas.openxmlformats.org/drawingml/2006/diagram" xmlns:a="http://schemas.openxmlformats.org/drawingml/2006/main" uniqueId="urn:microsoft.com/office/officeart/2005/8/quickstyle/simple3">
   <dgm:title val=""/>
@@ -17960,6 +19350,1040 @@
         <a:scrgbClr r="0" g="0" b="0"/>
       </a:fillRef>
       <a:effectRef idx="1">
+        <a:scrgbClr r="0" g="0" b="0"/>
+      </a:effectRef>
+      <a:fontRef idx="minor"/>
+    </dgm:style>
+  </dgm:styleLbl>
+  <dgm:styleLbl name="revTx">
+    <dgm:scene3d>
+      <a:camera prst="orthographicFront"/>
+      <a:lightRig rig="threePt" dir="t"/>
+    </dgm:scene3d>
+    <dgm:sp3d/>
+    <dgm:txPr/>
+    <dgm:style>
+      <a:lnRef idx="0">
+        <a:scrgbClr r="0" g="0" b="0"/>
+      </a:lnRef>
+      <a:fillRef idx="0">
+        <a:scrgbClr r="0" g="0" b="0"/>
+      </a:fillRef>
+      <a:effectRef idx="0">
+        <a:scrgbClr r="0" g="0" b="0"/>
+      </a:effectRef>
+      <a:fontRef idx="minor"/>
+    </dgm:style>
+  </dgm:styleLbl>
+</dgm:styleDef>
+</file>
+
+<file path=ppt/diagrams/quickStyle6.xml><?xml version="1.0" encoding="utf-8"?>
+<dgm:styleDef xmlns:dgm="http://schemas.openxmlformats.org/drawingml/2006/diagram" xmlns:a="http://schemas.openxmlformats.org/drawingml/2006/main" uniqueId="urn:microsoft.com/office/officeart/2005/8/quickstyle/simple1">
+  <dgm:title val=""/>
+  <dgm:desc val=""/>
+  <dgm:catLst>
+    <dgm:cat type="simple" pri="10100"/>
+  </dgm:catLst>
+  <dgm:scene3d>
+    <a:camera prst="orthographicFront"/>
+    <a:lightRig rig="threePt" dir="t"/>
+  </dgm:scene3d>
+  <dgm:styleLbl name="node0">
+    <dgm:scene3d>
+      <a:camera prst="orthographicFront"/>
+      <a:lightRig rig="threePt" dir="t"/>
+    </dgm:scene3d>
+    <dgm:sp3d/>
+    <dgm:txPr/>
+    <dgm:style>
+      <a:lnRef idx="2">
+        <a:scrgbClr r="0" g="0" b="0"/>
+      </a:lnRef>
+      <a:fillRef idx="1">
+        <a:scrgbClr r="0" g="0" b="0"/>
+      </a:fillRef>
+      <a:effectRef idx="0">
+        <a:scrgbClr r="0" g="0" b="0"/>
+      </a:effectRef>
+      <a:fontRef idx="minor">
+        <a:schemeClr val="lt1"/>
+      </a:fontRef>
+    </dgm:style>
+  </dgm:styleLbl>
+  <dgm:styleLbl name="lnNode1">
+    <dgm:scene3d>
+      <a:camera prst="orthographicFront"/>
+      <a:lightRig rig="threePt" dir="t"/>
+    </dgm:scene3d>
+    <dgm:sp3d/>
+    <dgm:txPr/>
+    <dgm:style>
+      <a:lnRef idx="2">
+        <a:scrgbClr r="0" g="0" b="0"/>
+      </a:lnRef>
+      <a:fillRef idx="1">
+        <a:scrgbClr r="0" g="0" b="0"/>
+      </a:fillRef>
+      <a:effectRef idx="0">
+        <a:scrgbClr r="0" g="0" b="0"/>
+      </a:effectRef>
+      <a:fontRef idx="minor">
+        <a:schemeClr val="lt1"/>
+      </a:fontRef>
+    </dgm:style>
+  </dgm:styleLbl>
+  <dgm:styleLbl name="vennNode1">
+    <dgm:scene3d>
+      <a:camera prst="orthographicFront"/>
+      <a:lightRig rig="threePt" dir="t"/>
+    </dgm:scene3d>
+    <dgm:sp3d/>
+    <dgm:txPr/>
+    <dgm:style>
+      <a:lnRef idx="2">
+        <a:scrgbClr r="0" g="0" b="0"/>
+      </a:lnRef>
+      <a:fillRef idx="1">
+        <a:scrgbClr r="0" g="0" b="0"/>
+      </a:fillRef>
+      <a:effectRef idx="0">
+        <a:scrgbClr r="0" g="0" b="0"/>
+      </a:effectRef>
+      <a:fontRef idx="minor">
+        <a:schemeClr val="tx1"/>
+      </a:fontRef>
+    </dgm:style>
+  </dgm:styleLbl>
+  <dgm:styleLbl name="alignNode1">
+    <dgm:scene3d>
+      <a:camera prst="orthographicFront"/>
+      <a:lightRig rig="threePt" dir="t"/>
+    </dgm:scene3d>
+    <dgm:sp3d/>
+    <dgm:txPr/>
+    <dgm:style>
+      <a:lnRef idx="2">
+        <a:scrgbClr r="0" g="0" b="0"/>
+      </a:lnRef>
+      <a:fillRef idx="1">
+        <a:scrgbClr r="0" g="0" b="0"/>
+      </a:fillRef>
+      <a:effectRef idx="0">
+        <a:scrgbClr r="0" g="0" b="0"/>
+      </a:effectRef>
+      <a:fontRef idx="minor">
+        <a:schemeClr val="lt1"/>
+      </a:fontRef>
+    </dgm:style>
+  </dgm:styleLbl>
+  <dgm:styleLbl name="node1">
+    <dgm:scene3d>
+      <a:camera prst="orthographicFront"/>
+      <a:lightRig rig="threePt" dir="t"/>
+    </dgm:scene3d>
+    <dgm:sp3d/>
+    <dgm:txPr/>
+    <dgm:style>
+      <a:lnRef idx="2">
+        <a:scrgbClr r="0" g="0" b="0"/>
+      </a:lnRef>
+      <a:fillRef idx="1">
+        <a:scrgbClr r="0" g="0" b="0"/>
+      </a:fillRef>
+      <a:effectRef idx="0">
+        <a:scrgbClr r="0" g="0" b="0"/>
+      </a:effectRef>
+      <a:fontRef idx="minor">
+        <a:schemeClr val="lt1"/>
+      </a:fontRef>
+    </dgm:style>
+  </dgm:styleLbl>
+  <dgm:styleLbl name="node2">
+    <dgm:scene3d>
+      <a:camera prst="orthographicFront"/>
+      <a:lightRig rig="threePt" dir="t"/>
+    </dgm:scene3d>
+    <dgm:sp3d/>
+    <dgm:txPr/>
+    <dgm:style>
+      <a:lnRef idx="2">
+        <a:scrgbClr r="0" g="0" b="0"/>
+      </a:lnRef>
+      <a:fillRef idx="1">
+        <a:scrgbClr r="0" g="0" b="0"/>
+      </a:fillRef>
+      <a:effectRef idx="0">
+        <a:scrgbClr r="0" g="0" b="0"/>
+      </a:effectRef>
+      <a:fontRef idx="minor">
+        <a:schemeClr val="lt1"/>
+      </a:fontRef>
+    </dgm:style>
+  </dgm:styleLbl>
+  <dgm:styleLbl name="node3">
+    <dgm:scene3d>
+      <a:camera prst="orthographicFront"/>
+      <a:lightRig rig="threePt" dir="t"/>
+    </dgm:scene3d>
+    <dgm:sp3d/>
+    <dgm:txPr/>
+    <dgm:style>
+      <a:lnRef idx="2">
+        <a:scrgbClr r="0" g="0" b="0"/>
+      </a:lnRef>
+      <a:fillRef idx="1">
+        <a:scrgbClr r="0" g="0" b="0"/>
+      </a:fillRef>
+      <a:effectRef idx="0">
+        <a:scrgbClr r="0" g="0" b="0"/>
+      </a:effectRef>
+      <a:fontRef idx="minor">
+        <a:schemeClr val="lt1"/>
+      </a:fontRef>
+    </dgm:style>
+  </dgm:styleLbl>
+  <dgm:styleLbl name="node4">
+    <dgm:scene3d>
+      <a:camera prst="orthographicFront"/>
+      <a:lightRig rig="threePt" dir="t"/>
+    </dgm:scene3d>
+    <dgm:sp3d/>
+    <dgm:txPr/>
+    <dgm:style>
+      <a:lnRef idx="2">
+        <a:scrgbClr r="0" g="0" b="0"/>
+      </a:lnRef>
+      <a:fillRef idx="1">
+        <a:scrgbClr r="0" g="0" b="0"/>
+      </a:fillRef>
+      <a:effectRef idx="0">
+        <a:scrgbClr r="0" g="0" b="0"/>
+      </a:effectRef>
+      <a:fontRef idx="minor">
+        <a:schemeClr val="lt1"/>
+      </a:fontRef>
+    </dgm:style>
+  </dgm:styleLbl>
+  <dgm:styleLbl name="fgImgPlace1">
+    <dgm:scene3d>
+      <a:camera prst="orthographicFront"/>
+      <a:lightRig rig="threePt" dir="t"/>
+    </dgm:scene3d>
+    <dgm:sp3d/>
+    <dgm:txPr/>
+    <dgm:style>
+      <a:lnRef idx="2">
+        <a:scrgbClr r="0" g="0" b="0"/>
+      </a:lnRef>
+      <a:fillRef idx="1">
+        <a:scrgbClr r="0" g="0" b="0"/>
+      </a:fillRef>
+      <a:effectRef idx="0">
+        <a:scrgbClr r="0" g="0" b="0"/>
+      </a:effectRef>
+      <a:fontRef idx="minor"/>
+    </dgm:style>
+  </dgm:styleLbl>
+  <dgm:styleLbl name="alignImgPlace1">
+    <dgm:scene3d>
+      <a:camera prst="orthographicFront"/>
+      <a:lightRig rig="threePt" dir="t"/>
+    </dgm:scene3d>
+    <dgm:sp3d/>
+    <dgm:txPr/>
+    <dgm:style>
+      <a:lnRef idx="2">
+        <a:scrgbClr r="0" g="0" b="0"/>
+      </a:lnRef>
+      <a:fillRef idx="1">
+        <a:scrgbClr r="0" g="0" b="0"/>
+      </a:fillRef>
+      <a:effectRef idx="0">
+        <a:scrgbClr r="0" g="0" b="0"/>
+      </a:effectRef>
+      <a:fontRef idx="minor"/>
+    </dgm:style>
+  </dgm:styleLbl>
+  <dgm:styleLbl name="bgImgPlace1">
+    <dgm:scene3d>
+      <a:camera prst="orthographicFront"/>
+      <a:lightRig rig="threePt" dir="t"/>
+    </dgm:scene3d>
+    <dgm:sp3d/>
+    <dgm:txPr/>
+    <dgm:style>
+      <a:lnRef idx="2">
+        <a:scrgbClr r="0" g="0" b="0"/>
+      </a:lnRef>
+      <a:fillRef idx="1">
+        <a:scrgbClr r="0" g="0" b="0"/>
+      </a:fillRef>
+      <a:effectRef idx="0">
+        <a:scrgbClr r="0" g="0" b="0"/>
+      </a:effectRef>
+      <a:fontRef idx="minor"/>
+    </dgm:style>
+  </dgm:styleLbl>
+  <dgm:styleLbl name="sibTrans2D1">
+    <dgm:scene3d>
+      <a:camera prst="orthographicFront"/>
+      <a:lightRig rig="threePt" dir="t"/>
+    </dgm:scene3d>
+    <dgm:sp3d/>
+    <dgm:txPr/>
+    <dgm:style>
+      <a:lnRef idx="0">
+        <a:scrgbClr r="0" g="0" b="0"/>
+      </a:lnRef>
+      <a:fillRef idx="1">
+        <a:scrgbClr r="0" g="0" b="0"/>
+      </a:fillRef>
+      <a:effectRef idx="0">
+        <a:scrgbClr r="0" g="0" b="0"/>
+      </a:effectRef>
+      <a:fontRef idx="minor">
+        <a:schemeClr val="lt1"/>
+      </a:fontRef>
+    </dgm:style>
+  </dgm:styleLbl>
+  <dgm:styleLbl name="fgSibTrans2D1">
+    <dgm:scene3d>
+      <a:camera prst="orthographicFront"/>
+      <a:lightRig rig="threePt" dir="t"/>
+    </dgm:scene3d>
+    <dgm:sp3d/>
+    <dgm:txPr/>
+    <dgm:style>
+      <a:lnRef idx="0">
+        <a:scrgbClr r="0" g="0" b="0"/>
+      </a:lnRef>
+      <a:fillRef idx="1">
+        <a:scrgbClr r="0" g="0" b="0"/>
+      </a:fillRef>
+      <a:effectRef idx="0">
+        <a:scrgbClr r="0" g="0" b="0"/>
+      </a:effectRef>
+      <a:fontRef idx="minor">
+        <a:schemeClr val="lt1"/>
+      </a:fontRef>
+    </dgm:style>
+  </dgm:styleLbl>
+  <dgm:styleLbl name="bgSibTrans2D1">
+    <dgm:scene3d>
+      <a:camera prst="orthographicFront"/>
+      <a:lightRig rig="threePt" dir="t"/>
+    </dgm:scene3d>
+    <dgm:sp3d/>
+    <dgm:txPr/>
+    <dgm:style>
+      <a:lnRef idx="0">
+        <a:scrgbClr r="0" g="0" b="0"/>
+      </a:lnRef>
+      <a:fillRef idx="1">
+        <a:scrgbClr r="0" g="0" b="0"/>
+      </a:fillRef>
+      <a:effectRef idx="0">
+        <a:scrgbClr r="0" g="0" b="0"/>
+      </a:effectRef>
+      <a:fontRef idx="minor">
+        <a:schemeClr val="lt1"/>
+      </a:fontRef>
+    </dgm:style>
+  </dgm:styleLbl>
+  <dgm:styleLbl name="sibTrans1D1">
+    <dgm:scene3d>
+      <a:camera prst="orthographicFront"/>
+      <a:lightRig rig="threePt" dir="t"/>
+    </dgm:scene3d>
+    <dgm:sp3d/>
+    <dgm:txPr/>
+    <dgm:style>
+      <a:lnRef idx="1">
+        <a:scrgbClr r="0" g="0" b="0"/>
+      </a:lnRef>
+      <a:fillRef idx="0">
+        <a:scrgbClr r="0" g="0" b="0"/>
+      </a:fillRef>
+      <a:effectRef idx="0">
+        <a:scrgbClr r="0" g="0" b="0"/>
+      </a:effectRef>
+      <a:fontRef idx="minor"/>
+    </dgm:style>
+  </dgm:styleLbl>
+  <dgm:styleLbl name="callout">
+    <dgm:scene3d>
+      <a:camera prst="orthographicFront"/>
+      <a:lightRig rig="threePt" dir="t"/>
+    </dgm:scene3d>
+    <dgm:sp3d/>
+    <dgm:txPr/>
+    <dgm:style>
+      <a:lnRef idx="2">
+        <a:scrgbClr r="0" g="0" b="0"/>
+      </a:lnRef>
+      <a:fillRef idx="1">
+        <a:scrgbClr r="0" g="0" b="0"/>
+      </a:fillRef>
+      <a:effectRef idx="0">
+        <a:scrgbClr r="0" g="0" b="0"/>
+      </a:effectRef>
+      <a:fontRef idx="minor"/>
+    </dgm:style>
+  </dgm:styleLbl>
+  <dgm:styleLbl name="asst0">
+    <dgm:scene3d>
+      <a:camera prst="orthographicFront"/>
+      <a:lightRig rig="threePt" dir="t"/>
+    </dgm:scene3d>
+    <dgm:sp3d/>
+    <dgm:txPr/>
+    <dgm:style>
+      <a:lnRef idx="2">
+        <a:scrgbClr r="0" g="0" b="0"/>
+      </a:lnRef>
+      <a:fillRef idx="1">
+        <a:scrgbClr r="0" g="0" b="0"/>
+      </a:fillRef>
+      <a:effectRef idx="0">
+        <a:scrgbClr r="0" g="0" b="0"/>
+      </a:effectRef>
+      <a:fontRef idx="minor">
+        <a:schemeClr val="lt1"/>
+      </a:fontRef>
+    </dgm:style>
+  </dgm:styleLbl>
+  <dgm:styleLbl name="asst1">
+    <dgm:scene3d>
+      <a:camera prst="orthographicFront"/>
+      <a:lightRig rig="threePt" dir="t"/>
+    </dgm:scene3d>
+    <dgm:sp3d/>
+    <dgm:txPr/>
+    <dgm:style>
+      <a:lnRef idx="2">
+        <a:scrgbClr r="0" g="0" b="0"/>
+      </a:lnRef>
+      <a:fillRef idx="1">
+        <a:scrgbClr r="0" g="0" b="0"/>
+      </a:fillRef>
+      <a:effectRef idx="0">
+        <a:scrgbClr r="0" g="0" b="0"/>
+      </a:effectRef>
+      <a:fontRef idx="minor">
+        <a:schemeClr val="lt1"/>
+      </a:fontRef>
+    </dgm:style>
+  </dgm:styleLbl>
+  <dgm:styleLbl name="asst2">
+    <dgm:scene3d>
+      <a:camera prst="orthographicFront"/>
+      <a:lightRig rig="threePt" dir="t"/>
+    </dgm:scene3d>
+    <dgm:sp3d/>
+    <dgm:txPr/>
+    <dgm:style>
+      <a:lnRef idx="2">
+        <a:scrgbClr r="0" g="0" b="0"/>
+      </a:lnRef>
+      <a:fillRef idx="1">
+        <a:scrgbClr r="0" g="0" b="0"/>
+      </a:fillRef>
+      <a:effectRef idx="0">
+        <a:scrgbClr r="0" g="0" b="0"/>
+      </a:effectRef>
+      <a:fontRef idx="minor">
+        <a:schemeClr val="lt1"/>
+      </a:fontRef>
+    </dgm:style>
+  </dgm:styleLbl>
+  <dgm:styleLbl name="asst3">
+    <dgm:scene3d>
+      <a:camera prst="orthographicFront"/>
+      <a:lightRig rig="threePt" dir="t"/>
+    </dgm:scene3d>
+    <dgm:sp3d/>
+    <dgm:txPr/>
+    <dgm:style>
+      <a:lnRef idx="2">
+        <a:scrgbClr r="0" g="0" b="0"/>
+      </a:lnRef>
+      <a:fillRef idx="1">
+        <a:scrgbClr r="0" g="0" b="0"/>
+      </a:fillRef>
+      <a:effectRef idx="0">
+        <a:scrgbClr r="0" g="0" b="0"/>
+      </a:effectRef>
+      <a:fontRef idx="minor">
+        <a:schemeClr val="lt1"/>
+      </a:fontRef>
+    </dgm:style>
+  </dgm:styleLbl>
+  <dgm:styleLbl name="asst4">
+    <dgm:scene3d>
+      <a:camera prst="orthographicFront"/>
+      <a:lightRig rig="threePt" dir="t"/>
+    </dgm:scene3d>
+    <dgm:sp3d/>
+    <dgm:txPr/>
+    <dgm:style>
+      <a:lnRef idx="2">
+        <a:scrgbClr r="0" g="0" b="0"/>
+      </a:lnRef>
+      <a:fillRef idx="1">
+        <a:scrgbClr r="0" g="0" b="0"/>
+      </a:fillRef>
+      <a:effectRef idx="0">
+        <a:scrgbClr r="0" g="0" b="0"/>
+      </a:effectRef>
+      <a:fontRef idx="minor">
+        <a:schemeClr val="lt1"/>
+      </a:fontRef>
+    </dgm:style>
+  </dgm:styleLbl>
+  <dgm:styleLbl name="parChTrans2D1">
+    <dgm:scene3d>
+      <a:camera prst="orthographicFront"/>
+      <a:lightRig rig="threePt" dir="t"/>
+    </dgm:scene3d>
+    <dgm:sp3d/>
+    <dgm:txPr/>
+    <dgm:style>
+      <a:lnRef idx="2">
+        <a:scrgbClr r="0" g="0" b="0"/>
+      </a:lnRef>
+      <a:fillRef idx="1">
+        <a:scrgbClr r="0" g="0" b="0"/>
+      </a:fillRef>
+      <a:effectRef idx="0">
+        <a:scrgbClr r="0" g="0" b="0"/>
+      </a:effectRef>
+      <a:fontRef idx="minor">
+        <a:schemeClr val="lt1"/>
+      </a:fontRef>
+    </dgm:style>
+  </dgm:styleLbl>
+  <dgm:styleLbl name="parChTrans2D2">
+    <dgm:scene3d>
+      <a:camera prst="orthographicFront"/>
+      <a:lightRig rig="threePt" dir="t"/>
+    </dgm:scene3d>
+    <dgm:sp3d/>
+    <dgm:txPr/>
+    <dgm:style>
+      <a:lnRef idx="2">
+        <a:scrgbClr r="0" g="0" b="0"/>
+      </a:lnRef>
+      <a:fillRef idx="1">
+        <a:scrgbClr r="0" g="0" b="0"/>
+      </a:fillRef>
+      <a:effectRef idx="0">
+        <a:scrgbClr r="0" g="0" b="0"/>
+      </a:effectRef>
+      <a:fontRef idx="minor">
+        <a:schemeClr val="lt1"/>
+      </a:fontRef>
+    </dgm:style>
+  </dgm:styleLbl>
+  <dgm:styleLbl name="parChTrans2D3">
+    <dgm:scene3d>
+      <a:camera prst="orthographicFront"/>
+      <a:lightRig rig="threePt" dir="t"/>
+    </dgm:scene3d>
+    <dgm:sp3d/>
+    <dgm:txPr/>
+    <dgm:style>
+      <a:lnRef idx="2">
+        <a:scrgbClr r="0" g="0" b="0"/>
+      </a:lnRef>
+      <a:fillRef idx="1">
+        <a:scrgbClr r="0" g="0" b="0"/>
+      </a:fillRef>
+      <a:effectRef idx="0">
+        <a:scrgbClr r="0" g="0" b="0"/>
+      </a:effectRef>
+      <a:fontRef idx="minor">
+        <a:schemeClr val="lt1"/>
+      </a:fontRef>
+    </dgm:style>
+  </dgm:styleLbl>
+  <dgm:styleLbl name="parChTrans2D4">
+    <dgm:scene3d>
+      <a:camera prst="orthographicFront"/>
+      <a:lightRig rig="threePt" dir="t"/>
+    </dgm:scene3d>
+    <dgm:sp3d/>
+    <dgm:txPr/>
+    <dgm:style>
+      <a:lnRef idx="2">
+        <a:scrgbClr r="0" g="0" b="0"/>
+      </a:lnRef>
+      <a:fillRef idx="1">
+        <a:scrgbClr r="0" g="0" b="0"/>
+      </a:fillRef>
+      <a:effectRef idx="0">
+        <a:scrgbClr r="0" g="0" b="0"/>
+      </a:effectRef>
+      <a:fontRef idx="minor">
+        <a:schemeClr val="lt1"/>
+      </a:fontRef>
+    </dgm:style>
+  </dgm:styleLbl>
+  <dgm:styleLbl name="parChTrans1D1">
+    <dgm:scene3d>
+      <a:camera prst="orthographicFront"/>
+      <a:lightRig rig="threePt" dir="t"/>
+    </dgm:scene3d>
+    <dgm:sp3d/>
+    <dgm:txPr/>
+    <dgm:style>
+      <a:lnRef idx="2">
+        <a:scrgbClr r="0" g="0" b="0"/>
+      </a:lnRef>
+      <a:fillRef idx="0">
+        <a:scrgbClr r="0" g="0" b="0"/>
+      </a:fillRef>
+      <a:effectRef idx="0">
+        <a:scrgbClr r="0" g="0" b="0"/>
+      </a:effectRef>
+      <a:fontRef idx="minor"/>
+    </dgm:style>
+  </dgm:styleLbl>
+  <dgm:styleLbl name="parChTrans1D2">
+    <dgm:scene3d>
+      <a:camera prst="orthographicFront"/>
+      <a:lightRig rig="threePt" dir="t"/>
+    </dgm:scene3d>
+    <dgm:sp3d/>
+    <dgm:txPr/>
+    <dgm:style>
+      <a:lnRef idx="2">
+        <a:scrgbClr r="0" g="0" b="0"/>
+      </a:lnRef>
+      <a:fillRef idx="0">
+        <a:scrgbClr r="0" g="0" b="0"/>
+      </a:fillRef>
+      <a:effectRef idx="0">
+        <a:scrgbClr r="0" g="0" b="0"/>
+      </a:effectRef>
+      <a:fontRef idx="minor"/>
+    </dgm:style>
+  </dgm:styleLbl>
+  <dgm:styleLbl name="parChTrans1D3">
+    <dgm:scene3d>
+      <a:camera prst="orthographicFront"/>
+      <a:lightRig rig="threePt" dir="t"/>
+    </dgm:scene3d>
+    <dgm:sp3d/>
+    <dgm:txPr/>
+    <dgm:style>
+      <a:lnRef idx="2">
+        <a:scrgbClr r="0" g="0" b="0"/>
+      </a:lnRef>
+      <a:fillRef idx="0">
+        <a:scrgbClr r="0" g="0" b="0"/>
+      </a:fillRef>
+      <a:effectRef idx="0">
+        <a:scrgbClr r="0" g="0" b="0"/>
+      </a:effectRef>
+      <a:fontRef idx="minor"/>
+    </dgm:style>
+  </dgm:styleLbl>
+  <dgm:styleLbl name="parChTrans1D4">
+    <dgm:scene3d>
+      <a:camera prst="orthographicFront"/>
+      <a:lightRig rig="threePt" dir="t"/>
+    </dgm:scene3d>
+    <dgm:sp3d/>
+    <dgm:txPr/>
+    <dgm:style>
+      <a:lnRef idx="2">
+        <a:scrgbClr r="0" g="0" b="0"/>
+      </a:lnRef>
+      <a:fillRef idx="0">
+        <a:scrgbClr r="0" g="0" b="0"/>
+      </a:fillRef>
+      <a:effectRef idx="0">
+        <a:scrgbClr r="0" g="0" b="0"/>
+      </a:effectRef>
+      <a:fontRef idx="minor"/>
+    </dgm:style>
+  </dgm:styleLbl>
+  <dgm:styleLbl name="fgAcc1">
+    <dgm:scene3d>
+      <a:camera prst="orthographicFront"/>
+      <a:lightRig rig="threePt" dir="t"/>
+    </dgm:scene3d>
+    <dgm:sp3d/>
+    <dgm:txPr/>
+    <dgm:style>
+      <a:lnRef idx="2">
+        <a:scrgbClr r="0" g="0" b="0"/>
+      </a:lnRef>
+      <a:fillRef idx="1">
+        <a:scrgbClr r="0" g="0" b="0"/>
+      </a:fillRef>
+      <a:effectRef idx="0">
+        <a:scrgbClr r="0" g="0" b="0"/>
+      </a:effectRef>
+      <a:fontRef idx="minor"/>
+    </dgm:style>
+  </dgm:styleLbl>
+  <dgm:styleLbl name="conFgAcc1">
+    <dgm:scene3d>
+      <a:camera prst="orthographicFront"/>
+      <a:lightRig rig="threePt" dir="t"/>
+    </dgm:scene3d>
+    <dgm:sp3d/>
+    <dgm:txPr/>
+    <dgm:style>
+      <a:lnRef idx="2">
+        <a:scrgbClr r="0" g="0" b="0"/>
+      </a:lnRef>
+      <a:fillRef idx="1">
+        <a:scrgbClr r="0" g="0" b="0"/>
+      </a:fillRef>
+      <a:effectRef idx="0">
+        <a:scrgbClr r="0" g="0" b="0"/>
+      </a:effectRef>
+      <a:fontRef idx="minor"/>
+    </dgm:style>
+  </dgm:styleLbl>
+  <dgm:styleLbl name="alignAcc1">
+    <dgm:scene3d>
+      <a:camera prst="orthographicFront"/>
+      <a:lightRig rig="threePt" dir="t"/>
+    </dgm:scene3d>
+    <dgm:sp3d/>
+    <dgm:txPr/>
+    <dgm:style>
+      <a:lnRef idx="2">
+        <a:scrgbClr r="0" g="0" b="0"/>
+      </a:lnRef>
+      <a:fillRef idx="1">
+        <a:scrgbClr r="0" g="0" b="0"/>
+      </a:fillRef>
+      <a:effectRef idx="0">
+        <a:scrgbClr r="0" g="0" b="0"/>
+      </a:effectRef>
+      <a:fontRef idx="minor"/>
+    </dgm:style>
+  </dgm:styleLbl>
+  <dgm:styleLbl name="trAlignAcc1">
+    <dgm:scene3d>
+      <a:camera prst="orthographicFront"/>
+      <a:lightRig rig="threePt" dir="t"/>
+    </dgm:scene3d>
+    <dgm:sp3d/>
+    <dgm:txPr/>
+    <dgm:style>
+      <a:lnRef idx="1">
+        <a:scrgbClr r="0" g="0" b="0"/>
+      </a:lnRef>
+      <a:fillRef idx="1">
+        <a:scrgbClr r="0" g="0" b="0"/>
+      </a:fillRef>
+      <a:effectRef idx="0">
+        <a:scrgbClr r="0" g="0" b="0"/>
+      </a:effectRef>
+      <a:fontRef idx="minor"/>
+    </dgm:style>
+  </dgm:styleLbl>
+  <dgm:styleLbl name="bgAcc1">
+    <dgm:scene3d>
+      <a:camera prst="orthographicFront"/>
+      <a:lightRig rig="threePt" dir="t"/>
+    </dgm:scene3d>
+    <dgm:sp3d/>
+    <dgm:txPr/>
+    <dgm:style>
+      <a:lnRef idx="2">
+        <a:scrgbClr r="0" g="0" b="0"/>
+      </a:lnRef>
+      <a:fillRef idx="1">
+        <a:scrgbClr r="0" g="0" b="0"/>
+      </a:fillRef>
+      <a:effectRef idx="0">
+        <a:scrgbClr r="0" g="0" b="0"/>
+      </a:effectRef>
+      <a:fontRef idx="minor"/>
+    </dgm:style>
+  </dgm:styleLbl>
+  <dgm:styleLbl name="solidFgAcc1">
+    <dgm:scene3d>
+      <a:camera prst="orthographicFront"/>
+      <a:lightRig rig="threePt" dir="t"/>
+    </dgm:scene3d>
+    <dgm:sp3d/>
+    <dgm:txPr/>
+    <dgm:style>
+      <a:lnRef idx="2">
+        <a:scrgbClr r="0" g="0" b="0"/>
+      </a:lnRef>
+      <a:fillRef idx="1">
+        <a:scrgbClr r="0" g="0" b="0"/>
+      </a:fillRef>
+      <a:effectRef idx="0">
+        <a:scrgbClr r="0" g="0" b="0"/>
+      </a:effectRef>
+      <a:fontRef idx="minor"/>
+    </dgm:style>
+  </dgm:styleLbl>
+  <dgm:styleLbl name="solidAlignAcc1">
+    <dgm:scene3d>
+      <a:camera prst="orthographicFront"/>
+      <a:lightRig rig="threePt" dir="t"/>
+    </dgm:scene3d>
+    <dgm:sp3d/>
+    <dgm:txPr/>
+    <dgm:style>
+      <a:lnRef idx="2">
+        <a:scrgbClr r="0" g="0" b="0"/>
+      </a:lnRef>
+      <a:fillRef idx="1">
+        <a:scrgbClr r="0" g="0" b="0"/>
+      </a:fillRef>
+      <a:effectRef idx="0">
+        <a:scrgbClr r="0" g="0" b="0"/>
+      </a:effectRef>
+      <a:fontRef idx="minor"/>
+    </dgm:style>
+  </dgm:styleLbl>
+  <dgm:styleLbl name="solidBgAcc1">
+    <dgm:scene3d>
+      <a:camera prst="orthographicFront"/>
+      <a:lightRig rig="threePt" dir="t"/>
+    </dgm:scene3d>
+    <dgm:sp3d/>
+    <dgm:txPr/>
+    <dgm:style>
+      <a:lnRef idx="2">
+        <a:scrgbClr r="0" g="0" b="0"/>
+      </a:lnRef>
+      <a:fillRef idx="1">
+        <a:scrgbClr r="0" g="0" b="0"/>
+      </a:fillRef>
+      <a:effectRef idx="0">
+        <a:scrgbClr r="0" g="0" b="0"/>
+      </a:effectRef>
+      <a:fontRef idx="minor"/>
+    </dgm:style>
+  </dgm:styleLbl>
+  <dgm:styleLbl name="fgAccFollowNode1">
+    <dgm:scene3d>
+      <a:camera prst="orthographicFront"/>
+      <a:lightRig rig="threePt" dir="t"/>
+    </dgm:scene3d>
+    <dgm:sp3d/>
+    <dgm:txPr/>
+    <dgm:style>
+      <a:lnRef idx="2">
+        <a:scrgbClr r="0" g="0" b="0"/>
+      </a:lnRef>
+      <a:fillRef idx="1">
+        <a:scrgbClr r="0" g="0" b="0"/>
+      </a:fillRef>
+      <a:effectRef idx="0">
+        <a:scrgbClr r="0" g="0" b="0"/>
+      </a:effectRef>
+      <a:fontRef idx="minor"/>
+    </dgm:style>
+  </dgm:styleLbl>
+  <dgm:styleLbl name="alignAccFollowNode1">
+    <dgm:scene3d>
+      <a:camera prst="orthographicFront"/>
+      <a:lightRig rig="threePt" dir="t"/>
+    </dgm:scene3d>
+    <dgm:sp3d/>
+    <dgm:txPr/>
+    <dgm:style>
+      <a:lnRef idx="2">
+        <a:scrgbClr r="0" g="0" b="0"/>
+      </a:lnRef>
+      <a:fillRef idx="1">
+        <a:scrgbClr r="0" g="0" b="0"/>
+      </a:fillRef>
+      <a:effectRef idx="0">
+        <a:scrgbClr r="0" g="0" b="0"/>
+      </a:effectRef>
+      <a:fontRef idx="minor"/>
+    </dgm:style>
+  </dgm:styleLbl>
+  <dgm:styleLbl name="bgAccFollowNode1">
+    <dgm:scene3d>
+      <a:camera prst="orthographicFront"/>
+      <a:lightRig rig="threePt" dir="t"/>
+    </dgm:scene3d>
+    <dgm:sp3d/>
+    <dgm:txPr/>
+    <dgm:style>
+      <a:lnRef idx="2">
+        <a:scrgbClr r="0" g="0" b="0"/>
+      </a:lnRef>
+      <a:fillRef idx="1">
+        <a:scrgbClr r="0" g="0" b="0"/>
+      </a:fillRef>
+      <a:effectRef idx="0">
+        <a:scrgbClr r="0" g="0" b="0"/>
+      </a:effectRef>
+      <a:fontRef idx="minor"/>
+    </dgm:style>
+  </dgm:styleLbl>
+  <dgm:styleLbl name="fgAcc0">
+    <dgm:scene3d>
+      <a:camera prst="orthographicFront"/>
+      <a:lightRig rig="threePt" dir="t"/>
+    </dgm:scene3d>
+    <dgm:sp3d/>
+    <dgm:txPr/>
+    <dgm:style>
+      <a:lnRef idx="2">
+        <a:scrgbClr r="0" g="0" b="0"/>
+      </a:lnRef>
+      <a:fillRef idx="1">
+        <a:scrgbClr r="0" g="0" b="0"/>
+      </a:fillRef>
+      <a:effectRef idx="0">
+        <a:scrgbClr r="0" g="0" b="0"/>
+      </a:effectRef>
+      <a:fontRef idx="minor"/>
+    </dgm:style>
+  </dgm:styleLbl>
+  <dgm:styleLbl name="fgAcc2">
+    <dgm:scene3d>
+      <a:camera prst="orthographicFront"/>
+      <a:lightRig rig="threePt" dir="t"/>
+    </dgm:scene3d>
+    <dgm:sp3d/>
+    <dgm:txPr/>
+    <dgm:style>
+      <a:lnRef idx="2">
+        <a:scrgbClr r="0" g="0" b="0"/>
+      </a:lnRef>
+      <a:fillRef idx="1">
+        <a:scrgbClr r="0" g="0" b="0"/>
+      </a:fillRef>
+      <a:effectRef idx="0">
+        <a:scrgbClr r="0" g="0" b="0"/>
+      </a:effectRef>
+      <a:fontRef idx="minor"/>
+    </dgm:style>
+  </dgm:styleLbl>
+  <dgm:styleLbl name="fgAcc3">
+    <dgm:scene3d>
+      <a:camera prst="orthographicFront"/>
+      <a:lightRig rig="threePt" dir="t"/>
+    </dgm:scene3d>
+    <dgm:sp3d/>
+    <dgm:txPr/>
+    <dgm:style>
+      <a:lnRef idx="2">
+        <a:scrgbClr r="0" g="0" b="0"/>
+      </a:lnRef>
+      <a:fillRef idx="1">
+        <a:scrgbClr r="0" g="0" b="0"/>
+      </a:fillRef>
+      <a:effectRef idx="0">
+        <a:scrgbClr r="0" g="0" b="0"/>
+      </a:effectRef>
+      <a:fontRef idx="minor"/>
+    </dgm:style>
+  </dgm:styleLbl>
+  <dgm:styleLbl name="fgAcc4">
+    <dgm:scene3d>
+      <a:camera prst="orthographicFront"/>
+      <a:lightRig rig="threePt" dir="t"/>
+    </dgm:scene3d>
+    <dgm:sp3d/>
+    <dgm:txPr/>
+    <dgm:style>
+      <a:lnRef idx="2">
+        <a:scrgbClr r="0" g="0" b="0"/>
+      </a:lnRef>
+      <a:fillRef idx="1">
+        <a:scrgbClr r="0" g="0" b="0"/>
+      </a:fillRef>
+      <a:effectRef idx="0">
+        <a:scrgbClr r="0" g="0" b="0"/>
+      </a:effectRef>
+      <a:fontRef idx="minor"/>
+    </dgm:style>
+  </dgm:styleLbl>
+  <dgm:styleLbl name="bgShp">
+    <dgm:scene3d>
+      <a:camera prst="orthographicFront"/>
+      <a:lightRig rig="threePt" dir="t"/>
+    </dgm:scene3d>
+    <dgm:sp3d/>
+    <dgm:txPr/>
+    <dgm:style>
+      <a:lnRef idx="0">
+        <a:scrgbClr r="0" g="0" b="0"/>
+      </a:lnRef>
+      <a:fillRef idx="1">
+        <a:scrgbClr r="0" g="0" b="0"/>
+      </a:fillRef>
+      <a:effectRef idx="0">
+        <a:scrgbClr r="0" g="0" b="0"/>
+      </a:effectRef>
+      <a:fontRef idx="minor"/>
+    </dgm:style>
+  </dgm:styleLbl>
+  <dgm:styleLbl name="dkBgShp">
+    <dgm:scene3d>
+      <a:camera prst="orthographicFront"/>
+      <a:lightRig rig="threePt" dir="t"/>
+    </dgm:scene3d>
+    <dgm:sp3d/>
+    <dgm:txPr/>
+    <dgm:style>
+      <a:lnRef idx="0">
+        <a:scrgbClr r="0" g="0" b="0"/>
+      </a:lnRef>
+      <a:fillRef idx="1">
+        <a:scrgbClr r="0" g="0" b="0"/>
+      </a:fillRef>
+      <a:effectRef idx="0">
+        <a:scrgbClr r="0" g="0" b="0"/>
+      </a:effectRef>
+      <a:fontRef idx="minor"/>
+    </dgm:style>
+  </dgm:styleLbl>
+  <dgm:styleLbl name="trBgShp">
+    <dgm:scene3d>
+      <a:camera prst="orthographicFront"/>
+      <a:lightRig rig="threePt" dir="t"/>
+    </dgm:scene3d>
+    <dgm:sp3d/>
+    <dgm:txPr/>
+    <dgm:style>
+      <a:lnRef idx="0">
+        <a:scrgbClr r="0" g="0" b="0"/>
+      </a:lnRef>
+      <a:fillRef idx="1">
+        <a:scrgbClr r="0" g="0" b="0"/>
+      </a:fillRef>
+      <a:effectRef idx="0">
+        <a:scrgbClr r="0" g="0" b="0"/>
+      </a:effectRef>
+      <a:fontRef idx="minor"/>
+    </dgm:style>
+  </dgm:styleLbl>
+  <dgm:styleLbl name="fgShp">
+    <dgm:scene3d>
+      <a:camera prst="orthographicFront"/>
+      <a:lightRig rig="threePt" dir="t"/>
+    </dgm:scene3d>
+    <dgm:sp3d/>
+    <dgm:txPr/>
+    <dgm:style>
+      <a:lnRef idx="2">
+        <a:scrgbClr r="0" g="0" b="0"/>
+      </a:lnRef>
+      <a:fillRef idx="1">
+        <a:scrgbClr r="0" g="0" b="0"/>
+      </a:fillRef>
+      <a:effectRef idx="0">
         <a:scrgbClr r="0" g="0" b="0"/>
       </a:effectRef>
       <a:fontRef idx="minor"/>
@@ -32390,6 +34814,186 @@
           <p:cNvPr id="2" name="タイトル 1">
             <a:extLst>
               <a:ext uri="{FF2B5EF4-FFF2-40B4-BE49-F238E27FC236}">
+                <a16:creationId xmlns:a16="http://schemas.microsoft.com/office/drawing/2014/main" id="{42B907F2-B25E-8515-384C-25630F68AC77}"/>
+              </a:ext>
+            </a:extLst>
+          </p:cNvPr>
+          <p:cNvSpPr>
+            <a:spLocks noGrp="1"/>
+          </p:cNvSpPr>
+          <p:nvPr>
+            <p:ph type="title"/>
+          </p:nvPr>
+        </p:nvSpPr>
+        <p:spPr/>
+        <p:txBody>
+          <a:bodyPr/>
+          <a:lstStyle/>
+          <a:p>
+            <a:r>
+              <a:rPr kumimoji="1" lang="ja-JP" altLang="en-US" dirty="0"/>
+              <a:t>プログラミング面の問題</a:t>
+            </a:r>
+          </a:p>
+        </p:txBody>
+      </p:sp>
+      <p:sp>
+        <p:nvSpPr>
+          <p:cNvPr id="3" name="コンテンツ プレースホルダー 2">
+            <a:extLst>
+              <a:ext uri="{FF2B5EF4-FFF2-40B4-BE49-F238E27FC236}">
+                <a16:creationId xmlns:a16="http://schemas.microsoft.com/office/drawing/2014/main" id="{1524FCF1-4C95-5A07-2976-A26A376AB73B}"/>
+              </a:ext>
+            </a:extLst>
+          </p:cNvPr>
+          <p:cNvSpPr>
+            <a:spLocks noGrp="1"/>
+          </p:cNvSpPr>
+          <p:nvPr>
+            <p:ph sz="half" idx="1"/>
+          </p:nvPr>
+        </p:nvSpPr>
+        <p:spPr/>
+        <p:txBody>
+          <a:bodyPr/>
+          <a:lstStyle/>
+          <a:p>
+            <a:pPr marL="457200" rtl="0">
+              <a:spcBef>
+                <a:spcPts val="0"/>
+              </a:spcBef>
+              <a:spcAft>
+                <a:spcPts val="0"/>
+              </a:spcAft>
+            </a:pPr>
+            <a:r>
+              <a:rPr lang="ja-JP" altLang="en-US" sz="1800" b="1" i="0" u="none" strike="noStrike" dirty="0">
+                <a:solidFill>
+                  <a:srgbClr val="000000"/>
+                </a:solidFill>
+                <a:effectLst/>
+                <a:latin typeface="Arial" panose="020B0604020202020204" pitchFamily="34" charset="0"/>
+              </a:rPr>
+              <a:t>構文の意味を理解していない</a:t>
+            </a:r>
+            <a:endParaRPr lang="ja-JP" altLang="en-US" b="0" dirty="0">
+              <a:effectLst/>
+            </a:endParaRPr>
+          </a:p>
+          <a:p>
+            <a:pPr marL="457200" rtl="0">
+              <a:spcBef>
+                <a:spcPts val="0"/>
+              </a:spcBef>
+              <a:spcAft>
+                <a:spcPts val="0"/>
+              </a:spcAft>
+            </a:pPr>
+            <a:r>
+              <a:rPr lang="ja-JP" altLang="en-US" sz="1800" b="1" i="0" u="none" strike="noStrike" dirty="0">
+                <a:solidFill>
+                  <a:srgbClr val="000000"/>
+                </a:solidFill>
+                <a:effectLst/>
+                <a:latin typeface="Arial" panose="020B0604020202020204" pitchFamily="34" charset="0"/>
+              </a:rPr>
+              <a:t>２，エラーの発生原因が分からない</a:t>
+            </a:r>
+            <a:endParaRPr lang="ja-JP" altLang="en-US" b="0" dirty="0">
+              <a:effectLst/>
+            </a:endParaRPr>
+          </a:p>
+          <a:p>
+            <a:pPr marL="457200" rtl="0">
+              <a:spcBef>
+                <a:spcPts val="0"/>
+              </a:spcBef>
+              <a:spcAft>
+                <a:spcPts val="0"/>
+              </a:spcAft>
+            </a:pPr>
+            <a:r>
+              <a:rPr lang="ja-JP" altLang="en-US" sz="1800" b="1" i="0" u="none" strike="noStrike" dirty="0">
+                <a:solidFill>
+                  <a:srgbClr val="000000"/>
+                </a:solidFill>
+                <a:effectLst/>
+                <a:latin typeface="Arial" panose="020B0604020202020204" pitchFamily="34" charset="0"/>
+              </a:rPr>
+              <a:t>３，デバックで確認する箇所が分からない</a:t>
+            </a:r>
+            <a:endParaRPr lang="ja-JP" altLang="en-US" b="0" dirty="0">
+              <a:effectLst/>
+            </a:endParaRPr>
+          </a:p>
+          <a:p>
+            <a:br>
+              <a:rPr lang="ja-JP" altLang="en-US" dirty="0"/>
+            </a:br>
+            <a:endParaRPr kumimoji="1" lang="ja-JP" altLang="en-US" dirty="0"/>
+          </a:p>
+        </p:txBody>
+      </p:sp>
+      <p:sp>
+        <p:nvSpPr>
+          <p:cNvPr id="4" name="コンテンツ プレースホルダー 3">
+            <a:extLst>
+              <a:ext uri="{FF2B5EF4-FFF2-40B4-BE49-F238E27FC236}">
+                <a16:creationId xmlns:a16="http://schemas.microsoft.com/office/drawing/2014/main" id="{86E9208E-0E0E-D48B-4F00-134FD791E630}"/>
+              </a:ext>
+            </a:extLst>
+          </p:cNvPr>
+          <p:cNvSpPr>
+            <a:spLocks noGrp="1"/>
+          </p:cNvSpPr>
+          <p:nvPr>
+            <p:ph sz="half" idx="2"/>
+          </p:nvPr>
+        </p:nvSpPr>
+        <p:spPr/>
+        <p:txBody>
+          <a:bodyPr/>
+          <a:lstStyle/>
+          <a:p>
+            <a:endParaRPr kumimoji="1" lang="ja-JP" altLang="en-US"/>
+          </a:p>
+        </p:txBody>
+      </p:sp>
+    </p:spTree>
+    <p:extLst>
+      <p:ext uri="{BB962C8B-B14F-4D97-AF65-F5344CB8AC3E}">
+        <p14:creationId xmlns:p14="http://schemas.microsoft.com/office/powerpoint/2010/main" val="848707037"/>
+      </p:ext>
+    </p:extLst>
+  </p:cSld>
+  <p:clrMapOvr>
+    <a:masterClrMapping/>
+  </p:clrMapOvr>
+</p:sld>
+</file>
+
+<file path=ppt/slides/slide26.xml><?xml version="1.0" encoding="utf-8"?>
+<p:sld xmlns:a="http://schemas.openxmlformats.org/drawingml/2006/main" xmlns:r="http://schemas.openxmlformats.org/officeDocument/2006/relationships" xmlns:p="http://schemas.openxmlformats.org/presentationml/2006/main">
+  <p:cSld>
+    <p:spTree>
+      <p:nvGrpSpPr>
+        <p:cNvPr id="1" name=""/>
+        <p:cNvGrpSpPr/>
+        <p:nvPr/>
+      </p:nvGrpSpPr>
+      <p:grpSpPr>
+        <a:xfrm>
+          <a:off x="0" y="0"/>
+          <a:ext cx="0" cy="0"/>
+          <a:chOff x="0" y="0"/>
+          <a:chExt cx="0" cy="0"/>
+        </a:xfrm>
+      </p:grpSpPr>
+      <p:sp>
+        <p:nvSpPr>
+          <p:cNvPr id="2" name="タイトル 1">
+            <a:extLst>
+              <a:ext uri="{FF2B5EF4-FFF2-40B4-BE49-F238E27FC236}">
                 <a16:creationId xmlns:a16="http://schemas.microsoft.com/office/drawing/2014/main" id="{EBEB22DE-EFEA-99AC-9131-D36A0681CDFC}"/>
               </a:ext>
             </a:extLst>
@@ -32434,16 +35038,6 @@
           <a:bodyPr/>
           <a:lstStyle/>
           <a:p>
-            <a:r>
-              <a:rPr lang="ja-JP" altLang="en-US" sz="1800" b="1" i="0" u="none" strike="noStrike" dirty="0">
-                <a:solidFill>
-                  <a:srgbClr val="000000"/>
-                </a:solidFill>
-                <a:effectLst/>
-                <a:latin typeface="Arial" panose="020B0604020202020204" pitchFamily="34" charset="0"/>
-              </a:rPr>
-              <a:t>やりたいことを実装できない</a:t>
-            </a:r>
             <a:endParaRPr kumimoji="1" lang="ja-JP" altLang="en-US" dirty="0"/>
           </a:p>
         </p:txBody>
@@ -32585,6 +35179,104 @@
               </a:rPr>
               <a:t>名刺管理アプリでは引数を変えるだけで済んでいたので深く理解しないまま放置してしまった。名刺管理アプリのコピペで動作しないものに出会ったとき、構文の意味を理解していなかったためどの部分を書き直せば良いのか分からなかった。</a:t>
             </a:r>
+            <a:endParaRPr lang="en-US" altLang="ja-JP" sz="1800" b="1" i="0" u="none" strike="noStrike" dirty="0">
+              <a:solidFill>
+                <a:srgbClr val="000000"/>
+              </a:solidFill>
+              <a:effectLst/>
+              <a:latin typeface="Arial" panose="020B0604020202020204" pitchFamily="34" charset="0"/>
+            </a:endParaRPr>
+          </a:p>
+          <a:p>
+            <a:pPr marL="457200" rtl="0">
+              <a:spcBef>
+                <a:spcPts val="0"/>
+              </a:spcBef>
+              <a:spcAft>
+                <a:spcPts val="0"/>
+              </a:spcAft>
+            </a:pPr>
+            <a:r>
+              <a:rPr lang="ja-JP" altLang="en-US" sz="2000" b="1" i="0" u="none" strike="noStrike" dirty="0">
+                <a:solidFill>
+                  <a:srgbClr val="000000"/>
+                </a:solidFill>
+                <a:effectLst/>
+                <a:latin typeface="Arial" panose="020B0604020202020204" pitchFamily="34" charset="0"/>
+              </a:rPr>
+              <a:t>デバックに関しては特にデータのやり取り、スコープを扱う際に苦労した。例えば、サーブレットで</a:t>
+            </a:r>
+            <a:r>
+              <a:rPr lang="en-US" altLang="ja-JP" sz="2000" b="1" i="0" u="none" strike="noStrike" dirty="0">
+                <a:solidFill>
+                  <a:srgbClr val="000000"/>
+                </a:solidFill>
+                <a:effectLst/>
+                <a:latin typeface="Arial" panose="020B0604020202020204" pitchFamily="34" charset="0"/>
+              </a:rPr>
+              <a:t>Dao</a:t>
+            </a:r>
+            <a:r>
+              <a:rPr lang="ja-JP" altLang="en-US" sz="2000" b="1" i="0" u="none" strike="noStrike" dirty="0">
+                <a:solidFill>
+                  <a:srgbClr val="000000"/>
+                </a:solidFill>
+                <a:effectLst/>
+                <a:latin typeface="Arial" panose="020B0604020202020204" pitchFamily="34" charset="0"/>
+              </a:rPr>
+              <a:t>から取ってきたデータをスコープに格納し</a:t>
+            </a:r>
+            <a:r>
+              <a:rPr lang="en-US" altLang="ja-JP" sz="2000" b="1" i="0" u="none" strike="noStrike" dirty="0">
+                <a:solidFill>
+                  <a:srgbClr val="000000"/>
+                </a:solidFill>
+                <a:effectLst/>
+                <a:latin typeface="Arial" panose="020B0604020202020204" pitchFamily="34" charset="0"/>
+              </a:rPr>
+              <a:t>JSP</a:t>
+            </a:r>
+            <a:r>
+              <a:rPr lang="ja-JP" altLang="en-US" sz="2000" b="1" i="0" u="none" strike="noStrike" dirty="0">
+                <a:solidFill>
+                  <a:srgbClr val="000000"/>
+                </a:solidFill>
+                <a:effectLst/>
+                <a:latin typeface="Arial" panose="020B0604020202020204" pitchFamily="34" charset="0"/>
+              </a:rPr>
+              <a:t>にフォワードするとき、</a:t>
+            </a:r>
+            <a:r>
+              <a:rPr lang="en-US" altLang="ja-JP" sz="2000" b="1" i="0" u="none" strike="noStrike" dirty="0">
+                <a:solidFill>
+                  <a:srgbClr val="000000"/>
+                </a:solidFill>
+                <a:effectLst/>
+                <a:latin typeface="Arial" panose="020B0604020202020204" pitchFamily="34" charset="0"/>
+              </a:rPr>
+              <a:t>Dao</a:t>
+            </a:r>
+            <a:r>
+              <a:rPr lang="ja-JP" altLang="en-US" sz="2000" b="1" i="0" u="none" strike="noStrike" dirty="0">
+                <a:solidFill>
+                  <a:srgbClr val="000000"/>
+                </a:solidFill>
+                <a:effectLst/>
+                <a:latin typeface="Arial" panose="020B0604020202020204" pitchFamily="34" charset="0"/>
+              </a:rPr>
+              <a:t>から得たデータをスコープに格納する処理の後には、スコープにデータが入ってないといけない、などの判断ができないまま単に形だけのデバッグを行ってしまった。</a:t>
+            </a:r>
+            <a:endParaRPr lang="ja-JP" altLang="en-US" sz="1800" b="0" dirty="0">
+              <a:effectLst/>
+            </a:endParaRPr>
+          </a:p>
+          <a:p>
+            <a:br>
+              <a:rPr lang="ja-JP" altLang="en-US" sz="1800" dirty="0"/>
+            </a:br>
+            <a:endParaRPr kumimoji="1" lang="ja-JP" altLang="en-US" dirty="0"/>
+          </a:p>
+          <a:p>
             <a:endParaRPr kumimoji="1" lang="ja-JP" altLang="en-US" dirty="0"/>
           </a:p>
         </p:txBody>
@@ -32602,9 +35294,17 @@
 </p:sld>
 </file>
 
-<file path=ppt/slides/slide26.xml><?xml version="1.0" encoding="utf-8"?>
+<file path=ppt/slides/slide27.xml><?xml version="1.0" encoding="utf-8"?>
 <p:sld xmlns:a="http://schemas.openxmlformats.org/drawingml/2006/main" xmlns:r="http://schemas.openxmlformats.org/officeDocument/2006/relationships" xmlns:p="http://schemas.openxmlformats.org/presentationml/2006/main">
   <p:cSld>
+    <p:bg>
+      <p:bgPr>
+        <a:solidFill>
+          <a:schemeClr val="bg1"/>
+        </a:solidFill>
+        <a:effectLst/>
+      </p:bgPr>
+    </p:bg>
     <p:spTree>
       <p:nvGrpSpPr>
         <p:cNvPr id="1" name=""/>
@@ -32619,12 +35319,88 @@
           <a:chExt cx="0" cy="0"/>
         </a:xfrm>
       </p:grpSpPr>
+      <p:sp useBgFill="1">
+        <p:nvSpPr>
+          <p:cNvPr id="9" name="Rectangle 8">
+            <a:extLst>
+              <a:ext uri="{FF2B5EF4-FFF2-40B4-BE49-F238E27FC236}">
+                <a16:creationId xmlns:a16="http://schemas.microsoft.com/office/drawing/2014/main" id="{F68B2C62-7648-4430-90D5-AE0F252AF113}"/>
+              </a:ext>
+              <a:ext uri="{C183D7F6-B498-43B3-948B-1728B52AA6E4}">
+                <adec:decorative xmlns:adec="http://schemas.microsoft.com/office/drawing/2017/decorative" val="1"/>
+              </a:ext>
+            </a:extLst>
+          </p:cNvPr>
+          <p:cNvSpPr>
+            <a:spLocks noGrp="1" noRot="1" noChangeAspect="1" noMove="1" noResize="1" noEditPoints="1" noAdjustHandles="1" noChangeArrowheads="1" noChangeShapeType="1" noTextEdit="1"/>
+          </p:cNvSpPr>
+          <p:nvPr>
+            <p:extLst>
+              <p:ext uri="{386F3935-93C4-4BCD-93E2-E3B085C9AB24}">
+                <p16:designElem xmlns:p16="http://schemas.microsoft.com/office/powerpoint/2015/main" val="1"/>
+              </p:ext>
+            </p:extLst>
+          </p:nvPr>
+        </p:nvSpPr>
+        <p:spPr>
+          <a:xfrm>
+            <a:off x="0" y="0"/>
+            <a:ext cx="12192000" cy="6858000"/>
+          </a:xfrm>
+          <a:prstGeom prst="rect">
+            <a:avLst/>
+          </a:prstGeom>
+          <a:ln w="12700" cap="flat" cmpd="sng" algn="ctr">
+            <a:noFill/>
+            <a:prstDash val="solid"/>
+            <a:miter lim="800000"/>
+          </a:ln>
+          <a:effectLst/>
+          <a:extLst>
+            <a:ext uri="{91240B29-F687-4F45-9708-019B960494DF}">
+              <a14:hiddenLine xmlns:a14="http://schemas.microsoft.com/office/drawing/2010/main" w="12700" cap="flat" cmpd="sng" algn="ctr">
+                <a:solidFill>
+                  <a:schemeClr val="accent1">
+                    <a:shade val="50000"/>
+                  </a:schemeClr>
+                </a:solidFill>
+                <a:prstDash val="solid"/>
+                <a:miter lim="800000"/>
+              </a14:hiddenLine>
+            </a:ext>
+          </a:extLst>
+        </p:spPr>
+        <p:style>
+          <a:lnRef idx="2">
+            <a:schemeClr val="accent1">
+              <a:shade val="50000"/>
+            </a:schemeClr>
+          </a:lnRef>
+          <a:fillRef idx="1">
+            <a:schemeClr val="accent1"/>
+          </a:fillRef>
+          <a:effectRef idx="0">
+            <a:schemeClr val="accent1"/>
+          </a:effectRef>
+          <a:fontRef idx="minor">
+            <a:schemeClr val="lt1"/>
+          </a:fontRef>
+        </p:style>
+        <p:txBody>
+          <a:bodyPr rtlCol="0" anchor="ctr"/>
+          <a:lstStyle/>
+          <a:p>
+            <a:pPr algn="ctr"/>
+            <a:endParaRPr lang="en-US"/>
+          </a:p>
+        </p:txBody>
+      </p:sp>
       <p:sp>
         <p:nvSpPr>
           <p:cNvPr id="2" name="タイトル 1">
             <a:extLst>
               <a:ext uri="{FF2B5EF4-FFF2-40B4-BE49-F238E27FC236}">
-                <a16:creationId xmlns:a16="http://schemas.microsoft.com/office/drawing/2014/main" id="{EBEB22DE-EFEA-99AC-9131-D36A0681CDFC}"/>
+                <a16:creationId xmlns:a16="http://schemas.microsoft.com/office/drawing/2014/main" id="{4D914592-CA75-7302-0028-DE4CBF8A9C50}"/>
               </a:ext>
             </a:extLst>
           </p:cNvPr>
@@ -32635,393 +35411,112 @@
             <p:ph type="title"/>
           </p:nvPr>
         </p:nvSpPr>
-        <p:spPr/>
+        <p:spPr>
+          <a:xfrm>
+            <a:off x="695325" y="888999"/>
+            <a:ext cx="10798176" cy="1051914"/>
+          </a:xfrm>
+        </p:spPr>
         <p:txBody>
-          <a:bodyPr/>
+          <a:bodyPr>
+            <a:normAutofit/>
+          </a:bodyPr>
           <a:lstStyle/>
           <a:p>
             <a:r>
               <a:rPr kumimoji="1" lang="ja-JP" altLang="en-US" dirty="0"/>
-              <a:t>解決</a:t>
+              <a:t>解決策：人に頼る</a:t>
             </a:r>
           </a:p>
         </p:txBody>
       </p:sp>
-      <p:sp>
-        <p:nvSpPr>
-          <p:cNvPr id="3" name="テキスト プレースホルダー 2">
+      <p:cxnSp>
+        <p:nvCxnSpPr>
+          <p:cNvPr id="11" name="Straight Connector 10">
             <a:extLst>
               <a:ext uri="{FF2B5EF4-FFF2-40B4-BE49-F238E27FC236}">
-                <a16:creationId xmlns:a16="http://schemas.microsoft.com/office/drawing/2014/main" id="{66ABF322-DB14-65C8-02AC-D8A7295C01DF}"/>
+                <a16:creationId xmlns:a16="http://schemas.microsoft.com/office/drawing/2014/main" id="{9BB96FAB-CCBF-4D1E-9D0D-B038ACC29BD0}"/>
+              </a:ext>
+              <a:ext uri="{C183D7F6-B498-43B3-948B-1728B52AA6E4}">
+                <adec:decorative xmlns:adec="http://schemas.microsoft.com/office/drawing/2017/decorative" val="1"/>
               </a:ext>
             </a:extLst>
           </p:cNvPr>
-          <p:cNvSpPr>
-            <a:spLocks noGrp="1"/>
-          </p:cNvSpPr>
+          <p:cNvCxnSpPr>
+            <a:cxnSpLocks noGrp="1" noRot="1" noChangeAspect="1" noMove="1" noResize="1" noEditPoints="1" noAdjustHandles="1" noChangeArrowheads="1" noChangeShapeType="1"/>
+          </p:cNvCxnSpPr>
           <p:nvPr>
-            <p:ph type="body" idx="1"/>
+            <p:extLst>
+              <p:ext uri="{386F3935-93C4-4BCD-93E2-E3B085C9AB24}">
+                <p16:designElem xmlns:p16="http://schemas.microsoft.com/office/powerpoint/2015/main" val="1"/>
+              </p:ext>
+            </p:extLst>
           </p:nvPr>
-        </p:nvSpPr>
-        <p:spPr/>
-        <p:txBody>
-          <a:bodyPr/>
-          <a:lstStyle/>
-          <a:p>
-            <a:r>
-              <a:rPr lang="ja-JP" altLang="en-US" sz="1800" b="1" i="0" u="none" strike="noStrike" dirty="0">
-                <a:solidFill>
-                  <a:srgbClr val="000000"/>
-                </a:solidFill>
-                <a:effectLst/>
-                <a:latin typeface="Arial" panose="020B0604020202020204" pitchFamily="34" charset="0"/>
-              </a:rPr>
-              <a:t>人に頼る</a:t>
-            </a:r>
-          </a:p>
-        </p:txBody>
-      </p:sp>
-      <p:sp>
-        <p:nvSpPr>
+        </p:nvCxnSpPr>
+        <p:spPr>
+          <a:xfrm>
+            <a:off x="800100" y="723900"/>
+            <a:ext cx="1638300" cy="0"/>
+          </a:xfrm>
+          <a:prstGeom prst="line">
+            <a:avLst/>
+          </a:prstGeom>
+          <a:ln w="44450">
+            <a:solidFill>
+              <a:schemeClr val="tx1"/>
+            </a:solidFill>
+          </a:ln>
+        </p:spPr>
+        <p:style>
+          <a:lnRef idx="1">
+            <a:schemeClr val="accent1"/>
+          </a:lnRef>
+          <a:fillRef idx="0">
+            <a:schemeClr val="accent1"/>
+          </a:fillRef>
+          <a:effectRef idx="0">
+            <a:schemeClr val="accent1"/>
+          </a:effectRef>
+          <a:fontRef idx="minor">
+            <a:schemeClr val="tx1"/>
+          </a:fontRef>
+        </p:style>
+      </p:cxnSp>
+      <p:graphicFrame>
+        <p:nvGraphicFramePr>
           <p:cNvPr id="4" name="コンテンツ プレースホルダー 3">
             <a:extLst>
               <a:ext uri="{FF2B5EF4-FFF2-40B4-BE49-F238E27FC236}">
-                <a16:creationId xmlns:a16="http://schemas.microsoft.com/office/drawing/2014/main" id="{F467A54D-D7CF-D6E3-49BD-81B0D7558A07}"/>
+                <a16:creationId xmlns:a16="http://schemas.microsoft.com/office/drawing/2014/main" id="{1DD31739-6DF9-9656-74A6-A2B6BA0B542A}"/>
               </a:ext>
             </a:extLst>
           </p:cNvPr>
-          <p:cNvSpPr>
-            <a:spLocks noGrp="1"/>
-          </p:cNvSpPr>
+          <p:cNvGraphicFramePr>
+            <a:graphicFrameLocks noGrp="1"/>
+          </p:cNvGraphicFramePr>
           <p:nvPr>
-            <p:ph sz="half" idx="2"/>
+            <p:ph idx="1"/>
+            <p:extLst>
+              <p:ext uri="{D42A27DB-BD31-4B8C-83A1-F6EECF244321}">
+                <p14:modId xmlns:p14="http://schemas.microsoft.com/office/powerpoint/2010/main" val="2742278389"/>
+              </p:ext>
+            </p:extLst>
           </p:nvPr>
-        </p:nvSpPr>
-        <p:spPr/>
-        <p:txBody>
-          <a:bodyPr/>
-          <a:lstStyle/>
-          <a:p>
-            <a:pPr indent="0" rtl="0">
-              <a:spcBef>
-                <a:spcPts val="0"/>
-              </a:spcBef>
-              <a:spcAft>
-                <a:spcPts val="0"/>
-              </a:spcAft>
-              <a:buNone/>
-            </a:pPr>
-            <a:br>
-              <a:rPr lang="ja-JP" altLang="en-US" dirty="0"/>
-            </a:br>
-            <a:endParaRPr kumimoji="1" lang="ja-JP" altLang="en-US" dirty="0"/>
-          </a:p>
-        </p:txBody>
-      </p:sp>
-      <p:sp>
-        <p:nvSpPr>
-          <p:cNvPr id="5" name="テキスト プレースホルダー 4">
-            <a:extLst>
-              <a:ext uri="{FF2B5EF4-FFF2-40B4-BE49-F238E27FC236}">
-                <a16:creationId xmlns:a16="http://schemas.microsoft.com/office/drawing/2014/main" id="{BC934BB8-7F9C-CF57-D83A-17992C515415}"/>
-              </a:ext>
-            </a:extLst>
-          </p:cNvPr>
-          <p:cNvSpPr>
-            <a:spLocks noGrp="1"/>
-          </p:cNvSpPr>
-          <p:nvPr>
-            <p:ph type="body" sz="quarter" idx="3"/>
-          </p:nvPr>
-        </p:nvSpPr>
-        <p:spPr/>
-        <p:txBody>
-          <a:bodyPr/>
-          <a:lstStyle/>
-          <a:p>
-            <a:endParaRPr kumimoji="1" lang="ja-JP" altLang="en-US" dirty="0"/>
-          </a:p>
-        </p:txBody>
-      </p:sp>
-      <p:sp>
-        <p:nvSpPr>
-          <p:cNvPr id="6" name="コンテンツ プレースホルダー 5">
-            <a:extLst>
-              <a:ext uri="{FF2B5EF4-FFF2-40B4-BE49-F238E27FC236}">
-                <a16:creationId xmlns:a16="http://schemas.microsoft.com/office/drawing/2014/main" id="{B57410F4-590B-1857-A50E-46D4DAF736FE}"/>
-              </a:ext>
-            </a:extLst>
-          </p:cNvPr>
-          <p:cNvSpPr>
-            <a:spLocks noGrp="1"/>
-          </p:cNvSpPr>
-          <p:nvPr>
-            <p:ph sz="quarter" idx="4"/>
-          </p:nvPr>
-        </p:nvSpPr>
-        <p:spPr/>
-        <p:txBody>
-          <a:bodyPr/>
-          <a:lstStyle/>
-          <a:p>
-            <a:pPr marL="457200" rtl="0">
-              <a:spcBef>
-                <a:spcPts val="0"/>
-              </a:spcBef>
-              <a:spcAft>
-                <a:spcPts val="0"/>
-              </a:spcAft>
-            </a:pPr>
-            <a:r>
-              <a:rPr lang="ja-JP" altLang="en-US" sz="1800" b="1" i="0" u="none" strike="noStrike" dirty="0">
-                <a:solidFill>
-                  <a:srgbClr val="000000"/>
-                </a:solidFill>
-                <a:effectLst/>
-                <a:latin typeface="Arial" panose="020B0604020202020204" pitchFamily="34" charset="0"/>
-              </a:rPr>
-              <a:t>実装方法が分からず時間を食ってしまうことも問題だったので自力解決のために悩める時間を決めて、時間内での解決が難しければすぐにメンバー、講師に質問する。</a:t>
-            </a:r>
-            <a:endParaRPr lang="ja-JP" altLang="en-US" sz="1600" b="0" dirty="0">
-              <a:effectLst/>
-            </a:endParaRPr>
-          </a:p>
-          <a:p>
-            <a:pPr marL="0" indent="0">
-              <a:buNone/>
-            </a:pPr>
-            <a:endParaRPr kumimoji="1" lang="ja-JP" altLang="en-US" dirty="0"/>
-          </a:p>
-        </p:txBody>
-      </p:sp>
+        </p:nvGraphicFramePr>
+        <p:xfrm>
+          <a:off x="800100" y="2276474"/>
+          <a:ext cx="10629900" cy="3857626"/>
+        </p:xfrm>
+        <a:graphic>
+          <a:graphicData uri="http://schemas.openxmlformats.org/drawingml/2006/diagram">
+            <dgm:relIds xmlns:dgm="http://schemas.openxmlformats.org/drawingml/2006/diagram" xmlns:r="http://schemas.openxmlformats.org/officeDocument/2006/relationships" r:dm="rId2" r:lo="rId3" r:qs="rId4" r:cs="rId5"/>
+          </a:graphicData>
+        </a:graphic>
+      </p:graphicFrame>
     </p:spTree>
     <p:extLst>
       <p:ext uri="{BB962C8B-B14F-4D97-AF65-F5344CB8AC3E}">
-        <p14:creationId xmlns:p14="http://schemas.microsoft.com/office/powerpoint/2010/main" val="1333111167"/>
-      </p:ext>
-    </p:extLst>
-  </p:cSld>
-  <p:clrMapOvr>
-    <a:masterClrMapping/>
-  </p:clrMapOvr>
-</p:sld>
-</file>
-
-<file path=ppt/slides/slide27.xml><?xml version="1.0" encoding="utf-8"?>
-<p:sld xmlns:a="http://schemas.openxmlformats.org/drawingml/2006/main" xmlns:r="http://schemas.openxmlformats.org/officeDocument/2006/relationships" xmlns:p="http://schemas.openxmlformats.org/presentationml/2006/main">
-  <p:cSld>
-    <p:spTree>
-      <p:nvGrpSpPr>
-        <p:cNvPr id="1" name=""/>
-        <p:cNvGrpSpPr/>
-        <p:nvPr/>
-      </p:nvGrpSpPr>
-      <p:grpSpPr>
-        <a:xfrm>
-          <a:off x="0" y="0"/>
-          <a:ext cx="0" cy="0"/>
-          <a:chOff x="0" y="0"/>
-          <a:chExt cx="0" cy="0"/>
-        </a:xfrm>
-      </p:grpSpPr>
-      <p:sp>
-        <p:nvSpPr>
-          <p:cNvPr id="2" name="タイトル 1">
-            <a:extLst>
-              <a:ext uri="{FF2B5EF4-FFF2-40B4-BE49-F238E27FC236}">
-                <a16:creationId xmlns:a16="http://schemas.microsoft.com/office/drawing/2014/main" id="{EBEB22DE-EFEA-99AC-9131-D36A0681CDFC}"/>
-              </a:ext>
-            </a:extLst>
-          </p:cNvPr>
-          <p:cNvSpPr>
-            <a:spLocks noGrp="1"/>
-          </p:cNvSpPr>
-          <p:nvPr>
-            <p:ph type="title"/>
-          </p:nvPr>
-        </p:nvSpPr>
-        <p:spPr/>
-        <p:txBody>
-          <a:bodyPr/>
-          <a:lstStyle/>
-          <a:p>
-            <a:r>
-              <a:rPr kumimoji="1" lang="ja-JP" altLang="en-US" dirty="0"/>
-              <a:t>問題</a:t>
-            </a:r>
-          </a:p>
-        </p:txBody>
-      </p:sp>
-      <p:sp>
-        <p:nvSpPr>
-          <p:cNvPr id="3" name="テキスト プレースホルダー 2">
-            <a:extLst>
-              <a:ext uri="{FF2B5EF4-FFF2-40B4-BE49-F238E27FC236}">
-                <a16:creationId xmlns:a16="http://schemas.microsoft.com/office/drawing/2014/main" id="{66ABF322-DB14-65C8-02AC-D8A7295C01DF}"/>
-              </a:ext>
-            </a:extLst>
-          </p:cNvPr>
-          <p:cNvSpPr>
-            <a:spLocks noGrp="1"/>
-          </p:cNvSpPr>
-          <p:nvPr>
-            <p:ph type="body" idx="1"/>
-          </p:nvPr>
-        </p:nvSpPr>
-        <p:spPr/>
-        <p:txBody>
-          <a:bodyPr/>
-          <a:lstStyle/>
-          <a:p>
-            <a:r>
-              <a:rPr lang="ja-JP" altLang="en-US" sz="1800" b="1" i="0" u="none" strike="noStrike" dirty="0">
-                <a:solidFill>
-                  <a:srgbClr val="000000"/>
-                </a:solidFill>
-                <a:effectLst/>
-                <a:latin typeface="Arial" panose="020B0604020202020204" pitchFamily="34" charset="0"/>
-              </a:rPr>
-              <a:t>やりたいことを実装できない</a:t>
-            </a:r>
-            <a:endParaRPr kumimoji="1" lang="ja-JP" altLang="en-US" dirty="0"/>
-          </a:p>
-        </p:txBody>
-      </p:sp>
-      <p:sp>
-        <p:nvSpPr>
-          <p:cNvPr id="4" name="コンテンツ プレースホルダー 3">
-            <a:extLst>
-              <a:ext uri="{FF2B5EF4-FFF2-40B4-BE49-F238E27FC236}">
-                <a16:creationId xmlns:a16="http://schemas.microsoft.com/office/drawing/2014/main" id="{F467A54D-D7CF-D6E3-49BD-81B0D7558A07}"/>
-              </a:ext>
-            </a:extLst>
-          </p:cNvPr>
-          <p:cNvSpPr>
-            <a:spLocks noGrp="1"/>
-          </p:cNvSpPr>
-          <p:nvPr>
-            <p:ph sz="half" idx="2"/>
-          </p:nvPr>
-        </p:nvSpPr>
-        <p:spPr/>
-        <p:txBody>
-          <a:bodyPr/>
-          <a:lstStyle/>
-          <a:p>
-            <a:pPr indent="0" rtl="0">
-              <a:spcBef>
-                <a:spcPts val="0"/>
-              </a:spcBef>
-              <a:spcAft>
-                <a:spcPts val="0"/>
-              </a:spcAft>
-              <a:buNone/>
-            </a:pPr>
-            <a:r>
-              <a:rPr lang="ja-JP" altLang="en-US" sz="1800" b="1" i="0" u="none" strike="noStrike" dirty="0">
-                <a:solidFill>
-                  <a:srgbClr val="000000"/>
-                </a:solidFill>
-                <a:effectLst/>
-                <a:latin typeface="Arial" panose="020B0604020202020204" pitchFamily="34" charset="0"/>
-              </a:rPr>
-              <a:t>エラーの発生原因が分からない</a:t>
-            </a:r>
-            <a:endParaRPr lang="ja-JP" altLang="en-US" b="0" dirty="0">
-              <a:effectLst/>
-            </a:endParaRPr>
-          </a:p>
-          <a:p>
-            <a:pPr marL="0" indent="0">
-              <a:buNone/>
-            </a:pPr>
-            <a:br>
-              <a:rPr lang="ja-JP" altLang="en-US" dirty="0"/>
-            </a:br>
-            <a:endParaRPr kumimoji="1" lang="ja-JP" altLang="en-US" dirty="0"/>
-          </a:p>
-        </p:txBody>
-      </p:sp>
-      <p:sp>
-        <p:nvSpPr>
-          <p:cNvPr id="5" name="テキスト プレースホルダー 4">
-            <a:extLst>
-              <a:ext uri="{FF2B5EF4-FFF2-40B4-BE49-F238E27FC236}">
-                <a16:creationId xmlns:a16="http://schemas.microsoft.com/office/drawing/2014/main" id="{BC934BB8-7F9C-CF57-D83A-17992C515415}"/>
-              </a:ext>
-            </a:extLst>
-          </p:cNvPr>
-          <p:cNvSpPr>
-            <a:spLocks noGrp="1"/>
-          </p:cNvSpPr>
-          <p:nvPr>
-            <p:ph type="body" sz="quarter" idx="3"/>
-          </p:nvPr>
-        </p:nvSpPr>
-        <p:spPr/>
-        <p:txBody>
-          <a:bodyPr/>
-          <a:lstStyle/>
-          <a:p>
-            <a:endParaRPr kumimoji="1" lang="ja-JP" altLang="en-US" dirty="0"/>
-          </a:p>
-        </p:txBody>
-      </p:sp>
-      <p:sp>
-        <p:nvSpPr>
-          <p:cNvPr id="6" name="コンテンツ プレースホルダー 5">
-            <a:extLst>
-              <a:ext uri="{FF2B5EF4-FFF2-40B4-BE49-F238E27FC236}">
-                <a16:creationId xmlns:a16="http://schemas.microsoft.com/office/drawing/2014/main" id="{B57410F4-590B-1857-A50E-46D4DAF736FE}"/>
-              </a:ext>
-            </a:extLst>
-          </p:cNvPr>
-          <p:cNvSpPr>
-            <a:spLocks noGrp="1"/>
-          </p:cNvSpPr>
-          <p:nvPr>
-            <p:ph sz="quarter" idx="4"/>
-          </p:nvPr>
-        </p:nvSpPr>
-        <p:spPr/>
-        <p:txBody>
-          <a:bodyPr/>
-          <a:lstStyle/>
-          <a:p>
-            <a:pPr marL="457200" rtl="0">
-              <a:spcBef>
-                <a:spcPts val="0"/>
-              </a:spcBef>
-              <a:spcAft>
-                <a:spcPts val="0"/>
-              </a:spcAft>
-            </a:pPr>
-            <a:r>
-              <a:rPr lang="ja-JP" altLang="en-US" sz="1800" b="1" i="0" u="none" strike="noStrike" dirty="0">
-                <a:solidFill>
-                  <a:srgbClr val="000000"/>
-                </a:solidFill>
-                <a:effectLst/>
-                <a:latin typeface="Arial" panose="020B0604020202020204" pitchFamily="34" charset="0"/>
-              </a:rPr>
-              <a:t>各ファイルの役割を理解しきれていないことから起きた。例えばサーブレットでエラーが発生し「コンストラクタが未定義です」と表示された場合、コンストラクタはビーンズで定義されてるんだ！という知識がなければ解決できない。</a:t>
-            </a:r>
-            <a:endParaRPr lang="ja-JP" altLang="en-US" sz="1600" b="0" dirty="0">
-              <a:effectLst/>
-            </a:endParaRPr>
-          </a:p>
-          <a:p>
-            <a:pPr marL="0" indent="0">
-              <a:buNone/>
-            </a:pPr>
-            <a:endParaRPr kumimoji="1" lang="ja-JP" altLang="en-US" dirty="0"/>
-          </a:p>
-        </p:txBody>
-      </p:sp>
-    </p:spTree>
-    <p:extLst>
-      <p:ext uri="{BB962C8B-B14F-4D97-AF65-F5344CB8AC3E}">
-        <p14:creationId xmlns:p14="http://schemas.microsoft.com/office/powerpoint/2010/main" val="4034633558"/>
+        <p14:creationId xmlns:p14="http://schemas.microsoft.com/office/powerpoint/2010/main" val="226638267"/>
       </p:ext>
     </p:extLst>
   </p:cSld>
@@ -33097,16 +35592,6 @@
           <a:bodyPr/>
           <a:lstStyle/>
           <a:p>
-            <a:r>
-              <a:rPr lang="ja-JP" altLang="en-US" sz="1800" b="1" i="0" u="none" strike="noStrike" dirty="0">
-                <a:solidFill>
-                  <a:srgbClr val="000000"/>
-                </a:solidFill>
-                <a:effectLst/>
-                <a:latin typeface="Arial" panose="020B0604020202020204" pitchFamily="34" charset="0"/>
-              </a:rPr>
-              <a:t>やりたいことを実装できない</a:t>
-            </a:r>
             <a:endParaRPr kumimoji="1" lang="ja-JP" altLang="en-US" dirty="0"/>
           </a:p>
         </p:txBody>
@@ -33186,6 +35671,12 @@
           <a:bodyPr/>
           <a:lstStyle/>
           <a:p>
+            <a:r>
+              <a:rPr kumimoji="1" lang="ja-JP" altLang="en-US" dirty="0"/>
+              <a:t>便利機能を学ぶ</a:t>
+            </a:r>
+          </a:p>
+          <a:p>
             <a:endParaRPr kumimoji="1" lang="ja-JP" altLang="en-US" dirty="0"/>
           </a:p>
         </p:txBody>
@@ -33227,18 +35718,21 @@
                 <a:effectLst/>
                 <a:latin typeface="Arial" panose="020B0604020202020204" pitchFamily="34" charset="0"/>
               </a:rPr>
-              <a:t>デバックに関しては特にデータのやり取り、スコープを扱う際に苦労した。例えば、サーブレットで</a:t>
+              <a:t>特にデバッグに関してですが、使い方とかデバッグしたときに見るところがわからなくなるのが問題でした。これを自力で１から勉強するには骨が折れる。まずは東さんに質問を投げるということを繰り返した。この繰り返しの中でデバッグに関する知識が蓄積されてきて、ある程度分かってきた。</a:t>
             </a:r>
-            <a:r>
-              <a:rPr lang="en-US" altLang="ja-JP" sz="1800" b="1" i="0" u="none" strike="noStrike" dirty="0">
-                <a:solidFill>
-                  <a:srgbClr val="000000"/>
-                </a:solidFill>
-                <a:effectLst/>
-                <a:latin typeface="Arial" panose="020B0604020202020204" pitchFamily="34" charset="0"/>
-              </a:rPr>
-              <a:t>Dao</a:t>
-            </a:r>
+            <a:endParaRPr lang="ja-JP" altLang="en-US" b="0" dirty="0">
+              <a:effectLst/>
+            </a:endParaRPr>
+          </a:p>
+          <a:p>
+            <a:pPr marL="457200" rtl="0">
+              <a:spcBef>
+                <a:spcPts val="0"/>
+              </a:spcBef>
+              <a:spcAft>
+                <a:spcPts val="0"/>
+              </a:spcAft>
+            </a:pPr>
             <a:r>
               <a:rPr lang="ja-JP" altLang="en-US" sz="1800" b="1" i="0" u="none" strike="noStrike" dirty="0">
                 <a:solidFill>
@@ -33247,55 +35741,15 @@
                 <a:effectLst/>
                 <a:latin typeface="Arial" panose="020B0604020202020204" pitchFamily="34" charset="0"/>
               </a:rPr>
-              <a:t>から取ってきたデータをスコープに格納し</a:t>
+              <a:t>その知識を使って、自分で特定した原因を東講師に説明し、自分の認識が合っているかをたびたび確認した。</a:t>
             </a:r>
-            <a:r>
-              <a:rPr lang="en-US" altLang="ja-JP" sz="1800" b="1" i="0" u="none" strike="noStrike" dirty="0">
-                <a:solidFill>
-                  <a:srgbClr val="000000"/>
-                </a:solidFill>
-                <a:effectLst/>
-                <a:latin typeface="Arial" panose="020B0604020202020204" pitchFamily="34" charset="0"/>
-              </a:rPr>
-              <a:t>JSP</a:t>
-            </a:r>
-            <a:r>
-              <a:rPr lang="ja-JP" altLang="en-US" sz="1800" b="1" i="0" u="none" strike="noStrike" dirty="0">
-                <a:solidFill>
-                  <a:srgbClr val="000000"/>
-                </a:solidFill>
-                <a:effectLst/>
-                <a:latin typeface="Arial" panose="020B0604020202020204" pitchFamily="34" charset="0"/>
-              </a:rPr>
-              <a:t>にフォワードするとき、</a:t>
-            </a:r>
-            <a:r>
-              <a:rPr lang="en-US" altLang="ja-JP" sz="1800" b="1" i="0" u="none" strike="noStrike" dirty="0">
-                <a:solidFill>
-                  <a:srgbClr val="000000"/>
-                </a:solidFill>
-                <a:effectLst/>
-                <a:latin typeface="Arial" panose="020B0604020202020204" pitchFamily="34" charset="0"/>
-              </a:rPr>
-              <a:t>Dao</a:t>
-            </a:r>
-            <a:r>
-              <a:rPr lang="ja-JP" altLang="en-US" sz="1800" b="1" i="0" u="none" strike="noStrike" dirty="0">
-                <a:solidFill>
-                  <a:srgbClr val="000000"/>
-                </a:solidFill>
-                <a:effectLst/>
-                <a:latin typeface="Arial" panose="020B0604020202020204" pitchFamily="34" charset="0"/>
-              </a:rPr>
-              <a:t>から得たデータをスコープに格納する処理の後には、スコープにデータが入ってないといけない、などの判断ができないまま単に形だけのデバッグを行ってしまった。</a:t>
-            </a:r>
-            <a:endParaRPr lang="ja-JP" altLang="en-US" sz="1600" b="0" dirty="0">
+            <a:endParaRPr lang="ja-JP" altLang="en-US" b="0" dirty="0">
               <a:effectLst/>
             </a:endParaRPr>
           </a:p>
           <a:p>
             <a:br>
-              <a:rPr lang="ja-JP" altLang="en-US" sz="1600" dirty="0"/>
+              <a:rPr lang="ja-JP" altLang="en-US" dirty="0"/>
             </a:br>
             <a:endParaRPr kumimoji="1" lang="ja-JP" altLang="en-US" dirty="0"/>
           </a:p>
@@ -33861,6 +36315,911 @@
     <p:extLst>
       <p:ext uri="{BB962C8B-B14F-4D97-AF65-F5344CB8AC3E}">
         <p14:creationId xmlns:p14="http://schemas.microsoft.com/office/powerpoint/2010/main" val="2720107664"/>
+      </p:ext>
+    </p:extLst>
+  </p:cSld>
+  <p:clrMapOvr>
+    <a:masterClrMapping/>
+  </p:clrMapOvr>
+</p:sld>
+</file>
+
+<file path=ppt/slides/slide30.xml><?xml version="1.0" encoding="utf-8"?>
+<p:sld xmlns:a="http://schemas.openxmlformats.org/drawingml/2006/main" xmlns:r="http://schemas.openxmlformats.org/officeDocument/2006/relationships" xmlns:p="http://schemas.openxmlformats.org/presentationml/2006/main">
+  <p:cSld>
+    <p:spTree>
+      <p:nvGrpSpPr>
+        <p:cNvPr id="1" name=""/>
+        <p:cNvGrpSpPr/>
+        <p:nvPr/>
+      </p:nvGrpSpPr>
+      <p:grpSpPr>
+        <a:xfrm>
+          <a:off x="0" y="0"/>
+          <a:ext cx="0" cy="0"/>
+          <a:chOff x="0" y="0"/>
+          <a:chExt cx="0" cy="0"/>
+        </a:xfrm>
+      </p:grpSpPr>
+      <p:sp>
+        <p:nvSpPr>
+          <p:cNvPr id="2" name="タイトル 1">
+            <a:extLst>
+              <a:ext uri="{FF2B5EF4-FFF2-40B4-BE49-F238E27FC236}">
+                <a16:creationId xmlns:a16="http://schemas.microsoft.com/office/drawing/2014/main" id="{42B907F2-B25E-8515-384C-25630F68AC77}"/>
+              </a:ext>
+            </a:extLst>
+          </p:cNvPr>
+          <p:cNvSpPr>
+            <a:spLocks noGrp="1"/>
+          </p:cNvSpPr>
+          <p:nvPr>
+            <p:ph type="title"/>
+          </p:nvPr>
+        </p:nvSpPr>
+        <p:spPr/>
+        <p:txBody>
+          <a:bodyPr/>
+          <a:lstStyle/>
+          <a:p>
+            <a:r>
+              <a:rPr kumimoji="1" lang="ja-JP" altLang="en-US" dirty="0"/>
+              <a:t>コミュニケーション面の問題</a:t>
+            </a:r>
+          </a:p>
+        </p:txBody>
+      </p:sp>
+      <p:sp>
+        <p:nvSpPr>
+          <p:cNvPr id="3" name="コンテンツ プレースホルダー 2">
+            <a:extLst>
+              <a:ext uri="{FF2B5EF4-FFF2-40B4-BE49-F238E27FC236}">
+                <a16:creationId xmlns:a16="http://schemas.microsoft.com/office/drawing/2014/main" id="{1524FCF1-4C95-5A07-2976-A26A376AB73B}"/>
+              </a:ext>
+            </a:extLst>
+          </p:cNvPr>
+          <p:cNvSpPr>
+            <a:spLocks noGrp="1"/>
+          </p:cNvSpPr>
+          <p:nvPr>
+            <p:ph sz="half" idx="1"/>
+          </p:nvPr>
+        </p:nvSpPr>
+        <p:spPr/>
+        <p:txBody>
+          <a:bodyPr/>
+          <a:lstStyle/>
+          <a:p>
+            <a:pPr marL="457200" rtl="0">
+              <a:spcBef>
+                <a:spcPts val="0"/>
+              </a:spcBef>
+              <a:spcAft>
+                <a:spcPts val="0"/>
+              </a:spcAft>
+            </a:pPr>
+            <a:r>
+              <a:rPr lang="ja-JP" altLang="en-US" sz="1800" i="0" u="none" strike="noStrike" dirty="0">
+                <a:solidFill>
+                  <a:srgbClr val="000000"/>
+                </a:solidFill>
+                <a:effectLst/>
+                <a:latin typeface="Arial" panose="020B0604020202020204" pitchFamily="34" charset="0"/>
+              </a:rPr>
+              <a:t>①時間管理ができず進捗が遅れてしまった</a:t>
+            </a:r>
+          </a:p>
+          <a:p>
+            <a:pPr marL="457200" rtl="0">
+              <a:spcBef>
+                <a:spcPts val="0"/>
+              </a:spcBef>
+              <a:spcAft>
+                <a:spcPts val="0"/>
+              </a:spcAft>
+            </a:pPr>
+            <a:r>
+              <a:rPr lang="ja-JP" altLang="en-US" sz="1800" i="0" u="none" strike="noStrike" dirty="0">
+                <a:solidFill>
+                  <a:srgbClr val="000000"/>
+                </a:solidFill>
+                <a:effectLst/>
+                <a:latin typeface="Arial" panose="020B0604020202020204" pitchFamily="34" charset="0"/>
+              </a:rPr>
+              <a:t>②用語解釈のずれにより、進捗確認の時個人の作り上げたものに認識の相違が生まれてしまった</a:t>
+            </a:r>
+          </a:p>
+          <a:p>
+            <a:pPr marL="457200" rtl="0">
+              <a:spcBef>
+                <a:spcPts val="0"/>
+              </a:spcBef>
+              <a:spcAft>
+                <a:spcPts val="0"/>
+              </a:spcAft>
+            </a:pPr>
+            <a:r>
+              <a:rPr lang="ja-JP" altLang="en-US" sz="1800" i="0" u="none" strike="noStrike" dirty="0">
+                <a:solidFill>
+                  <a:srgbClr val="000000"/>
+                </a:solidFill>
+                <a:effectLst/>
+                <a:latin typeface="Arial" panose="020B0604020202020204" pitchFamily="34" charset="0"/>
+              </a:rPr>
+              <a:t>③オンライン上でのコミュニケーションにて、話し始めを譲り合ってしまい、変な間を誕生させてからゆっくり進捗確認することで少しの時間の無駄を積み重ねてしまった</a:t>
+            </a:r>
+          </a:p>
+        </p:txBody>
+      </p:sp>
+      <p:sp>
+        <p:nvSpPr>
+          <p:cNvPr id="4" name="コンテンツ プレースホルダー 3">
+            <a:extLst>
+              <a:ext uri="{FF2B5EF4-FFF2-40B4-BE49-F238E27FC236}">
+                <a16:creationId xmlns:a16="http://schemas.microsoft.com/office/drawing/2014/main" id="{86E9208E-0E0E-D48B-4F00-134FD791E630}"/>
+              </a:ext>
+            </a:extLst>
+          </p:cNvPr>
+          <p:cNvSpPr>
+            <a:spLocks noGrp="1"/>
+          </p:cNvSpPr>
+          <p:nvPr>
+            <p:ph sz="half" idx="2"/>
+          </p:nvPr>
+        </p:nvSpPr>
+        <p:spPr/>
+        <p:txBody>
+          <a:bodyPr/>
+          <a:lstStyle/>
+          <a:p>
+            <a:endParaRPr kumimoji="1" lang="ja-JP" altLang="en-US"/>
+          </a:p>
+        </p:txBody>
+      </p:sp>
+    </p:spTree>
+    <p:extLst>
+      <p:ext uri="{BB962C8B-B14F-4D97-AF65-F5344CB8AC3E}">
+        <p14:creationId xmlns:p14="http://schemas.microsoft.com/office/powerpoint/2010/main" val="3051990700"/>
+      </p:ext>
+    </p:extLst>
+  </p:cSld>
+  <p:clrMapOvr>
+    <a:masterClrMapping/>
+  </p:clrMapOvr>
+</p:sld>
+</file>
+
+<file path=ppt/slides/slide31.xml><?xml version="1.0" encoding="utf-8"?>
+<p:sld xmlns:a="http://schemas.openxmlformats.org/drawingml/2006/main" xmlns:r="http://schemas.openxmlformats.org/officeDocument/2006/relationships" xmlns:p="http://schemas.openxmlformats.org/presentationml/2006/main">
+  <p:cSld>
+    <p:spTree>
+      <p:nvGrpSpPr>
+        <p:cNvPr id="1" name=""/>
+        <p:cNvGrpSpPr/>
+        <p:nvPr/>
+      </p:nvGrpSpPr>
+      <p:grpSpPr>
+        <a:xfrm>
+          <a:off x="0" y="0"/>
+          <a:ext cx="0" cy="0"/>
+          <a:chOff x="0" y="0"/>
+          <a:chExt cx="0" cy="0"/>
+        </a:xfrm>
+      </p:grpSpPr>
+      <p:sp>
+        <p:nvSpPr>
+          <p:cNvPr id="3" name="タイトル 2">
+            <a:extLst>
+              <a:ext uri="{FF2B5EF4-FFF2-40B4-BE49-F238E27FC236}">
+                <a16:creationId xmlns:a16="http://schemas.microsoft.com/office/drawing/2014/main" id="{E21A76B6-9A0F-5109-48D2-1DB622B611A1}"/>
+              </a:ext>
+            </a:extLst>
+          </p:cNvPr>
+          <p:cNvSpPr>
+            <a:spLocks noGrp="1"/>
+          </p:cNvSpPr>
+          <p:nvPr>
+            <p:ph type="title"/>
+          </p:nvPr>
+        </p:nvSpPr>
+        <p:spPr/>
+        <p:txBody>
+          <a:bodyPr/>
+          <a:lstStyle/>
+          <a:p>
+            <a:r>
+              <a:rPr lang="ja-JP" altLang="en-US" dirty="0"/>
+              <a:t>時間管理</a:t>
+            </a:r>
+          </a:p>
+        </p:txBody>
+      </p:sp>
+      <p:sp>
+        <p:nvSpPr>
+          <p:cNvPr id="2" name="テキスト プレースホルダー 1">
+            <a:extLst>
+              <a:ext uri="{FF2B5EF4-FFF2-40B4-BE49-F238E27FC236}">
+                <a16:creationId xmlns:a16="http://schemas.microsoft.com/office/drawing/2014/main" id="{F8F07067-EDA9-3D43-1B69-5431EC0573F0}"/>
+              </a:ext>
+            </a:extLst>
+          </p:cNvPr>
+          <p:cNvSpPr>
+            <a:spLocks noGrp="1"/>
+          </p:cNvSpPr>
+          <p:nvPr>
+            <p:ph type="body" idx="1"/>
+          </p:nvPr>
+        </p:nvSpPr>
+        <p:spPr/>
+        <p:txBody>
+          <a:bodyPr/>
+          <a:lstStyle/>
+          <a:p>
+            <a:endParaRPr kumimoji="1" lang="ja-JP" altLang="en-US" sz="8000" dirty="0">
+              <a:latin typeface="游ゴシック Medium" panose="020B0500000000000000" pitchFamily="50" charset="-128"/>
+              <a:ea typeface="游ゴシック Medium" panose="020B0500000000000000" pitchFamily="50" charset="-128"/>
+            </a:endParaRPr>
+          </a:p>
+        </p:txBody>
+      </p:sp>
+    </p:spTree>
+    <p:extLst>
+      <p:ext uri="{BB962C8B-B14F-4D97-AF65-F5344CB8AC3E}">
+        <p14:creationId xmlns:p14="http://schemas.microsoft.com/office/powerpoint/2010/main" val="3976792731"/>
+      </p:ext>
+    </p:extLst>
+  </p:cSld>
+  <p:clrMapOvr>
+    <a:masterClrMapping/>
+  </p:clrMapOvr>
+</p:sld>
+</file>
+
+<file path=ppt/slides/slide32.xml><?xml version="1.0" encoding="utf-8"?>
+<p:sld xmlns:a="http://schemas.openxmlformats.org/drawingml/2006/main" xmlns:r="http://schemas.openxmlformats.org/officeDocument/2006/relationships" xmlns:p="http://schemas.openxmlformats.org/presentationml/2006/main">
+  <p:cSld>
+    <p:spTree>
+      <p:nvGrpSpPr>
+        <p:cNvPr id="1" name=""/>
+        <p:cNvGrpSpPr/>
+        <p:nvPr/>
+      </p:nvGrpSpPr>
+      <p:grpSpPr>
+        <a:xfrm>
+          <a:off x="0" y="0"/>
+          <a:ext cx="0" cy="0"/>
+          <a:chOff x="0" y="0"/>
+          <a:chExt cx="0" cy="0"/>
+        </a:xfrm>
+      </p:grpSpPr>
+      <p:sp>
+        <p:nvSpPr>
+          <p:cNvPr id="2" name="タイトル 1">
+            <a:extLst>
+              <a:ext uri="{FF2B5EF4-FFF2-40B4-BE49-F238E27FC236}">
+                <a16:creationId xmlns:a16="http://schemas.microsoft.com/office/drawing/2014/main" id="{EBEB22DE-EFEA-99AC-9131-D36A0681CDFC}"/>
+              </a:ext>
+            </a:extLst>
+          </p:cNvPr>
+          <p:cNvSpPr>
+            <a:spLocks noGrp="1"/>
+          </p:cNvSpPr>
+          <p:nvPr>
+            <p:ph type="title"/>
+          </p:nvPr>
+        </p:nvSpPr>
+        <p:spPr/>
+        <p:txBody>
+          <a:bodyPr/>
+          <a:lstStyle/>
+          <a:p>
+            <a:r>
+              <a:rPr kumimoji="1" lang="ja-JP" altLang="en-US" dirty="0"/>
+              <a:t>問題：時間管理</a:t>
+            </a:r>
+          </a:p>
+        </p:txBody>
+      </p:sp>
+      <p:sp>
+        <p:nvSpPr>
+          <p:cNvPr id="3" name="テキスト プレースホルダー 2">
+            <a:extLst>
+              <a:ext uri="{FF2B5EF4-FFF2-40B4-BE49-F238E27FC236}">
+                <a16:creationId xmlns:a16="http://schemas.microsoft.com/office/drawing/2014/main" id="{66ABF322-DB14-65C8-02AC-D8A7295C01DF}"/>
+              </a:ext>
+            </a:extLst>
+          </p:cNvPr>
+          <p:cNvSpPr>
+            <a:spLocks noGrp="1"/>
+          </p:cNvSpPr>
+          <p:nvPr>
+            <p:ph type="body" idx="1"/>
+          </p:nvPr>
+        </p:nvSpPr>
+        <p:spPr/>
+        <p:txBody>
+          <a:bodyPr/>
+          <a:lstStyle/>
+          <a:p>
+            <a:endParaRPr kumimoji="1" lang="ja-JP" altLang="en-US" dirty="0"/>
+          </a:p>
+        </p:txBody>
+      </p:sp>
+      <p:sp>
+        <p:nvSpPr>
+          <p:cNvPr id="4" name="コンテンツ プレースホルダー 3">
+            <a:extLst>
+              <a:ext uri="{FF2B5EF4-FFF2-40B4-BE49-F238E27FC236}">
+                <a16:creationId xmlns:a16="http://schemas.microsoft.com/office/drawing/2014/main" id="{F467A54D-D7CF-D6E3-49BD-81B0D7558A07}"/>
+              </a:ext>
+            </a:extLst>
+          </p:cNvPr>
+          <p:cNvSpPr>
+            <a:spLocks noGrp="1"/>
+          </p:cNvSpPr>
+          <p:nvPr>
+            <p:ph sz="half" idx="2"/>
+          </p:nvPr>
+        </p:nvSpPr>
+        <p:spPr/>
+        <p:txBody>
+          <a:bodyPr/>
+          <a:lstStyle/>
+          <a:p>
+            <a:pPr marL="457200" rtl="0">
+              <a:spcBef>
+                <a:spcPts val="0"/>
+              </a:spcBef>
+              <a:spcAft>
+                <a:spcPts val="0"/>
+              </a:spcAft>
+            </a:pPr>
+            <a:r>
+              <a:rPr lang="ja-JP" altLang="en-US" sz="1800" b="1" i="0" u="none" strike="noStrike" dirty="0">
+                <a:solidFill>
+                  <a:srgbClr val="000000"/>
+                </a:solidFill>
+                <a:effectLst/>
+                <a:latin typeface="Arial" panose="020B0604020202020204" pitchFamily="34" charset="0"/>
+              </a:rPr>
+              <a:t>全体の作業量をまとめた記載をしなかったため、各自の個人作業が把握できなかった</a:t>
+            </a:r>
+            <a:endParaRPr lang="ja-JP" altLang="en-US" sz="1600" b="0" dirty="0">
+              <a:effectLst/>
+            </a:endParaRPr>
+          </a:p>
+          <a:p>
+            <a:pPr marL="0" indent="0">
+              <a:buNone/>
+            </a:pPr>
+            <a:endParaRPr kumimoji="1" lang="ja-JP" altLang="en-US" dirty="0"/>
+          </a:p>
+        </p:txBody>
+      </p:sp>
+      <p:sp>
+        <p:nvSpPr>
+          <p:cNvPr id="5" name="テキスト プレースホルダー 4">
+            <a:extLst>
+              <a:ext uri="{FF2B5EF4-FFF2-40B4-BE49-F238E27FC236}">
+                <a16:creationId xmlns:a16="http://schemas.microsoft.com/office/drawing/2014/main" id="{BC934BB8-7F9C-CF57-D83A-17992C515415}"/>
+              </a:ext>
+            </a:extLst>
+          </p:cNvPr>
+          <p:cNvSpPr>
+            <a:spLocks noGrp="1"/>
+          </p:cNvSpPr>
+          <p:nvPr>
+            <p:ph type="body" sz="quarter" idx="3"/>
+          </p:nvPr>
+        </p:nvSpPr>
+        <p:spPr/>
+        <p:txBody>
+          <a:bodyPr/>
+          <a:lstStyle/>
+          <a:p>
+            <a:endParaRPr kumimoji="1" lang="ja-JP" altLang="en-US" dirty="0"/>
+          </a:p>
+        </p:txBody>
+      </p:sp>
+      <p:sp>
+        <p:nvSpPr>
+          <p:cNvPr id="6" name="コンテンツ プレースホルダー 5">
+            <a:extLst>
+              <a:ext uri="{FF2B5EF4-FFF2-40B4-BE49-F238E27FC236}">
+                <a16:creationId xmlns:a16="http://schemas.microsoft.com/office/drawing/2014/main" id="{B57410F4-590B-1857-A50E-46D4DAF736FE}"/>
+              </a:ext>
+            </a:extLst>
+          </p:cNvPr>
+          <p:cNvSpPr>
+            <a:spLocks noGrp="1"/>
+          </p:cNvSpPr>
+          <p:nvPr>
+            <p:ph sz="quarter" idx="4"/>
+          </p:nvPr>
+        </p:nvSpPr>
+        <p:spPr/>
+        <p:txBody>
+          <a:bodyPr/>
+          <a:lstStyle/>
+          <a:p>
+            <a:endParaRPr kumimoji="1" lang="ja-JP" altLang="en-US" dirty="0"/>
+          </a:p>
+        </p:txBody>
+      </p:sp>
+    </p:spTree>
+    <p:extLst>
+      <p:ext uri="{BB962C8B-B14F-4D97-AF65-F5344CB8AC3E}">
+        <p14:creationId xmlns:p14="http://schemas.microsoft.com/office/powerpoint/2010/main" val="2916149616"/>
+      </p:ext>
+    </p:extLst>
+  </p:cSld>
+  <p:clrMapOvr>
+    <a:masterClrMapping/>
+  </p:clrMapOvr>
+</p:sld>
+</file>
+
+<file path=ppt/slides/slide33.xml><?xml version="1.0" encoding="utf-8"?>
+<p:sld xmlns:a="http://schemas.openxmlformats.org/drawingml/2006/main" xmlns:r="http://schemas.openxmlformats.org/officeDocument/2006/relationships" xmlns:p="http://schemas.openxmlformats.org/presentationml/2006/main">
+  <p:cSld>
+    <p:spTree>
+      <p:nvGrpSpPr>
+        <p:cNvPr id="1" name=""/>
+        <p:cNvGrpSpPr/>
+        <p:nvPr/>
+      </p:nvGrpSpPr>
+      <p:grpSpPr>
+        <a:xfrm>
+          <a:off x="0" y="0"/>
+          <a:ext cx="0" cy="0"/>
+          <a:chOff x="0" y="0"/>
+          <a:chExt cx="0" cy="0"/>
+        </a:xfrm>
+      </p:grpSpPr>
+      <p:sp>
+        <p:nvSpPr>
+          <p:cNvPr id="2" name="タイトル 1">
+            <a:extLst>
+              <a:ext uri="{FF2B5EF4-FFF2-40B4-BE49-F238E27FC236}">
+                <a16:creationId xmlns:a16="http://schemas.microsoft.com/office/drawing/2014/main" id="{E18AF512-7191-AF97-29CA-EA0C9533F1C1}"/>
+              </a:ext>
+            </a:extLst>
+          </p:cNvPr>
+          <p:cNvSpPr>
+            <a:spLocks noGrp="1"/>
+          </p:cNvSpPr>
+          <p:nvPr>
+            <p:ph type="title"/>
+          </p:nvPr>
+        </p:nvSpPr>
+        <p:spPr/>
+        <p:txBody>
+          <a:bodyPr/>
+          <a:lstStyle/>
+          <a:p>
+            <a:r>
+              <a:rPr kumimoji="1" lang="ja-JP" altLang="en-US" dirty="0"/>
+              <a:t>解決策：時間管理</a:t>
+            </a:r>
+          </a:p>
+        </p:txBody>
+      </p:sp>
+      <p:sp>
+        <p:nvSpPr>
+          <p:cNvPr id="3" name="コンテンツ プレースホルダー 2">
+            <a:extLst>
+              <a:ext uri="{FF2B5EF4-FFF2-40B4-BE49-F238E27FC236}">
+                <a16:creationId xmlns:a16="http://schemas.microsoft.com/office/drawing/2014/main" id="{27D70324-4FC4-EF8E-70DB-2858A354AC5A}"/>
+              </a:ext>
+            </a:extLst>
+          </p:cNvPr>
+          <p:cNvSpPr>
+            <a:spLocks noGrp="1"/>
+          </p:cNvSpPr>
+          <p:nvPr>
+            <p:ph idx="1"/>
+          </p:nvPr>
+        </p:nvSpPr>
+        <p:spPr/>
+        <p:txBody>
+          <a:bodyPr/>
+          <a:lstStyle/>
+          <a:p>
+            <a:pPr marL="457200" rtl="0">
+              <a:spcBef>
+                <a:spcPts val="0"/>
+              </a:spcBef>
+              <a:spcAft>
+                <a:spcPts val="0"/>
+              </a:spcAft>
+            </a:pPr>
+            <a:r>
+              <a:rPr lang="ja-JP" altLang="en-US" sz="1800" b="1" i="0" u="none" strike="noStrike" dirty="0">
+                <a:solidFill>
+                  <a:srgbClr val="000000"/>
+                </a:solidFill>
+                <a:effectLst/>
+                <a:latin typeface="Arial" panose="020B0604020202020204" pitchFamily="34" charset="0"/>
+              </a:rPr>
+              <a:t>確認の機会を設ける</a:t>
+            </a:r>
+            <a:endParaRPr lang="ja-JP" altLang="en-US" b="0" dirty="0">
+              <a:effectLst/>
+            </a:endParaRPr>
+          </a:p>
+          <a:p>
+            <a:pPr marL="457200" rtl="0">
+              <a:spcBef>
+                <a:spcPts val="0"/>
+              </a:spcBef>
+              <a:spcAft>
+                <a:spcPts val="0"/>
+              </a:spcAft>
+            </a:pPr>
+            <a:r>
+              <a:rPr lang="ja-JP" altLang="en-US" sz="1800" b="1" i="0" u="none" strike="noStrike" dirty="0">
+                <a:solidFill>
+                  <a:srgbClr val="000000"/>
+                </a:solidFill>
+                <a:effectLst/>
+                <a:latin typeface="Arial" panose="020B0604020202020204" pitchFamily="34" charset="0"/>
+              </a:rPr>
+              <a:t>グループワークの始めや、終わりに全体のファイル数や作業の確認をした</a:t>
+            </a:r>
+            <a:endParaRPr lang="ja-JP" altLang="en-US" b="0" dirty="0">
+              <a:effectLst/>
+            </a:endParaRPr>
+          </a:p>
+          <a:p>
+            <a:pPr marL="457200" rtl="0">
+              <a:spcBef>
+                <a:spcPts val="0"/>
+              </a:spcBef>
+              <a:spcAft>
+                <a:spcPts val="0"/>
+              </a:spcAft>
+            </a:pPr>
+            <a:r>
+              <a:rPr lang="en-US" altLang="ja-JP" sz="1800" b="1" i="0" u="none" strike="noStrike" dirty="0">
+                <a:solidFill>
+                  <a:srgbClr val="000000"/>
+                </a:solidFill>
+                <a:effectLst/>
+                <a:latin typeface="Arial" panose="020B0604020202020204" pitchFamily="34" charset="0"/>
+              </a:rPr>
+              <a:t>1</a:t>
+            </a:r>
+            <a:r>
+              <a:rPr lang="ja-JP" altLang="en-US" sz="1800" b="1" i="0" u="none" strike="noStrike" dirty="0">
+                <a:solidFill>
+                  <a:srgbClr val="000000"/>
+                </a:solidFill>
+                <a:effectLst/>
+                <a:latin typeface="Arial" panose="020B0604020202020204" pitchFamily="34" charset="0"/>
+              </a:rPr>
+              <a:t>日に</a:t>
+            </a:r>
+            <a:r>
+              <a:rPr lang="en-US" altLang="ja-JP" sz="1800" b="1" i="0" u="none" strike="noStrike" dirty="0">
+                <a:solidFill>
+                  <a:srgbClr val="000000"/>
+                </a:solidFill>
+                <a:effectLst/>
+                <a:latin typeface="Arial" panose="020B0604020202020204" pitchFamily="34" charset="0"/>
+              </a:rPr>
+              <a:t>3</a:t>
+            </a:r>
+            <a:r>
+              <a:rPr lang="ja-JP" altLang="en-US" sz="1800" b="1" i="0" u="none" strike="noStrike" dirty="0">
+                <a:solidFill>
+                  <a:srgbClr val="000000"/>
+                </a:solidFill>
+                <a:effectLst/>
+                <a:latin typeface="Arial" panose="020B0604020202020204" pitchFamily="34" charset="0"/>
+              </a:rPr>
+              <a:t>回以上、振り返りの時間を設けた</a:t>
+            </a:r>
+            <a:endParaRPr lang="ja-JP" altLang="en-US" b="0" dirty="0">
+              <a:effectLst/>
+            </a:endParaRPr>
+          </a:p>
+          <a:p>
+            <a:pPr marL="457200" rtl="0">
+              <a:spcBef>
+                <a:spcPts val="0"/>
+              </a:spcBef>
+              <a:spcAft>
+                <a:spcPts val="0"/>
+              </a:spcAft>
+            </a:pPr>
+            <a:r>
+              <a:rPr lang="ja-JP" altLang="en-US" sz="1800" b="1" i="0" u="none" strike="noStrike" dirty="0">
+                <a:solidFill>
+                  <a:srgbClr val="000000"/>
+                </a:solidFill>
+                <a:effectLst/>
+                <a:latin typeface="Arial" panose="020B0604020202020204" pitchFamily="34" charset="0"/>
+              </a:rPr>
+              <a:t>結果：作業の遅延の把握やシステムの期限内完成を間に合わせることができ、適切な役割分担を決めることができた</a:t>
+            </a:r>
+            <a:endParaRPr lang="ja-JP" altLang="en-US" b="0" dirty="0">
+              <a:effectLst/>
+            </a:endParaRPr>
+          </a:p>
+          <a:p>
+            <a:br>
+              <a:rPr lang="ja-JP" altLang="en-US" dirty="0"/>
+            </a:br>
+            <a:endParaRPr kumimoji="1" lang="ja-JP" altLang="en-US" dirty="0"/>
+          </a:p>
+        </p:txBody>
+      </p:sp>
+    </p:spTree>
+    <p:extLst>
+      <p:ext uri="{BB962C8B-B14F-4D97-AF65-F5344CB8AC3E}">
+        <p14:creationId xmlns:p14="http://schemas.microsoft.com/office/powerpoint/2010/main" val="337258903"/>
+      </p:ext>
+    </p:extLst>
+  </p:cSld>
+  <p:clrMapOvr>
+    <a:masterClrMapping/>
+  </p:clrMapOvr>
+</p:sld>
+</file>
+
+<file path=ppt/slides/slide34.xml><?xml version="1.0" encoding="utf-8"?>
+<p:sld xmlns:a="http://schemas.openxmlformats.org/drawingml/2006/main" xmlns:r="http://schemas.openxmlformats.org/officeDocument/2006/relationships" xmlns:p="http://schemas.openxmlformats.org/presentationml/2006/main">
+  <p:cSld>
+    <p:spTree>
+      <p:nvGrpSpPr>
+        <p:cNvPr id="1" name=""/>
+        <p:cNvGrpSpPr/>
+        <p:nvPr/>
+      </p:nvGrpSpPr>
+      <p:grpSpPr>
+        <a:xfrm>
+          <a:off x="0" y="0"/>
+          <a:ext cx="0" cy="0"/>
+          <a:chOff x="0" y="0"/>
+          <a:chExt cx="0" cy="0"/>
+        </a:xfrm>
+      </p:grpSpPr>
+      <p:sp>
+        <p:nvSpPr>
+          <p:cNvPr id="3" name="タイトル 2">
+            <a:extLst>
+              <a:ext uri="{FF2B5EF4-FFF2-40B4-BE49-F238E27FC236}">
+                <a16:creationId xmlns:a16="http://schemas.microsoft.com/office/drawing/2014/main" id="{E21A76B6-9A0F-5109-48D2-1DB622B611A1}"/>
+              </a:ext>
+            </a:extLst>
+          </p:cNvPr>
+          <p:cNvSpPr>
+            <a:spLocks noGrp="1"/>
+          </p:cNvSpPr>
+          <p:nvPr>
+            <p:ph type="title"/>
+          </p:nvPr>
+        </p:nvSpPr>
+        <p:spPr/>
+        <p:txBody>
+          <a:bodyPr/>
+          <a:lstStyle/>
+          <a:p>
+            <a:r>
+              <a:rPr lang="ja-JP" altLang="en-US" dirty="0"/>
+              <a:t>用語解釈</a:t>
+            </a:r>
+          </a:p>
+        </p:txBody>
+      </p:sp>
+      <p:sp>
+        <p:nvSpPr>
+          <p:cNvPr id="2" name="テキスト プレースホルダー 1">
+            <a:extLst>
+              <a:ext uri="{FF2B5EF4-FFF2-40B4-BE49-F238E27FC236}">
+                <a16:creationId xmlns:a16="http://schemas.microsoft.com/office/drawing/2014/main" id="{F8F07067-EDA9-3D43-1B69-5431EC0573F0}"/>
+              </a:ext>
+            </a:extLst>
+          </p:cNvPr>
+          <p:cNvSpPr>
+            <a:spLocks noGrp="1"/>
+          </p:cNvSpPr>
+          <p:nvPr>
+            <p:ph type="body" idx="1"/>
+          </p:nvPr>
+        </p:nvSpPr>
+        <p:spPr/>
+        <p:txBody>
+          <a:bodyPr/>
+          <a:lstStyle/>
+          <a:p>
+            <a:endParaRPr kumimoji="1" lang="ja-JP" altLang="en-US" sz="8000" dirty="0">
+              <a:latin typeface="游ゴシック Medium" panose="020B0500000000000000" pitchFamily="50" charset="-128"/>
+              <a:ea typeface="游ゴシック Medium" panose="020B0500000000000000" pitchFamily="50" charset="-128"/>
+            </a:endParaRPr>
+          </a:p>
+        </p:txBody>
+      </p:sp>
+    </p:spTree>
+    <p:extLst>
+      <p:ext uri="{BB962C8B-B14F-4D97-AF65-F5344CB8AC3E}">
+        <p14:creationId xmlns:p14="http://schemas.microsoft.com/office/powerpoint/2010/main" val="2279182196"/>
+      </p:ext>
+    </p:extLst>
+  </p:cSld>
+  <p:clrMapOvr>
+    <a:masterClrMapping/>
+  </p:clrMapOvr>
+</p:sld>
+</file>
+
+<file path=ppt/slides/slide35.xml><?xml version="1.0" encoding="utf-8"?>
+<p:sld xmlns:a="http://schemas.openxmlformats.org/drawingml/2006/main" xmlns:r="http://schemas.openxmlformats.org/officeDocument/2006/relationships" xmlns:p="http://schemas.openxmlformats.org/presentationml/2006/main">
+  <p:cSld>
+    <p:spTree>
+      <p:nvGrpSpPr>
+        <p:cNvPr id="1" name=""/>
+        <p:cNvGrpSpPr/>
+        <p:nvPr/>
+      </p:nvGrpSpPr>
+      <p:grpSpPr>
+        <a:xfrm>
+          <a:off x="0" y="0"/>
+          <a:ext cx="0" cy="0"/>
+          <a:chOff x="0" y="0"/>
+          <a:chExt cx="0" cy="0"/>
+        </a:xfrm>
+      </p:grpSpPr>
+      <p:sp>
+        <p:nvSpPr>
+          <p:cNvPr id="2" name="タイトル 1">
+            <a:extLst>
+              <a:ext uri="{FF2B5EF4-FFF2-40B4-BE49-F238E27FC236}">
+                <a16:creationId xmlns:a16="http://schemas.microsoft.com/office/drawing/2014/main" id="{EBEB22DE-EFEA-99AC-9131-D36A0681CDFC}"/>
+              </a:ext>
+            </a:extLst>
+          </p:cNvPr>
+          <p:cNvSpPr>
+            <a:spLocks noGrp="1"/>
+          </p:cNvSpPr>
+          <p:nvPr>
+            <p:ph type="title"/>
+          </p:nvPr>
+        </p:nvSpPr>
+        <p:spPr/>
+        <p:txBody>
+          <a:bodyPr/>
+          <a:lstStyle/>
+          <a:p>
+            <a:r>
+              <a:rPr kumimoji="1" lang="ja-JP" altLang="en-US" dirty="0"/>
+              <a:t>問題：用語解釈</a:t>
+            </a:r>
+          </a:p>
+        </p:txBody>
+      </p:sp>
+      <p:sp>
+        <p:nvSpPr>
+          <p:cNvPr id="3" name="テキスト プレースホルダー 2">
+            <a:extLst>
+              <a:ext uri="{FF2B5EF4-FFF2-40B4-BE49-F238E27FC236}">
+                <a16:creationId xmlns:a16="http://schemas.microsoft.com/office/drawing/2014/main" id="{66ABF322-DB14-65C8-02AC-D8A7295C01DF}"/>
+              </a:ext>
+            </a:extLst>
+          </p:cNvPr>
+          <p:cNvSpPr>
+            <a:spLocks noGrp="1"/>
+          </p:cNvSpPr>
+          <p:nvPr>
+            <p:ph type="body" idx="1"/>
+          </p:nvPr>
+        </p:nvSpPr>
+        <p:spPr/>
+        <p:txBody>
+          <a:bodyPr/>
+          <a:lstStyle/>
+          <a:p>
+            <a:endParaRPr kumimoji="1" lang="ja-JP" altLang="en-US" dirty="0"/>
+          </a:p>
+        </p:txBody>
+      </p:sp>
+      <p:sp>
+        <p:nvSpPr>
+          <p:cNvPr id="4" name="コンテンツ プレースホルダー 3">
+            <a:extLst>
+              <a:ext uri="{FF2B5EF4-FFF2-40B4-BE49-F238E27FC236}">
+                <a16:creationId xmlns:a16="http://schemas.microsoft.com/office/drawing/2014/main" id="{F467A54D-D7CF-D6E3-49BD-81B0D7558A07}"/>
+              </a:ext>
+            </a:extLst>
+          </p:cNvPr>
+          <p:cNvSpPr>
+            <a:spLocks noGrp="1"/>
+          </p:cNvSpPr>
+          <p:nvPr>
+            <p:ph sz="half" idx="2"/>
+          </p:nvPr>
+        </p:nvSpPr>
+        <p:spPr/>
+        <p:txBody>
+          <a:bodyPr/>
+          <a:lstStyle/>
+          <a:p>
+            <a:pPr marL="457200" rtl="0">
+              <a:spcBef>
+                <a:spcPts val="0"/>
+              </a:spcBef>
+              <a:spcAft>
+                <a:spcPts val="0"/>
+              </a:spcAft>
+            </a:pPr>
+            <a:r>
+              <a:rPr lang="ja-JP" altLang="en-US" sz="1800" b="1" i="0" u="none" strike="noStrike">
+                <a:solidFill>
+                  <a:srgbClr val="000000"/>
+                </a:solidFill>
+                <a:effectLst/>
+                <a:latin typeface="Arial" panose="020B0604020202020204" pitchFamily="34" charset="0"/>
+              </a:rPr>
+              <a:t>要件定義で実際に起きたことだが、全体で機能を決める際に、全員が自分の考えを理解した状態だと思い込んでしまい、機能名や単語のみを書いていた</a:t>
+            </a:r>
+            <a:endParaRPr kumimoji="1" lang="ja-JP" altLang="en-US" dirty="0"/>
+          </a:p>
+        </p:txBody>
+      </p:sp>
+      <p:sp>
+        <p:nvSpPr>
+          <p:cNvPr id="5" name="テキスト プレースホルダー 4">
+            <a:extLst>
+              <a:ext uri="{FF2B5EF4-FFF2-40B4-BE49-F238E27FC236}">
+                <a16:creationId xmlns:a16="http://schemas.microsoft.com/office/drawing/2014/main" id="{BC934BB8-7F9C-CF57-D83A-17992C515415}"/>
+              </a:ext>
+            </a:extLst>
+          </p:cNvPr>
+          <p:cNvSpPr>
+            <a:spLocks noGrp="1"/>
+          </p:cNvSpPr>
+          <p:nvPr>
+            <p:ph type="body" sz="quarter" idx="3"/>
+          </p:nvPr>
+        </p:nvSpPr>
+        <p:spPr/>
+        <p:txBody>
+          <a:bodyPr/>
+          <a:lstStyle/>
+          <a:p>
+            <a:endParaRPr kumimoji="1" lang="ja-JP" altLang="en-US" dirty="0"/>
+          </a:p>
+        </p:txBody>
+      </p:sp>
+      <p:sp>
+        <p:nvSpPr>
+          <p:cNvPr id="6" name="コンテンツ プレースホルダー 5">
+            <a:extLst>
+              <a:ext uri="{FF2B5EF4-FFF2-40B4-BE49-F238E27FC236}">
+                <a16:creationId xmlns:a16="http://schemas.microsoft.com/office/drawing/2014/main" id="{B57410F4-590B-1857-A50E-46D4DAF736FE}"/>
+              </a:ext>
+            </a:extLst>
+          </p:cNvPr>
+          <p:cNvSpPr>
+            <a:spLocks noGrp="1"/>
+          </p:cNvSpPr>
+          <p:nvPr>
+            <p:ph sz="quarter" idx="4"/>
+          </p:nvPr>
+        </p:nvSpPr>
+        <p:spPr/>
+        <p:txBody>
+          <a:bodyPr/>
+          <a:lstStyle/>
+          <a:p>
+            <a:endParaRPr kumimoji="1" lang="ja-JP" altLang="en-US" dirty="0"/>
+          </a:p>
+        </p:txBody>
+      </p:sp>
+    </p:spTree>
+    <p:extLst>
+      <p:ext uri="{BB962C8B-B14F-4D97-AF65-F5344CB8AC3E}">
+        <p14:creationId xmlns:p14="http://schemas.microsoft.com/office/powerpoint/2010/main" val="1410454203"/>
       </p:ext>
     </p:extLst>
   </p:cSld>

--- a/C-3_配布資料/0630_C3_発表資料.pptx
+++ b/C-3_配布資料/0630_C3_発表資料.pptx
@@ -6,7 +6,7 @@
     <p:sldMasterId id="2147483701" r:id="rId2"/>
   </p:sldMasterIdLst>
   <p:notesMasterIdLst>
-    <p:notesMasterId r:id="rId38"/>
+    <p:notesMasterId r:id="rId42"/>
   </p:notesMasterIdLst>
   <p:sldIdLst>
     <p:sldId id="256" r:id="rId3"/>
@@ -44,6 +44,10 @@
     <p:sldId id="294" r:id="rId35"/>
     <p:sldId id="295" r:id="rId36"/>
     <p:sldId id="296" r:id="rId37"/>
+    <p:sldId id="297" r:id="rId38"/>
+    <p:sldId id="298" r:id="rId39"/>
+    <p:sldId id="299" r:id="rId40"/>
+    <p:sldId id="300" r:id="rId41"/>
   </p:sldIdLst>
   <p:sldSz cx="12192000" cy="6858000"/>
   <p:notesSz cx="6858000" cy="9144000"/>
@@ -37153,7 +37157,7 @@
               </a:spcAft>
             </a:pPr>
             <a:r>
-              <a:rPr lang="ja-JP" altLang="en-US" sz="1800" b="1" i="0" u="none" strike="noStrike">
+              <a:rPr lang="ja-JP" altLang="en-US" sz="1800" b="1" i="0" u="none" strike="noStrike" dirty="0">
                 <a:solidFill>
                   <a:srgbClr val="000000"/>
                 </a:solidFill>
@@ -37220,6 +37224,624 @@
     <p:extLst>
       <p:ext uri="{BB962C8B-B14F-4D97-AF65-F5344CB8AC3E}">
         <p14:creationId xmlns:p14="http://schemas.microsoft.com/office/powerpoint/2010/main" val="1410454203"/>
+      </p:ext>
+    </p:extLst>
+  </p:cSld>
+  <p:clrMapOvr>
+    <a:masterClrMapping/>
+  </p:clrMapOvr>
+</p:sld>
+</file>
+
+<file path=ppt/slides/slide36.xml><?xml version="1.0" encoding="utf-8"?>
+<p:sld xmlns:a="http://schemas.openxmlformats.org/drawingml/2006/main" xmlns:r="http://schemas.openxmlformats.org/officeDocument/2006/relationships" xmlns:p="http://schemas.openxmlformats.org/presentationml/2006/main">
+  <p:cSld>
+    <p:spTree>
+      <p:nvGrpSpPr>
+        <p:cNvPr id="1" name=""/>
+        <p:cNvGrpSpPr/>
+        <p:nvPr/>
+      </p:nvGrpSpPr>
+      <p:grpSpPr>
+        <a:xfrm>
+          <a:off x="0" y="0"/>
+          <a:ext cx="0" cy="0"/>
+          <a:chOff x="0" y="0"/>
+          <a:chExt cx="0" cy="0"/>
+        </a:xfrm>
+      </p:grpSpPr>
+      <p:sp>
+        <p:nvSpPr>
+          <p:cNvPr id="2" name="タイトル 1">
+            <a:extLst>
+              <a:ext uri="{FF2B5EF4-FFF2-40B4-BE49-F238E27FC236}">
+                <a16:creationId xmlns:a16="http://schemas.microsoft.com/office/drawing/2014/main" id="{E18AF512-7191-AF97-29CA-EA0C9533F1C1}"/>
+              </a:ext>
+            </a:extLst>
+          </p:cNvPr>
+          <p:cNvSpPr>
+            <a:spLocks noGrp="1"/>
+          </p:cNvSpPr>
+          <p:nvPr>
+            <p:ph type="title"/>
+          </p:nvPr>
+        </p:nvSpPr>
+        <p:spPr/>
+        <p:txBody>
+          <a:bodyPr/>
+          <a:lstStyle/>
+          <a:p>
+            <a:r>
+              <a:rPr kumimoji="1" lang="ja-JP" altLang="en-US" dirty="0"/>
+              <a:t>解決策：用語解釈</a:t>
+            </a:r>
+          </a:p>
+        </p:txBody>
+      </p:sp>
+      <p:sp>
+        <p:nvSpPr>
+          <p:cNvPr id="3" name="コンテンツ プレースホルダー 2">
+            <a:extLst>
+              <a:ext uri="{FF2B5EF4-FFF2-40B4-BE49-F238E27FC236}">
+                <a16:creationId xmlns:a16="http://schemas.microsoft.com/office/drawing/2014/main" id="{27D70324-4FC4-EF8E-70DB-2858A354AC5A}"/>
+              </a:ext>
+            </a:extLst>
+          </p:cNvPr>
+          <p:cNvSpPr>
+            <a:spLocks noGrp="1"/>
+          </p:cNvSpPr>
+          <p:nvPr>
+            <p:ph idx="1"/>
+          </p:nvPr>
+        </p:nvSpPr>
+        <p:spPr/>
+        <p:txBody>
+          <a:bodyPr/>
+          <a:lstStyle/>
+          <a:p>
+            <a:pPr marL="457200" rtl="0">
+              <a:spcBef>
+                <a:spcPts val="0"/>
+              </a:spcBef>
+              <a:spcAft>
+                <a:spcPts val="0"/>
+              </a:spcAft>
+            </a:pPr>
+            <a:r>
+              <a:rPr lang="ja-JP" altLang="en-US" sz="1800" b="1" i="0" u="none" strike="noStrike" dirty="0">
+                <a:solidFill>
+                  <a:srgbClr val="000000"/>
+                </a:solidFill>
+                <a:effectLst/>
+                <a:latin typeface="Arial" panose="020B0604020202020204" pitchFamily="34" charset="0"/>
+              </a:rPr>
+              <a:t>意見の統一</a:t>
+            </a:r>
+            <a:endParaRPr lang="ja-JP" altLang="en-US" sz="1600" b="0" dirty="0">
+              <a:effectLst/>
+            </a:endParaRPr>
+          </a:p>
+          <a:p>
+            <a:pPr marL="457200" rtl="0">
+              <a:spcBef>
+                <a:spcPts val="0"/>
+              </a:spcBef>
+              <a:spcAft>
+                <a:spcPts val="0"/>
+              </a:spcAft>
+            </a:pPr>
+            <a:r>
+              <a:rPr lang="ja-JP" altLang="en-US" sz="1800" b="1" i="0" u="none" strike="noStrike" dirty="0">
+                <a:solidFill>
+                  <a:srgbClr val="000000"/>
+                </a:solidFill>
+                <a:effectLst/>
+                <a:latin typeface="Arial" panose="020B0604020202020204" pitchFamily="34" charset="0"/>
+              </a:rPr>
+              <a:t>用語集をエクセルで作成</a:t>
+            </a:r>
+            <a:endParaRPr lang="ja-JP" altLang="en-US" sz="1600" b="0" dirty="0">
+              <a:effectLst/>
+            </a:endParaRPr>
+          </a:p>
+          <a:p>
+            <a:pPr marL="457200" rtl="0">
+              <a:spcBef>
+                <a:spcPts val="0"/>
+              </a:spcBef>
+              <a:spcAft>
+                <a:spcPts val="0"/>
+              </a:spcAft>
+            </a:pPr>
+            <a:r>
+              <a:rPr lang="ja-JP" altLang="en-US" sz="1800" b="1" i="0" u="none" strike="noStrike" dirty="0">
+                <a:solidFill>
+                  <a:srgbClr val="000000"/>
+                </a:solidFill>
+                <a:effectLst/>
+                <a:latin typeface="Arial" panose="020B0604020202020204" pitchFamily="34" charset="0"/>
+              </a:rPr>
+              <a:t>機能と画面遷移について、ホワイトボードを使い全員で意見を出し合った</a:t>
+            </a:r>
+            <a:endParaRPr lang="ja-JP" altLang="en-US" sz="1600" b="0" dirty="0">
+              <a:effectLst/>
+            </a:endParaRPr>
+          </a:p>
+          <a:p>
+            <a:pPr marL="457200" rtl="0">
+              <a:spcBef>
+                <a:spcPts val="0"/>
+              </a:spcBef>
+              <a:spcAft>
+                <a:spcPts val="0"/>
+              </a:spcAft>
+            </a:pPr>
+            <a:r>
+              <a:rPr lang="ja-JP" altLang="en-US" sz="1800" b="1" i="0" u="none" strike="noStrike" dirty="0">
+                <a:solidFill>
+                  <a:srgbClr val="000000"/>
+                </a:solidFill>
+                <a:effectLst/>
+                <a:latin typeface="Arial" panose="020B0604020202020204" pitchFamily="34" charset="0"/>
+              </a:rPr>
+              <a:t>結果：各個人でチームの方針を合わせ、整合性のとれたアプリ開発を分担して行うことができた</a:t>
+            </a:r>
+            <a:endParaRPr lang="ja-JP" altLang="en-US" sz="1600" b="0" dirty="0">
+              <a:effectLst/>
+            </a:endParaRPr>
+          </a:p>
+          <a:p>
+            <a:br>
+              <a:rPr lang="ja-JP" altLang="en-US" sz="1600" dirty="0"/>
+            </a:br>
+            <a:endParaRPr kumimoji="1" lang="ja-JP" altLang="en-US" dirty="0"/>
+          </a:p>
+        </p:txBody>
+      </p:sp>
+    </p:spTree>
+    <p:extLst>
+      <p:ext uri="{BB962C8B-B14F-4D97-AF65-F5344CB8AC3E}">
+        <p14:creationId xmlns:p14="http://schemas.microsoft.com/office/powerpoint/2010/main" val="4093904961"/>
+      </p:ext>
+    </p:extLst>
+  </p:cSld>
+  <p:clrMapOvr>
+    <a:masterClrMapping/>
+  </p:clrMapOvr>
+</p:sld>
+</file>
+
+<file path=ppt/slides/slide37.xml><?xml version="1.0" encoding="utf-8"?>
+<p:sld xmlns:a="http://schemas.openxmlformats.org/drawingml/2006/main" xmlns:r="http://schemas.openxmlformats.org/officeDocument/2006/relationships" xmlns:p="http://schemas.openxmlformats.org/presentationml/2006/main">
+  <p:cSld>
+    <p:spTree>
+      <p:nvGrpSpPr>
+        <p:cNvPr id="1" name=""/>
+        <p:cNvGrpSpPr/>
+        <p:nvPr/>
+      </p:nvGrpSpPr>
+      <p:grpSpPr>
+        <a:xfrm>
+          <a:off x="0" y="0"/>
+          <a:ext cx="0" cy="0"/>
+          <a:chOff x="0" y="0"/>
+          <a:chExt cx="0" cy="0"/>
+        </a:xfrm>
+      </p:grpSpPr>
+      <p:sp>
+        <p:nvSpPr>
+          <p:cNvPr id="3" name="タイトル 2">
+            <a:extLst>
+              <a:ext uri="{FF2B5EF4-FFF2-40B4-BE49-F238E27FC236}">
+                <a16:creationId xmlns:a16="http://schemas.microsoft.com/office/drawing/2014/main" id="{E21A76B6-9A0F-5109-48D2-1DB622B611A1}"/>
+              </a:ext>
+            </a:extLst>
+          </p:cNvPr>
+          <p:cNvSpPr>
+            <a:spLocks noGrp="1"/>
+          </p:cNvSpPr>
+          <p:nvPr>
+            <p:ph type="title"/>
+          </p:nvPr>
+        </p:nvSpPr>
+        <p:spPr/>
+        <p:txBody>
+          <a:bodyPr/>
+          <a:lstStyle/>
+          <a:p>
+            <a:r>
+              <a:rPr lang="ja-JP" altLang="en-US" dirty="0"/>
+              <a:t>用語解釈</a:t>
+            </a:r>
+          </a:p>
+        </p:txBody>
+      </p:sp>
+      <p:sp>
+        <p:nvSpPr>
+          <p:cNvPr id="2" name="テキスト プレースホルダー 1">
+            <a:extLst>
+              <a:ext uri="{FF2B5EF4-FFF2-40B4-BE49-F238E27FC236}">
+                <a16:creationId xmlns:a16="http://schemas.microsoft.com/office/drawing/2014/main" id="{F8F07067-EDA9-3D43-1B69-5431EC0573F0}"/>
+              </a:ext>
+            </a:extLst>
+          </p:cNvPr>
+          <p:cNvSpPr>
+            <a:spLocks noGrp="1"/>
+          </p:cNvSpPr>
+          <p:nvPr>
+            <p:ph type="body" idx="1"/>
+          </p:nvPr>
+        </p:nvSpPr>
+        <p:spPr/>
+        <p:txBody>
+          <a:bodyPr/>
+          <a:lstStyle/>
+          <a:p>
+            <a:endParaRPr kumimoji="1" lang="ja-JP" altLang="en-US" sz="8000" dirty="0">
+              <a:latin typeface="游ゴシック Medium" panose="020B0500000000000000" pitchFamily="50" charset="-128"/>
+              <a:ea typeface="游ゴシック Medium" panose="020B0500000000000000" pitchFamily="50" charset="-128"/>
+            </a:endParaRPr>
+          </a:p>
+        </p:txBody>
+      </p:sp>
+    </p:spTree>
+    <p:extLst>
+      <p:ext uri="{BB962C8B-B14F-4D97-AF65-F5344CB8AC3E}">
+        <p14:creationId xmlns:p14="http://schemas.microsoft.com/office/powerpoint/2010/main" val="593370294"/>
+      </p:ext>
+    </p:extLst>
+  </p:cSld>
+  <p:clrMapOvr>
+    <a:masterClrMapping/>
+  </p:clrMapOvr>
+</p:sld>
+</file>
+
+<file path=ppt/slides/slide38.xml><?xml version="1.0" encoding="utf-8"?>
+<p:sld xmlns:a="http://schemas.openxmlformats.org/drawingml/2006/main" xmlns:r="http://schemas.openxmlformats.org/officeDocument/2006/relationships" xmlns:p="http://schemas.openxmlformats.org/presentationml/2006/main">
+  <p:cSld>
+    <p:spTree>
+      <p:nvGrpSpPr>
+        <p:cNvPr id="1" name=""/>
+        <p:cNvGrpSpPr/>
+        <p:nvPr/>
+      </p:nvGrpSpPr>
+      <p:grpSpPr>
+        <a:xfrm>
+          <a:off x="0" y="0"/>
+          <a:ext cx="0" cy="0"/>
+          <a:chOff x="0" y="0"/>
+          <a:chExt cx="0" cy="0"/>
+        </a:xfrm>
+      </p:grpSpPr>
+      <p:sp>
+        <p:nvSpPr>
+          <p:cNvPr id="2" name="タイトル 1">
+            <a:extLst>
+              <a:ext uri="{FF2B5EF4-FFF2-40B4-BE49-F238E27FC236}">
+                <a16:creationId xmlns:a16="http://schemas.microsoft.com/office/drawing/2014/main" id="{EBEB22DE-EFEA-99AC-9131-D36A0681CDFC}"/>
+              </a:ext>
+            </a:extLst>
+          </p:cNvPr>
+          <p:cNvSpPr>
+            <a:spLocks noGrp="1"/>
+          </p:cNvSpPr>
+          <p:nvPr>
+            <p:ph type="title"/>
+          </p:nvPr>
+        </p:nvSpPr>
+        <p:spPr/>
+        <p:txBody>
+          <a:bodyPr/>
+          <a:lstStyle/>
+          <a:p>
+            <a:r>
+              <a:rPr kumimoji="1" lang="ja-JP" altLang="en-US" dirty="0"/>
+              <a:t>問題：用語解釈</a:t>
+            </a:r>
+          </a:p>
+        </p:txBody>
+      </p:sp>
+      <p:sp>
+        <p:nvSpPr>
+          <p:cNvPr id="3" name="テキスト プレースホルダー 2">
+            <a:extLst>
+              <a:ext uri="{FF2B5EF4-FFF2-40B4-BE49-F238E27FC236}">
+                <a16:creationId xmlns:a16="http://schemas.microsoft.com/office/drawing/2014/main" id="{66ABF322-DB14-65C8-02AC-D8A7295C01DF}"/>
+              </a:ext>
+            </a:extLst>
+          </p:cNvPr>
+          <p:cNvSpPr>
+            <a:spLocks noGrp="1"/>
+          </p:cNvSpPr>
+          <p:nvPr>
+            <p:ph type="body" idx="1"/>
+          </p:nvPr>
+        </p:nvSpPr>
+        <p:spPr/>
+        <p:txBody>
+          <a:bodyPr/>
+          <a:lstStyle/>
+          <a:p>
+            <a:endParaRPr kumimoji="1" lang="ja-JP" altLang="en-US" dirty="0"/>
+          </a:p>
+        </p:txBody>
+      </p:sp>
+      <p:sp>
+        <p:nvSpPr>
+          <p:cNvPr id="4" name="コンテンツ プレースホルダー 3">
+            <a:extLst>
+              <a:ext uri="{FF2B5EF4-FFF2-40B4-BE49-F238E27FC236}">
+                <a16:creationId xmlns:a16="http://schemas.microsoft.com/office/drawing/2014/main" id="{F467A54D-D7CF-D6E3-49BD-81B0D7558A07}"/>
+              </a:ext>
+            </a:extLst>
+          </p:cNvPr>
+          <p:cNvSpPr>
+            <a:spLocks noGrp="1"/>
+          </p:cNvSpPr>
+          <p:nvPr>
+            <p:ph sz="half" idx="2"/>
+          </p:nvPr>
+        </p:nvSpPr>
+        <p:spPr/>
+        <p:txBody>
+          <a:bodyPr/>
+          <a:lstStyle/>
+          <a:p>
+            <a:pPr marL="457200" rtl="0">
+              <a:spcBef>
+                <a:spcPts val="0"/>
+              </a:spcBef>
+              <a:spcAft>
+                <a:spcPts val="0"/>
+              </a:spcAft>
+            </a:pPr>
+            <a:r>
+              <a:rPr lang="ja-JP" altLang="en-US" sz="1800" b="1" i="0" u="none" strike="noStrike" dirty="0">
+                <a:solidFill>
+                  <a:srgbClr val="000000"/>
+                </a:solidFill>
+                <a:effectLst/>
+                <a:latin typeface="Arial" panose="020B0604020202020204" pitchFamily="34" charset="0"/>
+              </a:rPr>
+              <a:t>要件定義で実際に起きたことだが、全体で機能を決める際に、全員が自分の考えを理解した状態だと思い込んでしまい、機能名や単語のみを書いていた</a:t>
+            </a:r>
+            <a:endParaRPr kumimoji="1" lang="ja-JP" altLang="en-US" dirty="0"/>
+          </a:p>
+        </p:txBody>
+      </p:sp>
+      <p:sp>
+        <p:nvSpPr>
+          <p:cNvPr id="5" name="テキスト プレースホルダー 4">
+            <a:extLst>
+              <a:ext uri="{FF2B5EF4-FFF2-40B4-BE49-F238E27FC236}">
+                <a16:creationId xmlns:a16="http://schemas.microsoft.com/office/drawing/2014/main" id="{BC934BB8-7F9C-CF57-D83A-17992C515415}"/>
+              </a:ext>
+            </a:extLst>
+          </p:cNvPr>
+          <p:cNvSpPr>
+            <a:spLocks noGrp="1"/>
+          </p:cNvSpPr>
+          <p:nvPr>
+            <p:ph type="body" sz="quarter" idx="3"/>
+          </p:nvPr>
+        </p:nvSpPr>
+        <p:spPr/>
+        <p:txBody>
+          <a:bodyPr/>
+          <a:lstStyle/>
+          <a:p>
+            <a:endParaRPr kumimoji="1" lang="ja-JP" altLang="en-US" dirty="0"/>
+          </a:p>
+        </p:txBody>
+      </p:sp>
+      <p:sp>
+        <p:nvSpPr>
+          <p:cNvPr id="6" name="コンテンツ プレースホルダー 5">
+            <a:extLst>
+              <a:ext uri="{FF2B5EF4-FFF2-40B4-BE49-F238E27FC236}">
+                <a16:creationId xmlns:a16="http://schemas.microsoft.com/office/drawing/2014/main" id="{B57410F4-590B-1857-A50E-46D4DAF736FE}"/>
+              </a:ext>
+            </a:extLst>
+          </p:cNvPr>
+          <p:cNvSpPr>
+            <a:spLocks noGrp="1"/>
+          </p:cNvSpPr>
+          <p:nvPr>
+            <p:ph sz="quarter" idx="4"/>
+          </p:nvPr>
+        </p:nvSpPr>
+        <p:spPr/>
+        <p:txBody>
+          <a:bodyPr/>
+          <a:lstStyle/>
+          <a:p>
+            <a:endParaRPr kumimoji="1" lang="ja-JP" altLang="en-US" dirty="0"/>
+          </a:p>
+        </p:txBody>
+      </p:sp>
+    </p:spTree>
+    <p:extLst>
+      <p:ext uri="{BB962C8B-B14F-4D97-AF65-F5344CB8AC3E}">
+        <p14:creationId xmlns:p14="http://schemas.microsoft.com/office/powerpoint/2010/main" val="450012367"/>
+      </p:ext>
+    </p:extLst>
+  </p:cSld>
+  <p:clrMapOvr>
+    <a:masterClrMapping/>
+  </p:clrMapOvr>
+</p:sld>
+</file>
+
+<file path=ppt/slides/slide39.xml><?xml version="1.0" encoding="utf-8"?>
+<p:sld xmlns:a="http://schemas.openxmlformats.org/drawingml/2006/main" xmlns:r="http://schemas.openxmlformats.org/officeDocument/2006/relationships" xmlns:p="http://schemas.openxmlformats.org/presentationml/2006/main">
+  <p:cSld>
+    <p:spTree>
+      <p:nvGrpSpPr>
+        <p:cNvPr id="1" name=""/>
+        <p:cNvGrpSpPr/>
+        <p:nvPr/>
+      </p:nvGrpSpPr>
+      <p:grpSpPr>
+        <a:xfrm>
+          <a:off x="0" y="0"/>
+          <a:ext cx="0" cy="0"/>
+          <a:chOff x="0" y="0"/>
+          <a:chExt cx="0" cy="0"/>
+        </a:xfrm>
+      </p:grpSpPr>
+      <p:sp>
+        <p:nvSpPr>
+          <p:cNvPr id="2" name="タイトル 1">
+            <a:extLst>
+              <a:ext uri="{FF2B5EF4-FFF2-40B4-BE49-F238E27FC236}">
+                <a16:creationId xmlns:a16="http://schemas.microsoft.com/office/drawing/2014/main" id="{E18AF512-7191-AF97-29CA-EA0C9533F1C1}"/>
+              </a:ext>
+            </a:extLst>
+          </p:cNvPr>
+          <p:cNvSpPr>
+            <a:spLocks noGrp="1"/>
+          </p:cNvSpPr>
+          <p:nvPr>
+            <p:ph type="title"/>
+          </p:nvPr>
+        </p:nvSpPr>
+        <p:spPr/>
+        <p:txBody>
+          <a:bodyPr/>
+          <a:lstStyle/>
+          <a:p>
+            <a:r>
+              <a:rPr kumimoji="1" lang="ja-JP" altLang="en-US" dirty="0"/>
+              <a:t>解決策：用語解釈</a:t>
+            </a:r>
+          </a:p>
+        </p:txBody>
+      </p:sp>
+      <p:sp>
+        <p:nvSpPr>
+          <p:cNvPr id="3" name="コンテンツ プレースホルダー 2">
+            <a:extLst>
+              <a:ext uri="{FF2B5EF4-FFF2-40B4-BE49-F238E27FC236}">
+                <a16:creationId xmlns:a16="http://schemas.microsoft.com/office/drawing/2014/main" id="{27D70324-4FC4-EF8E-70DB-2858A354AC5A}"/>
+              </a:ext>
+            </a:extLst>
+          </p:cNvPr>
+          <p:cNvSpPr>
+            <a:spLocks noGrp="1"/>
+          </p:cNvSpPr>
+          <p:nvPr>
+            <p:ph idx="1"/>
+          </p:nvPr>
+        </p:nvSpPr>
+        <p:spPr/>
+        <p:txBody>
+          <a:bodyPr/>
+          <a:lstStyle/>
+          <a:p>
+            <a:pPr marL="457200" rtl="0">
+              <a:spcBef>
+                <a:spcPts val="0"/>
+              </a:spcBef>
+              <a:spcAft>
+                <a:spcPts val="0"/>
+              </a:spcAft>
+            </a:pPr>
+            <a:r>
+              <a:rPr lang="ja-JP" altLang="en-US" sz="1800" b="1" i="0" u="none" strike="noStrike" dirty="0">
+                <a:solidFill>
+                  <a:srgbClr val="000000"/>
+                </a:solidFill>
+                <a:effectLst/>
+                <a:latin typeface="Arial" panose="020B0604020202020204" pitchFamily="34" charset="0"/>
+              </a:rPr>
+              <a:t>意見の統一</a:t>
+            </a:r>
+            <a:endParaRPr lang="ja-JP" altLang="en-US" sz="1600" b="0" dirty="0">
+              <a:effectLst/>
+            </a:endParaRPr>
+          </a:p>
+          <a:p>
+            <a:pPr marL="457200" rtl="0">
+              <a:spcBef>
+                <a:spcPts val="0"/>
+              </a:spcBef>
+              <a:spcAft>
+                <a:spcPts val="0"/>
+              </a:spcAft>
+            </a:pPr>
+            <a:r>
+              <a:rPr lang="ja-JP" altLang="en-US" sz="1800" b="1" i="0" u="none" strike="noStrike" dirty="0">
+                <a:solidFill>
+                  <a:srgbClr val="000000"/>
+                </a:solidFill>
+                <a:effectLst/>
+                <a:latin typeface="Arial" panose="020B0604020202020204" pitchFamily="34" charset="0"/>
+              </a:rPr>
+              <a:t>用語集をエクセルで作成</a:t>
+            </a:r>
+            <a:endParaRPr lang="ja-JP" altLang="en-US" sz="1600" b="0" dirty="0">
+              <a:effectLst/>
+            </a:endParaRPr>
+          </a:p>
+          <a:p>
+            <a:pPr marL="457200" rtl="0">
+              <a:spcBef>
+                <a:spcPts val="0"/>
+              </a:spcBef>
+              <a:spcAft>
+                <a:spcPts val="0"/>
+              </a:spcAft>
+            </a:pPr>
+            <a:r>
+              <a:rPr lang="ja-JP" altLang="en-US" sz="1800" b="1" i="0" u="none" strike="noStrike" dirty="0">
+                <a:solidFill>
+                  <a:srgbClr val="000000"/>
+                </a:solidFill>
+                <a:effectLst/>
+                <a:latin typeface="Arial" panose="020B0604020202020204" pitchFamily="34" charset="0"/>
+              </a:rPr>
+              <a:t>機能と画面遷移について、ホワイトボードを使い全員で意見を出し合った</a:t>
+            </a:r>
+            <a:endParaRPr lang="ja-JP" altLang="en-US" sz="1600" b="0" dirty="0">
+              <a:effectLst/>
+            </a:endParaRPr>
+          </a:p>
+          <a:p>
+            <a:pPr marL="457200" rtl="0">
+              <a:spcBef>
+                <a:spcPts val="0"/>
+              </a:spcBef>
+              <a:spcAft>
+                <a:spcPts val="0"/>
+              </a:spcAft>
+            </a:pPr>
+            <a:r>
+              <a:rPr lang="ja-JP" altLang="en-US" sz="1800" b="1" i="0" u="none" strike="noStrike" dirty="0">
+                <a:solidFill>
+                  <a:srgbClr val="000000"/>
+                </a:solidFill>
+                <a:effectLst/>
+                <a:latin typeface="Arial" panose="020B0604020202020204" pitchFamily="34" charset="0"/>
+              </a:rPr>
+              <a:t>結果：各個人でチームの方針を合わせ、整合性のとれたアプリ開発を分担して行うことができた</a:t>
+            </a:r>
+            <a:endParaRPr lang="ja-JP" altLang="en-US" sz="1600" b="0" dirty="0">
+              <a:effectLst/>
+            </a:endParaRPr>
+          </a:p>
+          <a:p>
+            <a:br>
+              <a:rPr lang="ja-JP" altLang="en-US" sz="1600" dirty="0"/>
+            </a:br>
+            <a:endParaRPr kumimoji="1" lang="ja-JP" altLang="en-US" dirty="0"/>
+          </a:p>
+        </p:txBody>
+      </p:sp>
+    </p:spTree>
+    <p:extLst>
+      <p:ext uri="{BB962C8B-B14F-4D97-AF65-F5344CB8AC3E}">
+        <p14:creationId xmlns:p14="http://schemas.microsoft.com/office/powerpoint/2010/main" val="302118690"/>
       </p:ext>
     </p:extLst>
   </p:cSld>

--- a/C-3_配布資料/0630_C3_発表資料.pptx
+++ b/C-3_配布資料/0630_C3_発表資料.pptx
@@ -6,7 +6,7 @@
     <p:sldMasterId id="2147483701" r:id="rId2"/>
   </p:sldMasterIdLst>
   <p:notesMasterIdLst>
-    <p:notesMasterId r:id="rId42"/>
+    <p:notesMasterId r:id="rId47"/>
   </p:notesMasterIdLst>
   <p:sldIdLst>
     <p:sldId id="256" r:id="rId3"/>
@@ -34,20 +34,25 @@
     <p:sldId id="279" r:id="rId25"/>
     <p:sldId id="283" r:id="rId26"/>
     <p:sldId id="290" r:id="rId27"/>
-    <p:sldId id="285" r:id="rId28"/>
-    <p:sldId id="289" r:id="rId29"/>
-    <p:sldId id="287" r:id="rId30"/>
-    <p:sldId id="284" r:id="rId31"/>
-    <p:sldId id="291" r:id="rId32"/>
-    <p:sldId id="293" r:id="rId33"/>
-    <p:sldId id="292" r:id="rId34"/>
-    <p:sldId id="294" r:id="rId35"/>
-    <p:sldId id="295" r:id="rId36"/>
-    <p:sldId id="296" r:id="rId37"/>
-    <p:sldId id="297" r:id="rId38"/>
-    <p:sldId id="298" r:id="rId39"/>
-    <p:sldId id="299" r:id="rId40"/>
-    <p:sldId id="300" r:id="rId41"/>
+    <p:sldId id="304" r:id="rId28"/>
+    <p:sldId id="285" r:id="rId29"/>
+    <p:sldId id="289" r:id="rId30"/>
+    <p:sldId id="305" r:id="rId31"/>
+    <p:sldId id="287" r:id="rId32"/>
+    <p:sldId id="284" r:id="rId33"/>
+    <p:sldId id="291" r:id="rId34"/>
+    <p:sldId id="293" r:id="rId35"/>
+    <p:sldId id="292" r:id="rId36"/>
+    <p:sldId id="294" r:id="rId37"/>
+    <p:sldId id="295" r:id="rId38"/>
+    <p:sldId id="296" r:id="rId39"/>
+    <p:sldId id="297" r:id="rId40"/>
+    <p:sldId id="298" r:id="rId41"/>
+    <p:sldId id="299" r:id="rId42"/>
+    <p:sldId id="300" r:id="rId43"/>
+    <p:sldId id="302" r:id="rId44"/>
+    <p:sldId id="301" r:id="rId45"/>
+    <p:sldId id="303" r:id="rId46"/>
   </p:sldIdLst>
   <p:sldSz cx="12192000" cy="6858000"/>
   <p:notesSz cx="6858000" cy="9144000"/>
@@ -6664,6 +6669,753 @@
 </dgm:colorsDef>
 </file>
 
+<file path=ppt/diagrams/colors7.xml><?xml version="1.0" encoding="utf-8"?>
+<dgm:colorsDef xmlns:dgm="http://schemas.openxmlformats.org/drawingml/2006/diagram" xmlns:a="http://schemas.openxmlformats.org/drawingml/2006/main" uniqueId="urn:microsoft.com/office/officeart/2005/8/colors/accent1_2">
+  <dgm:title val=""/>
+  <dgm:desc val=""/>
+  <dgm:catLst>
+    <dgm:cat type="accent1" pri="11200"/>
+  </dgm:catLst>
+  <dgm:styleLbl name="node0">
+    <dgm:fillClrLst meth="repeat">
+      <a:schemeClr val="accent1"/>
+    </dgm:fillClrLst>
+    <dgm:linClrLst meth="repeat">
+      <a:schemeClr val="lt1"/>
+    </dgm:linClrLst>
+    <dgm:effectClrLst/>
+    <dgm:txLinClrLst/>
+    <dgm:txFillClrLst/>
+    <dgm:txEffectClrLst/>
+  </dgm:styleLbl>
+  <dgm:styleLbl name="alignNode1">
+    <dgm:fillClrLst meth="repeat">
+      <a:schemeClr val="accent1"/>
+    </dgm:fillClrLst>
+    <dgm:linClrLst meth="repeat">
+      <a:schemeClr val="accent1"/>
+    </dgm:linClrLst>
+    <dgm:effectClrLst/>
+    <dgm:txLinClrLst/>
+    <dgm:txFillClrLst/>
+    <dgm:txEffectClrLst/>
+  </dgm:styleLbl>
+  <dgm:styleLbl name="node1">
+    <dgm:fillClrLst meth="repeat">
+      <a:schemeClr val="accent1"/>
+    </dgm:fillClrLst>
+    <dgm:linClrLst meth="repeat">
+      <a:schemeClr val="lt1"/>
+    </dgm:linClrLst>
+    <dgm:effectClrLst/>
+    <dgm:txLinClrLst/>
+    <dgm:txFillClrLst/>
+    <dgm:txEffectClrLst/>
+  </dgm:styleLbl>
+  <dgm:styleLbl name="lnNode1">
+    <dgm:fillClrLst meth="repeat">
+      <a:schemeClr val="accent1"/>
+    </dgm:fillClrLst>
+    <dgm:linClrLst meth="repeat">
+      <a:schemeClr val="lt1"/>
+    </dgm:linClrLst>
+    <dgm:effectClrLst/>
+    <dgm:txLinClrLst/>
+    <dgm:txFillClrLst/>
+    <dgm:txEffectClrLst/>
+  </dgm:styleLbl>
+  <dgm:styleLbl name="vennNode1">
+    <dgm:fillClrLst meth="repeat">
+      <a:schemeClr val="accent1">
+        <a:alpha val="50000"/>
+      </a:schemeClr>
+    </dgm:fillClrLst>
+    <dgm:linClrLst meth="repeat">
+      <a:schemeClr val="lt1"/>
+    </dgm:linClrLst>
+    <dgm:effectClrLst/>
+    <dgm:txLinClrLst/>
+    <dgm:txFillClrLst/>
+    <dgm:txEffectClrLst/>
+  </dgm:styleLbl>
+  <dgm:styleLbl name="node2">
+    <dgm:fillClrLst meth="repeat">
+      <a:schemeClr val="accent1"/>
+    </dgm:fillClrLst>
+    <dgm:linClrLst meth="repeat">
+      <a:schemeClr val="lt1"/>
+    </dgm:linClrLst>
+    <dgm:effectClrLst/>
+    <dgm:txLinClrLst/>
+    <dgm:txFillClrLst/>
+    <dgm:txEffectClrLst/>
+  </dgm:styleLbl>
+  <dgm:styleLbl name="node3">
+    <dgm:fillClrLst meth="repeat">
+      <a:schemeClr val="accent1"/>
+    </dgm:fillClrLst>
+    <dgm:linClrLst meth="repeat">
+      <a:schemeClr val="lt1"/>
+    </dgm:linClrLst>
+    <dgm:effectClrLst/>
+    <dgm:txLinClrLst/>
+    <dgm:txFillClrLst/>
+    <dgm:txEffectClrLst/>
+  </dgm:styleLbl>
+  <dgm:styleLbl name="node4">
+    <dgm:fillClrLst meth="repeat">
+      <a:schemeClr val="accent1"/>
+    </dgm:fillClrLst>
+    <dgm:linClrLst meth="repeat">
+      <a:schemeClr val="lt1"/>
+    </dgm:linClrLst>
+    <dgm:effectClrLst/>
+    <dgm:txLinClrLst/>
+    <dgm:txFillClrLst/>
+    <dgm:txEffectClrLst/>
+  </dgm:styleLbl>
+  <dgm:styleLbl name="fgImgPlace1">
+    <dgm:fillClrLst meth="repeat">
+      <a:schemeClr val="accent1">
+        <a:tint val="50000"/>
+      </a:schemeClr>
+    </dgm:fillClrLst>
+    <dgm:linClrLst meth="repeat">
+      <a:schemeClr val="lt1"/>
+    </dgm:linClrLst>
+    <dgm:effectClrLst/>
+    <dgm:txLinClrLst/>
+    <dgm:txFillClrLst meth="repeat">
+      <a:schemeClr val="lt1"/>
+    </dgm:txFillClrLst>
+    <dgm:txEffectClrLst/>
+  </dgm:styleLbl>
+  <dgm:styleLbl name="alignImgPlace1">
+    <dgm:fillClrLst meth="repeat">
+      <a:schemeClr val="accent1">
+        <a:tint val="50000"/>
+      </a:schemeClr>
+    </dgm:fillClrLst>
+    <dgm:linClrLst meth="repeat">
+      <a:schemeClr val="lt1"/>
+    </dgm:linClrLst>
+    <dgm:effectClrLst/>
+    <dgm:txLinClrLst/>
+    <dgm:txFillClrLst meth="repeat">
+      <a:schemeClr val="lt1"/>
+    </dgm:txFillClrLst>
+    <dgm:txEffectClrLst/>
+  </dgm:styleLbl>
+  <dgm:styleLbl name="bgImgPlace1">
+    <dgm:fillClrLst meth="repeat">
+      <a:schemeClr val="accent1">
+        <a:tint val="50000"/>
+      </a:schemeClr>
+    </dgm:fillClrLst>
+    <dgm:linClrLst meth="repeat">
+      <a:schemeClr val="lt1"/>
+    </dgm:linClrLst>
+    <dgm:effectClrLst/>
+    <dgm:txLinClrLst/>
+    <dgm:txFillClrLst meth="repeat">
+      <a:schemeClr val="lt1"/>
+    </dgm:txFillClrLst>
+    <dgm:txEffectClrLst/>
+  </dgm:styleLbl>
+  <dgm:styleLbl name="sibTrans2D1">
+    <dgm:fillClrLst meth="repeat">
+      <a:schemeClr val="accent1">
+        <a:tint val="60000"/>
+      </a:schemeClr>
+    </dgm:fillClrLst>
+    <dgm:linClrLst meth="repeat">
+      <a:schemeClr val="accent1">
+        <a:tint val="60000"/>
+      </a:schemeClr>
+    </dgm:linClrLst>
+    <dgm:effectClrLst/>
+    <dgm:txLinClrLst/>
+    <dgm:txFillClrLst/>
+    <dgm:txEffectClrLst/>
+  </dgm:styleLbl>
+  <dgm:styleLbl name="fgSibTrans2D1">
+    <dgm:fillClrLst meth="repeat">
+      <a:schemeClr val="accent1">
+        <a:tint val="60000"/>
+      </a:schemeClr>
+    </dgm:fillClrLst>
+    <dgm:linClrLst meth="repeat">
+      <a:schemeClr val="accent1">
+        <a:tint val="60000"/>
+      </a:schemeClr>
+    </dgm:linClrLst>
+    <dgm:effectClrLst/>
+    <dgm:txLinClrLst/>
+    <dgm:txFillClrLst/>
+    <dgm:txEffectClrLst/>
+  </dgm:styleLbl>
+  <dgm:styleLbl name="bgSibTrans2D1">
+    <dgm:fillClrLst meth="repeat">
+      <a:schemeClr val="accent1">
+        <a:tint val="60000"/>
+      </a:schemeClr>
+    </dgm:fillClrLst>
+    <dgm:linClrLst meth="repeat">
+      <a:schemeClr val="accent1">
+        <a:tint val="60000"/>
+      </a:schemeClr>
+    </dgm:linClrLst>
+    <dgm:effectClrLst/>
+    <dgm:txLinClrLst/>
+    <dgm:txFillClrLst/>
+    <dgm:txEffectClrLst/>
+  </dgm:styleLbl>
+  <dgm:styleLbl name="sibTrans1D1">
+    <dgm:fillClrLst meth="repeat">
+      <a:schemeClr val="accent1"/>
+    </dgm:fillClrLst>
+    <dgm:linClrLst meth="repeat">
+      <a:schemeClr val="accent1"/>
+    </dgm:linClrLst>
+    <dgm:effectClrLst/>
+    <dgm:txLinClrLst/>
+    <dgm:txFillClrLst meth="repeat">
+      <a:schemeClr val="tx1"/>
+    </dgm:txFillClrLst>
+    <dgm:txEffectClrLst/>
+  </dgm:styleLbl>
+  <dgm:styleLbl name="callout">
+    <dgm:fillClrLst meth="repeat">
+      <a:schemeClr val="accent1"/>
+    </dgm:fillClrLst>
+    <dgm:linClrLst meth="repeat">
+      <a:schemeClr val="accent1">
+        <a:tint val="50000"/>
+      </a:schemeClr>
+    </dgm:linClrLst>
+    <dgm:effectClrLst/>
+    <dgm:txLinClrLst/>
+    <dgm:txFillClrLst meth="repeat">
+      <a:schemeClr val="tx1"/>
+    </dgm:txFillClrLst>
+    <dgm:txEffectClrLst/>
+  </dgm:styleLbl>
+  <dgm:styleLbl name="asst0">
+    <dgm:fillClrLst meth="repeat">
+      <a:schemeClr val="accent1"/>
+    </dgm:fillClrLst>
+    <dgm:linClrLst meth="repeat">
+      <a:schemeClr val="lt1"/>
+    </dgm:linClrLst>
+    <dgm:effectClrLst/>
+    <dgm:txLinClrLst/>
+    <dgm:txFillClrLst/>
+    <dgm:txEffectClrLst/>
+  </dgm:styleLbl>
+  <dgm:styleLbl name="asst1">
+    <dgm:fillClrLst meth="repeat">
+      <a:schemeClr val="accent1"/>
+    </dgm:fillClrLst>
+    <dgm:linClrLst meth="repeat">
+      <a:schemeClr val="lt1"/>
+    </dgm:linClrLst>
+    <dgm:effectClrLst/>
+    <dgm:txLinClrLst/>
+    <dgm:txFillClrLst/>
+    <dgm:txEffectClrLst/>
+  </dgm:styleLbl>
+  <dgm:styleLbl name="asst2">
+    <dgm:fillClrLst meth="repeat">
+      <a:schemeClr val="accent1"/>
+    </dgm:fillClrLst>
+    <dgm:linClrLst meth="repeat">
+      <a:schemeClr val="lt1"/>
+    </dgm:linClrLst>
+    <dgm:effectClrLst/>
+    <dgm:txLinClrLst/>
+    <dgm:txFillClrLst/>
+    <dgm:txEffectClrLst/>
+  </dgm:styleLbl>
+  <dgm:styleLbl name="asst3">
+    <dgm:fillClrLst meth="repeat">
+      <a:schemeClr val="accent1"/>
+    </dgm:fillClrLst>
+    <dgm:linClrLst meth="repeat">
+      <a:schemeClr val="lt1"/>
+    </dgm:linClrLst>
+    <dgm:effectClrLst/>
+    <dgm:txLinClrLst/>
+    <dgm:txFillClrLst/>
+    <dgm:txEffectClrLst/>
+  </dgm:styleLbl>
+  <dgm:styleLbl name="asst4">
+    <dgm:fillClrLst meth="repeat">
+      <a:schemeClr val="accent1"/>
+    </dgm:fillClrLst>
+    <dgm:linClrLst meth="repeat">
+      <a:schemeClr val="lt1"/>
+    </dgm:linClrLst>
+    <dgm:effectClrLst/>
+    <dgm:txLinClrLst/>
+    <dgm:txFillClrLst/>
+    <dgm:txEffectClrLst/>
+  </dgm:styleLbl>
+  <dgm:styleLbl name="parChTrans2D1">
+    <dgm:fillClrLst meth="repeat">
+      <a:schemeClr val="accent1">
+        <a:tint val="60000"/>
+      </a:schemeClr>
+    </dgm:fillClrLst>
+    <dgm:linClrLst meth="repeat">
+      <a:schemeClr val="accent1">
+        <a:tint val="60000"/>
+      </a:schemeClr>
+    </dgm:linClrLst>
+    <dgm:effectClrLst/>
+    <dgm:txLinClrLst/>
+    <dgm:txFillClrLst meth="repeat">
+      <a:schemeClr val="lt1"/>
+    </dgm:txFillClrLst>
+    <dgm:txEffectClrLst/>
+  </dgm:styleLbl>
+  <dgm:styleLbl name="parChTrans2D2">
+    <dgm:fillClrLst meth="repeat">
+      <a:schemeClr val="accent1"/>
+    </dgm:fillClrLst>
+    <dgm:linClrLst meth="repeat">
+      <a:schemeClr val="accent1"/>
+    </dgm:linClrLst>
+    <dgm:effectClrLst/>
+    <dgm:txLinClrLst/>
+    <dgm:txFillClrLst meth="repeat">
+      <a:schemeClr val="lt1"/>
+    </dgm:txFillClrLst>
+    <dgm:txEffectClrLst/>
+  </dgm:styleLbl>
+  <dgm:styleLbl name="parChTrans2D3">
+    <dgm:fillClrLst meth="repeat">
+      <a:schemeClr val="accent1"/>
+    </dgm:fillClrLst>
+    <dgm:linClrLst meth="repeat">
+      <a:schemeClr val="accent1"/>
+    </dgm:linClrLst>
+    <dgm:effectClrLst/>
+    <dgm:txLinClrLst/>
+    <dgm:txFillClrLst meth="repeat">
+      <a:schemeClr val="lt1"/>
+    </dgm:txFillClrLst>
+    <dgm:txEffectClrLst/>
+  </dgm:styleLbl>
+  <dgm:styleLbl name="parChTrans2D4">
+    <dgm:fillClrLst meth="repeat">
+      <a:schemeClr val="accent1"/>
+    </dgm:fillClrLst>
+    <dgm:linClrLst meth="repeat">
+      <a:schemeClr val="accent1"/>
+    </dgm:linClrLst>
+    <dgm:effectClrLst/>
+    <dgm:txLinClrLst/>
+    <dgm:txFillClrLst meth="repeat">
+      <a:schemeClr val="lt1"/>
+    </dgm:txFillClrLst>
+    <dgm:txEffectClrLst/>
+  </dgm:styleLbl>
+  <dgm:styleLbl name="parChTrans1D1">
+    <dgm:fillClrLst meth="repeat">
+      <a:schemeClr val="accent1"/>
+    </dgm:fillClrLst>
+    <dgm:linClrLst meth="repeat">
+      <a:schemeClr val="accent1">
+        <a:shade val="60000"/>
+      </a:schemeClr>
+    </dgm:linClrLst>
+    <dgm:effectClrLst/>
+    <dgm:txLinClrLst/>
+    <dgm:txFillClrLst meth="repeat">
+      <a:schemeClr val="tx1"/>
+    </dgm:txFillClrLst>
+    <dgm:txEffectClrLst/>
+  </dgm:styleLbl>
+  <dgm:styleLbl name="parChTrans1D2">
+    <dgm:fillClrLst meth="repeat">
+      <a:schemeClr val="accent1"/>
+    </dgm:fillClrLst>
+    <dgm:linClrLst meth="repeat">
+      <a:schemeClr val="accent1">
+        <a:shade val="60000"/>
+      </a:schemeClr>
+    </dgm:linClrLst>
+    <dgm:effectClrLst/>
+    <dgm:txLinClrLst/>
+    <dgm:txFillClrLst meth="repeat">
+      <a:schemeClr val="tx1"/>
+    </dgm:txFillClrLst>
+    <dgm:txEffectClrLst/>
+  </dgm:styleLbl>
+  <dgm:styleLbl name="parChTrans1D3">
+    <dgm:fillClrLst meth="repeat">
+      <a:schemeClr val="accent1"/>
+    </dgm:fillClrLst>
+    <dgm:linClrLst meth="repeat">
+      <a:schemeClr val="accent1">
+        <a:shade val="80000"/>
+      </a:schemeClr>
+    </dgm:linClrLst>
+    <dgm:effectClrLst/>
+    <dgm:txLinClrLst/>
+    <dgm:txFillClrLst meth="repeat">
+      <a:schemeClr val="tx1"/>
+    </dgm:txFillClrLst>
+    <dgm:txEffectClrLst/>
+  </dgm:styleLbl>
+  <dgm:styleLbl name="parChTrans1D4">
+    <dgm:fillClrLst meth="repeat">
+      <a:schemeClr val="accent1"/>
+    </dgm:fillClrLst>
+    <dgm:linClrLst meth="repeat">
+      <a:schemeClr val="accent1">
+        <a:shade val="80000"/>
+      </a:schemeClr>
+    </dgm:linClrLst>
+    <dgm:effectClrLst/>
+    <dgm:txLinClrLst/>
+    <dgm:txFillClrLst meth="repeat">
+      <a:schemeClr val="tx1"/>
+    </dgm:txFillClrLst>
+    <dgm:txEffectClrLst/>
+  </dgm:styleLbl>
+  <dgm:styleLbl name="fgAcc1">
+    <dgm:fillClrLst meth="repeat">
+      <a:schemeClr val="lt1">
+        <a:alpha val="90000"/>
+      </a:schemeClr>
+    </dgm:fillClrLst>
+    <dgm:linClrLst meth="repeat">
+      <a:schemeClr val="accent1"/>
+    </dgm:linClrLst>
+    <dgm:effectClrLst/>
+    <dgm:txLinClrLst/>
+    <dgm:txFillClrLst meth="repeat">
+      <a:schemeClr val="dk1"/>
+    </dgm:txFillClrLst>
+    <dgm:txEffectClrLst/>
+  </dgm:styleLbl>
+  <dgm:styleLbl name="conFgAcc1">
+    <dgm:fillClrLst meth="repeat">
+      <a:schemeClr val="lt1">
+        <a:alpha val="90000"/>
+      </a:schemeClr>
+    </dgm:fillClrLst>
+    <dgm:linClrLst meth="repeat">
+      <a:schemeClr val="accent1"/>
+    </dgm:linClrLst>
+    <dgm:effectClrLst/>
+    <dgm:txLinClrLst/>
+    <dgm:txFillClrLst meth="repeat">
+      <a:schemeClr val="dk1"/>
+    </dgm:txFillClrLst>
+    <dgm:txEffectClrLst/>
+  </dgm:styleLbl>
+  <dgm:styleLbl name="alignAcc1">
+    <dgm:fillClrLst meth="repeat">
+      <a:schemeClr val="lt1">
+        <a:alpha val="90000"/>
+      </a:schemeClr>
+    </dgm:fillClrLst>
+    <dgm:linClrLst meth="repeat">
+      <a:schemeClr val="accent1"/>
+    </dgm:linClrLst>
+    <dgm:effectClrLst/>
+    <dgm:txLinClrLst/>
+    <dgm:txFillClrLst meth="repeat">
+      <a:schemeClr val="dk1"/>
+    </dgm:txFillClrLst>
+    <dgm:txEffectClrLst/>
+  </dgm:styleLbl>
+  <dgm:styleLbl name="trAlignAcc1">
+    <dgm:fillClrLst meth="repeat">
+      <a:schemeClr val="lt1">
+        <a:alpha val="40000"/>
+      </a:schemeClr>
+    </dgm:fillClrLst>
+    <dgm:linClrLst meth="repeat">
+      <a:schemeClr val="accent1"/>
+    </dgm:linClrLst>
+    <dgm:effectClrLst/>
+    <dgm:txLinClrLst/>
+    <dgm:txFillClrLst meth="repeat">
+      <a:schemeClr val="dk1"/>
+    </dgm:txFillClrLst>
+    <dgm:txEffectClrLst/>
+  </dgm:styleLbl>
+  <dgm:styleLbl name="bgAcc1">
+    <dgm:fillClrLst meth="repeat">
+      <a:schemeClr val="lt1">
+        <a:alpha val="90000"/>
+      </a:schemeClr>
+    </dgm:fillClrLst>
+    <dgm:linClrLst meth="repeat">
+      <a:schemeClr val="accent1"/>
+    </dgm:linClrLst>
+    <dgm:effectClrLst/>
+    <dgm:txLinClrLst/>
+    <dgm:txFillClrLst meth="repeat">
+      <a:schemeClr val="dk1"/>
+    </dgm:txFillClrLst>
+    <dgm:txEffectClrLst/>
+  </dgm:styleLbl>
+  <dgm:styleLbl name="solidFgAcc1">
+    <dgm:fillClrLst meth="repeat">
+      <a:schemeClr val="lt1"/>
+    </dgm:fillClrLst>
+    <dgm:linClrLst meth="repeat">
+      <a:schemeClr val="accent1"/>
+    </dgm:linClrLst>
+    <dgm:effectClrLst/>
+    <dgm:txLinClrLst/>
+    <dgm:txFillClrLst meth="repeat">
+      <a:schemeClr val="dk1"/>
+    </dgm:txFillClrLst>
+    <dgm:txEffectClrLst/>
+  </dgm:styleLbl>
+  <dgm:styleLbl name="solidAlignAcc1">
+    <dgm:fillClrLst meth="repeat">
+      <a:schemeClr val="lt1"/>
+    </dgm:fillClrLst>
+    <dgm:linClrLst meth="repeat">
+      <a:schemeClr val="accent1"/>
+    </dgm:linClrLst>
+    <dgm:effectClrLst/>
+    <dgm:txLinClrLst/>
+    <dgm:txFillClrLst meth="repeat">
+      <a:schemeClr val="dk1"/>
+    </dgm:txFillClrLst>
+    <dgm:txEffectClrLst/>
+  </dgm:styleLbl>
+  <dgm:styleLbl name="solidBgAcc1">
+    <dgm:fillClrLst meth="repeat">
+      <a:schemeClr val="lt1"/>
+    </dgm:fillClrLst>
+    <dgm:linClrLst meth="repeat">
+      <a:schemeClr val="accent1"/>
+    </dgm:linClrLst>
+    <dgm:effectClrLst/>
+    <dgm:txLinClrLst/>
+    <dgm:txFillClrLst meth="repeat">
+      <a:schemeClr val="dk1"/>
+    </dgm:txFillClrLst>
+    <dgm:txEffectClrLst/>
+  </dgm:styleLbl>
+  <dgm:styleLbl name="fgAccFollowNode1">
+    <dgm:fillClrLst meth="repeat">
+      <a:schemeClr val="accent1">
+        <a:alpha val="90000"/>
+        <a:tint val="40000"/>
+      </a:schemeClr>
+    </dgm:fillClrLst>
+    <dgm:linClrLst meth="repeat">
+      <a:schemeClr val="accent1">
+        <a:alpha val="90000"/>
+        <a:tint val="40000"/>
+      </a:schemeClr>
+    </dgm:linClrLst>
+    <dgm:effectClrLst/>
+    <dgm:txLinClrLst/>
+    <dgm:txFillClrLst meth="repeat">
+      <a:schemeClr val="dk1"/>
+    </dgm:txFillClrLst>
+    <dgm:txEffectClrLst/>
+  </dgm:styleLbl>
+  <dgm:styleLbl name="alignAccFollowNode1">
+    <dgm:fillClrLst meth="repeat">
+      <a:schemeClr val="accent1">
+        <a:alpha val="90000"/>
+        <a:tint val="40000"/>
+      </a:schemeClr>
+    </dgm:fillClrLst>
+    <dgm:linClrLst meth="repeat">
+      <a:schemeClr val="accent1">
+        <a:alpha val="90000"/>
+        <a:tint val="40000"/>
+      </a:schemeClr>
+    </dgm:linClrLst>
+    <dgm:effectClrLst/>
+    <dgm:txLinClrLst/>
+    <dgm:txFillClrLst meth="repeat">
+      <a:schemeClr val="dk1"/>
+    </dgm:txFillClrLst>
+    <dgm:txEffectClrLst/>
+  </dgm:styleLbl>
+  <dgm:styleLbl name="bgAccFollowNode1">
+    <dgm:fillClrLst meth="repeat">
+      <a:schemeClr val="accent1">
+        <a:alpha val="90000"/>
+        <a:tint val="40000"/>
+      </a:schemeClr>
+    </dgm:fillClrLst>
+    <dgm:linClrLst meth="repeat">
+      <a:schemeClr val="accent1">
+        <a:alpha val="90000"/>
+        <a:tint val="40000"/>
+      </a:schemeClr>
+    </dgm:linClrLst>
+    <dgm:effectClrLst/>
+    <dgm:txLinClrLst/>
+    <dgm:txFillClrLst meth="repeat">
+      <a:schemeClr val="dk1"/>
+    </dgm:txFillClrLst>
+    <dgm:txEffectClrLst/>
+  </dgm:styleLbl>
+  <dgm:styleLbl name="fgAcc0">
+    <dgm:fillClrLst meth="repeat">
+      <a:schemeClr val="lt1">
+        <a:alpha val="90000"/>
+      </a:schemeClr>
+    </dgm:fillClrLst>
+    <dgm:linClrLst meth="repeat">
+      <a:schemeClr val="accent1"/>
+    </dgm:linClrLst>
+    <dgm:effectClrLst/>
+    <dgm:txLinClrLst/>
+    <dgm:txFillClrLst meth="repeat">
+      <a:schemeClr val="dk1"/>
+    </dgm:txFillClrLst>
+    <dgm:txEffectClrLst/>
+  </dgm:styleLbl>
+  <dgm:styleLbl name="fgAcc2">
+    <dgm:fillClrLst meth="repeat">
+      <a:schemeClr val="lt1">
+        <a:alpha val="90000"/>
+      </a:schemeClr>
+    </dgm:fillClrLst>
+    <dgm:linClrLst meth="repeat">
+      <a:schemeClr val="accent1"/>
+    </dgm:linClrLst>
+    <dgm:effectClrLst/>
+    <dgm:txLinClrLst/>
+    <dgm:txFillClrLst meth="repeat">
+      <a:schemeClr val="dk1"/>
+    </dgm:txFillClrLst>
+    <dgm:txEffectClrLst/>
+  </dgm:styleLbl>
+  <dgm:styleLbl name="fgAcc3">
+    <dgm:fillClrLst meth="repeat">
+      <a:schemeClr val="lt1">
+        <a:alpha val="90000"/>
+      </a:schemeClr>
+    </dgm:fillClrLst>
+    <dgm:linClrLst meth="repeat">
+      <a:schemeClr val="accent1"/>
+    </dgm:linClrLst>
+    <dgm:effectClrLst/>
+    <dgm:txLinClrLst/>
+    <dgm:txFillClrLst meth="repeat">
+      <a:schemeClr val="dk1"/>
+    </dgm:txFillClrLst>
+    <dgm:txEffectClrLst/>
+  </dgm:styleLbl>
+  <dgm:styleLbl name="fgAcc4">
+    <dgm:fillClrLst meth="repeat">
+      <a:schemeClr val="lt1">
+        <a:alpha val="90000"/>
+      </a:schemeClr>
+    </dgm:fillClrLst>
+    <dgm:linClrLst meth="repeat">
+      <a:schemeClr val="accent1"/>
+    </dgm:linClrLst>
+    <dgm:effectClrLst/>
+    <dgm:txLinClrLst/>
+    <dgm:txFillClrLst meth="repeat">
+      <a:schemeClr val="dk1"/>
+    </dgm:txFillClrLst>
+    <dgm:txEffectClrLst/>
+  </dgm:styleLbl>
+  <dgm:styleLbl name="bgShp">
+    <dgm:fillClrLst meth="repeat">
+      <a:schemeClr val="accent1">
+        <a:tint val="40000"/>
+      </a:schemeClr>
+    </dgm:fillClrLst>
+    <dgm:linClrLst meth="repeat">
+      <a:schemeClr val="accent1"/>
+    </dgm:linClrLst>
+    <dgm:effectClrLst/>
+    <dgm:txLinClrLst/>
+    <dgm:txFillClrLst meth="repeat">
+      <a:schemeClr val="dk1"/>
+    </dgm:txFillClrLst>
+    <dgm:txEffectClrLst/>
+  </dgm:styleLbl>
+  <dgm:styleLbl name="dkBgShp">
+    <dgm:fillClrLst meth="repeat">
+      <a:schemeClr val="accent1">
+        <a:shade val="80000"/>
+      </a:schemeClr>
+    </dgm:fillClrLst>
+    <dgm:linClrLst meth="repeat">
+      <a:schemeClr val="accent1"/>
+    </dgm:linClrLst>
+    <dgm:effectClrLst/>
+    <dgm:txLinClrLst/>
+    <dgm:txFillClrLst meth="repeat">
+      <a:schemeClr val="lt1"/>
+    </dgm:txFillClrLst>
+    <dgm:txEffectClrLst/>
+  </dgm:styleLbl>
+  <dgm:styleLbl name="trBgShp">
+    <dgm:fillClrLst meth="repeat">
+      <a:schemeClr val="accent1">
+        <a:tint val="50000"/>
+        <a:alpha val="40000"/>
+      </a:schemeClr>
+    </dgm:fillClrLst>
+    <dgm:linClrLst meth="repeat">
+      <a:schemeClr val="accent1"/>
+    </dgm:linClrLst>
+    <dgm:effectClrLst/>
+    <dgm:txLinClrLst/>
+    <dgm:txFillClrLst meth="repeat">
+      <a:schemeClr val="lt1"/>
+    </dgm:txFillClrLst>
+    <dgm:txEffectClrLst/>
+  </dgm:styleLbl>
+  <dgm:styleLbl name="fgShp">
+    <dgm:fillClrLst meth="repeat">
+      <a:schemeClr val="accent1">
+        <a:tint val="60000"/>
+      </a:schemeClr>
+    </dgm:fillClrLst>
+    <dgm:linClrLst meth="repeat">
+      <a:schemeClr val="lt1"/>
+    </dgm:linClrLst>
+    <dgm:effectClrLst/>
+    <dgm:txLinClrLst/>
+    <dgm:txFillClrLst meth="repeat">
+      <a:schemeClr val="dk1"/>
+    </dgm:txFillClrLst>
+    <dgm:txEffectClrLst/>
+  </dgm:styleLbl>
+  <dgm:styleLbl name="revTx">
+    <dgm:fillClrLst meth="repeat">
+      <a:schemeClr val="lt1">
+        <a:alpha val="0"/>
+      </a:schemeClr>
+    </dgm:fillClrLst>
+    <dgm:linClrLst meth="repeat">
+      <a:schemeClr val="dk1">
+        <a:alpha val="0"/>
+      </a:schemeClr>
+    </dgm:linClrLst>
+    <dgm:effectClrLst/>
+    <dgm:txLinClrLst/>
+    <dgm:txFillClrLst meth="repeat">
+      <a:schemeClr val="tx1"/>
+    </dgm:txFillClrLst>
+    <dgm:txEffectClrLst/>
+  </dgm:styleLbl>
+</dgm:colorsDef>
+</file>
+
 <file path=ppt/diagrams/data1.xml><?xml version="1.0" encoding="utf-8"?>
 <dgm:dataModel xmlns:dgm="http://schemas.openxmlformats.org/drawingml/2006/diagram" xmlns:a="http://schemas.openxmlformats.org/drawingml/2006/main">
   <dgm:ptLst>
@@ -8334,6 +9086,144 @@
     <dgm:cxn modelId="{4CAE5B42-C677-40B4-9986-649866E81DA0}" type="presParOf" srcId="{A1F1B5C0-E292-45A9-A5A5-993CA8940EEA}" destId="{89D05253-DBB1-49CD-BC49-7C0C2FFE348F}" srcOrd="2" destOrd="0" presId="urn:microsoft.com/office/officeart/2005/8/layout/hProcess9"/>
     <dgm:cxn modelId="{CB38C32C-5CCF-4790-BF8E-D4049005546A}" type="presParOf" srcId="{A1F1B5C0-E292-45A9-A5A5-993CA8940EEA}" destId="{FB9C56C6-BACF-485B-BB55-E98A21E86CF3}" srcOrd="3" destOrd="0" presId="urn:microsoft.com/office/officeart/2005/8/layout/hProcess9"/>
     <dgm:cxn modelId="{9CD0954A-C422-4D8A-AE1F-AEBAFC23EBFF}" type="presParOf" srcId="{A1F1B5C0-E292-45A9-A5A5-993CA8940EEA}" destId="{67D6D8A1-AC98-42BE-9231-4CEF7C6AFB6E}" srcOrd="4" destOrd="0" presId="urn:microsoft.com/office/officeart/2005/8/layout/hProcess9"/>
+  </dgm:cxnLst>
+  <dgm:bg/>
+  <dgm:whole/>
+  <dgm:extLst>
+    <a:ext uri="http://schemas.microsoft.com/office/drawing/2008/diagram">
+      <dsp:dataModelExt xmlns:dsp="http://schemas.microsoft.com/office/drawing/2008/diagram" relId="rId6" minVer="http://schemas.openxmlformats.org/drawingml/2006/diagram"/>
+    </a:ext>
+  </dgm:extLst>
+</dgm:dataModel>
+</file>
+
+<file path=ppt/diagrams/data7.xml><?xml version="1.0" encoding="utf-8"?>
+<dgm:dataModel xmlns:dgm="http://schemas.openxmlformats.org/drawingml/2006/diagram" xmlns:a="http://schemas.openxmlformats.org/drawingml/2006/main">
+  <dgm:ptLst>
+    <dgm:pt modelId="{D4EF05D3-3CF9-45B1-A536-B853B8C60406}" type="doc">
+      <dgm:prSet loTypeId="urn:microsoft.com/office/officeart/2005/8/layout/default" loCatId="list" qsTypeId="urn:microsoft.com/office/officeart/2005/8/quickstyle/simple1" qsCatId="simple" csTypeId="urn:microsoft.com/office/officeart/2005/8/colors/accent1_2" csCatId="accent1" phldr="1"/>
+      <dgm:spPr/>
+      <dgm:t>
+        <a:bodyPr/>
+        <a:lstStyle/>
+        <a:p>
+          <a:endParaRPr kumimoji="1" lang="ja-JP" altLang="en-US"/>
+        </a:p>
+      </dgm:t>
+    </dgm:pt>
+    <dgm:pt modelId="{79082DB5-1807-47DB-9998-B509C45D6EC3}">
+      <dgm:prSet phldrT="[テキスト]"/>
+      <dgm:spPr/>
+      <dgm:t>
+        <a:bodyPr/>
+        <a:lstStyle/>
+        <a:p>
+          <a:r>
+            <a:rPr lang="ja-JP" altLang="en-US" b="1" i="0" u="none" dirty="0"/>
+            <a:t>質問を繰り返し、さらにプログラミングの知識を深める</a:t>
+          </a:r>
+          <a:endParaRPr kumimoji="1" lang="ja-JP" altLang="en-US" dirty="0"/>
+        </a:p>
+      </dgm:t>
+    </dgm:pt>
+    <dgm:pt modelId="{D0098086-13A3-481B-B67F-7AD4AF79A6EC}" type="parTrans" cxnId="{866EDFD0-F4AE-4C09-8875-9C90B060DC2B}">
+      <dgm:prSet/>
+      <dgm:spPr/>
+      <dgm:t>
+        <a:bodyPr/>
+        <a:lstStyle/>
+        <a:p>
+          <a:endParaRPr kumimoji="1" lang="ja-JP" altLang="en-US"/>
+        </a:p>
+      </dgm:t>
+    </dgm:pt>
+    <dgm:pt modelId="{CA3F99DF-4DF7-46BA-A951-75BA3EBC2947}" type="sibTrans" cxnId="{866EDFD0-F4AE-4C09-8875-9C90B060DC2B}">
+      <dgm:prSet/>
+      <dgm:spPr/>
+      <dgm:t>
+        <a:bodyPr/>
+        <a:lstStyle/>
+        <a:p>
+          <a:endParaRPr kumimoji="1" lang="ja-JP" altLang="en-US"/>
+        </a:p>
+      </dgm:t>
+    </dgm:pt>
+    <dgm:pt modelId="{6BA22888-D26F-4A2A-986C-A87C16BF71A2}">
+      <dgm:prSet phldrT="[テキスト]"/>
+      <dgm:spPr/>
+      <dgm:t>
+        <a:bodyPr/>
+        <a:lstStyle/>
+        <a:p>
+          <a:r>
+            <a:rPr lang="ja-JP" altLang="en-US" b="1" i="0" u="none" dirty="0"/>
+            <a:t>作業を細分化し、時間を決めることで、作業の遅延になる前に先輩に言えるような状態</a:t>
+          </a:r>
+          <a:endParaRPr kumimoji="1" lang="ja-JP" altLang="en-US" dirty="0"/>
+        </a:p>
+      </dgm:t>
+    </dgm:pt>
+    <dgm:pt modelId="{8F7E06D1-7DE5-4DA7-BD05-0B6FDC11D038}" type="parTrans" cxnId="{9D154F45-9A81-4D2F-95CA-9808AE84A341}">
+      <dgm:prSet/>
+      <dgm:spPr/>
+      <dgm:t>
+        <a:bodyPr/>
+        <a:lstStyle/>
+        <a:p>
+          <a:endParaRPr kumimoji="1" lang="ja-JP" altLang="en-US"/>
+        </a:p>
+      </dgm:t>
+    </dgm:pt>
+    <dgm:pt modelId="{82F45655-8F0D-40DF-B532-273D155FAB7E}" type="sibTrans" cxnId="{9D154F45-9A81-4D2F-95CA-9808AE84A341}">
+      <dgm:prSet/>
+      <dgm:spPr/>
+      <dgm:t>
+        <a:bodyPr/>
+        <a:lstStyle/>
+        <a:p>
+          <a:endParaRPr kumimoji="1" lang="ja-JP" altLang="en-US"/>
+        </a:p>
+      </dgm:t>
+    </dgm:pt>
+    <dgm:pt modelId="{9E38113E-7F23-4495-9E59-E0A470729C01}" type="pres">
+      <dgm:prSet presAssocID="{D4EF05D3-3CF9-45B1-A536-B853B8C60406}" presName="diagram" presStyleCnt="0">
+        <dgm:presLayoutVars>
+          <dgm:dir/>
+          <dgm:resizeHandles val="exact"/>
+        </dgm:presLayoutVars>
+      </dgm:prSet>
+      <dgm:spPr/>
+    </dgm:pt>
+    <dgm:pt modelId="{7B7F9094-C7EB-4F60-AB0B-A0ED4800ABF1}" type="pres">
+      <dgm:prSet presAssocID="{79082DB5-1807-47DB-9998-B509C45D6EC3}" presName="node" presStyleLbl="node1" presStyleIdx="0" presStyleCnt="2">
+        <dgm:presLayoutVars>
+          <dgm:bulletEnabled val="1"/>
+        </dgm:presLayoutVars>
+      </dgm:prSet>
+      <dgm:spPr/>
+    </dgm:pt>
+    <dgm:pt modelId="{3A34753A-2561-43BE-8E68-CC628A3C8DF9}" type="pres">
+      <dgm:prSet presAssocID="{CA3F99DF-4DF7-46BA-A951-75BA3EBC2947}" presName="sibTrans" presStyleCnt="0"/>
+      <dgm:spPr/>
+    </dgm:pt>
+    <dgm:pt modelId="{36F8155A-2173-493F-9FF1-9C1B128BA7A1}" type="pres">
+      <dgm:prSet presAssocID="{6BA22888-D26F-4A2A-986C-A87C16BF71A2}" presName="node" presStyleLbl="node1" presStyleIdx="1" presStyleCnt="2">
+        <dgm:presLayoutVars>
+          <dgm:bulletEnabled val="1"/>
+        </dgm:presLayoutVars>
+      </dgm:prSet>
+      <dgm:spPr/>
+    </dgm:pt>
+  </dgm:ptLst>
+  <dgm:cxnLst>
+    <dgm:cxn modelId="{50E7111B-8814-4991-A477-08043CE2072C}" type="presOf" srcId="{79082DB5-1807-47DB-9998-B509C45D6EC3}" destId="{7B7F9094-C7EB-4F60-AB0B-A0ED4800ABF1}" srcOrd="0" destOrd="0" presId="urn:microsoft.com/office/officeart/2005/8/layout/default"/>
+    <dgm:cxn modelId="{6D988A38-D681-47A0-87CA-706686CFA2ED}" type="presOf" srcId="{6BA22888-D26F-4A2A-986C-A87C16BF71A2}" destId="{36F8155A-2173-493F-9FF1-9C1B128BA7A1}" srcOrd="0" destOrd="0" presId="urn:microsoft.com/office/officeart/2005/8/layout/default"/>
+    <dgm:cxn modelId="{9D154F45-9A81-4D2F-95CA-9808AE84A341}" srcId="{D4EF05D3-3CF9-45B1-A536-B853B8C60406}" destId="{6BA22888-D26F-4A2A-986C-A87C16BF71A2}" srcOrd="1" destOrd="0" parTransId="{8F7E06D1-7DE5-4DA7-BD05-0B6FDC11D038}" sibTransId="{82F45655-8F0D-40DF-B532-273D155FAB7E}"/>
+    <dgm:cxn modelId="{084C7F54-4E64-47FE-AC51-5C93F704A92E}" type="presOf" srcId="{D4EF05D3-3CF9-45B1-A536-B853B8C60406}" destId="{9E38113E-7F23-4495-9E59-E0A470729C01}" srcOrd="0" destOrd="0" presId="urn:microsoft.com/office/officeart/2005/8/layout/default"/>
+    <dgm:cxn modelId="{866EDFD0-F4AE-4C09-8875-9C90B060DC2B}" srcId="{D4EF05D3-3CF9-45B1-A536-B853B8C60406}" destId="{79082DB5-1807-47DB-9998-B509C45D6EC3}" srcOrd="0" destOrd="0" parTransId="{D0098086-13A3-481B-B67F-7AD4AF79A6EC}" sibTransId="{CA3F99DF-4DF7-46BA-A951-75BA3EBC2947}"/>
+    <dgm:cxn modelId="{A341CC78-68A9-471F-B8D5-905056803625}" type="presParOf" srcId="{9E38113E-7F23-4495-9E59-E0A470729C01}" destId="{7B7F9094-C7EB-4F60-AB0B-A0ED4800ABF1}" srcOrd="0" destOrd="0" presId="urn:microsoft.com/office/officeart/2005/8/layout/default"/>
+    <dgm:cxn modelId="{14F45CB7-D152-4FE8-82AA-BBCDFBFA7B9B}" type="presParOf" srcId="{9E38113E-7F23-4495-9E59-E0A470729C01}" destId="{3A34753A-2561-43BE-8E68-CC628A3C8DF9}" srcOrd="1" destOrd="0" presId="urn:microsoft.com/office/officeart/2005/8/layout/default"/>
+    <dgm:cxn modelId="{EAB5FC2D-E90D-4775-ACFD-707E12836D1D}" type="presParOf" srcId="{9E38113E-7F23-4495-9E59-E0A470729C01}" destId="{36F8155A-2173-493F-9FF1-9C1B128BA7A1}" srcOrd="2" destOrd="0" presId="urn:microsoft.com/office/officeart/2005/8/layout/default"/>
   </dgm:cxnLst>
   <dgm:bg/>
   <dgm:whole/>
@@ -12367,6 +13257,176 @@
 </dsp:drawing>
 </file>
 
+<file path=ppt/diagrams/drawing7.xml><?xml version="1.0" encoding="utf-8"?>
+<dsp:drawing xmlns:dgm="http://schemas.openxmlformats.org/drawingml/2006/diagram" xmlns:dsp="http://schemas.microsoft.com/office/drawing/2008/diagram" xmlns:a="http://schemas.openxmlformats.org/drawingml/2006/main">
+  <dsp:spTree>
+    <dsp:nvGrpSpPr>
+      <dsp:cNvPr id="0" name=""/>
+      <dsp:cNvGrpSpPr/>
+    </dsp:nvGrpSpPr>
+    <dsp:grpSpPr/>
+    <dsp:sp modelId="{7B7F9094-C7EB-4F60-AB0B-A0ED4800ABF1}">
+      <dsp:nvSpPr>
+        <dsp:cNvPr id="0" name=""/>
+        <dsp:cNvSpPr/>
+      </dsp:nvSpPr>
+      <dsp:spPr>
+        <a:xfrm>
+          <a:off x="1305" y="291452"/>
+          <a:ext cx="5090096" cy="3054057"/>
+        </a:xfrm>
+        <a:prstGeom prst="rect">
+          <a:avLst/>
+        </a:prstGeom>
+        <a:solidFill>
+          <a:schemeClr val="accent1">
+            <a:hueOff val="0"/>
+            <a:satOff val="0"/>
+            <a:lumOff val="0"/>
+            <a:alphaOff val="0"/>
+          </a:schemeClr>
+        </a:solidFill>
+        <a:ln w="12700" cap="flat" cmpd="sng" algn="ctr">
+          <a:solidFill>
+            <a:schemeClr val="lt1">
+              <a:hueOff val="0"/>
+              <a:satOff val="0"/>
+              <a:lumOff val="0"/>
+              <a:alphaOff val="0"/>
+            </a:schemeClr>
+          </a:solidFill>
+          <a:prstDash val="solid"/>
+          <a:miter lim="800000"/>
+        </a:ln>
+        <a:effectLst/>
+      </dsp:spPr>
+      <dsp:style>
+        <a:lnRef idx="2">
+          <a:scrgbClr r="0" g="0" b="0"/>
+        </a:lnRef>
+        <a:fillRef idx="1">
+          <a:scrgbClr r="0" g="0" b="0"/>
+        </a:fillRef>
+        <a:effectRef idx="0">
+          <a:scrgbClr r="0" g="0" b="0"/>
+        </a:effectRef>
+        <a:fontRef idx="minor">
+          <a:schemeClr val="lt1"/>
+        </a:fontRef>
+      </dsp:style>
+      <dsp:txBody>
+        <a:bodyPr spcFirstLastPara="0" vert="horz" wrap="square" lIns="137160" tIns="137160" rIns="137160" bIns="137160" numCol="1" spcCol="1270" anchor="ctr" anchorCtr="0">
+          <a:noAutofit/>
+        </a:bodyPr>
+        <a:lstStyle/>
+        <a:p>
+          <a:pPr marL="0" lvl="0" indent="0" algn="ctr" defTabSz="1600200">
+            <a:lnSpc>
+              <a:spcPct val="90000"/>
+            </a:lnSpc>
+            <a:spcBef>
+              <a:spcPct val="0"/>
+            </a:spcBef>
+            <a:spcAft>
+              <a:spcPct val="35000"/>
+            </a:spcAft>
+            <a:buNone/>
+          </a:pPr>
+          <a:r>
+            <a:rPr lang="ja-JP" altLang="en-US" sz="3600" b="1" i="0" u="none" kern="1200" dirty="0"/>
+            <a:t>質問を繰り返し、さらにプログラミングの知識を深める</a:t>
+          </a:r>
+          <a:endParaRPr kumimoji="1" lang="ja-JP" altLang="en-US" sz="3600" kern="1200" dirty="0"/>
+        </a:p>
+      </dsp:txBody>
+      <dsp:txXfrm>
+        <a:off x="1305" y="291452"/>
+        <a:ext cx="5090096" cy="3054057"/>
+      </dsp:txXfrm>
+    </dsp:sp>
+    <dsp:sp modelId="{36F8155A-2173-493F-9FF1-9C1B128BA7A1}">
+      <dsp:nvSpPr>
+        <dsp:cNvPr id="0" name=""/>
+        <dsp:cNvSpPr/>
+      </dsp:nvSpPr>
+      <dsp:spPr>
+        <a:xfrm>
+          <a:off x="5600410" y="291452"/>
+          <a:ext cx="5090096" cy="3054057"/>
+        </a:xfrm>
+        <a:prstGeom prst="rect">
+          <a:avLst/>
+        </a:prstGeom>
+        <a:solidFill>
+          <a:schemeClr val="accent1">
+            <a:hueOff val="0"/>
+            <a:satOff val="0"/>
+            <a:lumOff val="0"/>
+            <a:alphaOff val="0"/>
+          </a:schemeClr>
+        </a:solidFill>
+        <a:ln w="12700" cap="flat" cmpd="sng" algn="ctr">
+          <a:solidFill>
+            <a:schemeClr val="lt1">
+              <a:hueOff val="0"/>
+              <a:satOff val="0"/>
+              <a:lumOff val="0"/>
+              <a:alphaOff val="0"/>
+            </a:schemeClr>
+          </a:solidFill>
+          <a:prstDash val="solid"/>
+          <a:miter lim="800000"/>
+        </a:ln>
+        <a:effectLst/>
+      </dsp:spPr>
+      <dsp:style>
+        <a:lnRef idx="2">
+          <a:scrgbClr r="0" g="0" b="0"/>
+        </a:lnRef>
+        <a:fillRef idx="1">
+          <a:scrgbClr r="0" g="0" b="0"/>
+        </a:fillRef>
+        <a:effectRef idx="0">
+          <a:scrgbClr r="0" g="0" b="0"/>
+        </a:effectRef>
+        <a:fontRef idx="minor">
+          <a:schemeClr val="lt1"/>
+        </a:fontRef>
+      </dsp:style>
+      <dsp:txBody>
+        <a:bodyPr spcFirstLastPara="0" vert="horz" wrap="square" lIns="137160" tIns="137160" rIns="137160" bIns="137160" numCol="1" spcCol="1270" anchor="ctr" anchorCtr="0">
+          <a:noAutofit/>
+        </a:bodyPr>
+        <a:lstStyle/>
+        <a:p>
+          <a:pPr marL="0" lvl="0" indent="0" algn="ctr" defTabSz="1600200">
+            <a:lnSpc>
+              <a:spcPct val="90000"/>
+            </a:lnSpc>
+            <a:spcBef>
+              <a:spcPct val="0"/>
+            </a:spcBef>
+            <a:spcAft>
+              <a:spcPct val="35000"/>
+            </a:spcAft>
+            <a:buNone/>
+          </a:pPr>
+          <a:r>
+            <a:rPr lang="ja-JP" altLang="en-US" sz="3600" b="1" i="0" u="none" kern="1200" dirty="0"/>
+            <a:t>作業を細分化し、時間を決めることで、作業の遅延になる前に先輩に言えるような状態</a:t>
+          </a:r>
+          <a:endParaRPr kumimoji="1" lang="ja-JP" altLang="en-US" sz="3600" kern="1200" dirty="0"/>
+        </a:p>
+      </dsp:txBody>
+      <dsp:txXfrm>
+        <a:off x="5600410" y="291452"/>
+        <a:ext cx="5090096" cy="3054057"/>
+      </dsp:txXfrm>
+    </dsp:sp>
+  </dsp:spTree>
+</dsp:drawing>
+</file>
+
 <file path=ppt/diagrams/layout1.xml><?xml version="1.0" encoding="utf-8"?>
 <dgm:layoutDef xmlns:dgm="http://schemas.openxmlformats.org/drawingml/2006/diagram" xmlns:a="http://schemas.openxmlformats.org/drawingml/2006/main" uniqueId="urn:microsoft.com/office/officeart/2008/layout/VerticalAccentList">
   <dgm:title val=""/>
@@ -14186,6 +15246,153 @@
 </dgm:layoutDef>
 </file>
 
+<file path=ppt/diagrams/layout7.xml><?xml version="1.0" encoding="utf-8"?>
+<dgm:layoutDef xmlns:dgm="http://schemas.openxmlformats.org/drawingml/2006/diagram" xmlns:a="http://schemas.openxmlformats.org/drawingml/2006/main" uniqueId="urn:microsoft.com/office/officeart/2005/8/layout/default">
+  <dgm:title val=""/>
+  <dgm:desc val=""/>
+  <dgm:catLst>
+    <dgm:cat type="list" pri="400"/>
+  </dgm:catLst>
+  <dgm:sampData>
+    <dgm:dataModel>
+      <dgm:ptLst>
+        <dgm:pt modelId="0" type="doc"/>
+        <dgm:pt modelId="1">
+          <dgm:prSet phldr="1"/>
+        </dgm:pt>
+        <dgm:pt modelId="2">
+          <dgm:prSet phldr="1"/>
+        </dgm:pt>
+        <dgm:pt modelId="3">
+          <dgm:prSet phldr="1"/>
+        </dgm:pt>
+        <dgm:pt modelId="4">
+          <dgm:prSet phldr="1"/>
+        </dgm:pt>
+        <dgm:pt modelId="5">
+          <dgm:prSet phldr="1"/>
+        </dgm:pt>
+      </dgm:ptLst>
+      <dgm:cxnLst>
+        <dgm:cxn modelId="6" srcId="0" destId="1" srcOrd="0" destOrd="0"/>
+        <dgm:cxn modelId="7" srcId="0" destId="2" srcOrd="1" destOrd="0"/>
+        <dgm:cxn modelId="8" srcId="0" destId="3" srcOrd="2" destOrd="0"/>
+        <dgm:cxn modelId="9" srcId="0" destId="4" srcOrd="3" destOrd="0"/>
+        <dgm:cxn modelId="10" srcId="0" destId="5" srcOrd="4" destOrd="0"/>
+      </dgm:cxnLst>
+      <dgm:bg/>
+      <dgm:whole/>
+    </dgm:dataModel>
+  </dgm:sampData>
+  <dgm:styleData>
+    <dgm:dataModel>
+      <dgm:ptLst>
+        <dgm:pt modelId="0" type="doc"/>
+        <dgm:pt modelId="1"/>
+        <dgm:pt modelId="2"/>
+      </dgm:ptLst>
+      <dgm:cxnLst>
+        <dgm:cxn modelId="3" srcId="0" destId="1" srcOrd="0" destOrd="0"/>
+        <dgm:cxn modelId="4" srcId="0" destId="2" srcOrd="1" destOrd="0"/>
+      </dgm:cxnLst>
+      <dgm:bg/>
+      <dgm:whole/>
+    </dgm:dataModel>
+  </dgm:styleData>
+  <dgm:clrData>
+    <dgm:dataModel>
+      <dgm:ptLst>
+        <dgm:pt modelId="0" type="doc"/>
+        <dgm:pt modelId="1"/>
+        <dgm:pt modelId="2"/>
+        <dgm:pt modelId="3"/>
+        <dgm:pt modelId="4"/>
+        <dgm:pt modelId="5"/>
+        <dgm:pt modelId="6"/>
+      </dgm:ptLst>
+      <dgm:cxnLst>
+        <dgm:cxn modelId="7" srcId="0" destId="1" srcOrd="0" destOrd="0"/>
+        <dgm:cxn modelId="8" srcId="0" destId="2" srcOrd="1" destOrd="0"/>
+        <dgm:cxn modelId="9" srcId="0" destId="3" srcOrd="2" destOrd="0"/>
+        <dgm:cxn modelId="10" srcId="0" destId="4" srcOrd="3" destOrd="0"/>
+        <dgm:cxn modelId="11" srcId="0" destId="5" srcOrd="4" destOrd="0"/>
+        <dgm:cxn modelId="12" srcId="0" destId="6" srcOrd="5" destOrd="0"/>
+      </dgm:cxnLst>
+      <dgm:bg/>
+      <dgm:whole/>
+    </dgm:dataModel>
+  </dgm:clrData>
+  <dgm:layoutNode name="diagram">
+    <dgm:varLst>
+      <dgm:dir/>
+      <dgm:resizeHandles val="exact"/>
+    </dgm:varLst>
+    <dgm:choose name="Name0">
+      <dgm:if name="Name1" func="var" arg="dir" op="equ" val="norm">
+        <dgm:alg type="snake">
+          <dgm:param type="grDir" val="tL"/>
+          <dgm:param type="flowDir" val="row"/>
+          <dgm:param type="contDir" val="sameDir"/>
+          <dgm:param type="off" val="ctr"/>
+        </dgm:alg>
+      </dgm:if>
+      <dgm:else name="Name2">
+        <dgm:alg type="snake">
+          <dgm:param type="grDir" val="tR"/>
+          <dgm:param type="flowDir" val="row"/>
+          <dgm:param type="contDir" val="sameDir"/>
+          <dgm:param type="off" val="ctr"/>
+        </dgm:alg>
+      </dgm:else>
+    </dgm:choose>
+    <dgm:shape xmlns:r="http://schemas.openxmlformats.org/officeDocument/2006/relationships" r:blip="">
+      <dgm:adjLst/>
+    </dgm:shape>
+    <dgm:presOf/>
+    <dgm:constrLst>
+      <dgm:constr type="w" for="ch" forName="node" refType="w"/>
+      <dgm:constr type="h" for="ch" forName="node" refType="w" refFor="ch" refForName="node" fact="0.6"/>
+      <dgm:constr type="w" for="ch" forName="sibTrans" refType="w" refFor="ch" refForName="node" fact="0.1"/>
+      <dgm:constr type="sp" refType="w" refFor="ch" refForName="sibTrans"/>
+      <dgm:constr type="primFontSz" for="ch" forName="node" op="equ" val="65"/>
+    </dgm:constrLst>
+    <dgm:ruleLst/>
+    <dgm:forEach name="Name3" axis="ch" ptType="node">
+      <dgm:layoutNode name="node">
+        <dgm:varLst>
+          <dgm:bulletEnabled val="1"/>
+        </dgm:varLst>
+        <dgm:alg type="tx"/>
+        <dgm:shape xmlns:r="http://schemas.openxmlformats.org/officeDocument/2006/relationships" type="rect" r:blip="">
+          <dgm:adjLst/>
+        </dgm:shape>
+        <dgm:presOf axis="desOrSelf" ptType="node"/>
+        <dgm:constrLst>
+          <dgm:constr type="lMarg" refType="primFontSz" fact="0.3"/>
+          <dgm:constr type="rMarg" refType="primFontSz" fact="0.3"/>
+          <dgm:constr type="tMarg" refType="primFontSz" fact="0.3"/>
+          <dgm:constr type="bMarg" refType="primFontSz" fact="0.3"/>
+        </dgm:constrLst>
+        <dgm:ruleLst>
+          <dgm:rule type="primFontSz" val="5" fact="NaN" max="NaN"/>
+        </dgm:ruleLst>
+      </dgm:layoutNode>
+      <dgm:forEach name="Name4" axis="followSib" ptType="sibTrans" cnt="1">
+        <dgm:layoutNode name="sibTrans">
+          <dgm:alg type="sp"/>
+          <dgm:shape xmlns:r="http://schemas.openxmlformats.org/officeDocument/2006/relationships" r:blip="">
+            <dgm:adjLst/>
+          </dgm:shape>
+          <dgm:presOf/>
+          <dgm:constrLst/>
+          <dgm:ruleLst/>
+        </dgm:layoutNode>
+      </dgm:forEach>
+    </dgm:forEach>
+  </dgm:layoutNode>
+</dgm:layoutDef>
+</file>
+
 <file path=ppt/diagrams/quickStyle1.xml><?xml version="1.0" encoding="utf-8"?>
 <dgm:styleDef xmlns:dgm="http://schemas.openxmlformats.org/drawingml/2006/diagram" xmlns:a="http://schemas.openxmlformats.org/drawingml/2006/main" uniqueId="urn:microsoft.com/office/officeart/2005/8/quickstyle/simple3">
   <dgm:title val=""/>
@@ -19383,6 +20590,1040 @@
 </file>
 
 <file path=ppt/diagrams/quickStyle6.xml><?xml version="1.0" encoding="utf-8"?>
+<dgm:styleDef xmlns:dgm="http://schemas.openxmlformats.org/drawingml/2006/diagram" xmlns:a="http://schemas.openxmlformats.org/drawingml/2006/main" uniqueId="urn:microsoft.com/office/officeart/2005/8/quickstyle/simple1">
+  <dgm:title val=""/>
+  <dgm:desc val=""/>
+  <dgm:catLst>
+    <dgm:cat type="simple" pri="10100"/>
+  </dgm:catLst>
+  <dgm:scene3d>
+    <a:camera prst="orthographicFront"/>
+    <a:lightRig rig="threePt" dir="t"/>
+  </dgm:scene3d>
+  <dgm:styleLbl name="node0">
+    <dgm:scene3d>
+      <a:camera prst="orthographicFront"/>
+      <a:lightRig rig="threePt" dir="t"/>
+    </dgm:scene3d>
+    <dgm:sp3d/>
+    <dgm:txPr/>
+    <dgm:style>
+      <a:lnRef idx="2">
+        <a:scrgbClr r="0" g="0" b="0"/>
+      </a:lnRef>
+      <a:fillRef idx="1">
+        <a:scrgbClr r="0" g="0" b="0"/>
+      </a:fillRef>
+      <a:effectRef idx="0">
+        <a:scrgbClr r="0" g="0" b="0"/>
+      </a:effectRef>
+      <a:fontRef idx="minor">
+        <a:schemeClr val="lt1"/>
+      </a:fontRef>
+    </dgm:style>
+  </dgm:styleLbl>
+  <dgm:styleLbl name="lnNode1">
+    <dgm:scene3d>
+      <a:camera prst="orthographicFront"/>
+      <a:lightRig rig="threePt" dir="t"/>
+    </dgm:scene3d>
+    <dgm:sp3d/>
+    <dgm:txPr/>
+    <dgm:style>
+      <a:lnRef idx="2">
+        <a:scrgbClr r="0" g="0" b="0"/>
+      </a:lnRef>
+      <a:fillRef idx="1">
+        <a:scrgbClr r="0" g="0" b="0"/>
+      </a:fillRef>
+      <a:effectRef idx="0">
+        <a:scrgbClr r="0" g="0" b="0"/>
+      </a:effectRef>
+      <a:fontRef idx="minor">
+        <a:schemeClr val="lt1"/>
+      </a:fontRef>
+    </dgm:style>
+  </dgm:styleLbl>
+  <dgm:styleLbl name="vennNode1">
+    <dgm:scene3d>
+      <a:camera prst="orthographicFront"/>
+      <a:lightRig rig="threePt" dir="t"/>
+    </dgm:scene3d>
+    <dgm:sp3d/>
+    <dgm:txPr/>
+    <dgm:style>
+      <a:lnRef idx="2">
+        <a:scrgbClr r="0" g="0" b="0"/>
+      </a:lnRef>
+      <a:fillRef idx="1">
+        <a:scrgbClr r="0" g="0" b="0"/>
+      </a:fillRef>
+      <a:effectRef idx="0">
+        <a:scrgbClr r="0" g="0" b="0"/>
+      </a:effectRef>
+      <a:fontRef idx="minor">
+        <a:schemeClr val="tx1"/>
+      </a:fontRef>
+    </dgm:style>
+  </dgm:styleLbl>
+  <dgm:styleLbl name="alignNode1">
+    <dgm:scene3d>
+      <a:camera prst="orthographicFront"/>
+      <a:lightRig rig="threePt" dir="t"/>
+    </dgm:scene3d>
+    <dgm:sp3d/>
+    <dgm:txPr/>
+    <dgm:style>
+      <a:lnRef idx="2">
+        <a:scrgbClr r="0" g="0" b="0"/>
+      </a:lnRef>
+      <a:fillRef idx="1">
+        <a:scrgbClr r="0" g="0" b="0"/>
+      </a:fillRef>
+      <a:effectRef idx="0">
+        <a:scrgbClr r="0" g="0" b="0"/>
+      </a:effectRef>
+      <a:fontRef idx="minor">
+        <a:schemeClr val="lt1"/>
+      </a:fontRef>
+    </dgm:style>
+  </dgm:styleLbl>
+  <dgm:styleLbl name="node1">
+    <dgm:scene3d>
+      <a:camera prst="orthographicFront"/>
+      <a:lightRig rig="threePt" dir="t"/>
+    </dgm:scene3d>
+    <dgm:sp3d/>
+    <dgm:txPr/>
+    <dgm:style>
+      <a:lnRef idx="2">
+        <a:scrgbClr r="0" g="0" b="0"/>
+      </a:lnRef>
+      <a:fillRef idx="1">
+        <a:scrgbClr r="0" g="0" b="0"/>
+      </a:fillRef>
+      <a:effectRef idx="0">
+        <a:scrgbClr r="0" g="0" b="0"/>
+      </a:effectRef>
+      <a:fontRef idx="minor">
+        <a:schemeClr val="lt1"/>
+      </a:fontRef>
+    </dgm:style>
+  </dgm:styleLbl>
+  <dgm:styleLbl name="node2">
+    <dgm:scene3d>
+      <a:camera prst="orthographicFront"/>
+      <a:lightRig rig="threePt" dir="t"/>
+    </dgm:scene3d>
+    <dgm:sp3d/>
+    <dgm:txPr/>
+    <dgm:style>
+      <a:lnRef idx="2">
+        <a:scrgbClr r="0" g="0" b="0"/>
+      </a:lnRef>
+      <a:fillRef idx="1">
+        <a:scrgbClr r="0" g="0" b="0"/>
+      </a:fillRef>
+      <a:effectRef idx="0">
+        <a:scrgbClr r="0" g="0" b="0"/>
+      </a:effectRef>
+      <a:fontRef idx="minor">
+        <a:schemeClr val="lt1"/>
+      </a:fontRef>
+    </dgm:style>
+  </dgm:styleLbl>
+  <dgm:styleLbl name="node3">
+    <dgm:scene3d>
+      <a:camera prst="orthographicFront"/>
+      <a:lightRig rig="threePt" dir="t"/>
+    </dgm:scene3d>
+    <dgm:sp3d/>
+    <dgm:txPr/>
+    <dgm:style>
+      <a:lnRef idx="2">
+        <a:scrgbClr r="0" g="0" b="0"/>
+      </a:lnRef>
+      <a:fillRef idx="1">
+        <a:scrgbClr r="0" g="0" b="0"/>
+      </a:fillRef>
+      <a:effectRef idx="0">
+        <a:scrgbClr r="0" g="0" b="0"/>
+      </a:effectRef>
+      <a:fontRef idx="minor">
+        <a:schemeClr val="lt1"/>
+      </a:fontRef>
+    </dgm:style>
+  </dgm:styleLbl>
+  <dgm:styleLbl name="node4">
+    <dgm:scene3d>
+      <a:camera prst="orthographicFront"/>
+      <a:lightRig rig="threePt" dir="t"/>
+    </dgm:scene3d>
+    <dgm:sp3d/>
+    <dgm:txPr/>
+    <dgm:style>
+      <a:lnRef idx="2">
+        <a:scrgbClr r="0" g="0" b="0"/>
+      </a:lnRef>
+      <a:fillRef idx="1">
+        <a:scrgbClr r="0" g="0" b="0"/>
+      </a:fillRef>
+      <a:effectRef idx="0">
+        <a:scrgbClr r="0" g="0" b="0"/>
+      </a:effectRef>
+      <a:fontRef idx="minor">
+        <a:schemeClr val="lt1"/>
+      </a:fontRef>
+    </dgm:style>
+  </dgm:styleLbl>
+  <dgm:styleLbl name="fgImgPlace1">
+    <dgm:scene3d>
+      <a:camera prst="orthographicFront"/>
+      <a:lightRig rig="threePt" dir="t"/>
+    </dgm:scene3d>
+    <dgm:sp3d/>
+    <dgm:txPr/>
+    <dgm:style>
+      <a:lnRef idx="2">
+        <a:scrgbClr r="0" g="0" b="0"/>
+      </a:lnRef>
+      <a:fillRef idx="1">
+        <a:scrgbClr r="0" g="0" b="0"/>
+      </a:fillRef>
+      <a:effectRef idx="0">
+        <a:scrgbClr r="0" g="0" b="0"/>
+      </a:effectRef>
+      <a:fontRef idx="minor"/>
+    </dgm:style>
+  </dgm:styleLbl>
+  <dgm:styleLbl name="alignImgPlace1">
+    <dgm:scene3d>
+      <a:camera prst="orthographicFront"/>
+      <a:lightRig rig="threePt" dir="t"/>
+    </dgm:scene3d>
+    <dgm:sp3d/>
+    <dgm:txPr/>
+    <dgm:style>
+      <a:lnRef idx="2">
+        <a:scrgbClr r="0" g="0" b="0"/>
+      </a:lnRef>
+      <a:fillRef idx="1">
+        <a:scrgbClr r="0" g="0" b="0"/>
+      </a:fillRef>
+      <a:effectRef idx="0">
+        <a:scrgbClr r="0" g="0" b="0"/>
+      </a:effectRef>
+      <a:fontRef idx="minor"/>
+    </dgm:style>
+  </dgm:styleLbl>
+  <dgm:styleLbl name="bgImgPlace1">
+    <dgm:scene3d>
+      <a:camera prst="orthographicFront"/>
+      <a:lightRig rig="threePt" dir="t"/>
+    </dgm:scene3d>
+    <dgm:sp3d/>
+    <dgm:txPr/>
+    <dgm:style>
+      <a:lnRef idx="2">
+        <a:scrgbClr r="0" g="0" b="0"/>
+      </a:lnRef>
+      <a:fillRef idx="1">
+        <a:scrgbClr r="0" g="0" b="0"/>
+      </a:fillRef>
+      <a:effectRef idx="0">
+        <a:scrgbClr r="0" g="0" b="0"/>
+      </a:effectRef>
+      <a:fontRef idx="minor"/>
+    </dgm:style>
+  </dgm:styleLbl>
+  <dgm:styleLbl name="sibTrans2D1">
+    <dgm:scene3d>
+      <a:camera prst="orthographicFront"/>
+      <a:lightRig rig="threePt" dir="t"/>
+    </dgm:scene3d>
+    <dgm:sp3d/>
+    <dgm:txPr/>
+    <dgm:style>
+      <a:lnRef idx="0">
+        <a:scrgbClr r="0" g="0" b="0"/>
+      </a:lnRef>
+      <a:fillRef idx="1">
+        <a:scrgbClr r="0" g="0" b="0"/>
+      </a:fillRef>
+      <a:effectRef idx="0">
+        <a:scrgbClr r="0" g="0" b="0"/>
+      </a:effectRef>
+      <a:fontRef idx="minor">
+        <a:schemeClr val="lt1"/>
+      </a:fontRef>
+    </dgm:style>
+  </dgm:styleLbl>
+  <dgm:styleLbl name="fgSibTrans2D1">
+    <dgm:scene3d>
+      <a:camera prst="orthographicFront"/>
+      <a:lightRig rig="threePt" dir="t"/>
+    </dgm:scene3d>
+    <dgm:sp3d/>
+    <dgm:txPr/>
+    <dgm:style>
+      <a:lnRef idx="0">
+        <a:scrgbClr r="0" g="0" b="0"/>
+      </a:lnRef>
+      <a:fillRef idx="1">
+        <a:scrgbClr r="0" g="0" b="0"/>
+      </a:fillRef>
+      <a:effectRef idx="0">
+        <a:scrgbClr r="0" g="0" b="0"/>
+      </a:effectRef>
+      <a:fontRef idx="minor">
+        <a:schemeClr val="lt1"/>
+      </a:fontRef>
+    </dgm:style>
+  </dgm:styleLbl>
+  <dgm:styleLbl name="bgSibTrans2D1">
+    <dgm:scene3d>
+      <a:camera prst="orthographicFront"/>
+      <a:lightRig rig="threePt" dir="t"/>
+    </dgm:scene3d>
+    <dgm:sp3d/>
+    <dgm:txPr/>
+    <dgm:style>
+      <a:lnRef idx="0">
+        <a:scrgbClr r="0" g="0" b="0"/>
+      </a:lnRef>
+      <a:fillRef idx="1">
+        <a:scrgbClr r="0" g="0" b="0"/>
+      </a:fillRef>
+      <a:effectRef idx="0">
+        <a:scrgbClr r="0" g="0" b="0"/>
+      </a:effectRef>
+      <a:fontRef idx="minor">
+        <a:schemeClr val="lt1"/>
+      </a:fontRef>
+    </dgm:style>
+  </dgm:styleLbl>
+  <dgm:styleLbl name="sibTrans1D1">
+    <dgm:scene3d>
+      <a:camera prst="orthographicFront"/>
+      <a:lightRig rig="threePt" dir="t"/>
+    </dgm:scene3d>
+    <dgm:sp3d/>
+    <dgm:txPr/>
+    <dgm:style>
+      <a:lnRef idx="1">
+        <a:scrgbClr r="0" g="0" b="0"/>
+      </a:lnRef>
+      <a:fillRef idx="0">
+        <a:scrgbClr r="0" g="0" b="0"/>
+      </a:fillRef>
+      <a:effectRef idx="0">
+        <a:scrgbClr r="0" g="0" b="0"/>
+      </a:effectRef>
+      <a:fontRef idx="minor"/>
+    </dgm:style>
+  </dgm:styleLbl>
+  <dgm:styleLbl name="callout">
+    <dgm:scene3d>
+      <a:camera prst="orthographicFront"/>
+      <a:lightRig rig="threePt" dir="t"/>
+    </dgm:scene3d>
+    <dgm:sp3d/>
+    <dgm:txPr/>
+    <dgm:style>
+      <a:lnRef idx="2">
+        <a:scrgbClr r="0" g="0" b="0"/>
+      </a:lnRef>
+      <a:fillRef idx="1">
+        <a:scrgbClr r="0" g="0" b="0"/>
+      </a:fillRef>
+      <a:effectRef idx="0">
+        <a:scrgbClr r="0" g="0" b="0"/>
+      </a:effectRef>
+      <a:fontRef idx="minor"/>
+    </dgm:style>
+  </dgm:styleLbl>
+  <dgm:styleLbl name="asst0">
+    <dgm:scene3d>
+      <a:camera prst="orthographicFront"/>
+      <a:lightRig rig="threePt" dir="t"/>
+    </dgm:scene3d>
+    <dgm:sp3d/>
+    <dgm:txPr/>
+    <dgm:style>
+      <a:lnRef idx="2">
+        <a:scrgbClr r="0" g="0" b="0"/>
+      </a:lnRef>
+      <a:fillRef idx="1">
+        <a:scrgbClr r="0" g="0" b="0"/>
+      </a:fillRef>
+      <a:effectRef idx="0">
+        <a:scrgbClr r="0" g="0" b="0"/>
+      </a:effectRef>
+      <a:fontRef idx="minor">
+        <a:schemeClr val="lt1"/>
+      </a:fontRef>
+    </dgm:style>
+  </dgm:styleLbl>
+  <dgm:styleLbl name="asst1">
+    <dgm:scene3d>
+      <a:camera prst="orthographicFront"/>
+      <a:lightRig rig="threePt" dir="t"/>
+    </dgm:scene3d>
+    <dgm:sp3d/>
+    <dgm:txPr/>
+    <dgm:style>
+      <a:lnRef idx="2">
+        <a:scrgbClr r="0" g="0" b="0"/>
+      </a:lnRef>
+      <a:fillRef idx="1">
+        <a:scrgbClr r="0" g="0" b="0"/>
+      </a:fillRef>
+      <a:effectRef idx="0">
+        <a:scrgbClr r="0" g="0" b="0"/>
+      </a:effectRef>
+      <a:fontRef idx="minor">
+        <a:schemeClr val="lt1"/>
+      </a:fontRef>
+    </dgm:style>
+  </dgm:styleLbl>
+  <dgm:styleLbl name="asst2">
+    <dgm:scene3d>
+      <a:camera prst="orthographicFront"/>
+      <a:lightRig rig="threePt" dir="t"/>
+    </dgm:scene3d>
+    <dgm:sp3d/>
+    <dgm:txPr/>
+    <dgm:style>
+      <a:lnRef idx="2">
+        <a:scrgbClr r="0" g="0" b="0"/>
+      </a:lnRef>
+      <a:fillRef idx="1">
+        <a:scrgbClr r="0" g="0" b="0"/>
+      </a:fillRef>
+      <a:effectRef idx="0">
+        <a:scrgbClr r="0" g="0" b="0"/>
+      </a:effectRef>
+      <a:fontRef idx="minor">
+        <a:schemeClr val="lt1"/>
+      </a:fontRef>
+    </dgm:style>
+  </dgm:styleLbl>
+  <dgm:styleLbl name="asst3">
+    <dgm:scene3d>
+      <a:camera prst="orthographicFront"/>
+      <a:lightRig rig="threePt" dir="t"/>
+    </dgm:scene3d>
+    <dgm:sp3d/>
+    <dgm:txPr/>
+    <dgm:style>
+      <a:lnRef idx="2">
+        <a:scrgbClr r="0" g="0" b="0"/>
+      </a:lnRef>
+      <a:fillRef idx="1">
+        <a:scrgbClr r="0" g="0" b="0"/>
+      </a:fillRef>
+      <a:effectRef idx="0">
+        <a:scrgbClr r="0" g="0" b="0"/>
+      </a:effectRef>
+      <a:fontRef idx="minor">
+        <a:schemeClr val="lt1"/>
+      </a:fontRef>
+    </dgm:style>
+  </dgm:styleLbl>
+  <dgm:styleLbl name="asst4">
+    <dgm:scene3d>
+      <a:camera prst="orthographicFront"/>
+      <a:lightRig rig="threePt" dir="t"/>
+    </dgm:scene3d>
+    <dgm:sp3d/>
+    <dgm:txPr/>
+    <dgm:style>
+      <a:lnRef idx="2">
+        <a:scrgbClr r="0" g="0" b="0"/>
+      </a:lnRef>
+      <a:fillRef idx="1">
+        <a:scrgbClr r="0" g="0" b="0"/>
+      </a:fillRef>
+      <a:effectRef idx="0">
+        <a:scrgbClr r="0" g="0" b="0"/>
+      </a:effectRef>
+      <a:fontRef idx="minor">
+        <a:schemeClr val="lt1"/>
+      </a:fontRef>
+    </dgm:style>
+  </dgm:styleLbl>
+  <dgm:styleLbl name="parChTrans2D1">
+    <dgm:scene3d>
+      <a:camera prst="orthographicFront"/>
+      <a:lightRig rig="threePt" dir="t"/>
+    </dgm:scene3d>
+    <dgm:sp3d/>
+    <dgm:txPr/>
+    <dgm:style>
+      <a:lnRef idx="2">
+        <a:scrgbClr r="0" g="0" b="0"/>
+      </a:lnRef>
+      <a:fillRef idx="1">
+        <a:scrgbClr r="0" g="0" b="0"/>
+      </a:fillRef>
+      <a:effectRef idx="0">
+        <a:scrgbClr r="0" g="0" b="0"/>
+      </a:effectRef>
+      <a:fontRef idx="minor">
+        <a:schemeClr val="lt1"/>
+      </a:fontRef>
+    </dgm:style>
+  </dgm:styleLbl>
+  <dgm:styleLbl name="parChTrans2D2">
+    <dgm:scene3d>
+      <a:camera prst="orthographicFront"/>
+      <a:lightRig rig="threePt" dir="t"/>
+    </dgm:scene3d>
+    <dgm:sp3d/>
+    <dgm:txPr/>
+    <dgm:style>
+      <a:lnRef idx="2">
+        <a:scrgbClr r="0" g="0" b="0"/>
+      </a:lnRef>
+      <a:fillRef idx="1">
+        <a:scrgbClr r="0" g="0" b="0"/>
+      </a:fillRef>
+      <a:effectRef idx="0">
+        <a:scrgbClr r="0" g="0" b="0"/>
+      </a:effectRef>
+      <a:fontRef idx="minor">
+        <a:schemeClr val="lt1"/>
+      </a:fontRef>
+    </dgm:style>
+  </dgm:styleLbl>
+  <dgm:styleLbl name="parChTrans2D3">
+    <dgm:scene3d>
+      <a:camera prst="orthographicFront"/>
+      <a:lightRig rig="threePt" dir="t"/>
+    </dgm:scene3d>
+    <dgm:sp3d/>
+    <dgm:txPr/>
+    <dgm:style>
+      <a:lnRef idx="2">
+        <a:scrgbClr r="0" g="0" b="0"/>
+      </a:lnRef>
+      <a:fillRef idx="1">
+        <a:scrgbClr r="0" g="0" b="0"/>
+      </a:fillRef>
+      <a:effectRef idx="0">
+        <a:scrgbClr r="0" g="0" b="0"/>
+      </a:effectRef>
+      <a:fontRef idx="minor">
+        <a:schemeClr val="lt1"/>
+      </a:fontRef>
+    </dgm:style>
+  </dgm:styleLbl>
+  <dgm:styleLbl name="parChTrans2D4">
+    <dgm:scene3d>
+      <a:camera prst="orthographicFront"/>
+      <a:lightRig rig="threePt" dir="t"/>
+    </dgm:scene3d>
+    <dgm:sp3d/>
+    <dgm:txPr/>
+    <dgm:style>
+      <a:lnRef idx="2">
+        <a:scrgbClr r="0" g="0" b="0"/>
+      </a:lnRef>
+      <a:fillRef idx="1">
+        <a:scrgbClr r="0" g="0" b="0"/>
+      </a:fillRef>
+      <a:effectRef idx="0">
+        <a:scrgbClr r="0" g="0" b="0"/>
+      </a:effectRef>
+      <a:fontRef idx="minor">
+        <a:schemeClr val="lt1"/>
+      </a:fontRef>
+    </dgm:style>
+  </dgm:styleLbl>
+  <dgm:styleLbl name="parChTrans1D1">
+    <dgm:scene3d>
+      <a:camera prst="orthographicFront"/>
+      <a:lightRig rig="threePt" dir="t"/>
+    </dgm:scene3d>
+    <dgm:sp3d/>
+    <dgm:txPr/>
+    <dgm:style>
+      <a:lnRef idx="2">
+        <a:scrgbClr r="0" g="0" b="0"/>
+      </a:lnRef>
+      <a:fillRef idx="0">
+        <a:scrgbClr r="0" g="0" b="0"/>
+      </a:fillRef>
+      <a:effectRef idx="0">
+        <a:scrgbClr r="0" g="0" b="0"/>
+      </a:effectRef>
+      <a:fontRef idx="minor"/>
+    </dgm:style>
+  </dgm:styleLbl>
+  <dgm:styleLbl name="parChTrans1D2">
+    <dgm:scene3d>
+      <a:camera prst="orthographicFront"/>
+      <a:lightRig rig="threePt" dir="t"/>
+    </dgm:scene3d>
+    <dgm:sp3d/>
+    <dgm:txPr/>
+    <dgm:style>
+      <a:lnRef idx="2">
+        <a:scrgbClr r="0" g="0" b="0"/>
+      </a:lnRef>
+      <a:fillRef idx="0">
+        <a:scrgbClr r="0" g="0" b="0"/>
+      </a:fillRef>
+      <a:effectRef idx="0">
+        <a:scrgbClr r="0" g="0" b="0"/>
+      </a:effectRef>
+      <a:fontRef idx="minor"/>
+    </dgm:style>
+  </dgm:styleLbl>
+  <dgm:styleLbl name="parChTrans1D3">
+    <dgm:scene3d>
+      <a:camera prst="orthographicFront"/>
+      <a:lightRig rig="threePt" dir="t"/>
+    </dgm:scene3d>
+    <dgm:sp3d/>
+    <dgm:txPr/>
+    <dgm:style>
+      <a:lnRef idx="2">
+        <a:scrgbClr r="0" g="0" b="0"/>
+      </a:lnRef>
+      <a:fillRef idx="0">
+        <a:scrgbClr r="0" g="0" b="0"/>
+      </a:fillRef>
+      <a:effectRef idx="0">
+        <a:scrgbClr r="0" g="0" b="0"/>
+      </a:effectRef>
+      <a:fontRef idx="minor"/>
+    </dgm:style>
+  </dgm:styleLbl>
+  <dgm:styleLbl name="parChTrans1D4">
+    <dgm:scene3d>
+      <a:camera prst="orthographicFront"/>
+      <a:lightRig rig="threePt" dir="t"/>
+    </dgm:scene3d>
+    <dgm:sp3d/>
+    <dgm:txPr/>
+    <dgm:style>
+      <a:lnRef idx="2">
+        <a:scrgbClr r="0" g="0" b="0"/>
+      </a:lnRef>
+      <a:fillRef idx="0">
+        <a:scrgbClr r="0" g="0" b="0"/>
+      </a:fillRef>
+      <a:effectRef idx="0">
+        <a:scrgbClr r="0" g="0" b="0"/>
+      </a:effectRef>
+      <a:fontRef idx="minor"/>
+    </dgm:style>
+  </dgm:styleLbl>
+  <dgm:styleLbl name="fgAcc1">
+    <dgm:scene3d>
+      <a:camera prst="orthographicFront"/>
+      <a:lightRig rig="threePt" dir="t"/>
+    </dgm:scene3d>
+    <dgm:sp3d/>
+    <dgm:txPr/>
+    <dgm:style>
+      <a:lnRef idx="2">
+        <a:scrgbClr r="0" g="0" b="0"/>
+      </a:lnRef>
+      <a:fillRef idx="1">
+        <a:scrgbClr r="0" g="0" b="0"/>
+      </a:fillRef>
+      <a:effectRef idx="0">
+        <a:scrgbClr r="0" g="0" b="0"/>
+      </a:effectRef>
+      <a:fontRef idx="minor"/>
+    </dgm:style>
+  </dgm:styleLbl>
+  <dgm:styleLbl name="conFgAcc1">
+    <dgm:scene3d>
+      <a:camera prst="orthographicFront"/>
+      <a:lightRig rig="threePt" dir="t"/>
+    </dgm:scene3d>
+    <dgm:sp3d/>
+    <dgm:txPr/>
+    <dgm:style>
+      <a:lnRef idx="2">
+        <a:scrgbClr r="0" g="0" b="0"/>
+      </a:lnRef>
+      <a:fillRef idx="1">
+        <a:scrgbClr r="0" g="0" b="0"/>
+      </a:fillRef>
+      <a:effectRef idx="0">
+        <a:scrgbClr r="0" g="0" b="0"/>
+      </a:effectRef>
+      <a:fontRef idx="minor"/>
+    </dgm:style>
+  </dgm:styleLbl>
+  <dgm:styleLbl name="alignAcc1">
+    <dgm:scene3d>
+      <a:camera prst="orthographicFront"/>
+      <a:lightRig rig="threePt" dir="t"/>
+    </dgm:scene3d>
+    <dgm:sp3d/>
+    <dgm:txPr/>
+    <dgm:style>
+      <a:lnRef idx="2">
+        <a:scrgbClr r="0" g="0" b="0"/>
+      </a:lnRef>
+      <a:fillRef idx="1">
+        <a:scrgbClr r="0" g="0" b="0"/>
+      </a:fillRef>
+      <a:effectRef idx="0">
+        <a:scrgbClr r="0" g="0" b="0"/>
+      </a:effectRef>
+      <a:fontRef idx="minor"/>
+    </dgm:style>
+  </dgm:styleLbl>
+  <dgm:styleLbl name="trAlignAcc1">
+    <dgm:scene3d>
+      <a:camera prst="orthographicFront"/>
+      <a:lightRig rig="threePt" dir="t"/>
+    </dgm:scene3d>
+    <dgm:sp3d/>
+    <dgm:txPr/>
+    <dgm:style>
+      <a:lnRef idx="1">
+        <a:scrgbClr r="0" g="0" b="0"/>
+      </a:lnRef>
+      <a:fillRef idx="1">
+        <a:scrgbClr r="0" g="0" b="0"/>
+      </a:fillRef>
+      <a:effectRef idx="0">
+        <a:scrgbClr r="0" g="0" b="0"/>
+      </a:effectRef>
+      <a:fontRef idx="minor"/>
+    </dgm:style>
+  </dgm:styleLbl>
+  <dgm:styleLbl name="bgAcc1">
+    <dgm:scene3d>
+      <a:camera prst="orthographicFront"/>
+      <a:lightRig rig="threePt" dir="t"/>
+    </dgm:scene3d>
+    <dgm:sp3d/>
+    <dgm:txPr/>
+    <dgm:style>
+      <a:lnRef idx="2">
+        <a:scrgbClr r="0" g="0" b="0"/>
+      </a:lnRef>
+      <a:fillRef idx="1">
+        <a:scrgbClr r="0" g="0" b="0"/>
+      </a:fillRef>
+      <a:effectRef idx="0">
+        <a:scrgbClr r="0" g="0" b="0"/>
+      </a:effectRef>
+      <a:fontRef idx="minor"/>
+    </dgm:style>
+  </dgm:styleLbl>
+  <dgm:styleLbl name="solidFgAcc1">
+    <dgm:scene3d>
+      <a:camera prst="orthographicFront"/>
+      <a:lightRig rig="threePt" dir="t"/>
+    </dgm:scene3d>
+    <dgm:sp3d/>
+    <dgm:txPr/>
+    <dgm:style>
+      <a:lnRef idx="2">
+        <a:scrgbClr r="0" g="0" b="0"/>
+      </a:lnRef>
+      <a:fillRef idx="1">
+        <a:scrgbClr r="0" g="0" b="0"/>
+      </a:fillRef>
+      <a:effectRef idx="0">
+        <a:scrgbClr r="0" g="0" b="0"/>
+      </a:effectRef>
+      <a:fontRef idx="minor"/>
+    </dgm:style>
+  </dgm:styleLbl>
+  <dgm:styleLbl name="solidAlignAcc1">
+    <dgm:scene3d>
+      <a:camera prst="orthographicFront"/>
+      <a:lightRig rig="threePt" dir="t"/>
+    </dgm:scene3d>
+    <dgm:sp3d/>
+    <dgm:txPr/>
+    <dgm:style>
+      <a:lnRef idx="2">
+        <a:scrgbClr r="0" g="0" b="0"/>
+      </a:lnRef>
+      <a:fillRef idx="1">
+        <a:scrgbClr r="0" g="0" b="0"/>
+      </a:fillRef>
+      <a:effectRef idx="0">
+        <a:scrgbClr r="0" g="0" b="0"/>
+      </a:effectRef>
+      <a:fontRef idx="minor"/>
+    </dgm:style>
+  </dgm:styleLbl>
+  <dgm:styleLbl name="solidBgAcc1">
+    <dgm:scene3d>
+      <a:camera prst="orthographicFront"/>
+      <a:lightRig rig="threePt" dir="t"/>
+    </dgm:scene3d>
+    <dgm:sp3d/>
+    <dgm:txPr/>
+    <dgm:style>
+      <a:lnRef idx="2">
+        <a:scrgbClr r="0" g="0" b="0"/>
+      </a:lnRef>
+      <a:fillRef idx="1">
+        <a:scrgbClr r="0" g="0" b="0"/>
+      </a:fillRef>
+      <a:effectRef idx="0">
+        <a:scrgbClr r="0" g="0" b="0"/>
+      </a:effectRef>
+      <a:fontRef idx="minor"/>
+    </dgm:style>
+  </dgm:styleLbl>
+  <dgm:styleLbl name="fgAccFollowNode1">
+    <dgm:scene3d>
+      <a:camera prst="orthographicFront"/>
+      <a:lightRig rig="threePt" dir="t"/>
+    </dgm:scene3d>
+    <dgm:sp3d/>
+    <dgm:txPr/>
+    <dgm:style>
+      <a:lnRef idx="2">
+        <a:scrgbClr r="0" g="0" b="0"/>
+      </a:lnRef>
+      <a:fillRef idx="1">
+        <a:scrgbClr r="0" g="0" b="0"/>
+      </a:fillRef>
+      <a:effectRef idx="0">
+        <a:scrgbClr r="0" g="0" b="0"/>
+      </a:effectRef>
+      <a:fontRef idx="minor"/>
+    </dgm:style>
+  </dgm:styleLbl>
+  <dgm:styleLbl name="alignAccFollowNode1">
+    <dgm:scene3d>
+      <a:camera prst="orthographicFront"/>
+      <a:lightRig rig="threePt" dir="t"/>
+    </dgm:scene3d>
+    <dgm:sp3d/>
+    <dgm:txPr/>
+    <dgm:style>
+      <a:lnRef idx="2">
+        <a:scrgbClr r="0" g="0" b="0"/>
+      </a:lnRef>
+      <a:fillRef idx="1">
+        <a:scrgbClr r="0" g="0" b="0"/>
+      </a:fillRef>
+      <a:effectRef idx="0">
+        <a:scrgbClr r="0" g="0" b="0"/>
+      </a:effectRef>
+      <a:fontRef idx="minor"/>
+    </dgm:style>
+  </dgm:styleLbl>
+  <dgm:styleLbl name="bgAccFollowNode1">
+    <dgm:scene3d>
+      <a:camera prst="orthographicFront"/>
+      <a:lightRig rig="threePt" dir="t"/>
+    </dgm:scene3d>
+    <dgm:sp3d/>
+    <dgm:txPr/>
+    <dgm:style>
+      <a:lnRef idx="2">
+        <a:scrgbClr r="0" g="0" b="0"/>
+      </a:lnRef>
+      <a:fillRef idx="1">
+        <a:scrgbClr r="0" g="0" b="0"/>
+      </a:fillRef>
+      <a:effectRef idx="0">
+        <a:scrgbClr r="0" g="0" b="0"/>
+      </a:effectRef>
+      <a:fontRef idx="minor"/>
+    </dgm:style>
+  </dgm:styleLbl>
+  <dgm:styleLbl name="fgAcc0">
+    <dgm:scene3d>
+      <a:camera prst="orthographicFront"/>
+      <a:lightRig rig="threePt" dir="t"/>
+    </dgm:scene3d>
+    <dgm:sp3d/>
+    <dgm:txPr/>
+    <dgm:style>
+      <a:lnRef idx="2">
+        <a:scrgbClr r="0" g="0" b="0"/>
+      </a:lnRef>
+      <a:fillRef idx="1">
+        <a:scrgbClr r="0" g="0" b="0"/>
+      </a:fillRef>
+      <a:effectRef idx="0">
+        <a:scrgbClr r="0" g="0" b="0"/>
+      </a:effectRef>
+      <a:fontRef idx="minor"/>
+    </dgm:style>
+  </dgm:styleLbl>
+  <dgm:styleLbl name="fgAcc2">
+    <dgm:scene3d>
+      <a:camera prst="orthographicFront"/>
+      <a:lightRig rig="threePt" dir="t"/>
+    </dgm:scene3d>
+    <dgm:sp3d/>
+    <dgm:txPr/>
+    <dgm:style>
+      <a:lnRef idx="2">
+        <a:scrgbClr r="0" g="0" b="0"/>
+      </a:lnRef>
+      <a:fillRef idx="1">
+        <a:scrgbClr r="0" g="0" b="0"/>
+      </a:fillRef>
+      <a:effectRef idx="0">
+        <a:scrgbClr r="0" g="0" b="0"/>
+      </a:effectRef>
+      <a:fontRef idx="minor"/>
+    </dgm:style>
+  </dgm:styleLbl>
+  <dgm:styleLbl name="fgAcc3">
+    <dgm:scene3d>
+      <a:camera prst="orthographicFront"/>
+      <a:lightRig rig="threePt" dir="t"/>
+    </dgm:scene3d>
+    <dgm:sp3d/>
+    <dgm:txPr/>
+    <dgm:style>
+      <a:lnRef idx="2">
+        <a:scrgbClr r="0" g="0" b="0"/>
+      </a:lnRef>
+      <a:fillRef idx="1">
+        <a:scrgbClr r="0" g="0" b="0"/>
+      </a:fillRef>
+      <a:effectRef idx="0">
+        <a:scrgbClr r="0" g="0" b="0"/>
+      </a:effectRef>
+      <a:fontRef idx="minor"/>
+    </dgm:style>
+  </dgm:styleLbl>
+  <dgm:styleLbl name="fgAcc4">
+    <dgm:scene3d>
+      <a:camera prst="orthographicFront"/>
+      <a:lightRig rig="threePt" dir="t"/>
+    </dgm:scene3d>
+    <dgm:sp3d/>
+    <dgm:txPr/>
+    <dgm:style>
+      <a:lnRef idx="2">
+        <a:scrgbClr r="0" g="0" b="0"/>
+      </a:lnRef>
+      <a:fillRef idx="1">
+        <a:scrgbClr r="0" g="0" b="0"/>
+      </a:fillRef>
+      <a:effectRef idx="0">
+        <a:scrgbClr r="0" g="0" b="0"/>
+      </a:effectRef>
+      <a:fontRef idx="minor"/>
+    </dgm:style>
+  </dgm:styleLbl>
+  <dgm:styleLbl name="bgShp">
+    <dgm:scene3d>
+      <a:camera prst="orthographicFront"/>
+      <a:lightRig rig="threePt" dir="t"/>
+    </dgm:scene3d>
+    <dgm:sp3d/>
+    <dgm:txPr/>
+    <dgm:style>
+      <a:lnRef idx="0">
+        <a:scrgbClr r="0" g="0" b="0"/>
+      </a:lnRef>
+      <a:fillRef idx="1">
+        <a:scrgbClr r="0" g="0" b="0"/>
+      </a:fillRef>
+      <a:effectRef idx="0">
+        <a:scrgbClr r="0" g="0" b="0"/>
+      </a:effectRef>
+      <a:fontRef idx="minor"/>
+    </dgm:style>
+  </dgm:styleLbl>
+  <dgm:styleLbl name="dkBgShp">
+    <dgm:scene3d>
+      <a:camera prst="orthographicFront"/>
+      <a:lightRig rig="threePt" dir="t"/>
+    </dgm:scene3d>
+    <dgm:sp3d/>
+    <dgm:txPr/>
+    <dgm:style>
+      <a:lnRef idx="0">
+        <a:scrgbClr r="0" g="0" b="0"/>
+      </a:lnRef>
+      <a:fillRef idx="1">
+        <a:scrgbClr r="0" g="0" b="0"/>
+      </a:fillRef>
+      <a:effectRef idx="0">
+        <a:scrgbClr r="0" g="0" b="0"/>
+      </a:effectRef>
+      <a:fontRef idx="minor"/>
+    </dgm:style>
+  </dgm:styleLbl>
+  <dgm:styleLbl name="trBgShp">
+    <dgm:scene3d>
+      <a:camera prst="orthographicFront"/>
+      <a:lightRig rig="threePt" dir="t"/>
+    </dgm:scene3d>
+    <dgm:sp3d/>
+    <dgm:txPr/>
+    <dgm:style>
+      <a:lnRef idx="0">
+        <a:scrgbClr r="0" g="0" b="0"/>
+      </a:lnRef>
+      <a:fillRef idx="1">
+        <a:scrgbClr r="0" g="0" b="0"/>
+      </a:fillRef>
+      <a:effectRef idx="0">
+        <a:scrgbClr r="0" g="0" b="0"/>
+      </a:effectRef>
+      <a:fontRef idx="minor"/>
+    </dgm:style>
+  </dgm:styleLbl>
+  <dgm:styleLbl name="fgShp">
+    <dgm:scene3d>
+      <a:camera prst="orthographicFront"/>
+      <a:lightRig rig="threePt" dir="t"/>
+    </dgm:scene3d>
+    <dgm:sp3d/>
+    <dgm:txPr/>
+    <dgm:style>
+      <a:lnRef idx="2">
+        <a:scrgbClr r="0" g="0" b="0"/>
+      </a:lnRef>
+      <a:fillRef idx="1">
+        <a:scrgbClr r="0" g="0" b="0"/>
+      </a:fillRef>
+      <a:effectRef idx="0">
+        <a:scrgbClr r="0" g="0" b="0"/>
+      </a:effectRef>
+      <a:fontRef idx="minor"/>
+    </dgm:style>
+  </dgm:styleLbl>
+  <dgm:styleLbl name="revTx">
+    <dgm:scene3d>
+      <a:camera prst="orthographicFront"/>
+      <a:lightRig rig="threePt" dir="t"/>
+    </dgm:scene3d>
+    <dgm:sp3d/>
+    <dgm:txPr/>
+    <dgm:style>
+      <a:lnRef idx="0">
+        <a:scrgbClr r="0" g="0" b="0"/>
+      </a:lnRef>
+      <a:fillRef idx="0">
+        <a:scrgbClr r="0" g="0" b="0"/>
+      </a:fillRef>
+      <a:effectRef idx="0">
+        <a:scrgbClr r="0" g="0" b="0"/>
+      </a:effectRef>
+      <a:fontRef idx="minor"/>
+    </dgm:style>
+  </dgm:styleLbl>
+</dgm:styleDef>
+</file>
+
+<file path=ppt/diagrams/quickStyle7.xml><?xml version="1.0" encoding="utf-8"?>
 <dgm:styleDef xmlns:dgm="http://schemas.openxmlformats.org/drawingml/2006/diagram" xmlns:a="http://schemas.openxmlformats.org/drawingml/2006/main" uniqueId="urn:microsoft.com/office/officeart/2005/8/quickstyle/simple1">
   <dgm:title val=""/>
   <dgm:desc val=""/>
@@ -34998,6 +37239,89 @@
           <p:cNvPr id="2" name="タイトル 1">
             <a:extLst>
               <a:ext uri="{FF2B5EF4-FFF2-40B4-BE49-F238E27FC236}">
+                <a16:creationId xmlns:a16="http://schemas.microsoft.com/office/drawing/2014/main" id="{978929CC-976C-9650-9E5F-5F98C884B91D}"/>
+              </a:ext>
+            </a:extLst>
+          </p:cNvPr>
+          <p:cNvSpPr>
+            <a:spLocks noGrp="1"/>
+          </p:cNvSpPr>
+          <p:nvPr>
+            <p:ph type="title"/>
+          </p:nvPr>
+        </p:nvSpPr>
+        <p:spPr/>
+        <p:txBody>
+          <a:bodyPr/>
+          <a:lstStyle/>
+          <a:p>
+            <a:r>
+              <a:rPr kumimoji="1" lang="ja-JP" altLang="en-US" dirty="0"/>
+              <a:t>コードの理解</a:t>
+            </a:r>
+          </a:p>
+        </p:txBody>
+      </p:sp>
+      <p:sp>
+        <p:nvSpPr>
+          <p:cNvPr id="3" name="テキスト プレースホルダー 2">
+            <a:extLst>
+              <a:ext uri="{FF2B5EF4-FFF2-40B4-BE49-F238E27FC236}">
+                <a16:creationId xmlns:a16="http://schemas.microsoft.com/office/drawing/2014/main" id="{BE9A0FF8-3D80-EA53-0CC6-00A8D18F8CD9}"/>
+              </a:ext>
+            </a:extLst>
+          </p:cNvPr>
+          <p:cNvSpPr>
+            <a:spLocks noGrp="1"/>
+          </p:cNvSpPr>
+          <p:nvPr>
+            <p:ph type="body" idx="1"/>
+          </p:nvPr>
+        </p:nvSpPr>
+        <p:spPr/>
+        <p:txBody>
+          <a:bodyPr/>
+          <a:lstStyle/>
+          <a:p>
+            <a:endParaRPr kumimoji="1" lang="ja-JP" altLang="en-US"/>
+          </a:p>
+        </p:txBody>
+      </p:sp>
+    </p:spTree>
+    <p:extLst>
+      <p:ext uri="{BB962C8B-B14F-4D97-AF65-F5344CB8AC3E}">
+        <p14:creationId xmlns:p14="http://schemas.microsoft.com/office/powerpoint/2010/main" val="690939711"/>
+      </p:ext>
+    </p:extLst>
+  </p:cSld>
+  <p:clrMapOvr>
+    <a:masterClrMapping/>
+  </p:clrMapOvr>
+</p:sld>
+</file>
+
+<file path=ppt/slides/slide27.xml><?xml version="1.0" encoding="utf-8"?>
+<p:sld xmlns:a="http://schemas.openxmlformats.org/drawingml/2006/main" xmlns:r="http://schemas.openxmlformats.org/officeDocument/2006/relationships" xmlns:p="http://schemas.openxmlformats.org/presentationml/2006/main">
+  <p:cSld>
+    <p:spTree>
+      <p:nvGrpSpPr>
+        <p:cNvPr id="1" name=""/>
+        <p:cNvGrpSpPr/>
+        <p:nvPr/>
+      </p:nvGrpSpPr>
+      <p:grpSpPr>
+        <a:xfrm>
+          <a:off x="0" y="0"/>
+          <a:ext cx="0" cy="0"/>
+          <a:chOff x="0" y="0"/>
+          <a:chExt cx="0" cy="0"/>
+        </a:xfrm>
+      </p:grpSpPr>
+      <p:sp>
+        <p:nvSpPr>
+          <p:cNvPr id="2" name="タイトル 1">
+            <a:extLst>
+              <a:ext uri="{FF2B5EF4-FFF2-40B4-BE49-F238E27FC236}">
                 <a16:creationId xmlns:a16="http://schemas.microsoft.com/office/drawing/2014/main" id="{EBEB22DE-EFEA-99AC-9131-D36A0681CDFC}"/>
               </a:ext>
             </a:extLst>
@@ -35298,7 +37622,7 @@
 </p:sld>
 </file>
 
-<file path=ppt/slides/slide27.xml><?xml version="1.0" encoding="utf-8"?>
+<file path=ppt/slides/slide28.xml><?xml version="1.0" encoding="utf-8"?>
 <p:sld xmlns:a="http://schemas.openxmlformats.org/drawingml/2006/main" xmlns:r="http://schemas.openxmlformats.org/officeDocument/2006/relationships" xmlns:p="http://schemas.openxmlformats.org/presentationml/2006/main">
   <p:cSld>
     <p:bg>
@@ -35530,248 +37854,6 @@
 </p:sld>
 </file>
 
-<file path=ppt/slides/slide28.xml><?xml version="1.0" encoding="utf-8"?>
-<p:sld xmlns:a="http://schemas.openxmlformats.org/drawingml/2006/main" xmlns:r="http://schemas.openxmlformats.org/officeDocument/2006/relationships" xmlns:p="http://schemas.openxmlformats.org/presentationml/2006/main">
-  <p:cSld>
-    <p:spTree>
-      <p:nvGrpSpPr>
-        <p:cNvPr id="1" name=""/>
-        <p:cNvGrpSpPr/>
-        <p:nvPr/>
-      </p:nvGrpSpPr>
-      <p:grpSpPr>
-        <a:xfrm>
-          <a:off x="0" y="0"/>
-          <a:ext cx="0" cy="0"/>
-          <a:chOff x="0" y="0"/>
-          <a:chExt cx="0" cy="0"/>
-        </a:xfrm>
-      </p:grpSpPr>
-      <p:sp>
-        <p:nvSpPr>
-          <p:cNvPr id="2" name="タイトル 1">
-            <a:extLst>
-              <a:ext uri="{FF2B5EF4-FFF2-40B4-BE49-F238E27FC236}">
-                <a16:creationId xmlns:a16="http://schemas.microsoft.com/office/drawing/2014/main" id="{EBEB22DE-EFEA-99AC-9131-D36A0681CDFC}"/>
-              </a:ext>
-            </a:extLst>
-          </p:cNvPr>
-          <p:cNvSpPr>
-            <a:spLocks noGrp="1"/>
-          </p:cNvSpPr>
-          <p:nvPr>
-            <p:ph type="title"/>
-          </p:nvPr>
-        </p:nvSpPr>
-        <p:spPr/>
-        <p:txBody>
-          <a:bodyPr/>
-          <a:lstStyle/>
-          <a:p>
-            <a:r>
-              <a:rPr kumimoji="1" lang="ja-JP" altLang="en-US" dirty="0"/>
-              <a:t>問題</a:t>
-            </a:r>
-          </a:p>
-        </p:txBody>
-      </p:sp>
-      <p:sp>
-        <p:nvSpPr>
-          <p:cNvPr id="3" name="テキスト プレースホルダー 2">
-            <a:extLst>
-              <a:ext uri="{FF2B5EF4-FFF2-40B4-BE49-F238E27FC236}">
-                <a16:creationId xmlns:a16="http://schemas.microsoft.com/office/drawing/2014/main" id="{66ABF322-DB14-65C8-02AC-D8A7295C01DF}"/>
-              </a:ext>
-            </a:extLst>
-          </p:cNvPr>
-          <p:cNvSpPr>
-            <a:spLocks noGrp="1"/>
-          </p:cNvSpPr>
-          <p:nvPr>
-            <p:ph type="body" idx="1"/>
-          </p:nvPr>
-        </p:nvSpPr>
-        <p:spPr/>
-        <p:txBody>
-          <a:bodyPr/>
-          <a:lstStyle/>
-          <a:p>
-            <a:endParaRPr kumimoji="1" lang="ja-JP" altLang="en-US" dirty="0"/>
-          </a:p>
-        </p:txBody>
-      </p:sp>
-      <p:sp>
-        <p:nvSpPr>
-          <p:cNvPr id="4" name="コンテンツ プレースホルダー 3">
-            <a:extLst>
-              <a:ext uri="{FF2B5EF4-FFF2-40B4-BE49-F238E27FC236}">
-                <a16:creationId xmlns:a16="http://schemas.microsoft.com/office/drawing/2014/main" id="{F467A54D-D7CF-D6E3-49BD-81B0D7558A07}"/>
-              </a:ext>
-            </a:extLst>
-          </p:cNvPr>
-          <p:cNvSpPr>
-            <a:spLocks noGrp="1"/>
-          </p:cNvSpPr>
-          <p:nvPr>
-            <p:ph sz="half" idx="2"/>
-          </p:nvPr>
-        </p:nvSpPr>
-        <p:spPr/>
-        <p:txBody>
-          <a:bodyPr/>
-          <a:lstStyle/>
-          <a:p>
-            <a:pPr marL="457200" rtl="0">
-              <a:spcBef>
-                <a:spcPts val="0"/>
-              </a:spcBef>
-              <a:spcAft>
-                <a:spcPts val="0"/>
-              </a:spcAft>
-            </a:pPr>
-            <a:r>
-              <a:rPr lang="ja-JP" altLang="en-US" sz="1800" b="1" i="0" u="none" strike="noStrike" dirty="0">
-                <a:solidFill>
-                  <a:srgbClr val="000000"/>
-                </a:solidFill>
-                <a:effectLst/>
-                <a:latin typeface="Arial" panose="020B0604020202020204" pitchFamily="34" charset="0"/>
-              </a:rPr>
-              <a:t>デバックで確認する箇所が分からない</a:t>
-            </a:r>
-            <a:endParaRPr lang="ja-JP" altLang="en-US" b="0" dirty="0">
-              <a:effectLst/>
-            </a:endParaRPr>
-          </a:p>
-          <a:p>
-            <a:pPr marL="0" indent="0">
-              <a:buNone/>
-            </a:pPr>
-            <a:br>
-              <a:rPr lang="ja-JP" altLang="en-US" dirty="0"/>
-            </a:br>
-            <a:endParaRPr kumimoji="1" lang="ja-JP" altLang="en-US" dirty="0"/>
-          </a:p>
-        </p:txBody>
-      </p:sp>
-      <p:sp>
-        <p:nvSpPr>
-          <p:cNvPr id="5" name="テキスト プレースホルダー 4">
-            <a:extLst>
-              <a:ext uri="{FF2B5EF4-FFF2-40B4-BE49-F238E27FC236}">
-                <a16:creationId xmlns:a16="http://schemas.microsoft.com/office/drawing/2014/main" id="{BC934BB8-7F9C-CF57-D83A-17992C515415}"/>
-              </a:ext>
-            </a:extLst>
-          </p:cNvPr>
-          <p:cNvSpPr>
-            <a:spLocks noGrp="1"/>
-          </p:cNvSpPr>
-          <p:nvPr>
-            <p:ph type="body" sz="quarter" idx="3"/>
-          </p:nvPr>
-        </p:nvSpPr>
-        <p:spPr/>
-        <p:txBody>
-          <a:bodyPr/>
-          <a:lstStyle/>
-          <a:p>
-            <a:r>
-              <a:rPr kumimoji="1" lang="ja-JP" altLang="en-US" dirty="0"/>
-              <a:t>便利機能を学ぶ</a:t>
-            </a:r>
-          </a:p>
-          <a:p>
-            <a:endParaRPr kumimoji="1" lang="ja-JP" altLang="en-US" dirty="0"/>
-          </a:p>
-        </p:txBody>
-      </p:sp>
-      <p:sp>
-        <p:nvSpPr>
-          <p:cNvPr id="6" name="コンテンツ プレースホルダー 5">
-            <a:extLst>
-              <a:ext uri="{FF2B5EF4-FFF2-40B4-BE49-F238E27FC236}">
-                <a16:creationId xmlns:a16="http://schemas.microsoft.com/office/drawing/2014/main" id="{B57410F4-590B-1857-A50E-46D4DAF736FE}"/>
-              </a:ext>
-            </a:extLst>
-          </p:cNvPr>
-          <p:cNvSpPr>
-            <a:spLocks noGrp="1"/>
-          </p:cNvSpPr>
-          <p:nvPr>
-            <p:ph sz="quarter" idx="4"/>
-          </p:nvPr>
-        </p:nvSpPr>
-        <p:spPr/>
-        <p:txBody>
-          <a:bodyPr/>
-          <a:lstStyle/>
-          <a:p>
-            <a:pPr marL="457200" rtl="0">
-              <a:spcBef>
-                <a:spcPts val="0"/>
-              </a:spcBef>
-              <a:spcAft>
-                <a:spcPts val="0"/>
-              </a:spcAft>
-            </a:pPr>
-            <a:r>
-              <a:rPr lang="ja-JP" altLang="en-US" sz="1800" b="1" i="0" u="none" strike="noStrike" dirty="0">
-                <a:solidFill>
-                  <a:srgbClr val="000000"/>
-                </a:solidFill>
-                <a:effectLst/>
-                <a:latin typeface="Arial" panose="020B0604020202020204" pitchFamily="34" charset="0"/>
-              </a:rPr>
-              <a:t>特にデバッグに関してですが、使い方とかデバッグしたときに見るところがわからなくなるのが問題でした。これを自力で１から勉強するには骨が折れる。まずは東さんに質問を投げるということを繰り返した。この繰り返しの中でデバッグに関する知識が蓄積されてきて、ある程度分かってきた。</a:t>
-            </a:r>
-            <a:endParaRPr lang="ja-JP" altLang="en-US" b="0" dirty="0">
-              <a:effectLst/>
-            </a:endParaRPr>
-          </a:p>
-          <a:p>
-            <a:pPr marL="457200" rtl="0">
-              <a:spcBef>
-                <a:spcPts val="0"/>
-              </a:spcBef>
-              <a:spcAft>
-                <a:spcPts val="0"/>
-              </a:spcAft>
-            </a:pPr>
-            <a:r>
-              <a:rPr lang="ja-JP" altLang="en-US" sz="1800" b="1" i="0" u="none" strike="noStrike" dirty="0">
-                <a:solidFill>
-                  <a:srgbClr val="000000"/>
-                </a:solidFill>
-                <a:effectLst/>
-                <a:latin typeface="Arial" panose="020B0604020202020204" pitchFamily="34" charset="0"/>
-              </a:rPr>
-              <a:t>その知識を使って、自分で特定した原因を東講師に説明し、自分の認識が合っているかをたびたび確認した。</a:t>
-            </a:r>
-            <a:endParaRPr lang="ja-JP" altLang="en-US" b="0" dirty="0">
-              <a:effectLst/>
-            </a:endParaRPr>
-          </a:p>
-          <a:p>
-            <a:br>
-              <a:rPr lang="ja-JP" altLang="en-US" dirty="0"/>
-            </a:br>
-            <a:endParaRPr kumimoji="1" lang="ja-JP" altLang="en-US" dirty="0"/>
-          </a:p>
-        </p:txBody>
-      </p:sp>
-    </p:spTree>
-    <p:extLst>
-      <p:ext uri="{BB962C8B-B14F-4D97-AF65-F5344CB8AC3E}">
-        <p14:creationId xmlns:p14="http://schemas.microsoft.com/office/powerpoint/2010/main" val="3299395962"/>
-      </p:ext>
-    </p:extLst>
-  </p:cSld>
-  <p:clrMapOvr>
-    <a:masterClrMapping/>
-  </p:clrMapOvr>
-</p:sld>
-</file>
-
 <file path=ppt/slides/slide29.xml><?xml version="1.0" encoding="utf-8"?>
 <p:sld xmlns:a="http://schemas.openxmlformats.org/drawingml/2006/main" xmlns:r="http://schemas.openxmlformats.org/officeDocument/2006/relationships" xmlns:p="http://schemas.openxmlformats.org/presentationml/2006/main">
   <p:cSld>
@@ -35812,7 +37894,7 @@
           <a:p>
             <a:r>
               <a:rPr kumimoji="1" lang="ja-JP" altLang="en-US" dirty="0"/>
-              <a:t>コミュニケーション</a:t>
+              <a:t>機能の理解</a:t>
             </a:r>
           </a:p>
         </p:txBody>
@@ -35838,14 +37920,14 @@
           <a:bodyPr/>
           <a:lstStyle/>
           <a:p>
-            <a:endParaRPr kumimoji="1" lang="ja-JP" altLang="en-US"/>
+            <a:endParaRPr kumimoji="1" lang="ja-JP" altLang="en-US" dirty="0"/>
           </a:p>
         </p:txBody>
       </p:sp>
     </p:spTree>
     <p:extLst>
       <p:ext uri="{BB962C8B-B14F-4D97-AF65-F5344CB8AC3E}">
-        <p14:creationId xmlns:p14="http://schemas.microsoft.com/office/powerpoint/2010/main" val="3752325654"/>
+        <p14:creationId xmlns:p14="http://schemas.microsoft.com/office/powerpoint/2010/main" val="2160990232"/>
       </p:ext>
     </p:extLst>
   </p:cSld>
@@ -36350,6 +38432,331 @@
           <p:cNvPr id="2" name="タイトル 1">
             <a:extLst>
               <a:ext uri="{FF2B5EF4-FFF2-40B4-BE49-F238E27FC236}">
+                <a16:creationId xmlns:a16="http://schemas.microsoft.com/office/drawing/2014/main" id="{EBEB22DE-EFEA-99AC-9131-D36A0681CDFC}"/>
+              </a:ext>
+            </a:extLst>
+          </p:cNvPr>
+          <p:cNvSpPr>
+            <a:spLocks noGrp="1"/>
+          </p:cNvSpPr>
+          <p:nvPr>
+            <p:ph type="title"/>
+          </p:nvPr>
+        </p:nvSpPr>
+        <p:spPr/>
+        <p:txBody>
+          <a:bodyPr/>
+          <a:lstStyle/>
+          <a:p>
+            <a:r>
+              <a:rPr kumimoji="1" lang="ja-JP" altLang="en-US" dirty="0"/>
+              <a:t>問題</a:t>
+            </a:r>
+          </a:p>
+        </p:txBody>
+      </p:sp>
+      <p:sp>
+        <p:nvSpPr>
+          <p:cNvPr id="3" name="テキスト プレースホルダー 2">
+            <a:extLst>
+              <a:ext uri="{FF2B5EF4-FFF2-40B4-BE49-F238E27FC236}">
+                <a16:creationId xmlns:a16="http://schemas.microsoft.com/office/drawing/2014/main" id="{66ABF322-DB14-65C8-02AC-D8A7295C01DF}"/>
+              </a:ext>
+            </a:extLst>
+          </p:cNvPr>
+          <p:cNvSpPr>
+            <a:spLocks noGrp="1"/>
+          </p:cNvSpPr>
+          <p:nvPr>
+            <p:ph type="body" idx="1"/>
+          </p:nvPr>
+        </p:nvSpPr>
+        <p:spPr/>
+        <p:txBody>
+          <a:bodyPr/>
+          <a:lstStyle/>
+          <a:p>
+            <a:endParaRPr kumimoji="1" lang="ja-JP" altLang="en-US" dirty="0"/>
+          </a:p>
+        </p:txBody>
+      </p:sp>
+      <p:sp>
+        <p:nvSpPr>
+          <p:cNvPr id="4" name="コンテンツ プレースホルダー 3">
+            <a:extLst>
+              <a:ext uri="{FF2B5EF4-FFF2-40B4-BE49-F238E27FC236}">
+                <a16:creationId xmlns:a16="http://schemas.microsoft.com/office/drawing/2014/main" id="{F467A54D-D7CF-D6E3-49BD-81B0D7558A07}"/>
+              </a:ext>
+            </a:extLst>
+          </p:cNvPr>
+          <p:cNvSpPr>
+            <a:spLocks noGrp="1"/>
+          </p:cNvSpPr>
+          <p:nvPr>
+            <p:ph sz="half" idx="2"/>
+          </p:nvPr>
+        </p:nvSpPr>
+        <p:spPr/>
+        <p:txBody>
+          <a:bodyPr/>
+          <a:lstStyle/>
+          <a:p>
+            <a:pPr marL="457200" rtl="0">
+              <a:spcBef>
+                <a:spcPts val="0"/>
+              </a:spcBef>
+              <a:spcAft>
+                <a:spcPts val="0"/>
+              </a:spcAft>
+            </a:pPr>
+            <a:r>
+              <a:rPr lang="ja-JP" altLang="en-US" sz="1800" b="1" i="0" u="none" strike="noStrike" dirty="0">
+                <a:solidFill>
+                  <a:srgbClr val="000000"/>
+                </a:solidFill>
+                <a:effectLst/>
+                <a:latin typeface="Arial" panose="020B0604020202020204" pitchFamily="34" charset="0"/>
+              </a:rPr>
+              <a:t>デバックで確認する箇所が分からない</a:t>
+            </a:r>
+            <a:endParaRPr lang="ja-JP" altLang="en-US" b="0" dirty="0">
+              <a:effectLst/>
+            </a:endParaRPr>
+          </a:p>
+          <a:p>
+            <a:pPr marL="0" indent="0">
+              <a:buNone/>
+            </a:pPr>
+            <a:br>
+              <a:rPr lang="ja-JP" altLang="en-US" dirty="0"/>
+            </a:br>
+            <a:endParaRPr kumimoji="1" lang="ja-JP" altLang="en-US" dirty="0"/>
+          </a:p>
+        </p:txBody>
+      </p:sp>
+      <p:sp>
+        <p:nvSpPr>
+          <p:cNvPr id="5" name="テキスト プレースホルダー 4">
+            <a:extLst>
+              <a:ext uri="{FF2B5EF4-FFF2-40B4-BE49-F238E27FC236}">
+                <a16:creationId xmlns:a16="http://schemas.microsoft.com/office/drawing/2014/main" id="{BC934BB8-7F9C-CF57-D83A-17992C515415}"/>
+              </a:ext>
+            </a:extLst>
+          </p:cNvPr>
+          <p:cNvSpPr>
+            <a:spLocks noGrp="1"/>
+          </p:cNvSpPr>
+          <p:nvPr>
+            <p:ph type="body" sz="quarter" idx="3"/>
+          </p:nvPr>
+        </p:nvSpPr>
+        <p:spPr/>
+        <p:txBody>
+          <a:bodyPr/>
+          <a:lstStyle/>
+          <a:p>
+            <a:r>
+              <a:rPr kumimoji="1" lang="ja-JP" altLang="en-US" dirty="0"/>
+              <a:t>便利機能を学ぶ</a:t>
+            </a:r>
+          </a:p>
+          <a:p>
+            <a:endParaRPr kumimoji="1" lang="ja-JP" altLang="en-US" dirty="0"/>
+          </a:p>
+        </p:txBody>
+      </p:sp>
+      <p:sp>
+        <p:nvSpPr>
+          <p:cNvPr id="6" name="コンテンツ プレースホルダー 5">
+            <a:extLst>
+              <a:ext uri="{FF2B5EF4-FFF2-40B4-BE49-F238E27FC236}">
+                <a16:creationId xmlns:a16="http://schemas.microsoft.com/office/drawing/2014/main" id="{B57410F4-590B-1857-A50E-46D4DAF736FE}"/>
+              </a:ext>
+            </a:extLst>
+          </p:cNvPr>
+          <p:cNvSpPr>
+            <a:spLocks noGrp="1"/>
+          </p:cNvSpPr>
+          <p:nvPr>
+            <p:ph sz="quarter" idx="4"/>
+          </p:nvPr>
+        </p:nvSpPr>
+        <p:spPr/>
+        <p:txBody>
+          <a:bodyPr/>
+          <a:lstStyle/>
+          <a:p>
+            <a:pPr marL="457200" rtl="0">
+              <a:spcBef>
+                <a:spcPts val="0"/>
+              </a:spcBef>
+              <a:spcAft>
+                <a:spcPts val="0"/>
+              </a:spcAft>
+            </a:pPr>
+            <a:r>
+              <a:rPr lang="ja-JP" altLang="en-US" sz="1800" b="1" i="0" u="none" strike="noStrike" dirty="0">
+                <a:solidFill>
+                  <a:srgbClr val="000000"/>
+                </a:solidFill>
+                <a:effectLst/>
+                <a:latin typeface="Arial" panose="020B0604020202020204" pitchFamily="34" charset="0"/>
+              </a:rPr>
+              <a:t>特にデバッグに関してですが、使い方とかデバッグしたときに見るところがわからなくなるのが問題でした。これを自力で１から勉強するには骨が折れる。まずは東さんに質問を投げるということを繰り返した。この繰り返しの中でデバッグに関する知識が蓄積されてきて、ある程度分かってきた。</a:t>
+            </a:r>
+            <a:endParaRPr lang="ja-JP" altLang="en-US" b="0" dirty="0">
+              <a:effectLst/>
+            </a:endParaRPr>
+          </a:p>
+          <a:p>
+            <a:pPr marL="457200" rtl="0">
+              <a:spcBef>
+                <a:spcPts val="0"/>
+              </a:spcBef>
+              <a:spcAft>
+                <a:spcPts val="0"/>
+              </a:spcAft>
+            </a:pPr>
+            <a:r>
+              <a:rPr lang="ja-JP" altLang="en-US" sz="1800" b="1" i="0" u="none" strike="noStrike" dirty="0">
+                <a:solidFill>
+                  <a:srgbClr val="000000"/>
+                </a:solidFill>
+                <a:effectLst/>
+                <a:latin typeface="Arial" panose="020B0604020202020204" pitchFamily="34" charset="0"/>
+              </a:rPr>
+              <a:t>その知識を使って、自分で特定した原因を東講師に説明し、自分の認識が合っているかをたびたび確認した。</a:t>
+            </a:r>
+            <a:endParaRPr lang="ja-JP" altLang="en-US" b="0" dirty="0">
+              <a:effectLst/>
+            </a:endParaRPr>
+          </a:p>
+          <a:p>
+            <a:br>
+              <a:rPr lang="ja-JP" altLang="en-US" dirty="0"/>
+            </a:br>
+            <a:endParaRPr kumimoji="1" lang="ja-JP" altLang="en-US" dirty="0"/>
+          </a:p>
+        </p:txBody>
+      </p:sp>
+    </p:spTree>
+    <p:extLst>
+      <p:ext uri="{BB962C8B-B14F-4D97-AF65-F5344CB8AC3E}">
+        <p14:creationId xmlns:p14="http://schemas.microsoft.com/office/powerpoint/2010/main" val="3299395962"/>
+      </p:ext>
+    </p:extLst>
+  </p:cSld>
+  <p:clrMapOvr>
+    <a:masterClrMapping/>
+  </p:clrMapOvr>
+</p:sld>
+</file>
+
+<file path=ppt/slides/slide31.xml><?xml version="1.0" encoding="utf-8"?>
+<p:sld xmlns:a="http://schemas.openxmlformats.org/drawingml/2006/main" xmlns:r="http://schemas.openxmlformats.org/officeDocument/2006/relationships" xmlns:p="http://schemas.openxmlformats.org/presentationml/2006/main">
+  <p:cSld>
+    <p:spTree>
+      <p:nvGrpSpPr>
+        <p:cNvPr id="1" name=""/>
+        <p:cNvGrpSpPr/>
+        <p:nvPr/>
+      </p:nvGrpSpPr>
+      <p:grpSpPr>
+        <a:xfrm>
+          <a:off x="0" y="0"/>
+          <a:ext cx="0" cy="0"/>
+          <a:chOff x="0" y="0"/>
+          <a:chExt cx="0" cy="0"/>
+        </a:xfrm>
+      </p:grpSpPr>
+      <p:sp>
+        <p:nvSpPr>
+          <p:cNvPr id="2" name="タイトル 1">
+            <a:extLst>
+              <a:ext uri="{FF2B5EF4-FFF2-40B4-BE49-F238E27FC236}">
+                <a16:creationId xmlns:a16="http://schemas.microsoft.com/office/drawing/2014/main" id="{978929CC-976C-9650-9E5F-5F98C884B91D}"/>
+              </a:ext>
+            </a:extLst>
+          </p:cNvPr>
+          <p:cNvSpPr>
+            <a:spLocks noGrp="1"/>
+          </p:cNvSpPr>
+          <p:nvPr>
+            <p:ph type="title"/>
+          </p:nvPr>
+        </p:nvSpPr>
+        <p:spPr/>
+        <p:txBody>
+          <a:bodyPr/>
+          <a:lstStyle/>
+          <a:p>
+            <a:r>
+              <a:rPr kumimoji="1" lang="ja-JP" altLang="en-US" dirty="0"/>
+              <a:t>課題②コミュニケーション</a:t>
+            </a:r>
+          </a:p>
+        </p:txBody>
+      </p:sp>
+      <p:sp>
+        <p:nvSpPr>
+          <p:cNvPr id="3" name="テキスト プレースホルダー 2">
+            <a:extLst>
+              <a:ext uri="{FF2B5EF4-FFF2-40B4-BE49-F238E27FC236}">
+                <a16:creationId xmlns:a16="http://schemas.microsoft.com/office/drawing/2014/main" id="{BE9A0FF8-3D80-EA53-0CC6-00A8D18F8CD9}"/>
+              </a:ext>
+            </a:extLst>
+          </p:cNvPr>
+          <p:cNvSpPr>
+            <a:spLocks noGrp="1"/>
+          </p:cNvSpPr>
+          <p:nvPr>
+            <p:ph type="body" idx="1"/>
+          </p:nvPr>
+        </p:nvSpPr>
+        <p:spPr/>
+        <p:txBody>
+          <a:bodyPr/>
+          <a:lstStyle/>
+          <a:p>
+            <a:endParaRPr kumimoji="1" lang="ja-JP" altLang="en-US"/>
+          </a:p>
+        </p:txBody>
+      </p:sp>
+    </p:spTree>
+    <p:extLst>
+      <p:ext uri="{BB962C8B-B14F-4D97-AF65-F5344CB8AC3E}">
+        <p14:creationId xmlns:p14="http://schemas.microsoft.com/office/powerpoint/2010/main" val="3752325654"/>
+      </p:ext>
+    </p:extLst>
+  </p:cSld>
+  <p:clrMapOvr>
+    <a:masterClrMapping/>
+  </p:clrMapOvr>
+</p:sld>
+</file>
+
+<file path=ppt/slides/slide32.xml><?xml version="1.0" encoding="utf-8"?>
+<p:sld xmlns:a="http://schemas.openxmlformats.org/drawingml/2006/main" xmlns:r="http://schemas.openxmlformats.org/officeDocument/2006/relationships" xmlns:p="http://schemas.openxmlformats.org/presentationml/2006/main">
+  <p:cSld>
+    <p:spTree>
+      <p:nvGrpSpPr>
+        <p:cNvPr id="1" name=""/>
+        <p:cNvGrpSpPr/>
+        <p:nvPr/>
+      </p:nvGrpSpPr>
+      <p:grpSpPr>
+        <a:xfrm>
+          <a:off x="0" y="0"/>
+          <a:ext cx="0" cy="0"/>
+          <a:chOff x="0" y="0"/>
+          <a:chExt cx="0" cy="0"/>
+        </a:xfrm>
+      </p:grpSpPr>
+      <p:sp>
+        <p:nvSpPr>
+          <p:cNvPr id="2" name="タイトル 1">
+            <a:extLst>
+              <a:ext uri="{FF2B5EF4-FFF2-40B4-BE49-F238E27FC236}">
                 <a16:creationId xmlns:a16="http://schemas.microsoft.com/office/drawing/2014/main" id="{42B907F2-B25E-8515-384C-25630F68AC77}"/>
               </a:ext>
             </a:extLst>
@@ -36493,7 +38900,7 @@
 </p:sld>
 </file>
 
-<file path=ppt/slides/slide31.xml><?xml version="1.0" encoding="utf-8"?>
+<file path=ppt/slides/slide33.xml><?xml version="1.0" encoding="utf-8"?>
 <p:sld xmlns:a="http://schemas.openxmlformats.org/drawingml/2006/main" xmlns:r="http://schemas.openxmlformats.org/officeDocument/2006/relationships" xmlns:p="http://schemas.openxmlformats.org/presentationml/2006/main">
   <p:cSld>
     <p:spTree>
@@ -36579,7 +38986,7 @@
 </p:sld>
 </file>
 
-<file path=ppt/slides/slide32.xml><?xml version="1.0" encoding="utf-8"?>
+<file path=ppt/slides/slide34.xml><?xml version="1.0" encoding="utf-8"?>
 <p:sld xmlns:a="http://schemas.openxmlformats.org/drawingml/2006/main" xmlns:r="http://schemas.openxmlformats.org/officeDocument/2006/relationships" xmlns:p="http://schemas.openxmlformats.org/presentationml/2006/main">
   <p:cSld>
     <p:spTree>
@@ -36763,7 +39170,7 @@
 </p:sld>
 </file>
 
-<file path=ppt/slides/slide33.xml><?xml version="1.0" encoding="utf-8"?>
+<file path=ppt/slides/slide35.xml><?xml version="1.0" encoding="utf-8"?>
 <p:sld xmlns:a="http://schemas.openxmlformats.org/drawingml/2006/main" xmlns:r="http://schemas.openxmlformats.org/officeDocument/2006/relationships" xmlns:p="http://schemas.openxmlformats.org/presentationml/2006/main">
   <p:cSld>
     <p:spTree>
@@ -36971,7 +39378,7 @@
 </p:sld>
 </file>
 
-<file path=ppt/slides/slide34.xml><?xml version="1.0" encoding="utf-8"?>
+<file path=ppt/slides/slide36.xml><?xml version="1.0" encoding="utf-8"?>
 <p:sld xmlns:a="http://schemas.openxmlformats.org/drawingml/2006/main" xmlns:r="http://schemas.openxmlformats.org/officeDocument/2006/relationships" xmlns:p="http://schemas.openxmlformats.org/presentationml/2006/main">
   <p:cSld>
     <p:spTree>
@@ -37057,7 +39464,7 @@
 </p:sld>
 </file>
 
-<file path=ppt/slides/slide35.xml><?xml version="1.0" encoding="utf-8"?>
+<file path=ppt/slides/slide37.xml><?xml version="1.0" encoding="utf-8"?>
 <p:sld xmlns:a="http://schemas.openxmlformats.org/drawingml/2006/main" xmlns:r="http://schemas.openxmlformats.org/officeDocument/2006/relationships" xmlns:p="http://schemas.openxmlformats.org/presentationml/2006/main">
   <p:cSld>
     <p:spTree>
@@ -37143,7 +39550,12 @@
             <p:ph sz="half" idx="2"/>
           </p:nvPr>
         </p:nvSpPr>
-        <p:spPr/>
+        <p:spPr>
+          <a:xfrm>
+            <a:off x="685887" y="2505074"/>
+            <a:ext cx="5282192" cy="3423777"/>
+          </a:xfrm>
+        </p:spPr>
         <p:txBody>
           <a:bodyPr/>
           <a:lstStyle/>
@@ -37233,7 +39645,7 @@
 </p:sld>
 </file>
 
-<file path=ppt/slides/slide36.xml><?xml version="1.0" encoding="utf-8"?>
+<file path=ppt/slides/slide38.xml><?xml version="1.0" encoding="utf-8"?>
 <p:sld xmlns:a="http://schemas.openxmlformats.org/drawingml/2006/main" xmlns:r="http://schemas.openxmlformats.org/officeDocument/2006/relationships" xmlns:p="http://schemas.openxmlformats.org/presentationml/2006/main">
   <p:cSld>
     <p:spTree>
@@ -37411,7 +39823,7 @@
 </p:sld>
 </file>
 
-<file path=ppt/slides/slide37.xml><?xml version="1.0" encoding="utf-8"?>
+<file path=ppt/slides/slide39.xml><?xml version="1.0" encoding="utf-8"?>
 <p:sld xmlns:a="http://schemas.openxmlformats.org/drawingml/2006/main" xmlns:r="http://schemas.openxmlformats.org/officeDocument/2006/relationships" xmlns:p="http://schemas.openxmlformats.org/presentationml/2006/main">
   <p:cSld>
     <p:spTree>
@@ -37451,7 +39863,7 @@
           <a:p>
             <a:r>
               <a:rPr lang="ja-JP" altLang="en-US" dirty="0"/>
-              <a:t>用語解釈</a:t>
+              <a:t>オンライン上での会話</a:t>
             </a:r>
           </a:p>
         </p:txBody>
@@ -37488,360 +39900,6 @@
     <p:extLst>
       <p:ext uri="{BB962C8B-B14F-4D97-AF65-F5344CB8AC3E}">
         <p14:creationId xmlns:p14="http://schemas.microsoft.com/office/powerpoint/2010/main" val="593370294"/>
-      </p:ext>
-    </p:extLst>
-  </p:cSld>
-  <p:clrMapOvr>
-    <a:masterClrMapping/>
-  </p:clrMapOvr>
-</p:sld>
-</file>
-
-<file path=ppt/slides/slide38.xml><?xml version="1.0" encoding="utf-8"?>
-<p:sld xmlns:a="http://schemas.openxmlformats.org/drawingml/2006/main" xmlns:r="http://schemas.openxmlformats.org/officeDocument/2006/relationships" xmlns:p="http://schemas.openxmlformats.org/presentationml/2006/main">
-  <p:cSld>
-    <p:spTree>
-      <p:nvGrpSpPr>
-        <p:cNvPr id="1" name=""/>
-        <p:cNvGrpSpPr/>
-        <p:nvPr/>
-      </p:nvGrpSpPr>
-      <p:grpSpPr>
-        <a:xfrm>
-          <a:off x="0" y="0"/>
-          <a:ext cx="0" cy="0"/>
-          <a:chOff x="0" y="0"/>
-          <a:chExt cx="0" cy="0"/>
-        </a:xfrm>
-      </p:grpSpPr>
-      <p:sp>
-        <p:nvSpPr>
-          <p:cNvPr id="2" name="タイトル 1">
-            <a:extLst>
-              <a:ext uri="{FF2B5EF4-FFF2-40B4-BE49-F238E27FC236}">
-                <a16:creationId xmlns:a16="http://schemas.microsoft.com/office/drawing/2014/main" id="{EBEB22DE-EFEA-99AC-9131-D36A0681CDFC}"/>
-              </a:ext>
-            </a:extLst>
-          </p:cNvPr>
-          <p:cNvSpPr>
-            <a:spLocks noGrp="1"/>
-          </p:cNvSpPr>
-          <p:nvPr>
-            <p:ph type="title"/>
-          </p:nvPr>
-        </p:nvSpPr>
-        <p:spPr/>
-        <p:txBody>
-          <a:bodyPr/>
-          <a:lstStyle/>
-          <a:p>
-            <a:r>
-              <a:rPr kumimoji="1" lang="ja-JP" altLang="en-US" dirty="0"/>
-              <a:t>問題：用語解釈</a:t>
-            </a:r>
-          </a:p>
-        </p:txBody>
-      </p:sp>
-      <p:sp>
-        <p:nvSpPr>
-          <p:cNvPr id="3" name="テキスト プレースホルダー 2">
-            <a:extLst>
-              <a:ext uri="{FF2B5EF4-FFF2-40B4-BE49-F238E27FC236}">
-                <a16:creationId xmlns:a16="http://schemas.microsoft.com/office/drawing/2014/main" id="{66ABF322-DB14-65C8-02AC-D8A7295C01DF}"/>
-              </a:ext>
-            </a:extLst>
-          </p:cNvPr>
-          <p:cNvSpPr>
-            <a:spLocks noGrp="1"/>
-          </p:cNvSpPr>
-          <p:nvPr>
-            <p:ph type="body" idx="1"/>
-          </p:nvPr>
-        </p:nvSpPr>
-        <p:spPr/>
-        <p:txBody>
-          <a:bodyPr/>
-          <a:lstStyle/>
-          <a:p>
-            <a:endParaRPr kumimoji="1" lang="ja-JP" altLang="en-US" dirty="0"/>
-          </a:p>
-        </p:txBody>
-      </p:sp>
-      <p:sp>
-        <p:nvSpPr>
-          <p:cNvPr id="4" name="コンテンツ プレースホルダー 3">
-            <a:extLst>
-              <a:ext uri="{FF2B5EF4-FFF2-40B4-BE49-F238E27FC236}">
-                <a16:creationId xmlns:a16="http://schemas.microsoft.com/office/drawing/2014/main" id="{F467A54D-D7CF-D6E3-49BD-81B0D7558A07}"/>
-              </a:ext>
-            </a:extLst>
-          </p:cNvPr>
-          <p:cNvSpPr>
-            <a:spLocks noGrp="1"/>
-          </p:cNvSpPr>
-          <p:nvPr>
-            <p:ph sz="half" idx="2"/>
-          </p:nvPr>
-        </p:nvSpPr>
-        <p:spPr/>
-        <p:txBody>
-          <a:bodyPr/>
-          <a:lstStyle/>
-          <a:p>
-            <a:pPr marL="457200" rtl="0">
-              <a:spcBef>
-                <a:spcPts val="0"/>
-              </a:spcBef>
-              <a:spcAft>
-                <a:spcPts val="0"/>
-              </a:spcAft>
-            </a:pPr>
-            <a:r>
-              <a:rPr lang="ja-JP" altLang="en-US" sz="1800" b="1" i="0" u="none" strike="noStrike" dirty="0">
-                <a:solidFill>
-                  <a:srgbClr val="000000"/>
-                </a:solidFill>
-                <a:effectLst/>
-                <a:latin typeface="Arial" panose="020B0604020202020204" pitchFamily="34" charset="0"/>
-              </a:rPr>
-              <a:t>要件定義で実際に起きたことだが、全体で機能を決める際に、全員が自分の考えを理解した状態だと思い込んでしまい、機能名や単語のみを書いていた</a:t>
-            </a:r>
-            <a:endParaRPr kumimoji="1" lang="ja-JP" altLang="en-US" dirty="0"/>
-          </a:p>
-        </p:txBody>
-      </p:sp>
-      <p:sp>
-        <p:nvSpPr>
-          <p:cNvPr id="5" name="テキスト プレースホルダー 4">
-            <a:extLst>
-              <a:ext uri="{FF2B5EF4-FFF2-40B4-BE49-F238E27FC236}">
-                <a16:creationId xmlns:a16="http://schemas.microsoft.com/office/drawing/2014/main" id="{BC934BB8-7F9C-CF57-D83A-17992C515415}"/>
-              </a:ext>
-            </a:extLst>
-          </p:cNvPr>
-          <p:cNvSpPr>
-            <a:spLocks noGrp="1"/>
-          </p:cNvSpPr>
-          <p:nvPr>
-            <p:ph type="body" sz="quarter" idx="3"/>
-          </p:nvPr>
-        </p:nvSpPr>
-        <p:spPr/>
-        <p:txBody>
-          <a:bodyPr/>
-          <a:lstStyle/>
-          <a:p>
-            <a:endParaRPr kumimoji="1" lang="ja-JP" altLang="en-US" dirty="0"/>
-          </a:p>
-        </p:txBody>
-      </p:sp>
-      <p:sp>
-        <p:nvSpPr>
-          <p:cNvPr id="6" name="コンテンツ プレースホルダー 5">
-            <a:extLst>
-              <a:ext uri="{FF2B5EF4-FFF2-40B4-BE49-F238E27FC236}">
-                <a16:creationId xmlns:a16="http://schemas.microsoft.com/office/drawing/2014/main" id="{B57410F4-590B-1857-A50E-46D4DAF736FE}"/>
-              </a:ext>
-            </a:extLst>
-          </p:cNvPr>
-          <p:cNvSpPr>
-            <a:spLocks noGrp="1"/>
-          </p:cNvSpPr>
-          <p:nvPr>
-            <p:ph sz="quarter" idx="4"/>
-          </p:nvPr>
-        </p:nvSpPr>
-        <p:spPr/>
-        <p:txBody>
-          <a:bodyPr/>
-          <a:lstStyle/>
-          <a:p>
-            <a:endParaRPr kumimoji="1" lang="ja-JP" altLang="en-US" dirty="0"/>
-          </a:p>
-        </p:txBody>
-      </p:sp>
-    </p:spTree>
-    <p:extLst>
-      <p:ext uri="{BB962C8B-B14F-4D97-AF65-F5344CB8AC3E}">
-        <p14:creationId xmlns:p14="http://schemas.microsoft.com/office/powerpoint/2010/main" val="450012367"/>
-      </p:ext>
-    </p:extLst>
-  </p:cSld>
-  <p:clrMapOvr>
-    <a:masterClrMapping/>
-  </p:clrMapOvr>
-</p:sld>
-</file>
-
-<file path=ppt/slides/slide39.xml><?xml version="1.0" encoding="utf-8"?>
-<p:sld xmlns:a="http://schemas.openxmlformats.org/drawingml/2006/main" xmlns:r="http://schemas.openxmlformats.org/officeDocument/2006/relationships" xmlns:p="http://schemas.openxmlformats.org/presentationml/2006/main">
-  <p:cSld>
-    <p:spTree>
-      <p:nvGrpSpPr>
-        <p:cNvPr id="1" name=""/>
-        <p:cNvGrpSpPr/>
-        <p:nvPr/>
-      </p:nvGrpSpPr>
-      <p:grpSpPr>
-        <a:xfrm>
-          <a:off x="0" y="0"/>
-          <a:ext cx="0" cy="0"/>
-          <a:chOff x="0" y="0"/>
-          <a:chExt cx="0" cy="0"/>
-        </a:xfrm>
-      </p:grpSpPr>
-      <p:sp>
-        <p:nvSpPr>
-          <p:cNvPr id="2" name="タイトル 1">
-            <a:extLst>
-              <a:ext uri="{FF2B5EF4-FFF2-40B4-BE49-F238E27FC236}">
-                <a16:creationId xmlns:a16="http://schemas.microsoft.com/office/drawing/2014/main" id="{E18AF512-7191-AF97-29CA-EA0C9533F1C1}"/>
-              </a:ext>
-            </a:extLst>
-          </p:cNvPr>
-          <p:cNvSpPr>
-            <a:spLocks noGrp="1"/>
-          </p:cNvSpPr>
-          <p:nvPr>
-            <p:ph type="title"/>
-          </p:nvPr>
-        </p:nvSpPr>
-        <p:spPr/>
-        <p:txBody>
-          <a:bodyPr/>
-          <a:lstStyle/>
-          <a:p>
-            <a:r>
-              <a:rPr kumimoji="1" lang="ja-JP" altLang="en-US" dirty="0"/>
-              <a:t>解決策：用語解釈</a:t>
-            </a:r>
-          </a:p>
-        </p:txBody>
-      </p:sp>
-      <p:sp>
-        <p:nvSpPr>
-          <p:cNvPr id="3" name="コンテンツ プレースホルダー 2">
-            <a:extLst>
-              <a:ext uri="{FF2B5EF4-FFF2-40B4-BE49-F238E27FC236}">
-                <a16:creationId xmlns:a16="http://schemas.microsoft.com/office/drawing/2014/main" id="{27D70324-4FC4-EF8E-70DB-2858A354AC5A}"/>
-              </a:ext>
-            </a:extLst>
-          </p:cNvPr>
-          <p:cNvSpPr>
-            <a:spLocks noGrp="1"/>
-          </p:cNvSpPr>
-          <p:nvPr>
-            <p:ph idx="1"/>
-          </p:nvPr>
-        </p:nvSpPr>
-        <p:spPr/>
-        <p:txBody>
-          <a:bodyPr/>
-          <a:lstStyle/>
-          <a:p>
-            <a:pPr marL="457200" rtl="0">
-              <a:spcBef>
-                <a:spcPts val="0"/>
-              </a:spcBef>
-              <a:spcAft>
-                <a:spcPts val="0"/>
-              </a:spcAft>
-            </a:pPr>
-            <a:r>
-              <a:rPr lang="ja-JP" altLang="en-US" sz="1800" b="1" i="0" u="none" strike="noStrike" dirty="0">
-                <a:solidFill>
-                  <a:srgbClr val="000000"/>
-                </a:solidFill>
-                <a:effectLst/>
-                <a:latin typeface="Arial" panose="020B0604020202020204" pitchFamily="34" charset="0"/>
-              </a:rPr>
-              <a:t>意見の統一</a:t>
-            </a:r>
-            <a:endParaRPr lang="ja-JP" altLang="en-US" sz="1600" b="0" dirty="0">
-              <a:effectLst/>
-            </a:endParaRPr>
-          </a:p>
-          <a:p>
-            <a:pPr marL="457200" rtl="0">
-              <a:spcBef>
-                <a:spcPts val="0"/>
-              </a:spcBef>
-              <a:spcAft>
-                <a:spcPts val="0"/>
-              </a:spcAft>
-            </a:pPr>
-            <a:r>
-              <a:rPr lang="ja-JP" altLang="en-US" sz="1800" b="1" i="0" u="none" strike="noStrike" dirty="0">
-                <a:solidFill>
-                  <a:srgbClr val="000000"/>
-                </a:solidFill>
-                <a:effectLst/>
-                <a:latin typeface="Arial" panose="020B0604020202020204" pitchFamily="34" charset="0"/>
-              </a:rPr>
-              <a:t>用語集をエクセルで作成</a:t>
-            </a:r>
-            <a:endParaRPr lang="ja-JP" altLang="en-US" sz="1600" b="0" dirty="0">
-              <a:effectLst/>
-            </a:endParaRPr>
-          </a:p>
-          <a:p>
-            <a:pPr marL="457200" rtl="0">
-              <a:spcBef>
-                <a:spcPts val="0"/>
-              </a:spcBef>
-              <a:spcAft>
-                <a:spcPts val="0"/>
-              </a:spcAft>
-            </a:pPr>
-            <a:r>
-              <a:rPr lang="ja-JP" altLang="en-US" sz="1800" b="1" i="0" u="none" strike="noStrike" dirty="0">
-                <a:solidFill>
-                  <a:srgbClr val="000000"/>
-                </a:solidFill>
-                <a:effectLst/>
-                <a:latin typeface="Arial" panose="020B0604020202020204" pitchFamily="34" charset="0"/>
-              </a:rPr>
-              <a:t>機能と画面遷移について、ホワイトボードを使い全員で意見を出し合った</a:t>
-            </a:r>
-            <a:endParaRPr lang="ja-JP" altLang="en-US" sz="1600" b="0" dirty="0">
-              <a:effectLst/>
-            </a:endParaRPr>
-          </a:p>
-          <a:p>
-            <a:pPr marL="457200" rtl="0">
-              <a:spcBef>
-                <a:spcPts val="0"/>
-              </a:spcBef>
-              <a:spcAft>
-                <a:spcPts val="0"/>
-              </a:spcAft>
-            </a:pPr>
-            <a:r>
-              <a:rPr lang="ja-JP" altLang="en-US" sz="1800" b="1" i="0" u="none" strike="noStrike" dirty="0">
-                <a:solidFill>
-                  <a:srgbClr val="000000"/>
-                </a:solidFill>
-                <a:effectLst/>
-                <a:latin typeface="Arial" panose="020B0604020202020204" pitchFamily="34" charset="0"/>
-              </a:rPr>
-              <a:t>結果：各個人でチームの方針を合わせ、整合性のとれたアプリ開発を分担して行うことができた</a:t>
-            </a:r>
-            <a:endParaRPr lang="ja-JP" altLang="en-US" sz="1600" b="0" dirty="0">
-              <a:effectLst/>
-            </a:endParaRPr>
-          </a:p>
-          <a:p>
-            <a:br>
-              <a:rPr lang="ja-JP" altLang="en-US" sz="1600" dirty="0"/>
-            </a:br>
-            <a:endParaRPr kumimoji="1" lang="ja-JP" altLang="en-US" dirty="0"/>
-          </a:p>
-        </p:txBody>
-      </p:sp>
-    </p:spTree>
-    <p:extLst>
-      <p:ext uri="{BB962C8B-B14F-4D97-AF65-F5344CB8AC3E}">
-        <p14:creationId xmlns:p14="http://schemas.microsoft.com/office/powerpoint/2010/main" val="302118690"/>
       </p:ext>
     </p:extLst>
   </p:cSld>
@@ -38258,6 +40316,702 @@
     <p:extLst>
       <p:ext uri="{BB962C8B-B14F-4D97-AF65-F5344CB8AC3E}">
         <p14:creationId xmlns:p14="http://schemas.microsoft.com/office/powerpoint/2010/main" val="847394337"/>
+      </p:ext>
+    </p:extLst>
+  </p:cSld>
+  <p:clrMapOvr>
+    <a:masterClrMapping/>
+  </p:clrMapOvr>
+</p:sld>
+</file>
+
+<file path=ppt/slides/slide40.xml><?xml version="1.0" encoding="utf-8"?>
+<p:sld xmlns:a="http://schemas.openxmlformats.org/drawingml/2006/main" xmlns:r="http://schemas.openxmlformats.org/officeDocument/2006/relationships" xmlns:p="http://schemas.openxmlformats.org/presentationml/2006/main">
+  <p:cSld>
+    <p:spTree>
+      <p:nvGrpSpPr>
+        <p:cNvPr id="1" name=""/>
+        <p:cNvGrpSpPr/>
+        <p:nvPr/>
+      </p:nvGrpSpPr>
+      <p:grpSpPr>
+        <a:xfrm>
+          <a:off x="0" y="0"/>
+          <a:ext cx="0" cy="0"/>
+          <a:chOff x="0" y="0"/>
+          <a:chExt cx="0" cy="0"/>
+        </a:xfrm>
+      </p:grpSpPr>
+      <p:sp>
+        <p:nvSpPr>
+          <p:cNvPr id="2" name="タイトル 1">
+            <a:extLst>
+              <a:ext uri="{FF2B5EF4-FFF2-40B4-BE49-F238E27FC236}">
+                <a16:creationId xmlns:a16="http://schemas.microsoft.com/office/drawing/2014/main" id="{EBEB22DE-EFEA-99AC-9131-D36A0681CDFC}"/>
+              </a:ext>
+            </a:extLst>
+          </p:cNvPr>
+          <p:cNvSpPr>
+            <a:spLocks noGrp="1"/>
+          </p:cNvSpPr>
+          <p:nvPr>
+            <p:ph type="title"/>
+          </p:nvPr>
+        </p:nvSpPr>
+        <p:spPr/>
+        <p:txBody>
+          <a:bodyPr/>
+          <a:lstStyle/>
+          <a:p>
+            <a:r>
+              <a:rPr kumimoji="1" lang="ja-JP" altLang="en-US" dirty="0"/>
+              <a:t>問題：オンラインでの会話</a:t>
+            </a:r>
+          </a:p>
+        </p:txBody>
+      </p:sp>
+      <p:sp>
+        <p:nvSpPr>
+          <p:cNvPr id="3" name="テキスト プレースホルダー 2">
+            <a:extLst>
+              <a:ext uri="{FF2B5EF4-FFF2-40B4-BE49-F238E27FC236}">
+                <a16:creationId xmlns:a16="http://schemas.microsoft.com/office/drawing/2014/main" id="{66ABF322-DB14-65C8-02AC-D8A7295C01DF}"/>
+              </a:ext>
+            </a:extLst>
+          </p:cNvPr>
+          <p:cNvSpPr>
+            <a:spLocks noGrp="1"/>
+          </p:cNvSpPr>
+          <p:nvPr>
+            <p:ph type="body" idx="1"/>
+          </p:nvPr>
+        </p:nvSpPr>
+        <p:spPr/>
+        <p:txBody>
+          <a:bodyPr/>
+          <a:lstStyle/>
+          <a:p>
+            <a:endParaRPr kumimoji="1" lang="ja-JP" altLang="en-US" dirty="0"/>
+          </a:p>
+        </p:txBody>
+      </p:sp>
+      <p:sp>
+        <p:nvSpPr>
+          <p:cNvPr id="4" name="コンテンツ プレースホルダー 3">
+            <a:extLst>
+              <a:ext uri="{FF2B5EF4-FFF2-40B4-BE49-F238E27FC236}">
+                <a16:creationId xmlns:a16="http://schemas.microsoft.com/office/drawing/2014/main" id="{F467A54D-D7CF-D6E3-49BD-81B0D7558A07}"/>
+              </a:ext>
+            </a:extLst>
+          </p:cNvPr>
+          <p:cNvSpPr>
+            <a:spLocks noGrp="1"/>
+          </p:cNvSpPr>
+          <p:nvPr>
+            <p:ph sz="half" idx="2"/>
+          </p:nvPr>
+        </p:nvSpPr>
+        <p:spPr/>
+        <p:txBody>
+          <a:bodyPr/>
+          <a:lstStyle/>
+          <a:p>
+            <a:pPr marL="457200" rtl="0">
+              <a:spcBef>
+                <a:spcPts val="0"/>
+              </a:spcBef>
+              <a:spcAft>
+                <a:spcPts val="0"/>
+              </a:spcAft>
+            </a:pPr>
+            <a:r>
+              <a:rPr lang="ja-JP" altLang="en-US" sz="1800" b="1" i="0" u="none" strike="noStrike" dirty="0">
+                <a:solidFill>
+                  <a:srgbClr val="000000"/>
+                </a:solidFill>
+                <a:effectLst/>
+                <a:latin typeface="Arial" panose="020B0604020202020204" pitchFamily="34" charset="0"/>
+              </a:rPr>
+              <a:t>話し始めを譲り合ってしまい、変な間を誕生させてからゆっくり進捗確認することで少しの時間の無駄を積み重ねてしまった</a:t>
+            </a:r>
+            <a:endParaRPr lang="ja-JP" altLang="en-US" sz="1600" b="0" dirty="0">
+              <a:effectLst/>
+            </a:endParaRPr>
+          </a:p>
+          <a:p>
+            <a:br>
+              <a:rPr lang="ja-JP" altLang="en-US" sz="1600" dirty="0"/>
+            </a:br>
+            <a:endParaRPr kumimoji="1" lang="ja-JP" altLang="en-US" dirty="0"/>
+          </a:p>
+        </p:txBody>
+      </p:sp>
+      <p:sp>
+        <p:nvSpPr>
+          <p:cNvPr id="5" name="テキスト プレースホルダー 4">
+            <a:extLst>
+              <a:ext uri="{FF2B5EF4-FFF2-40B4-BE49-F238E27FC236}">
+                <a16:creationId xmlns:a16="http://schemas.microsoft.com/office/drawing/2014/main" id="{BC934BB8-7F9C-CF57-D83A-17992C515415}"/>
+              </a:ext>
+            </a:extLst>
+          </p:cNvPr>
+          <p:cNvSpPr>
+            <a:spLocks noGrp="1"/>
+          </p:cNvSpPr>
+          <p:nvPr>
+            <p:ph type="body" sz="quarter" idx="3"/>
+          </p:nvPr>
+        </p:nvSpPr>
+        <p:spPr/>
+        <p:txBody>
+          <a:bodyPr/>
+          <a:lstStyle/>
+          <a:p>
+            <a:endParaRPr kumimoji="1" lang="ja-JP" altLang="en-US" dirty="0"/>
+          </a:p>
+        </p:txBody>
+      </p:sp>
+      <p:sp>
+        <p:nvSpPr>
+          <p:cNvPr id="6" name="コンテンツ プレースホルダー 5">
+            <a:extLst>
+              <a:ext uri="{FF2B5EF4-FFF2-40B4-BE49-F238E27FC236}">
+                <a16:creationId xmlns:a16="http://schemas.microsoft.com/office/drawing/2014/main" id="{B57410F4-590B-1857-A50E-46D4DAF736FE}"/>
+              </a:ext>
+            </a:extLst>
+          </p:cNvPr>
+          <p:cNvSpPr>
+            <a:spLocks noGrp="1"/>
+          </p:cNvSpPr>
+          <p:nvPr>
+            <p:ph sz="quarter" idx="4"/>
+          </p:nvPr>
+        </p:nvSpPr>
+        <p:spPr/>
+        <p:txBody>
+          <a:bodyPr/>
+          <a:lstStyle/>
+          <a:p>
+            <a:r>
+              <a:rPr lang="ja-JP" altLang="en-US" sz="1800" b="1" i="0" u="none" strike="noStrike" dirty="0">
+                <a:solidFill>
+                  <a:srgbClr val="000000"/>
+                </a:solidFill>
+                <a:effectLst/>
+                <a:latin typeface="Arial" panose="020B0604020202020204" pitchFamily="34" charset="0"/>
+              </a:rPr>
+              <a:t>進捗確認や</a:t>
+            </a:r>
+            <a:r>
+              <a:rPr lang="en-US" altLang="ja-JP" sz="1800" b="1" i="0" u="none" strike="noStrike" dirty="0">
+                <a:solidFill>
+                  <a:srgbClr val="000000"/>
+                </a:solidFill>
+                <a:effectLst/>
+                <a:latin typeface="Arial" panose="020B0604020202020204" pitchFamily="34" charset="0"/>
+              </a:rPr>
+              <a:t>GW</a:t>
+            </a:r>
+            <a:r>
+              <a:rPr lang="ja-JP" altLang="en-US" sz="1800" b="1" i="0" u="none" strike="noStrike" dirty="0">
+                <a:solidFill>
+                  <a:srgbClr val="000000"/>
+                </a:solidFill>
+                <a:effectLst/>
+                <a:latin typeface="Arial" panose="020B0604020202020204" pitchFamily="34" charset="0"/>
+              </a:rPr>
+              <a:t>を行う際に、誰かが話し始めるだろうという意識や、自分の発言や質問が間違っていたら申し訳ない、という意識が先行してしまった　</a:t>
+            </a:r>
+            <a:endParaRPr kumimoji="1" lang="ja-JP" altLang="en-US" dirty="0"/>
+          </a:p>
+        </p:txBody>
+      </p:sp>
+    </p:spTree>
+    <p:extLst>
+      <p:ext uri="{BB962C8B-B14F-4D97-AF65-F5344CB8AC3E}">
+        <p14:creationId xmlns:p14="http://schemas.microsoft.com/office/powerpoint/2010/main" val="450012367"/>
+      </p:ext>
+    </p:extLst>
+  </p:cSld>
+  <p:clrMapOvr>
+    <a:masterClrMapping/>
+  </p:clrMapOvr>
+</p:sld>
+</file>
+
+<file path=ppt/slides/slide41.xml><?xml version="1.0" encoding="utf-8"?>
+<p:sld xmlns:a="http://schemas.openxmlformats.org/drawingml/2006/main" xmlns:r="http://schemas.openxmlformats.org/officeDocument/2006/relationships" xmlns:p="http://schemas.openxmlformats.org/presentationml/2006/main">
+  <p:cSld>
+    <p:spTree>
+      <p:nvGrpSpPr>
+        <p:cNvPr id="1" name=""/>
+        <p:cNvGrpSpPr/>
+        <p:nvPr/>
+      </p:nvGrpSpPr>
+      <p:grpSpPr>
+        <a:xfrm>
+          <a:off x="0" y="0"/>
+          <a:ext cx="0" cy="0"/>
+          <a:chOff x="0" y="0"/>
+          <a:chExt cx="0" cy="0"/>
+        </a:xfrm>
+      </p:grpSpPr>
+      <p:sp>
+        <p:nvSpPr>
+          <p:cNvPr id="2" name="タイトル 1">
+            <a:extLst>
+              <a:ext uri="{FF2B5EF4-FFF2-40B4-BE49-F238E27FC236}">
+                <a16:creationId xmlns:a16="http://schemas.microsoft.com/office/drawing/2014/main" id="{E18AF512-7191-AF97-29CA-EA0C9533F1C1}"/>
+              </a:ext>
+            </a:extLst>
+          </p:cNvPr>
+          <p:cNvSpPr>
+            <a:spLocks noGrp="1"/>
+          </p:cNvSpPr>
+          <p:nvPr>
+            <p:ph type="title"/>
+          </p:nvPr>
+        </p:nvSpPr>
+        <p:spPr/>
+        <p:txBody>
+          <a:bodyPr/>
+          <a:lstStyle/>
+          <a:p>
+            <a:r>
+              <a:rPr kumimoji="1" lang="ja-JP" altLang="en-US" dirty="0"/>
+              <a:t>解決策：オンラインでの会話</a:t>
+            </a:r>
+          </a:p>
+        </p:txBody>
+      </p:sp>
+      <p:sp>
+        <p:nvSpPr>
+          <p:cNvPr id="3" name="コンテンツ プレースホルダー 2">
+            <a:extLst>
+              <a:ext uri="{FF2B5EF4-FFF2-40B4-BE49-F238E27FC236}">
+                <a16:creationId xmlns:a16="http://schemas.microsoft.com/office/drawing/2014/main" id="{27D70324-4FC4-EF8E-70DB-2858A354AC5A}"/>
+              </a:ext>
+            </a:extLst>
+          </p:cNvPr>
+          <p:cNvSpPr>
+            <a:spLocks noGrp="1"/>
+          </p:cNvSpPr>
+          <p:nvPr>
+            <p:ph idx="1"/>
+          </p:nvPr>
+        </p:nvSpPr>
+        <p:spPr/>
+        <p:txBody>
+          <a:bodyPr/>
+          <a:lstStyle/>
+          <a:p>
+            <a:pPr marL="457200" rtl="0">
+              <a:spcBef>
+                <a:spcPts val="0"/>
+              </a:spcBef>
+              <a:spcAft>
+                <a:spcPts val="0"/>
+              </a:spcAft>
+            </a:pPr>
+            <a:r>
+              <a:rPr lang="ja-JP" altLang="en-US" sz="1800" b="1" i="0" u="none" strike="noStrike" dirty="0">
+                <a:solidFill>
+                  <a:srgbClr val="000000"/>
+                </a:solidFill>
+                <a:effectLst/>
+                <a:latin typeface="Arial" panose="020B0604020202020204" pitchFamily="34" charset="0"/>
+              </a:rPr>
+              <a:t>解決策：ポジティブな反応</a:t>
+            </a:r>
+            <a:endParaRPr lang="ja-JP" altLang="en-US" sz="1600" b="0" dirty="0">
+              <a:effectLst/>
+            </a:endParaRPr>
+          </a:p>
+          <a:p>
+            <a:pPr marL="457200" rtl="0">
+              <a:spcBef>
+                <a:spcPts val="0"/>
+              </a:spcBef>
+              <a:spcAft>
+                <a:spcPts val="0"/>
+              </a:spcAft>
+            </a:pPr>
+            <a:r>
+              <a:rPr lang="ja-JP" altLang="en-US" sz="1800" b="1" i="0" u="none" strike="noStrike" dirty="0">
+                <a:solidFill>
+                  <a:srgbClr val="000000"/>
+                </a:solidFill>
+                <a:effectLst/>
+                <a:latin typeface="Arial" panose="020B0604020202020204" pitchFamily="34" charset="0"/>
+              </a:rPr>
+              <a:t>相手を褒める、発表が終わったら拍手など、ポジティブな言葉、行動を積極的に行った</a:t>
+            </a:r>
+            <a:endParaRPr lang="ja-JP" altLang="en-US" sz="1600" b="0" dirty="0">
+              <a:effectLst/>
+            </a:endParaRPr>
+          </a:p>
+          <a:p>
+            <a:pPr marL="457200" rtl="0">
+              <a:spcBef>
+                <a:spcPts val="0"/>
+              </a:spcBef>
+              <a:spcAft>
+                <a:spcPts val="0"/>
+              </a:spcAft>
+            </a:pPr>
+            <a:r>
+              <a:rPr lang="ja-JP" altLang="en-US" sz="1800" b="1" i="0" u="none" strike="noStrike" dirty="0">
+                <a:solidFill>
+                  <a:srgbClr val="000000"/>
+                </a:solidFill>
+                <a:effectLst/>
+                <a:latin typeface="Arial" panose="020B0604020202020204" pitchFamily="34" charset="0"/>
+              </a:rPr>
+              <a:t>雰囲気も徐々によくなり、これ何の時間、ということが無言の時に聞けるようにまでなった</a:t>
+            </a:r>
+            <a:endParaRPr lang="ja-JP" altLang="en-US" sz="1600" b="0" dirty="0">
+              <a:effectLst/>
+            </a:endParaRPr>
+          </a:p>
+          <a:p>
+            <a:pPr marL="457200" rtl="0">
+              <a:spcBef>
+                <a:spcPts val="0"/>
+              </a:spcBef>
+              <a:spcAft>
+                <a:spcPts val="0"/>
+              </a:spcAft>
+            </a:pPr>
+            <a:r>
+              <a:rPr lang="ja-JP" altLang="en-US" sz="1800" b="1" i="0" u="none" strike="noStrike" dirty="0">
+                <a:solidFill>
+                  <a:srgbClr val="000000"/>
+                </a:solidFill>
+                <a:effectLst/>
+                <a:latin typeface="Arial" panose="020B0604020202020204" pitchFamily="34" charset="0"/>
+              </a:rPr>
+              <a:t>結果：役割にとらわれることなく、チーム内で助け合う、という意識を持って活動することができるようになった</a:t>
+            </a:r>
+            <a:endParaRPr lang="ja-JP" altLang="en-US" sz="1600" b="0" dirty="0">
+              <a:effectLst/>
+            </a:endParaRPr>
+          </a:p>
+          <a:p>
+            <a:br>
+              <a:rPr lang="ja-JP" altLang="en-US" sz="1600" dirty="0"/>
+            </a:br>
+            <a:endParaRPr kumimoji="1" lang="ja-JP" altLang="en-US" dirty="0"/>
+          </a:p>
+        </p:txBody>
+      </p:sp>
+    </p:spTree>
+    <p:extLst>
+      <p:ext uri="{BB962C8B-B14F-4D97-AF65-F5344CB8AC3E}">
+        <p14:creationId xmlns:p14="http://schemas.microsoft.com/office/powerpoint/2010/main" val="302118690"/>
+      </p:ext>
+    </p:extLst>
+  </p:cSld>
+  <p:clrMapOvr>
+    <a:masterClrMapping/>
+  </p:clrMapOvr>
+</p:sld>
+</file>
+
+<file path=ppt/slides/slide42.xml><?xml version="1.0" encoding="utf-8"?>
+<p:sld xmlns:a="http://schemas.openxmlformats.org/drawingml/2006/main" xmlns:r="http://schemas.openxmlformats.org/officeDocument/2006/relationships" xmlns:p="http://schemas.openxmlformats.org/presentationml/2006/main">
+  <p:cSld>
+    <p:spTree>
+      <p:nvGrpSpPr>
+        <p:cNvPr id="1" name=""/>
+        <p:cNvGrpSpPr/>
+        <p:nvPr/>
+      </p:nvGrpSpPr>
+      <p:grpSpPr>
+        <a:xfrm>
+          <a:off x="0" y="0"/>
+          <a:ext cx="0" cy="0"/>
+          <a:chOff x="0" y="0"/>
+          <a:chExt cx="0" cy="0"/>
+        </a:xfrm>
+      </p:grpSpPr>
+      <p:sp>
+        <p:nvSpPr>
+          <p:cNvPr id="2" name="タイトル 1">
+            <a:extLst>
+              <a:ext uri="{FF2B5EF4-FFF2-40B4-BE49-F238E27FC236}">
+                <a16:creationId xmlns:a16="http://schemas.microsoft.com/office/drawing/2014/main" id="{4E147606-CA87-3E0B-3429-B7D9E0B9A1B4}"/>
+              </a:ext>
+            </a:extLst>
+          </p:cNvPr>
+          <p:cNvSpPr>
+            <a:spLocks noGrp="1"/>
+          </p:cNvSpPr>
+          <p:nvPr>
+            <p:ph type="title"/>
+          </p:nvPr>
+        </p:nvSpPr>
+        <p:spPr/>
+        <p:txBody>
+          <a:bodyPr/>
+          <a:lstStyle/>
+          <a:p>
+            <a:endParaRPr kumimoji="1" lang="ja-JP" altLang="en-US" dirty="0"/>
+          </a:p>
+        </p:txBody>
+      </p:sp>
+      <p:sp>
+        <p:nvSpPr>
+          <p:cNvPr id="3" name="コンテンツ プレースホルダー 2">
+            <a:extLst>
+              <a:ext uri="{FF2B5EF4-FFF2-40B4-BE49-F238E27FC236}">
+                <a16:creationId xmlns:a16="http://schemas.microsoft.com/office/drawing/2014/main" id="{56D7E40D-41ED-B0E0-7BB2-9668FAE82A72}"/>
+              </a:ext>
+            </a:extLst>
+          </p:cNvPr>
+          <p:cNvSpPr>
+            <a:spLocks noGrp="1"/>
+          </p:cNvSpPr>
+          <p:nvPr>
+            <p:ph idx="1"/>
+          </p:nvPr>
+        </p:nvSpPr>
+        <p:spPr/>
+        <p:txBody>
+          <a:bodyPr/>
+          <a:lstStyle/>
+          <a:p>
+            <a:pPr marL="457200" rtl="0">
+              <a:spcBef>
+                <a:spcPts val="0"/>
+              </a:spcBef>
+              <a:spcAft>
+                <a:spcPts val="0"/>
+              </a:spcAft>
+            </a:pPr>
+            <a:r>
+              <a:rPr lang="ja-JP" altLang="en-US" sz="1800" b="1" i="0" u="none" strike="noStrike" dirty="0">
+                <a:solidFill>
+                  <a:srgbClr val="000000"/>
+                </a:solidFill>
+                <a:effectLst/>
+                <a:latin typeface="Arial" panose="020B0604020202020204" pitchFamily="34" charset="0"/>
+              </a:rPr>
+              <a:t>コミュニケーションにおける課題：チーム内での情報共有　</a:t>
+            </a:r>
+            <a:endParaRPr lang="ja-JP" altLang="en-US" b="0" dirty="0">
+              <a:effectLst/>
+            </a:endParaRPr>
+          </a:p>
+          <a:p>
+            <a:pPr marL="457200" rtl="0">
+              <a:spcBef>
+                <a:spcPts val="0"/>
+              </a:spcBef>
+              <a:spcAft>
+                <a:spcPts val="0"/>
+              </a:spcAft>
+            </a:pPr>
+            <a:r>
+              <a:rPr lang="ja-JP" altLang="en-US" sz="1800" b="1" i="0" u="none" strike="noStrike" dirty="0">
+                <a:solidFill>
+                  <a:srgbClr val="000000"/>
+                </a:solidFill>
+                <a:effectLst/>
+                <a:latin typeface="Arial" panose="020B0604020202020204" pitchFamily="34" charset="0"/>
+              </a:rPr>
+              <a:t>解決策と結果から、私たちはチーム内での情報共有の意識を高め、行動できるようになった</a:t>
+            </a:r>
+            <a:endParaRPr lang="ja-JP" altLang="en-US" b="0" dirty="0">
+              <a:effectLst/>
+            </a:endParaRPr>
+          </a:p>
+          <a:p>
+            <a:br>
+              <a:rPr lang="ja-JP" altLang="en-US" dirty="0"/>
+            </a:br>
+            <a:endParaRPr kumimoji="1" lang="ja-JP" altLang="en-US" dirty="0"/>
+          </a:p>
+        </p:txBody>
+      </p:sp>
+    </p:spTree>
+    <p:extLst>
+      <p:ext uri="{BB962C8B-B14F-4D97-AF65-F5344CB8AC3E}">
+        <p14:creationId xmlns:p14="http://schemas.microsoft.com/office/powerpoint/2010/main" val="418146705"/>
+      </p:ext>
+    </p:extLst>
+  </p:cSld>
+  <p:clrMapOvr>
+    <a:masterClrMapping/>
+  </p:clrMapOvr>
+</p:sld>
+</file>
+
+<file path=ppt/slides/slide43.xml><?xml version="1.0" encoding="utf-8"?>
+<p:sld xmlns:a="http://schemas.openxmlformats.org/drawingml/2006/main" xmlns:r="http://schemas.openxmlformats.org/officeDocument/2006/relationships" xmlns:p="http://schemas.openxmlformats.org/presentationml/2006/main">
+  <p:cSld>
+    <p:spTree>
+      <p:nvGrpSpPr>
+        <p:cNvPr id="1" name=""/>
+        <p:cNvGrpSpPr/>
+        <p:nvPr/>
+      </p:nvGrpSpPr>
+      <p:grpSpPr>
+        <a:xfrm>
+          <a:off x="0" y="0"/>
+          <a:ext cx="0" cy="0"/>
+          <a:chOff x="0" y="0"/>
+          <a:chExt cx="0" cy="0"/>
+        </a:xfrm>
+      </p:grpSpPr>
+      <p:sp>
+        <p:nvSpPr>
+          <p:cNvPr id="3" name="タイトル 2">
+            <a:extLst>
+              <a:ext uri="{FF2B5EF4-FFF2-40B4-BE49-F238E27FC236}">
+                <a16:creationId xmlns:a16="http://schemas.microsoft.com/office/drawing/2014/main" id="{E21A76B6-9A0F-5109-48D2-1DB622B611A1}"/>
+              </a:ext>
+            </a:extLst>
+          </p:cNvPr>
+          <p:cNvSpPr>
+            <a:spLocks noGrp="1"/>
+          </p:cNvSpPr>
+          <p:nvPr>
+            <p:ph type="title"/>
+          </p:nvPr>
+        </p:nvSpPr>
+        <p:spPr/>
+        <p:txBody>
+          <a:bodyPr/>
+          <a:lstStyle/>
+          <a:p>
+            <a:r>
+              <a:rPr lang="ja-JP" altLang="en-US" dirty="0"/>
+              <a:t>これから</a:t>
+            </a:r>
+          </a:p>
+        </p:txBody>
+      </p:sp>
+      <p:sp>
+        <p:nvSpPr>
+          <p:cNvPr id="2" name="テキスト プレースホルダー 1">
+            <a:extLst>
+              <a:ext uri="{FF2B5EF4-FFF2-40B4-BE49-F238E27FC236}">
+                <a16:creationId xmlns:a16="http://schemas.microsoft.com/office/drawing/2014/main" id="{F8F07067-EDA9-3D43-1B69-5431EC0573F0}"/>
+              </a:ext>
+            </a:extLst>
+          </p:cNvPr>
+          <p:cNvSpPr>
+            <a:spLocks noGrp="1"/>
+          </p:cNvSpPr>
+          <p:nvPr>
+            <p:ph type="body" idx="1"/>
+          </p:nvPr>
+        </p:nvSpPr>
+        <p:spPr/>
+        <p:txBody>
+          <a:bodyPr/>
+          <a:lstStyle/>
+          <a:p>
+            <a:endParaRPr kumimoji="1" lang="ja-JP" altLang="en-US" sz="8000" dirty="0">
+              <a:latin typeface="游ゴシック Medium" panose="020B0500000000000000" pitchFamily="50" charset="-128"/>
+              <a:ea typeface="游ゴシック Medium" panose="020B0500000000000000" pitchFamily="50" charset="-128"/>
+            </a:endParaRPr>
+          </a:p>
+        </p:txBody>
+      </p:sp>
+    </p:spTree>
+    <p:extLst>
+      <p:ext uri="{BB962C8B-B14F-4D97-AF65-F5344CB8AC3E}">
+        <p14:creationId xmlns:p14="http://schemas.microsoft.com/office/powerpoint/2010/main" val="2381465600"/>
+      </p:ext>
+    </p:extLst>
+  </p:cSld>
+  <p:clrMapOvr>
+    <a:masterClrMapping/>
+  </p:clrMapOvr>
+</p:sld>
+</file>
+
+<file path=ppt/slides/slide44.xml><?xml version="1.0" encoding="utf-8"?>
+<p:sld xmlns:a="http://schemas.openxmlformats.org/drawingml/2006/main" xmlns:r="http://schemas.openxmlformats.org/officeDocument/2006/relationships" xmlns:p="http://schemas.openxmlformats.org/presentationml/2006/main">
+  <p:cSld>
+    <p:spTree>
+      <p:nvGrpSpPr>
+        <p:cNvPr id="1" name=""/>
+        <p:cNvGrpSpPr/>
+        <p:nvPr/>
+      </p:nvGrpSpPr>
+      <p:grpSpPr>
+        <a:xfrm>
+          <a:off x="0" y="0"/>
+          <a:ext cx="0" cy="0"/>
+          <a:chOff x="0" y="0"/>
+          <a:chExt cx="0" cy="0"/>
+        </a:xfrm>
+      </p:grpSpPr>
+      <p:sp>
+        <p:nvSpPr>
+          <p:cNvPr id="2" name="タイトル 1">
+            <a:extLst>
+              <a:ext uri="{FF2B5EF4-FFF2-40B4-BE49-F238E27FC236}">
+                <a16:creationId xmlns:a16="http://schemas.microsoft.com/office/drawing/2014/main" id="{0C8E5A66-3AB9-34AD-E3AB-678E1B855F30}"/>
+              </a:ext>
+            </a:extLst>
+          </p:cNvPr>
+          <p:cNvSpPr>
+            <a:spLocks noGrp="1"/>
+          </p:cNvSpPr>
+          <p:nvPr>
+            <p:ph type="title"/>
+          </p:nvPr>
+        </p:nvSpPr>
+        <p:spPr/>
+        <p:txBody>
+          <a:bodyPr/>
+          <a:lstStyle/>
+          <a:p>
+            <a:r>
+              <a:rPr kumimoji="1" lang="ja-JP" altLang="en-US" dirty="0"/>
+              <a:t>研修を活かして</a:t>
+            </a:r>
+          </a:p>
+        </p:txBody>
+      </p:sp>
+      <p:graphicFrame>
+        <p:nvGraphicFramePr>
+          <p:cNvPr id="4" name="コンテンツ プレースホルダー 3">
+            <a:extLst>
+              <a:ext uri="{FF2B5EF4-FFF2-40B4-BE49-F238E27FC236}">
+                <a16:creationId xmlns:a16="http://schemas.microsoft.com/office/drawing/2014/main" id="{4859568E-F7F1-6517-251E-DEFC4DE36D9F}"/>
+              </a:ext>
+            </a:extLst>
+          </p:cNvPr>
+          <p:cNvGraphicFramePr>
+            <a:graphicFrameLocks noGrp="1"/>
+          </p:cNvGraphicFramePr>
+          <p:nvPr>
+            <p:ph idx="1"/>
+            <p:extLst>
+              <p:ext uri="{D42A27DB-BD31-4B8C-83A1-F6EECF244321}">
+                <p14:modId xmlns:p14="http://schemas.microsoft.com/office/powerpoint/2010/main" val="871405939"/>
+              </p:ext>
+            </p:extLst>
+          </p:nvPr>
+        </p:nvGraphicFramePr>
+        <p:xfrm>
+          <a:off x="700088" y="2292350"/>
+          <a:ext cx="10691812" cy="3636963"/>
+        </p:xfrm>
+        <a:graphic>
+          <a:graphicData uri="http://schemas.openxmlformats.org/drawingml/2006/diagram">
+            <dgm:relIds xmlns:dgm="http://schemas.openxmlformats.org/drawingml/2006/diagram" xmlns:r="http://schemas.openxmlformats.org/officeDocument/2006/relationships" r:dm="rId2" r:lo="rId3" r:qs="rId4" r:cs="rId5"/>
+          </a:graphicData>
+        </a:graphic>
+      </p:graphicFrame>
+    </p:spTree>
+    <p:extLst>
+      <p:ext uri="{BB962C8B-B14F-4D97-AF65-F5344CB8AC3E}">
+        <p14:creationId xmlns:p14="http://schemas.microsoft.com/office/powerpoint/2010/main" val="1876394172"/>
       </p:ext>
     </p:extLst>
   </p:cSld>
@@ -39221,6 +41975,15 @@
               </a:schemeClr>
             </a:duotone>
             <a:extLst>
+              <a:ext uri="{BEBA8EAE-BF5A-486C-A8C5-ECC9F3942E4B}">
+                <a14:imgProps xmlns:a14="http://schemas.microsoft.com/office/drawing/2010/main">
+                  <a14:imgLayer r:embed="rId4">
+                    <a14:imgEffect>
+                      <a14:artisticGlowEdges/>
+                    </a14:imgEffect>
+                  </a14:imgLayer>
+                </a14:imgProps>
+              </a:ext>
               <a:ext uri="{28A0092B-C50C-407E-A947-70E740481C1C}">
                 <a14:useLocalDpi xmlns:a14="http://schemas.microsoft.com/office/drawing/2010/main" val="0"/>
               </a:ext>
